--- a/Apresentação - Programação Microcontroladores.pptx
+++ b/Apresentação - Programação Microcontroladores.pptx
@@ -5,7 +5,7 @@
     <p:sldMasterId id="2147483648" r:id="rId1"/>
   </p:sldMasterIdLst>
   <p:notesMasterIdLst>
-    <p:notesMasterId r:id="rId23"/>
+    <p:notesMasterId r:id="rId28"/>
   </p:notesMasterIdLst>
   <p:sldIdLst>
     <p:sldId id="256" r:id="rId2"/>
@@ -13,22 +13,27 @@
     <p:sldId id="331" r:id="rId4"/>
     <p:sldId id="332" r:id="rId5"/>
     <p:sldId id="348" r:id="rId6"/>
-    <p:sldId id="351" r:id="rId7"/>
-    <p:sldId id="353" r:id="rId8"/>
-    <p:sldId id="352" r:id="rId9"/>
-    <p:sldId id="333" r:id="rId10"/>
-    <p:sldId id="354" r:id="rId11"/>
-    <p:sldId id="334" r:id="rId12"/>
-    <p:sldId id="343" r:id="rId13"/>
-    <p:sldId id="344" r:id="rId14"/>
-    <p:sldId id="345" r:id="rId15"/>
-    <p:sldId id="346" r:id="rId16"/>
-    <p:sldId id="347" r:id="rId17"/>
-    <p:sldId id="335" r:id="rId18"/>
-    <p:sldId id="340" r:id="rId19"/>
-    <p:sldId id="336" r:id="rId20"/>
-    <p:sldId id="341" r:id="rId21"/>
-    <p:sldId id="309" r:id="rId22"/>
+    <p:sldId id="358" r:id="rId7"/>
+    <p:sldId id="357" r:id="rId8"/>
+    <p:sldId id="355" r:id="rId9"/>
+    <p:sldId id="351" r:id="rId10"/>
+    <p:sldId id="356" r:id="rId11"/>
+    <p:sldId id="352" r:id="rId12"/>
+    <p:sldId id="333" r:id="rId13"/>
+    <p:sldId id="359" r:id="rId14"/>
+    <p:sldId id="360" r:id="rId15"/>
+    <p:sldId id="334" r:id="rId16"/>
+    <p:sldId id="343" r:id="rId17"/>
+    <p:sldId id="344" r:id="rId18"/>
+    <p:sldId id="345" r:id="rId19"/>
+    <p:sldId id="346" r:id="rId20"/>
+    <p:sldId id="347" r:id="rId21"/>
+    <p:sldId id="335" r:id="rId22"/>
+    <p:sldId id="340" r:id="rId23"/>
+    <p:sldId id="336" r:id="rId24"/>
+    <p:sldId id="341" r:id="rId25"/>
+    <p:sldId id="361" r:id="rId26"/>
+    <p:sldId id="309" r:id="rId27"/>
   </p:sldIdLst>
   <p:sldSz cx="9144000" cy="5143500" type="screen16x9"/>
   <p:notesSz cx="6858000" cy="9144000"/>
@@ -636,7 +641,7 @@
     </p:spTree>
     <p:extLst>
       <p:ext uri="{BB962C8B-B14F-4D97-AF65-F5344CB8AC3E}">
-        <p14:creationId xmlns:p14="http://schemas.microsoft.com/office/powerpoint/2010/main" val="3489477623"/>
+        <p14:creationId xmlns:p14="http://schemas.microsoft.com/office/powerpoint/2010/main" val="1235143066"/>
       </p:ext>
     </p:extLst>
   </p:cSld>
@@ -702,7 +707,7 @@
     </p:spTree>
     <p:extLst>
       <p:ext uri="{BB962C8B-B14F-4D97-AF65-F5344CB8AC3E}">
-        <p14:creationId xmlns:p14="http://schemas.microsoft.com/office/powerpoint/2010/main" val="1187788449"/>
+        <p14:creationId xmlns:p14="http://schemas.microsoft.com/office/powerpoint/2010/main" val="1209447416"/>
       </p:ext>
     </p:extLst>
   </p:cSld>
@@ -768,7 +773,7 @@
     </p:spTree>
     <p:extLst>
       <p:ext uri="{BB962C8B-B14F-4D97-AF65-F5344CB8AC3E}">
-        <p14:creationId xmlns:p14="http://schemas.microsoft.com/office/powerpoint/2010/main" val="873631164"/>
+        <p14:creationId xmlns:p14="http://schemas.microsoft.com/office/powerpoint/2010/main" val="499548038"/>
       </p:ext>
     </p:extLst>
   </p:cSld>
@@ -834,7 +839,7 @@
     </p:spTree>
     <p:extLst>
       <p:ext uri="{BB962C8B-B14F-4D97-AF65-F5344CB8AC3E}">
-        <p14:creationId xmlns:p14="http://schemas.microsoft.com/office/powerpoint/2010/main" val="1014264510"/>
+        <p14:creationId xmlns:p14="http://schemas.microsoft.com/office/powerpoint/2010/main" val="940003229"/>
       </p:ext>
     </p:extLst>
   </p:cSld>
@@ -900,7 +905,7 @@
     </p:spTree>
     <p:extLst>
       <p:ext uri="{BB962C8B-B14F-4D97-AF65-F5344CB8AC3E}">
-        <p14:creationId xmlns:p14="http://schemas.microsoft.com/office/powerpoint/2010/main" val="2484314533"/>
+        <p14:creationId xmlns:p14="http://schemas.microsoft.com/office/powerpoint/2010/main" val="3489477623"/>
       </p:ext>
     </p:extLst>
   </p:cSld>
@@ -966,7 +971,7 @@
     </p:spTree>
     <p:extLst>
       <p:ext uri="{BB962C8B-B14F-4D97-AF65-F5344CB8AC3E}">
-        <p14:creationId xmlns:p14="http://schemas.microsoft.com/office/powerpoint/2010/main" val="2690279454"/>
+        <p14:creationId xmlns:p14="http://schemas.microsoft.com/office/powerpoint/2010/main" val="1187788449"/>
       </p:ext>
     </p:extLst>
   </p:cSld>
@@ -1032,7 +1037,7 @@
     </p:spTree>
     <p:extLst>
       <p:ext uri="{BB962C8B-B14F-4D97-AF65-F5344CB8AC3E}">
-        <p14:creationId xmlns:p14="http://schemas.microsoft.com/office/powerpoint/2010/main" val="371893395"/>
+        <p14:creationId xmlns:p14="http://schemas.microsoft.com/office/powerpoint/2010/main" val="873631164"/>
       </p:ext>
     </p:extLst>
   </p:cSld>
@@ -1098,7 +1103,7 @@
     </p:spTree>
     <p:extLst>
       <p:ext uri="{BB962C8B-B14F-4D97-AF65-F5344CB8AC3E}">
-        <p14:creationId xmlns:p14="http://schemas.microsoft.com/office/powerpoint/2010/main" val="2567907220"/>
+        <p14:creationId xmlns:p14="http://schemas.microsoft.com/office/powerpoint/2010/main" val="1014264510"/>
       </p:ext>
     </p:extLst>
   </p:cSld>
@@ -1164,7 +1169,73 @@
     </p:spTree>
     <p:extLst>
       <p:ext uri="{BB962C8B-B14F-4D97-AF65-F5344CB8AC3E}">
-        <p14:creationId xmlns:p14="http://schemas.microsoft.com/office/powerpoint/2010/main" val="4248038200"/>
+        <p14:creationId xmlns:p14="http://schemas.microsoft.com/office/powerpoint/2010/main" val="2484314533"/>
+      </p:ext>
+    </p:extLst>
+  </p:cSld>
+  <p:clrMapOvr>
+    <a:masterClrMapping/>
+  </p:clrMapOvr>
+</p:notes>
+</file>
+
+<file path=ppt/notesSlides/notesSlide19.xml><?xml version="1.0" encoding="utf-8"?>
+<p:notes xmlns:a="http://schemas.openxmlformats.org/drawingml/2006/main" xmlns:r="http://schemas.openxmlformats.org/officeDocument/2006/relationships" xmlns:p="http://schemas.openxmlformats.org/presentationml/2006/main">
+  <p:cSld>
+    <p:spTree>
+      <p:nvGrpSpPr>
+        <p:cNvPr id="1" name=""/>
+        <p:cNvGrpSpPr/>
+        <p:nvPr/>
+      </p:nvGrpSpPr>
+      <p:grpSpPr>
+        <a:xfrm>
+          <a:off x="0" y="0"/>
+          <a:ext cx="0" cy="0"/>
+          <a:chOff x="0" y="0"/>
+          <a:chExt cx="0" cy="0"/>
+        </a:xfrm>
+      </p:grpSpPr>
+      <p:sp>
+        <p:nvSpPr>
+          <p:cNvPr id="2" name="Espaço Reservado para Imagem de Slide 1"/>
+          <p:cNvSpPr>
+            <a:spLocks noGrp="1" noRot="1" noChangeAspect="1"/>
+          </p:cNvSpPr>
+          <p:nvPr>
+            <p:ph type="sldImg"/>
+          </p:nvPr>
+        </p:nvSpPr>
+        <p:spPr>
+          <a:xfrm>
+            <a:off x="381000" y="685800"/>
+            <a:ext cx="6096000" cy="3429000"/>
+          </a:xfrm>
+        </p:spPr>
+      </p:sp>
+      <p:sp>
+        <p:nvSpPr>
+          <p:cNvPr id="3" name="Espaço Reservado para Anotações 2"/>
+          <p:cNvSpPr>
+            <a:spLocks noGrp="1"/>
+          </p:cNvSpPr>
+          <p:nvPr>
+            <p:ph type="body" idx="1"/>
+          </p:nvPr>
+        </p:nvSpPr>
+        <p:spPr/>
+        <p:txBody>
+          <a:bodyPr/>
+          <a:lstStyle/>
+          <a:p>
+            <a:endParaRPr lang="pt-BR" dirty="0"/>
+          </a:p>
+        </p:txBody>
+      </p:sp>
+    </p:spTree>
+    <p:extLst>
+      <p:ext uri="{BB962C8B-B14F-4D97-AF65-F5344CB8AC3E}">
+        <p14:creationId xmlns:p14="http://schemas.microsoft.com/office/powerpoint/2010/main" val="2690279454"/>
       </p:ext>
     </p:extLst>
   </p:cSld>
@@ -1231,6 +1302,270 @@
     <p:extLst>
       <p:ext uri="{BB962C8B-B14F-4D97-AF65-F5344CB8AC3E}">
         <p14:creationId xmlns:p14="http://schemas.microsoft.com/office/powerpoint/2010/main" val="3640961258"/>
+      </p:ext>
+    </p:extLst>
+  </p:cSld>
+  <p:clrMapOvr>
+    <a:masterClrMapping/>
+  </p:clrMapOvr>
+</p:notes>
+</file>
+
+<file path=ppt/notesSlides/notesSlide20.xml><?xml version="1.0" encoding="utf-8"?>
+<p:notes xmlns:a="http://schemas.openxmlformats.org/drawingml/2006/main" xmlns:r="http://schemas.openxmlformats.org/officeDocument/2006/relationships" xmlns:p="http://schemas.openxmlformats.org/presentationml/2006/main">
+  <p:cSld>
+    <p:spTree>
+      <p:nvGrpSpPr>
+        <p:cNvPr id="1" name=""/>
+        <p:cNvGrpSpPr/>
+        <p:nvPr/>
+      </p:nvGrpSpPr>
+      <p:grpSpPr>
+        <a:xfrm>
+          <a:off x="0" y="0"/>
+          <a:ext cx="0" cy="0"/>
+          <a:chOff x="0" y="0"/>
+          <a:chExt cx="0" cy="0"/>
+        </a:xfrm>
+      </p:grpSpPr>
+      <p:sp>
+        <p:nvSpPr>
+          <p:cNvPr id="2" name="Espaço Reservado para Imagem de Slide 1"/>
+          <p:cNvSpPr>
+            <a:spLocks noGrp="1" noRot="1" noChangeAspect="1"/>
+          </p:cNvSpPr>
+          <p:nvPr>
+            <p:ph type="sldImg"/>
+          </p:nvPr>
+        </p:nvSpPr>
+        <p:spPr>
+          <a:xfrm>
+            <a:off x="381000" y="685800"/>
+            <a:ext cx="6096000" cy="3429000"/>
+          </a:xfrm>
+        </p:spPr>
+      </p:sp>
+      <p:sp>
+        <p:nvSpPr>
+          <p:cNvPr id="3" name="Espaço Reservado para Anotações 2"/>
+          <p:cNvSpPr>
+            <a:spLocks noGrp="1"/>
+          </p:cNvSpPr>
+          <p:nvPr>
+            <p:ph type="body" idx="1"/>
+          </p:nvPr>
+        </p:nvSpPr>
+        <p:spPr/>
+        <p:txBody>
+          <a:bodyPr/>
+          <a:lstStyle/>
+          <a:p>
+            <a:endParaRPr lang="pt-BR" dirty="0"/>
+          </a:p>
+        </p:txBody>
+      </p:sp>
+    </p:spTree>
+    <p:extLst>
+      <p:ext uri="{BB962C8B-B14F-4D97-AF65-F5344CB8AC3E}">
+        <p14:creationId xmlns:p14="http://schemas.microsoft.com/office/powerpoint/2010/main" val="371893395"/>
+      </p:ext>
+    </p:extLst>
+  </p:cSld>
+  <p:clrMapOvr>
+    <a:masterClrMapping/>
+  </p:clrMapOvr>
+</p:notes>
+</file>
+
+<file path=ppt/notesSlides/notesSlide21.xml><?xml version="1.0" encoding="utf-8"?>
+<p:notes xmlns:a="http://schemas.openxmlformats.org/drawingml/2006/main" xmlns:r="http://schemas.openxmlformats.org/officeDocument/2006/relationships" xmlns:p="http://schemas.openxmlformats.org/presentationml/2006/main">
+  <p:cSld>
+    <p:spTree>
+      <p:nvGrpSpPr>
+        <p:cNvPr id="1" name=""/>
+        <p:cNvGrpSpPr/>
+        <p:nvPr/>
+      </p:nvGrpSpPr>
+      <p:grpSpPr>
+        <a:xfrm>
+          <a:off x="0" y="0"/>
+          <a:ext cx="0" cy="0"/>
+          <a:chOff x="0" y="0"/>
+          <a:chExt cx="0" cy="0"/>
+        </a:xfrm>
+      </p:grpSpPr>
+      <p:sp>
+        <p:nvSpPr>
+          <p:cNvPr id="2" name="Espaço Reservado para Imagem de Slide 1"/>
+          <p:cNvSpPr>
+            <a:spLocks noGrp="1" noRot="1" noChangeAspect="1"/>
+          </p:cNvSpPr>
+          <p:nvPr>
+            <p:ph type="sldImg"/>
+          </p:nvPr>
+        </p:nvSpPr>
+        <p:spPr>
+          <a:xfrm>
+            <a:off x="381000" y="685800"/>
+            <a:ext cx="6096000" cy="3429000"/>
+          </a:xfrm>
+        </p:spPr>
+      </p:sp>
+      <p:sp>
+        <p:nvSpPr>
+          <p:cNvPr id="3" name="Espaço Reservado para Anotações 2"/>
+          <p:cNvSpPr>
+            <a:spLocks noGrp="1"/>
+          </p:cNvSpPr>
+          <p:nvPr>
+            <p:ph type="body" idx="1"/>
+          </p:nvPr>
+        </p:nvSpPr>
+        <p:spPr/>
+        <p:txBody>
+          <a:bodyPr/>
+          <a:lstStyle/>
+          <a:p>
+            <a:endParaRPr lang="pt-BR" dirty="0"/>
+          </a:p>
+        </p:txBody>
+      </p:sp>
+    </p:spTree>
+    <p:extLst>
+      <p:ext uri="{BB962C8B-B14F-4D97-AF65-F5344CB8AC3E}">
+        <p14:creationId xmlns:p14="http://schemas.microsoft.com/office/powerpoint/2010/main" val="2567907220"/>
+      </p:ext>
+    </p:extLst>
+  </p:cSld>
+  <p:clrMapOvr>
+    <a:masterClrMapping/>
+  </p:clrMapOvr>
+</p:notes>
+</file>
+
+<file path=ppt/notesSlides/notesSlide22.xml><?xml version="1.0" encoding="utf-8"?>
+<p:notes xmlns:a="http://schemas.openxmlformats.org/drawingml/2006/main" xmlns:r="http://schemas.openxmlformats.org/officeDocument/2006/relationships" xmlns:p="http://schemas.openxmlformats.org/presentationml/2006/main">
+  <p:cSld>
+    <p:spTree>
+      <p:nvGrpSpPr>
+        <p:cNvPr id="1" name=""/>
+        <p:cNvGrpSpPr/>
+        <p:nvPr/>
+      </p:nvGrpSpPr>
+      <p:grpSpPr>
+        <a:xfrm>
+          <a:off x="0" y="0"/>
+          <a:ext cx="0" cy="0"/>
+          <a:chOff x="0" y="0"/>
+          <a:chExt cx="0" cy="0"/>
+        </a:xfrm>
+      </p:grpSpPr>
+      <p:sp>
+        <p:nvSpPr>
+          <p:cNvPr id="2" name="Espaço Reservado para Imagem de Slide 1"/>
+          <p:cNvSpPr>
+            <a:spLocks noGrp="1" noRot="1" noChangeAspect="1"/>
+          </p:cNvSpPr>
+          <p:nvPr>
+            <p:ph type="sldImg"/>
+          </p:nvPr>
+        </p:nvSpPr>
+        <p:spPr>
+          <a:xfrm>
+            <a:off x="381000" y="685800"/>
+            <a:ext cx="6096000" cy="3429000"/>
+          </a:xfrm>
+        </p:spPr>
+      </p:sp>
+      <p:sp>
+        <p:nvSpPr>
+          <p:cNvPr id="3" name="Espaço Reservado para Anotações 2"/>
+          <p:cNvSpPr>
+            <a:spLocks noGrp="1"/>
+          </p:cNvSpPr>
+          <p:nvPr>
+            <p:ph type="body" idx="1"/>
+          </p:nvPr>
+        </p:nvSpPr>
+        <p:spPr/>
+        <p:txBody>
+          <a:bodyPr/>
+          <a:lstStyle/>
+          <a:p>
+            <a:endParaRPr lang="pt-BR" dirty="0"/>
+          </a:p>
+        </p:txBody>
+      </p:sp>
+    </p:spTree>
+    <p:extLst>
+      <p:ext uri="{BB962C8B-B14F-4D97-AF65-F5344CB8AC3E}">
+        <p14:creationId xmlns:p14="http://schemas.microsoft.com/office/powerpoint/2010/main" val="4248038200"/>
+      </p:ext>
+    </p:extLst>
+  </p:cSld>
+  <p:clrMapOvr>
+    <a:masterClrMapping/>
+  </p:clrMapOvr>
+</p:notes>
+</file>
+
+<file path=ppt/notesSlides/notesSlide23.xml><?xml version="1.0" encoding="utf-8"?>
+<p:notes xmlns:a="http://schemas.openxmlformats.org/drawingml/2006/main" xmlns:r="http://schemas.openxmlformats.org/officeDocument/2006/relationships" xmlns:p="http://schemas.openxmlformats.org/presentationml/2006/main">
+  <p:cSld>
+    <p:spTree>
+      <p:nvGrpSpPr>
+        <p:cNvPr id="1" name=""/>
+        <p:cNvGrpSpPr/>
+        <p:nvPr/>
+      </p:nvGrpSpPr>
+      <p:grpSpPr>
+        <a:xfrm>
+          <a:off x="0" y="0"/>
+          <a:ext cx="0" cy="0"/>
+          <a:chOff x="0" y="0"/>
+          <a:chExt cx="0" cy="0"/>
+        </a:xfrm>
+      </p:grpSpPr>
+      <p:sp>
+        <p:nvSpPr>
+          <p:cNvPr id="2" name="Espaço Reservado para Imagem de Slide 1"/>
+          <p:cNvSpPr>
+            <a:spLocks noGrp="1" noRot="1" noChangeAspect="1"/>
+          </p:cNvSpPr>
+          <p:nvPr>
+            <p:ph type="sldImg"/>
+          </p:nvPr>
+        </p:nvSpPr>
+        <p:spPr>
+          <a:xfrm>
+            <a:off x="381000" y="685800"/>
+            <a:ext cx="6096000" cy="3429000"/>
+          </a:xfrm>
+        </p:spPr>
+      </p:sp>
+      <p:sp>
+        <p:nvSpPr>
+          <p:cNvPr id="3" name="Espaço Reservado para Anotações 2"/>
+          <p:cNvSpPr>
+            <a:spLocks noGrp="1"/>
+          </p:cNvSpPr>
+          <p:nvPr>
+            <p:ph type="body" idx="1"/>
+          </p:nvPr>
+        </p:nvSpPr>
+        <p:spPr/>
+        <p:txBody>
+          <a:bodyPr/>
+          <a:lstStyle/>
+          <a:p>
+            <a:endParaRPr lang="pt-BR" dirty="0"/>
+          </a:p>
+        </p:txBody>
+      </p:sp>
+    </p:spTree>
+    <p:extLst>
+      <p:ext uri="{BB962C8B-B14F-4D97-AF65-F5344CB8AC3E}">
+        <p14:creationId xmlns:p14="http://schemas.microsoft.com/office/powerpoint/2010/main" val="330821165"/>
       </p:ext>
     </p:extLst>
   </p:cSld>
@@ -1362,7 +1697,7 @@
     </p:spTree>
     <p:extLst>
       <p:ext uri="{BB962C8B-B14F-4D97-AF65-F5344CB8AC3E}">
-        <p14:creationId xmlns:p14="http://schemas.microsoft.com/office/powerpoint/2010/main" val="1299238466"/>
+        <p14:creationId xmlns:p14="http://schemas.microsoft.com/office/powerpoint/2010/main" val="1162366287"/>
       </p:ext>
     </p:extLst>
   </p:cSld>
@@ -1428,7 +1763,7 @@
     </p:spTree>
     <p:extLst>
       <p:ext uri="{BB962C8B-B14F-4D97-AF65-F5344CB8AC3E}">
-        <p14:creationId xmlns:p14="http://schemas.microsoft.com/office/powerpoint/2010/main" val="469727444"/>
+        <p14:creationId xmlns:p14="http://schemas.microsoft.com/office/powerpoint/2010/main" val="4245469740"/>
       </p:ext>
     </p:extLst>
   </p:cSld>
@@ -1494,7 +1829,7 @@
     </p:spTree>
     <p:extLst>
       <p:ext uri="{BB962C8B-B14F-4D97-AF65-F5344CB8AC3E}">
-        <p14:creationId xmlns:p14="http://schemas.microsoft.com/office/powerpoint/2010/main" val="3718338346"/>
+        <p14:creationId xmlns:p14="http://schemas.microsoft.com/office/powerpoint/2010/main" val="2286740541"/>
       </p:ext>
     </p:extLst>
   </p:cSld>
@@ -1560,7 +1895,7 @@
     </p:spTree>
     <p:extLst>
       <p:ext uri="{BB962C8B-B14F-4D97-AF65-F5344CB8AC3E}">
-        <p14:creationId xmlns:p14="http://schemas.microsoft.com/office/powerpoint/2010/main" val="1235143066"/>
+        <p14:creationId xmlns:p14="http://schemas.microsoft.com/office/powerpoint/2010/main" val="1299238466"/>
       </p:ext>
     </p:extLst>
   </p:cSld>
@@ -1626,7 +1961,7 @@
     </p:spTree>
     <p:extLst>
       <p:ext uri="{BB962C8B-B14F-4D97-AF65-F5344CB8AC3E}">
-        <p14:creationId xmlns:p14="http://schemas.microsoft.com/office/powerpoint/2010/main" val="2008877995"/>
+        <p14:creationId xmlns:p14="http://schemas.microsoft.com/office/powerpoint/2010/main" val="1919574934"/>
       </p:ext>
     </p:extLst>
   </p:cSld>
@@ -1692,7 +2027,7 @@
     </p:spTree>
     <p:extLst>
       <p:ext uri="{BB962C8B-B14F-4D97-AF65-F5344CB8AC3E}">
-        <p14:creationId xmlns:p14="http://schemas.microsoft.com/office/powerpoint/2010/main" val="940003229"/>
+        <p14:creationId xmlns:p14="http://schemas.microsoft.com/office/powerpoint/2010/main" val="3718338346"/>
       </p:ext>
     </p:extLst>
   </p:cSld>
@@ -4975,7 +5310,7 @@
                   <a:srgbClr val="0070C0"/>
                 </a:solidFill>
               </a:rPr>
-              <a:t>Objetivos</a:t>
+              <a:t>Visão</a:t>
             </a:r>
             <a:r>
               <a:rPr lang="en-US" b="1" dirty="0">
@@ -4983,7 +5318,7 @@
                   <a:srgbClr val="0070C0"/>
                 </a:solidFill>
               </a:rPr>
-              <a:t>/</a:t>
+              <a:t> </a:t>
             </a:r>
             <a:r>
               <a:rPr lang="en-US" b="1" dirty="0" err="1">
@@ -4991,7 +5326,23 @@
                   <a:srgbClr val="0070C0"/>
                 </a:solidFill>
               </a:rPr>
-              <a:t>Habilidades</a:t>
+              <a:t>Geral</a:t>
+            </a:r>
+            <a:r>
+              <a:rPr lang="en-US" b="1" dirty="0">
+                <a:solidFill>
+                  <a:srgbClr val="0070C0"/>
+                </a:solidFill>
+              </a:rPr>
+              <a:t> da </a:t>
+            </a:r>
+            <a:r>
+              <a:rPr lang="en-US" b="1" dirty="0" err="1">
+                <a:solidFill>
+                  <a:srgbClr val="0070C0"/>
+                </a:solidFill>
+              </a:rPr>
+              <a:t>Disciplina</a:t>
             </a:r>
             <a:endParaRPr lang="en-US" b="1" dirty="0">
               <a:solidFill>
@@ -5014,7 +5365,7 @@
         <p:spPr>
           <a:xfrm>
             <a:off x="142865" y="1104186"/>
-            <a:ext cx="8865056" cy="3833334"/>
+            <a:ext cx="8865056" cy="3957406"/>
           </a:xfrm>
         </p:spPr>
         <p:txBody>
@@ -5023,27 +5374,30 @@
           </a:bodyPr>
           <a:lstStyle/>
           <a:p>
-            <a:pPr algn="just" eaLnBrk="0" hangingPunct="0">
-              <a:buFont typeface="Wingdings" panose="05000000000000000000" pitchFamily="2" charset="2"/>
-              <a:buChar char="§"/>
+            <a:pPr marL="0" indent="0" algn="just" eaLnBrk="0" hangingPunct="0">
+              <a:buNone/>
             </a:pPr>
             <a:r>
-              <a:rPr lang="pt-BR" sz="2400" dirty="0">
-                <a:solidFill>
-                  <a:schemeClr val="tx1"/>
-                </a:solidFill>
-                <a:latin typeface="Times New Roman" panose="02020603050405020304" pitchFamily="18" charset="0"/>
-                <a:cs typeface="Times New Roman" panose="02020603050405020304" pitchFamily="18" charset="0"/>
-              </a:rPr>
-              <a:t>Diferenciar as tecnologias emergentes de TI, baseando-­se no conceito de Industria 4.0, para seu emprego de forma adequada e alinhada com politicas de educação ambiental.</a:t>
-            </a:r>
-          </a:p>
-          <a:p>
-            <a:pPr algn="just" eaLnBrk="0" hangingPunct="0">
-              <a:buFont typeface="Wingdings" panose="05000000000000000000" pitchFamily="2" charset="2"/>
-              <a:buChar char="§"/>
-            </a:pPr>
-            <a:endParaRPr lang="pt-BR" sz="2400" dirty="0">
+              <a:rPr lang="pt-BR" altLang="pt-BR" sz="2400" b="1" dirty="0">
+                <a:solidFill>
+                  <a:schemeClr val="tx1"/>
+                </a:solidFill>
+                <a:latin typeface="Times New Roman" panose="02020603050405020304" pitchFamily="18" charset="0"/>
+                <a:cs typeface="Times New Roman" panose="02020603050405020304" pitchFamily="18" charset="0"/>
+              </a:rPr>
+              <a:t>						</a:t>
+            </a:r>
+            <a:r>
+              <a:rPr lang="pt-BR" altLang="pt-BR" sz="2400" b="1" dirty="0">
+                <a:solidFill>
+                  <a:srgbClr val="0070C0"/>
+                </a:solidFill>
+                <a:latin typeface="Times New Roman" panose="02020603050405020304" pitchFamily="18" charset="0"/>
+                <a:cs typeface="Times New Roman" panose="02020603050405020304" pitchFamily="18" charset="0"/>
+              </a:rPr>
+              <a:t>Aplicações com Controladores</a:t>
+            </a:r>
+            <a:endParaRPr lang="pt-BR" altLang="pt-BR" sz="2400" dirty="0">
               <a:solidFill>
                 <a:schemeClr val="tx1"/>
               </a:solidFill>
@@ -5054,38 +5408,172 @@
           <a:p>
             <a:pPr algn="just" eaLnBrk="0" hangingPunct="0">
               <a:buFont typeface="Wingdings" panose="05000000000000000000" pitchFamily="2" charset="2"/>
-              <a:buChar char="§"/>
+              <a:buChar char="ü"/>
             </a:pPr>
-            <a:r>
-              <a:rPr lang="pt-BR" sz="2400" dirty="0">
-                <a:solidFill>
-                  <a:schemeClr val="tx1"/>
-                </a:solidFill>
-                <a:latin typeface="Times New Roman" panose="02020603050405020304" pitchFamily="18" charset="0"/>
-                <a:cs typeface="Times New Roman" panose="02020603050405020304" pitchFamily="18" charset="0"/>
-              </a:rPr>
-              <a:t>Integrar dispositivos </a:t>
-            </a:r>
-            <a:r>
-              <a:rPr lang="pt-BR" sz="2400" dirty="0" err="1">
-                <a:solidFill>
-                  <a:schemeClr val="tx1"/>
-                </a:solidFill>
-                <a:latin typeface="Times New Roman" panose="02020603050405020304" pitchFamily="18" charset="0"/>
-                <a:cs typeface="Times New Roman" panose="02020603050405020304" pitchFamily="18" charset="0"/>
-              </a:rPr>
-              <a:t>IoT</a:t>
-            </a:r>
-            <a:r>
-              <a:rPr lang="pt-BR" sz="2400" dirty="0">
-                <a:solidFill>
-                  <a:schemeClr val="tx1"/>
-                </a:solidFill>
-                <a:latin typeface="Times New Roman" panose="02020603050405020304" pitchFamily="18" charset="0"/>
-                <a:cs typeface="Times New Roman" panose="02020603050405020304" pitchFamily="18" charset="0"/>
-              </a:rPr>
-              <a:t> com plataformas de Cloud, baseando-­se em protocolos padronizados, para o desenvolvimento de soluções inteligentes e distribuídas.</a:t>
-            </a:r>
+            <a:endParaRPr lang="pt-BR" altLang="pt-BR" sz="2400" dirty="0">
+              <a:solidFill>
+                <a:schemeClr val="tx1"/>
+              </a:solidFill>
+              <a:latin typeface="Times New Roman" panose="02020603050405020304" pitchFamily="18" charset="0"/>
+              <a:cs typeface="Times New Roman" panose="02020603050405020304" pitchFamily="18" charset="0"/>
+            </a:endParaRPr>
+          </a:p>
+          <a:p>
+            <a:pPr algn="just" eaLnBrk="0" hangingPunct="0">
+              <a:buFont typeface="Wingdings" panose="05000000000000000000" pitchFamily="2" charset="2"/>
+              <a:buChar char="ü"/>
+            </a:pPr>
+            <a:r>
+              <a:rPr lang="pt-BR" altLang="pt-BR" sz="2400" dirty="0">
+                <a:solidFill>
+                  <a:schemeClr val="tx1"/>
+                </a:solidFill>
+                <a:latin typeface="Times New Roman" panose="02020603050405020304" pitchFamily="18" charset="0"/>
+                <a:cs typeface="Times New Roman" panose="02020603050405020304" pitchFamily="18" charset="0"/>
+              </a:rPr>
+              <a:t>Sensor de Movimento PIR, </a:t>
+            </a:r>
+            <a:r>
+              <a:rPr lang="pt-BR" altLang="pt-BR" sz="2400" b="1" dirty="0">
+                <a:solidFill>
+                  <a:srgbClr val="FF0000"/>
+                </a:solidFill>
+                <a:latin typeface="Times New Roman" panose="02020603050405020304" pitchFamily="18" charset="0"/>
+                <a:cs typeface="Times New Roman" panose="02020603050405020304" pitchFamily="18" charset="0"/>
+              </a:rPr>
+              <a:t>detecção</a:t>
+            </a:r>
+            <a:r>
+              <a:rPr lang="pt-BR" altLang="pt-BR" sz="2400" dirty="0">
+                <a:solidFill>
+                  <a:schemeClr val="tx1"/>
+                </a:solidFill>
+                <a:latin typeface="Times New Roman" panose="02020603050405020304" pitchFamily="18" charset="0"/>
+                <a:cs typeface="Times New Roman" panose="02020603050405020304" pitchFamily="18" charset="0"/>
+              </a:rPr>
+              <a:t> (Controle de iluminação)</a:t>
+            </a:r>
+          </a:p>
+          <a:p>
+            <a:pPr algn="just" eaLnBrk="0" hangingPunct="0">
+              <a:buFont typeface="Wingdings" panose="05000000000000000000" pitchFamily="2" charset="2"/>
+              <a:buChar char="ü"/>
+            </a:pPr>
+            <a:r>
+              <a:rPr lang="pt-BR" altLang="pt-BR" sz="2400" dirty="0">
+                <a:solidFill>
+                  <a:schemeClr val="tx1"/>
+                </a:solidFill>
+                <a:latin typeface="Times New Roman" panose="02020603050405020304" pitchFamily="18" charset="0"/>
+                <a:cs typeface="Times New Roman" panose="02020603050405020304" pitchFamily="18" charset="0"/>
+              </a:rPr>
+              <a:t>RFID, </a:t>
+            </a:r>
+            <a:r>
+              <a:rPr lang="pt-BR" altLang="pt-BR" sz="2400" b="1" dirty="0">
+                <a:solidFill>
+                  <a:srgbClr val="FF0000"/>
+                </a:solidFill>
+                <a:latin typeface="Times New Roman" panose="02020603050405020304" pitchFamily="18" charset="0"/>
+                <a:cs typeface="Times New Roman" panose="02020603050405020304" pitchFamily="18" charset="0"/>
+              </a:rPr>
+              <a:t>ativação</a:t>
+            </a:r>
+            <a:r>
+              <a:rPr lang="pt-BR" altLang="pt-BR" sz="2400" dirty="0">
+                <a:solidFill>
+                  <a:schemeClr val="tx1"/>
+                </a:solidFill>
+                <a:latin typeface="Times New Roman" panose="02020603050405020304" pitchFamily="18" charset="0"/>
+                <a:cs typeface="Times New Roman" panose="02020603050405020304" pitchFamily="18" charset="0"/>
+              </a:rPr>
+              <a:t> (Controle de acesso – Fechadura eletrônica)</a:t>
+            </a:r>
+          </a:p>
+          <a:p>
+            <a:pPr algn="just" eaLnBrk="0" hangingPunct="0">
+              <a:buFont typeface="Wingdings" panose="05000000000000000000" pitchFamily="2" charset="2"/>
+              <a:buChar char="ü"/>
+            </a:pPr>
+            <a:r>
+              <a:rPr lang="pt-BR" altLang="pt-BR" sz="2400" dirty="0">
+                <a:solidFill>
+                  <a:schemeClr val="tx1"/>
+                </a:solidFill>
+                <a:latin typeface="Times New Roman" panose="02020603050405020304" pitchFamily="18" charset="0"/>
+                <a:cs typeface="Times New Roman" panose="02020603050405020304" pitchFamily="18" charset="0"/>
+              </a:rPr>
+              <a:t>IR Ranger sensor infravermelho (Ligar um chuveiro)</a:t>
+            </a:r>
+          </a:p>
+          <a:p>
+            <a:pPr algn="just" eaLnBrk="0" hangingPunct="0">
+              <a:buFont typeface="Wingdings" panose="05000000000000000000" pitchFamily="2" charset="2"/>
+              <a:buChar char="ü"/>
+            </a:pPr>
+            <a:r>
+              <a:rPr lang="pt-BR" altLang="pt-BR" sz="2400" dirty="0">
+                <a:solidFill>
+                  <a:schemeClr val="tx1"/>
+                </a:solidFill>
+                <a:latin typeface="Times New Roman" panose="02020603050405020304" pitchFamily="18" charset="0"/>
+                <a:cs typeface="Times New Roman" panose="02020603050405020304" pitchFamily="18" charset="0"/>
+              </a:rPr>
+              <a:t>Veículos Modernos (Áudio, display, ar condicionado, bomba de combustível, velocidade do carro, retrovisor, taxa de consumo de combustível, </a:t>
+            </a:r>
+            <a:r>
+              <a:rPr lang="pt-BR" altLang="pt-BR" sz="2400" dirty="0" err="1">
+                <a:solidFill>
+                  <a:schemeClr val="tx1"/>
+                </a:solidFill>
+                <a:latin typeface="Times New Roman" panose="02020603050405020304" pitchFamily="18" charset="0"/>
+                <a:cs typeface="Times New Roman" panose="02020603050405020304" pitchFamily="18" charset="0"/>
+              </a:rPr>
+              <a:t>etc</a:t>
+            </a:r>
+            <a:r>
+              <a:rPr lang="pt-BR" altLang="pt-BR" sz="2400" dirty="0">
+                <a:solidFill>
+                  <a:schemeClr val="tx1"/>
+                </a:solidFill>
+                <a:latin typeface="Times New Roman" panose="02020603050405020304" pitchFamily="18" charset="0"/>
+                <a:cs typeface="Times New Roman" panose="02020603050405020304" pitchFamily="18" charset="0"/>
+              </a:rPr>
+              <a:t>)</a:t>
+            </a:r>
+          </a:p>
+          <a:p>
+            <a:pPr algn="just" eaLnBrk="0" hangingPunct="0">
+              <a:buFont typeface="Wingdings" panose="05000000000000000000" pitchFamily="2" charset="2"/>
+              <a:buChar char="ü"/>
+            </a:pPr>
+            <a:r>
+              <a:rPr lang="pt-BR" altLang="pt-BR" sz="2400" b="1" dirty="0">
+                <a:solidFill>
+                  <a:srgbClr val="FF0000"/>
+                </a:solidFill>
+                <a:latin typeface="Times New Roman" panose="02020603050405020304" pitchFamily="18" charset="0"/>
+                <a:cs typeface="Times New Roman" panose="02020603050405020304" pitchFamily="18" charset="0"/>
+              </a:rPr>
+              <a:t>Coleta de Dados, </a:t>
+            </a:r>
+            <a:r>
+              <a:rPr lang="pt-BR" altLang="pt-BR" sz="2400" b="1" dirty="0" err="1">
+                <a:solidFill>
+                  <a:srgbClr val="FF0000"/>
+                </a:solidFill>
+                <a:latin typeface="Times New Roman" panose="02020603050405020304" pitchFamily="18" charset="0"/>
+                <a:cs typeface="Times New Roman" panose="02020603050405020304" pitchFamily="18" charset="0"/>
+              </a:rPr>
+              <a:t>etc</a:t>
+            </a:r>
+            <a:endParaRPr lang="pt-BR" altLang="pt-BR" sz="2400" b="1" dirty="0">
+              <a:solidFill>
+                <a:srgbClr val="FF0000"/>
+              </a:solidFill>
+              <a:latin typeface="Times New Roman" panose="02020603050405020304" pitchFamily="18" charset="0"/>
+              <a:cs typeface="Times New Roman" panose="02020603050405020304" pitchFamily="18" charset="0"/>
+            </a:endParaRPr>
           </a:p>
         </p:txBody>
       </p:sp>
@@ -5141,7 +5629,7 @@
     </p:spTree>
     <p:extLst>
       <p:ext uri="{BB962C8B-B14F-4D97-AF65-F5344CB8AC3E}">
-        <p14:creationId xmlns:p14="http://schemas.microsoft.com/office/powerpoint/2010/main" val="586653678"/>
+        <p14:creationId xmlns:p14="http://schemas.microsoft.com/office/powerpoint/2010/main" val="2717969294"/>
       </p:ext>
     </p:extLst>
   </p:cSld>
@@ -5195,7 +5683,7 @@
                   <a:srgbClr val="0070C0"/>
                 </a:solidFill>
               </a:rPr>
-              <a:t>Unidades</a:t>
+              <a:t>Visão</a:t>
             </a:r>
             <a:r>
               <a:rPr lang="en-US" b="1" dirty="0">
@@ -5203,6 +5691,314 @@
                   <a:srgbClr val="0070C0"/>
                 </a:solidFill>
               </a:rPr>
+              <a:t> </a:t>
+            </a:r>
+            <a:r>
+              <a:rPr lang="en-US" b="1" dirty="0" err="1">
+                <a:solidFill>
+                  <a:srgbClr val="0070C0"/>
+                </a:solidFill>
+              </a:rPr>
+              <a:t>Geral</a:t>
+            </a:r>
+            <a:r>
+              <a:rPr lang="en-US" b="1" dirty="0">
+                <a:solidFill>
+                  <a:srgbClr val="0070C0"/>
+                </a:solidFill>
+              </a:rPr>
+              <a:t> da </a:t>
+            </a:r>
+            <a:r>
+              <a:rPr lang="en-US" b="1" dirty="0" err="1">
+                <a:solidFill>
+                  <a:srgbClr val="0070C0"/>
+                </a:solidFill>
+              </a:rPr>
+              <a:t>Disciplina</a:t>
+            </a:r>
+            <a:endParaRPr lang="en-US" b="1" dirty="0">
+              <a:solidFill>
+                <a:srgbClr val="0070C0"/>
+              </a:solidFill>
+            </a:endParaRPr>
+          </a:p>
+        </p:txBody>
+      </p:sp>
+      <p:sp>
+        <p:nvSpPr>
+          <p:cNvPr id="8" name="Text Placeholder 2"/>
+          <p:cNvSpPr>
+            <a:spLocks noGrp="1"/>
+          </p:cNvSpPr>
+          <p:nvPr>
+            <p:ph type="body" sz="half" idx="1"/>
+          </p:nvPr>
+        </p:nvSpPr>
+        <p:spPr>
+          <a:xfrm>
+            <a:off x="142865" y="1104186"/>
+            <a:ext cx="8865056" cy="3957406"/>
+          </a:xfrm>
+        </p:spPr>
+        <p:txBody>
+          <a:bodyPr>
+            <a:noAutofit/>
+          </a:bodyPr>
+          <a:lstStyle/>
+          <a:p>
+            <a:pPr marL="0" indent="0" algn="just" eaLnBrk="0" hangingPunct="0">
+              <a:buNone/>
+            </a:pPr>
+            <a:r>
+              <a:rPr lang="pt-BR" altLang="pt-BR" sz="2400" b="1" dirty="0">
+                <a:solidFill>
+                  <a:srgbClr val="FF0000"/>
+                </a:solidFill>
+                <a:latin typeface="Times New Roman" panose="02020603050405020304" pitchFamily="18" charset="0"/>
+                <a:cs typeface="Times New Roman" panose="02020603050405020304" pitchFamily="18" charset="0"/>
+              </a:rPr>
+              <a:t>Resumo</a:t>
+            </a:r>
+            <a:r>
+              <a:rPr lang="pt-BR" altLang="pt-BR" sz="2400" b="1" dirty="0">
+                <a:solidFill>
+                  <a:schemeClr val="tx1"/>
+                </a:solidFill>
+                <a:latin typeface="Times New Roman" panose="02020603050405020304" pitchFamily="18" charset="0"/>
+                <a:cs typeface="Times New Roman" panose="02020603050405020304" pitchFamily="18" charset="0"/>
+              </a:rPr>
+              <a:t>: Arquitetura de 32 ou 64 bits (</a:t>
+            </a:r>
+            <a:r>
+              <a:rPr lang="pt-BR" altLang="pt-BR" sz="2400" dirty="0">
+                <a:solidFill>
+                  <a:schemeClr val="tx1"/>
+                </a:solidFill>
+                <a:latin typeface="Times New Roman" panose="02020603050405020304" pitchFamily="18" charset="0"/>
+                <a:cs typeface="Times New Roman" panose="02020603050405020304" pitchFamily="18" charset="0"/>
+              </a:rPr>
+              <a:t>AMD; INTEL; IBM, </a:t>
+            </a:r>
+            <a:r>
+              <a:rPr lang="pt-BR" altLang="pt-BR" sz="2400" dirty="0" err="1">
+                <a:solidFill>
+                  <a:schemeClr val="tx1"/>
+                </a:solidFill>
+                <a:latin typeface="Times New Roman" panose="02020603050405020304" pitchFamily="18" charset="0"/>
+                <a:cs typeface="Times New Roman" panose="02020603050405020304" pitchFamily="18" charset="0"/>
+              </a:rPr>
+              <a:t>etc</a:t>
+            </a:r>
+            <a:r>
+              <a:rPr lang="pt-BR" altLang="pt-BR" sz="2400" b="1" dirty="0">
+                <a:solidFill>
+                  <a:schemeClr val="tx1"/>
+                </a:solidFill>
+                <a:latin typeface="Times New Roman" panose="02020603050405020304" pitchFamily="18" charset="0"/>
+                <a:cs typeface="Times New Roman" panose="02020603050405020304" pitchFamily="18" charset="0"/>
+              </a:rPr>
+              <a:t>)</a:t>
+            </a:r>
+          </a:p>
+          <a:p>
+            <a:pPr marL="0" indent="0" algn="just" eaLnBrk="0" hangingPunct="0">
+              <a:buNone/>
+            </a:pPr>
+            <a:endParaRPr lang="pt-BR" altLang="pt-BR" sz="2400" dirty="0">
+              <a:solidFill>
+                <a:schemeClr val="tx1"/>
+              </a:solidFill>
+              <a:latin typeface="Times New Roman" panose="02020603050405020304" pitchFamily="18" charset="0"/>
+              <a:cs typeface="Times New Roman" panose="02020603050405020304" pitchFamily="18" charset="0"/>
+            </a:endParaRPr>
+          </a:p>
+          <a:p>
+            <a:pPr marL="0" indent="0" algn="just" eaLnBrk="0" hangingPunct="0">
+              <a:buNone/>
+            </a:pPr>
+            <a:r>
+              <a:rPr lang="pt-BR" altLang="pt-BR" sz="2400" dirty="0">
+                <a:solidFill>
+                  <a:schemeClr val="tx1"/>
+                </a:solidFill>
+                <a:latin typeface="Times New Roman" panose="02020603050405020304" pitchFamily="18" charset="0"/>
+                <a:cs typeface="Times New Roman" panose="02020603050405020304" pitchFamily="18" charset="0"/>
+                <a:hlinkClick r:id="rId3"/>
+              </a:rPr>
+              <a:t>https://youtu.be/cNN_tTXABUA</a:t>
+            </a:r>
+            <a:endParaRPr lang="pt-BR" altLang="pt-BR" sz="2400" dirty="0">
+              <a:solidFill>
+                <a:schemeClr val="tx1"/>
+              </a:solidFill>
+              <a:latin typeface="Times New Roman" panose="02020603050405020304" pitchFamily="18" charset="0"/>
+              <a:cs typeface="Times New Roman" panose="02020603050405020304" pitchFamily="18" charset="0"/>
+            </a:endParaRPr>
+          </a:p>
+          <a:p>
+            <a:pPr marL="0" indent="0" algn="just" eaLnBrk="0" hangingPunct="0">
+              <a:buNone/>
+            </a:pPr>
+            <a:endParaRPr lang="pt-BR" altLang="pt-BR" sz="2400" dirty="0">
+              <a:solidFill>
+                <a:schemeClr val="tx1"/>
+              </a:solidFill>
+              <a:latin typeface="Times New Roman" panose="02020603050405020304" pitchFamily="18" charset="0"/>
+              <a:cs typeface="Times New Roman" panose="02020603050405020304" pitchFamily="18" charset="0"/>
+            </a:endParaRPr>
+          </a:p>
+          <a:p>
+            <a:pPr marL="0" indent="0" algn="just" eaLnBrk="0" hangingPunct="0">
+              <a:buNone/>
+            </a:pPr>
+            <a:endParaRPr lang="pt-BR" altLang="pt-BR" sz="2400" dirty="0">
+              <a:solidFill>
+                <a:schemeClr val="tx1"/>
+              </a:solidFill>
+              <a:latin typeface="Times New Roman" panose="02020603050405020304" pitchFamily="18" charset="0"/>
+              <a:cs typeface="Times New Roman" panose="02020603050405020304" pitchFamily="18" charset="0"/>
+            </a:endParaRPr>
+          </a:p>
+          <a:p>
+            <a:pPr marL="0" indent="0" algn="just" eaLnBrk="0" hangingPunct="0">
+              <a:buNone/>
+            </a:pPr>
+            <a:r>
+              <a:rPr lang="pt-BR" altLang="pt-BR" sz="2400" dirty="0">
+                <a:solidFill>
+                  <a:schemeClr val="tx1"/>
+                </a:solidFill>
+                <a:latin typeface="Times New Roman" panose="02020603050405020304" pitchFamily="18" charset="0"/>
+                <a:cs typeface="Times New Roman" panose="02020603050405020304" pitchFamily="18" charset="0"/>
+                <a:hlinkClick r:id="rId4"/>
+              </a:rPr>
+              <a:t>https://chat.whatsapp.com/F3WeHnyypkA6N444UBewnG</a:t>
+            </a:r>
+            <a:endParaRPr lang="pt-BR" altLang="pt-BR" sz="2400" dirty="0">
+              <a:solidFill>
+                <a:schemeClr val="tx1"/>
+              </a:solidFill>
+              <a:latin typeface="Times New Roman" panose="02020603050405020304" pitchFamily="18" charset="0"/>
+              <a:cs typeface="Times New Roman" panose="02020603050405020304" pitchFamily="18" charset="0"/>
+            </a:endParaRPr>
+          </a:p>
+        </p:txBody>
+      </p:sp>
+      <p:cxnSp>
+        <p:nvCxnSpPr>
+          <p:cNvPr id="4" name="Conector reto 3">
+            <a:extLst>
+              <a:ext uri="{FF2B5EF4-FFF2-40B4-BE49-F238E27FC236}">
+                <a16:creationId xmlns:a16="http://schemas.microsoft.com/office/drawing/2014/main" id="{53C1D5BE-B08D-43BA-9100-4319F7669DAD}"/>
+              </a:ext>
+            </a:extLst>
+          </p:cNvPr>
+          <p:cNvCxnSpPr>
+            <a:cxnSpLocks/>
+          </p:cNvCxnSpPr>
+          <p:nvPr/>
+        </p:nvCxnSpPr>
+        <p:spPr>
+          <a:xfrm flipV="1">
+            <a:off x="310728" y="902136"/>
+            <a:ext cx="8699160" cy="40954"/>
+          </a:xfrm>
+          <a:prstGeom prst="line">
+            <a:avLst/>
+          </a:prstGeom>
+          <a:ln w="38100">
+            <a:headEnd type="none" w="med" len="med"/>
+            <a:tailEnd type="none" w="med" len="med"/>
+          </a:ln>
+          <a:scene3d>
+            <a:camera prst="orthographicFront"/>
+            <a:lightRig rig="threePt" dir="t"/>
+          </a:scene3d>
+          <a:sp3d>
+            <a:bevelT prst="convex"/>
+          </a:sp3d>
+        </p:spPr>
+        <p:style>
+          <a:lnRef idx="3">
+            <a:schemeClr val="accent1"/>
+          </a:lnRef>
+          <a:fillRef idx="0">
+            <a:schemeClr val="accent1"/>
+          </a:fillRef>
+          <a:effectRef idx="2">
+            <a:schemeClr val="accent1"/>
+          </a:effectRef>
+          <a:fontRef idx="minor">
+            <a:schemeClr val="tx1"/>
+          </a:fontRef>
+        </p:style>
+      </p:cxnSp>
+    </p:spTree>
+    <p:extLst>
+      <p:ext uri="{BB962C8B-B14F-4D97-AF65-F5344CB8AC3E}">
+        <p14:creationId xmlns:p14="http://schemas.microsoft.com/office/powerpoint/2010/main" val="161451436"/>
+      </p:ext>
+    </p:extLst>
+  </p:cSld>
+  <p:clrMapOvr>
+    <a:masterClrMapping/>
+  </p:clrMapOvr>
+  <p:transition spd="med"/>
+</p:sld>
+</file>
+
+<file path=ppt/slides/slide12.xml><?xml version="1.0" encoding="utf-8"?>
+<p:sld xmlns:a="http://schemas.openxmlformats.org/drawingml/2006/main" xmlns:r="http://schemas.openxmlformats.org/officeDocument/2006/relationships" xmlns:p="http://schemas.openxmlformats.org/presentationml/2006/main">
+  <p:cSld>
+    <p:spTree>
+      <p:nvGrpSpPr>
+        <p:cNvPr id="1" name=""/>
+        <p:cNvGrpSpPr/>
+        <p:nvPr/>
+      </p:nvGrpSpPr>
+      <p:grpSpPr>
+        <a:xfrm>
+          <a:off x="0" y="0"/>
+          <a:ext cx="0" cy="0"/>
+          <a:chOff x="0" y="0"/>
+          <a:chExt cx="0" cy="0"/>
+        </a:xfrm>
+      </p:grpSpPr>
+      <p:sp>
+        <p:nvSpPr>
+          <p:cNvPr id="6" name="Title 1"/>
+          <p:cNvSpPr>
+            <a:spLocks noGrp="1"/>
+          </p:cNvSpPr>
+          <p:nvPr>
+            <p:ph type="title"/>
+          </p:nvPr>
+        </p:nvSpPr>
+        <p:spPr>
+          <a:xfrm>
+            <a:off x="457200" y="205980"/>
+            <a:ext cx="8229600" cy="857251"/>
+          </a:xfrm>
+        </p:spPr>
+        <p:txBody>
+          <a:bodyPr/>
+          <a:lstStyle/>
+          <a:p>
+            <a:r>
+              <a:rPr lang="en-US" b="1" dirty="0" err="1">
+                <a:solidFill>
+                  <a:srgbClr val="0070C0"/>
+                </a:solidFill>
+              </a:rPr>
+              <a:t>Objetivos</a:t>
+            </a:r>
+            <a:r>
+              <a:rPr lang="en-US" b="1" dirty="0">
+                <a:solidFill>
+                  <a:srgbClr val="0070C0"/>
+                </a:solidFill>
+              </a:rPr>
               <a:t>/</a:t>
             </a:r>
             <a:r>
@@ -5211,7 +6007,7 @@
                   <a:srgbClr val="0070C0"/>
                 </a:solidFill>
               </a:rPr>
-              <a:t>Conteúdos</a:t>
+              <a:t>Habilidades</a:t>
             </a:r>
             <a:endParaRPr lang="en-US" b="1" dirty="0">
               <a:solidFill>
@@ -5243,6 +6039,577 @@
           </a:bodyPr>
           <a:lstStyle/>
           <a:p>
+            <a:pPr algn="just" eaLnBrk="0" hangingPunct="0">
+              <a:buFont typeface="Wingdings" panose="05000000000000000000" pitchFamily="2" charset="2"/>
+              <a:buChar char="§"/>
+            </a:pPr>
+            <a:r>
+              <a:rPr lang="pt-BR" sz="2400" dirty="0">
+                <a:solidFill>
+                  <a:schemeClr val="tx1"/>
+                </a:solidFill>
+                <a:latin typeface="Times New Roman" panose="02020603050405020304" pitchFamily="18" charset="0"/>
+                <a:cs typeface="Times New Roman" panose="02020603050405020304" pitchFamily="18" charset="0"/>
+              </a:rPr>
+              <a:t>Classificar os microcontroladores, com base no histórico de desenvolvimento, arquiteturas e conjunto de instruções, para praticar a especificação de dispositivos com desempenho adequado a uma aplicação.</a:t>
+            </a:r>
+          </a:p>
+          <a:p>
+            <a:pPr algn="just" eaLnBrk="0" hangingPunct="0">
+              <a:buFont typeface="Wingdings" panose="05000000000000000000" pitchFamily="2" charset="2"/>
+              <a:buChar char="§"/>
+            </a:pPr>
+            <a:endParaRPr lang="pt-BR" sz="2400" dirty="0">
+              <a:solidFill>
+                <a:schemeClr val="tx1"/>
+              </a:solidFill>
+              <a:latin typeface="Times New Roman" panose="02020603050405020304" pitchFamily="18" charset="0"/>
+              <a:cs typeface="Times New Roman" panose="02020603050405020304" pitchFamily="18" charset="0"/>
+            </a:endParaRPr>
+          </a:p>
+          <a:p>
+            <a:pPr algn="just" eaLnBrk="0" hangingPunct="0">
+              <a:buFont typeface="Wingdings" panose="05000000000000000000" pitchFamily="2" charset="2"/>
+              <a:buChar char="§"/>
+            </a:pPr>
+            <a:r>
+              <a:rPr lang="pt-BR" sz="2400" dirty="0">
+                <a:solidFill>
+                  <a:schemeClr val="tx1"/>
+                </a:solidFill>
+                <a:latin typeface="Times New Roman" panose="02020603050405020304" pitchFamily="18" charset="0"/>
+                <a:cs typeface="Times New Roman" panose="02020603050405020304" pitchFamily="18" charset="0"/>
+              </a:rPr>
+              <a:t>Avaliar ferramentas de desenvolvimento de firmware para microcontroladores, utilizando a linguagem C em compiladores e simuladores para Arduino e PIC, a fim de desenvolver um sistema embarcado de forma profissional.</a:t>
+            </a:r>
+          </a:p>
+        </p:txBody>
+      </p:sp>
+      <p:cxnSp>
+        <p:nvCxnSpPr>
+          <p:cNvPr id="4" name="Conector reto 3">
+            <a:extLst>
+              <a:ext uri="{FF2B5EF4-FFF2-40B4-BE49-F238E27FC236}">
+                <a16:creationId xmlns:a16="http://schemas.microsoft.com/office/drawing/2014/main" id="{53C1D5BE-B08D-43BA-9100-4319F7669DAD}"/>
+              </a:ext>
+            </a:extLst>
+          </p:cNvPr>
+          <p:cNvCxnSpPr>
+            <a:cxnSpLocks/>
+          </p:cNvCxnSpPr>
+          <p:nvPr/>
+        </p:nvCxnSpPr>
+        <p:spPr>
+          <a:xfrm flipV="1">
+            <a:off x="310728" y="902136"/>
+            <a:ext cx="8699160" cy="40954"/>
+          </a:xfrm>
+          <a:prstGeom prst="line">
+            <a:avLst/>
+          </a:prstGeom>
+          <a:ln w="38100">
+            <a:headEnd type="none" w="med" len="med"/>
+            <a:tailEnd type="none" w="med" len="med"/>
+          </a:ln>
+          <a:scene3d>
+            <a:camera prst="orthographicFront"/>
+            <a:lightRig rig="threePt" dir="t"/>
+          </a:scene3d>
+          <a:sp3d>
+            <a:bevelT prst="convex"/>
+          </a:sp3d>
+        </p:spPr>
+        <p:style>
+          <a:lnRef idx="3">
+            <a:schemeClr val="accent1"/>
+          </a:lnRef>
+          <a:fillRef idx="0">
+            <a:schemeClr val="accent1"/>
+          </a:fillRef>
+          <a:effectRef idx="2">
+            <a:schemeClr val="accent1"/>
+          </a:effectRef>
+          <a:fontRef idx="minor">
+            <a:schemeClr val="tx1"/>
+          </a:fontRef>
+        </p:style>
+      </p:cxnSp>
+    </p:spTree>
+    <p:extLst>
+      <p:ext uri="{BB962C8B-B14F-4D97-AF65-F5344CB8AC3E}">
+        <p14:creationId xmlns:p14="http://schemas.microsoft.com/office/powerpoint/2010/main" val="2685163356"/>
+      </p:ext>
+    </p:extLst>
+  </p:cSld>
+  <p:clrMapOvr>
+    <a:masterClrMapping/>
+  </p:clrMapOvr>
+  <p:transition spd="med"/>
+</p:sld>
+</file>
+
+<file path=ppt/slides/slide13.xml><?xml version="1.0" encoding="utf-8"?>
+<p:sld xmlns:a="http://schemas.openxmlformats.org/drawingml/2006/main" xmlns:r="http://schemas.openxmlformats.org/officeDocument/2006/relationships" xmlns:p="http://schemas.openxmlformats.org/presentationml/2006/main">
+  <p:cSld>
+    <p:spTree>
+      <p:nvGrpSpPr>
+        <p:cNvPr id="1" name=""/>
+        <p:cNvGrpSpPr/>
+        <p:nvPr/>
+      </p:nvGrpSpPr>
+      <p:grpSpPr>
+        <a:xfrm>
+          <a:off x="0" y="0"/>
+          <a:ext cx="0" cy="0"/>
+          <a:chOff x="0" y="0"/>
+          <a:chExt cx="0" cy="0"/>
+        </a:xfrm>
+      </p:grpSpPr>
+      <p:sp>
+        <p:nvSpPr>
+          <p:cNvPr id="6" name="Title 1"/>
+          <p:cNvSpPr>
+            <a:spLocks noGrp="1"/>
+          </p:cNvSpPr>
+          <p:nvPr>
+            <p:ph type="title"/>
+          </p:nvPr>
+        </p:nvSpPr>
+        <p:spPr>
+          <a:xfrm>
+            <a:off x="457200" y="205980"/>
+            <a:ext cx="8229600" cy="857251"/>
+          </a:xfrm>
+        </p:spPr>
+        <p:txBody>
+          <a:bodyPr/>
+          <a:lstStyle/>
+          <a:p>
+            <a:r>
+              <a:rPr lang="en-US" b="1" dirty="0" err="1">
+                <a:solidFill>
+                  <a:srgbClr val="0070C0"/>
+                </a:solidFill>
+              </a:rPr>
+              <a:t>Objetivos</a:t>
+            </a:r>
+            <a:r>
+              <a:rPr lang="en-US" b="1" dirty="0">
+                <a:solidFill>
+                  <a:srgbClr val="0070C0"/>
+                </a:solidFill>
+              </a:rPr>
+              <a:t>/</a:t>
+            </a:r>
+            <a:r>
+              <a:rPr lang="en-US" b="1" dirty="0" err="1">
+                <a:solidFill>
+                  <a:srgbClr val="0070C0"/>
+                </a:solidFill>
+              </a:rPr>
+              <a:t>Habilidades</a:t>
+            </a:r>
+            <a:endParaRPr lang="en-US" b="1" dirty="0">
+              <a:solidFill>
+                <a:srgbClr val="0070C0"/>
+              </a:solidFill>
+            </a:endParaRPr>
+          </a:p>
+        </p:txBody>
+      </p:sp>
+      <p:sp>
+        <p:nvSpPr>
+          <p:cNvPr id="8" name="Text Placeholder 2"/>
+          <p:cNvSpPr>
+            <a:spLocks noGrp="1"/>
+          </p:cNvSpPr>
+          <p:nvPr>
+            <p:ph type="body" sz="half" idx="1"/>
+          </p:nvPr>
+        </p:nvSpPr>
+        <p:spPr>
+          <a:xfrm>
+            <a:off x="142865" y="1104186"/>
+            <a:ext cx="8865056" cy="3833334"/>
+          </a:xfrm>
+        </p:spPr>
+        <p:txBody>
+          <a:bodyPr>
+            <a:noAutofit/>
+          </a:bodyPr>
+          <a:lstStyle/>
+          <a:p>
+            <a:pPr algn="just" eaLnBrk="0" hangingPunct="0">
+              <a:buFont typeface="Wingdings" panose="05000000000000000000" pitchFamily="2" charset="2"/>
+              <a:buChar char="§"/>
+            </a:pPr>
+            <a:r>
+              <a:rPr lang="pt-BR" sz="2400" dirty="0">
+                <a:solidFill>
+                  <a:schemeClr val="tx1"/>
+                </a:solidFill>
+                <a:latin typeface="Times New Roman" panose="02020603050405020304" pitchFamily="18" charset="0"/>
+                <a:cs typeface="Times New Roman" panose="02020603050405020304" pitchFamily="18" charset="0"/>
+              </a:rPr>
+              <a:t>Esquematizar projetos com os periféricos internos ao microcontrolador, empregando conversores, contadores/temporizadores e portas com PWM, para a criação de sistemas embarcados de monitoração e controle.</a:t>
+            </a:r>
+          </a:p>
+          <a:p>
+            <a:pPr algn="just" eaLnBrk="0" hangingPunct="0">
+              <a:buFont typeface="Wingdings" panose="05000000000000000000" pitchFamily="2" charset="2"/>
+              <a:buChar char="§"/>
+            </a:pPr>
+            <a:endParaRPr lang="pt-BR" sz="2400" dirty="0">
+              <a:solidFill>
+                <a:schemeClr val="tx1"/>
+              </a:solidFill>
+              <a:latin typeface="Times New Roman" panose="02020603050405020304" pitchFamily="18" charset="0"/>
+              <a:cs typeface="Times New Roman" panose="02020603050405020304" pitchFamily="18" charset="0"/>
+            </a:endParaRPr>
+          </a:p>
+          <a:p>
+            <a:pPr algn="just" eaLnBrk="0" hangingPunct="0">
+              <a:buFont typeface="Wingdings" panose="05000000000000000000" pitchFamily="2" charset="2"/>
+              <a:buChar char="§"/>
+            </a:pPr>
+            <a:r>
+              <a:rPr lang="pt-BR" sz="2400" dirty="0">
+                <a:solidFill>
+                  <a:schemeClr val="tx1"/>
+                </a:solidFill>
+                <a:latin typeface="Times New Roman" panose="02020603050405020304" pitchFamily="18" charset="0"/>
+                <a:cs typeface="Times New Roman" panose="02020603050405020304" pitchFamily="18" charset="0"/>
+              </a:rPr>
+              <a:t>Criar projetos com acionamento e coleta de dados de dispositivos externos aos microcontroladores, utilizando protocolos de comunicação, sensores, mostradores e técnicas de interrupção, para integrar funções de hardware que complementam os sistemas embarcados nas aplicações de monitoração e controle.</a:t>
+            </a:r>
+          </a:p>
+        </p:txBody>
+      </p:sp>
+      <p:cxnSp>
+        <p:nvCxnSpPr>
+          <p:cNvPr id="4" name="Conector reto 3">
+            <a:extLst>
+              <a:ext uri="{FF2B5EF4-FFF2-40B4-BE49-F238E27FC236}">
+                <a16:creationId xmlns:a16="http://schemas.microsoft.com/office/drawing/2014/main" id="{53C1D5BE-B08D-43BA-9100-4319F7669DAD}"/>
+              </a:ext>
+            </a:extLst>
+          </p:cNvPr>
+          <p:cNvCxnSpPr>
+            <a:cxnSpLocks/>
+          </p:cNvCxnSpPr>
+          <p:nvPr/>
+        </p:nvCxnSpPr>
+        <p:spPr>
+          <a:xfrm flipV="1">
+            <a:off x="310728" y="902136"/>
+            <a:ext cx="8699160" cy="40954"/>
+          </a:xfrm>
+          <a:prstGeom prst="line">
+            <a:avLst/>
+          </a:prstGeom>
+          <a:ln w="38100">
+            <a:headEnd type="none" w="med" len="med"/>
+            <a:tailEnd type="none" w="med" len="med"/>
+          </a:ln>
+          <a:scene3d>
+            <a:camera prst="orthographicFront"/>
+            <a:lightRig rig="threePt" dir="t"/>
+          </a:scene3d>
+          <a:sp3d>
+            <a:bevelT prst="convex"/>
+          </a:sp3d>
+        </p:spPr>
+        <p:style>
+          <a:lnRef idx="3">
+            <a:schemeClr val="accent1"/>
+          </a:lnRef>
+          <a:fillRef idx="0">
+            <a:schemeClr val="accent1"/>
+          </a:fillRef>
+          <a:effectRef idx="2">
+            <a:schemeClr val="accent1"/>
+          </a:effectRef>
+          <a:fontRef idx="minor">
+            <a:schemeClr val="tx1"/>
+          </a:fontRef>
+        </p:style>
+      </p:cxnSp>
+    </p:spTree>
+    <p:extLst>
+      <p:ext uri="{BB962C8B-B14F-4D97-AF65-F5344CB8AC3E}">
+        <p14:creationId xmlns:p14="http://schemas.microsoft.com/office/powerpoint/2010/main" val="1827905594"/>
+      </p:ext>
+    </p:extLst>
+  </p:cSld>
+  <p:clrMapOvr>
+    <a:masterClrMapping/>
+  </p:clrMapOvr>
+  <p:transition spd="med"/>
+</p:sld>
+</file>
+
+<file path=ppt/slides/slide14.xml><?xml version="1.0" encoding="utf-8"?>
+<p:sld xmlns:a="http://schemas.openxmlformats.org/drawingml/2006/main" xmlns:r="http://schemas.openxmlformats.org/officeDocument/2006/relationships" xmlns:p="http://schemas.openxmlformats.org/presentationml/2006/main">
+  <p:cSld>
+    <p:spTree>
+      <p:nvGrpSpPr>
+        <p:cNvPr id="1" name=""/>
+        <p:cNvGrpSpPr/>
+        <p:nvPr/>
+      </p:nvGrpSpPr>
+      <p:grpSpPr>
+        <a:xfrm>
+          <a:off x="0" y="0"/>
+          <a:ext cx="0" cy="0"/>
+          <a:chOff x="0" y="0"/>
+          <a:chExt cx="0" cy="0"/>
+        </a:xfrm>
+      </p:grpSpPr>
+      <p:sp>
+        <p:nvSpPr>
+          <p:cNvPr id="6" name="Title 1"/>
+          <p:cNvSpPr>
+            <a:spLocks noGrp="1"/>
+          </p:cNvSpPr>
+          <p:nvPr>
+            <p:ph type="title"/>
+          </p:nvPr>
+        </p:nvSpPr>
+        <p:spPr>
+          <a:xfrm>
+            <a:off x="457200" y="205980"/>
+            <a:ext cx="8229600" cy="857251"/>
+          </a:xfrm>
+        </p:spPr>
+        <p:txBody>
+          <a:bodyPr/>
+          <a:lstStyle/>
+          <a:p>
+            <a:r>
+              <a:rPr lang="en-US" b="1" dirty="0" err="1">
+                <a:solidFill>
+                  <a:srgbClr val="0070C0"/>
+                </a:solidFill>
+              </a:rPr>
+              <a:t>Objetivos</a:t>
+            </a:r>
+            <a:r>
+              <a:rPr lang="en-US" b="1" dirty="0">
+                <a:solidFill>
+                  <a:srgbClr val="0070C0"/>
+                </a:solidFill>
+              </a:rPr>
+              <a:t>/</a:t>
+            </a:r>
+            <a:r>
+              <a:rPr lang="en-US" b="1" dirty="0" err="1">
+                <a:solidFill>
+                  <a:srgbClr val="0070C0"/>
+                </a:solidFill>
+              </a:rPr>
+              <a:t>Habilidades</a:t>
+            </a:r>
+            <a:endParaRPr lang="en-US" b="1" dirty="0">
+              <a:solidFill>
+                <a:srgbClr val="0070C0"/>
+              </a:solidFill>
+            </a:endParaRPr>
+          </a:p>
+        </p:txBody>
+      </p:sp>
+      <p:sp>
+        <p:nvSpPr>
+          <p:cNvPr id="8" name="Text Placeholder 2"/>
+          <p:cNvSpPr>
+            <a:spLocks noGrp="1"/>
+          </p:cNvSpPr>
+          <p:nvPr>
+            <p:ph type="body" sz="half" idx="1"/>
+          </p:nvPr>
+        </p:nvSpPr>
+        <p:spPr>
+          <a:xfrm>
+            <a:off x="142865" y="1104186"/>
+            <a:ext cx="8865056" cy="3833334"/>
+          </a:xfrm>
+        </p:spPr>
+        <p:txBody>
+          <a:bodyPr>
+            <a:noAutofit/>
+          </a:bodyPr>
+          <a:lstStyle/>
+          <a:p>
+            <a:pPr algn="just" eaLnBrk="0" hangingPunct="0">
+              <a:buFont typeface="Wingdings" panose="05000000000000000000" pitchFamily="2" charset="2"/>
+              <a:buChar char="§"/>
+            </a:pPr>
+            <a:r>
+              <a:rPr lang="pt-BR" sz="2400" dirty="0">
+                <a:solidFill>
+                  <a:schemeClr val="tx1"/>
+                </a:solidFill>
+                <a:latin typeface="Times New Roman" panose="02020603050405020304" pitchFamily="18" charset="0"/>
+                <a:cs typeface="Times New Roman" panose="02020603050405020304" pitchFamily="18" charset="0"/>
+              </a:rPr>
+              <a:t>Validar as baseado nas exigências das aplicações e nas boas práticas de programação, para a obtenção da capacidade de especificar sistemas embarcados de alto desempenho com uma visão técnica e gerencial.</a:t>
+            </a:r>
+          </a:p>
+        </p:txBody>
+      </p:sp>
+      <p:cxnSp>
+        <p:nvCxnSpPr>
+          <p:cNvPr id="4" name="Conector reto 3">
+            <a:extLst>
+              <a:ext uri="{FF2B5EF4-FFF2-40B4-BE49-F238E27FC236}">
+                <a16:creationId xmlns:a16="http://schemas.microsoft.com/office/drawing/2014/main" id="{53C1D5BE-B08D-43BA-9100-4319F7669DAD}"/>
+              </a:ext>
+            </a:extLst>
+          </p:cNvPr>
+          <p:cNvCxnSpPr>
+            <a:cxnSpLocks/>
+          </p:cNvCxnSpPr>
+          <p:nvPr/>
+        </p:nvCxnSpPr>
+        <p:spPr>
+          <a:xfrm flipV="1">
+            <a:off x="310728" y="902136"/>
+            <a:ext cx="8699160" cy="40954"/>
+          </a:xfrm>
+          <a:prstGeom prst="line">
+            <a:avLst/>
+          </a:prstGeom>
+          <a:ln w="38100">
+            <a:headEnd type="none" w="med" len="med"/>
+            <a:tailEnd type="none" w="med" len="med"/>
+          </a:ln>
+          <a:scene3d>
+            <a:camera prst="orthographicFront"/>
+            <a:lightRig rig="threePt" dir="t"/>
+          </a:scene3d>
+          <a:sp3d>
+            <a:bevelT prst="convex"/>
+          </a:sp3d>
+        </p:spPr>
+        <p:style>
+          <a:lnRef idx="3">
+            <a:schemeClr val="accent1"/>
+          </a:lnRef>
+          <a:fillRef idx="0">
+            <a:schemeClr val="accent1"/>
+          </a:fillRef>
+          <a:effectRef idx="2">
+            <a:schemeClr val="accent1"/>
+          </a:effectRef>
+          <a:fontRef idx="minor">
+            <a:schemeClr val="tx1"/>
+          </a:fontRef>
+        </p:style>
+      </p:cxnSp>
+    </p:spTree>
+    <p:extLst>
+      <p:ext uri="{BB962C8B-B14F-4D97-AF65-F5344CB8AC3E}">
+        <p14:creationId xmlns:p14="http://schemas.microsoft.com/office/powerpoint/2010/main" val="109367386"/>
+      </p:ext>
+    </p:extLst>
+  </p:cSld>
+  <p:clrMapOvr>
+    <a:masterClrMapping/>
+  </p:clrMapOvr>
+  <p:transition spd="med"/>
+</p:sld>
+</file>
+
+<file path=ppt/slides/slide15.xml><?xml version="1.0" encoding="utf-8"?>
+<p:sld xmlns:a="http://schemas.openxmlformats.org/drawingml/2006/main" xmlns:r="http://schemas.openxmlformats.org/officeDocument/2006/relationships" xmlns:p="http://schemas.openxmlformats.org/presentationml/2006/main">
+  <p:cSld>
+    <p:spTree>
+      <p:nvGrpSpPr>
+        <p:cNvPr id="1" name=""/>
+        <p:cNvGrpSpPr/>
+        <p:nvPr/>
+      </p:nvGrpSpPr>
+      <p:grpSpPr>
+        <a:xfrm>
+          <a:off x="0" y="0"/>
+          <a:ext cx="0" cy="0"/>
+          <a:chOff x="0" y="0"/>
+          <a:chExt cx="0" cy="0"/>
+        </a:xfrm>
+      </p:grpSpPr>
+      <p:sp>
+        <p:nvSpPr>
+          <p:cNvPr id="6" name="Title 1"/>
+          <p:cNvSpPr>
+            <a:spLocks noGrp="1"/>
+          </p:cNvSpPr>
+          <p:nvPr>
+            <p:ph type="title"/>
+          </p:nvPr>
+        </p:nvSpPr>
+        <p:spPr>
+          <a:xfrm>
+            <a:off x="457200" y="205980"/>
+            <a:ext cx="8229600" cy="857251"/>
+          </a:xfrm>
+        </p:spPr>
+        <p:txBody>
+          <a:bodyPr/>
+          <a:lstStyle/>
+          <a:p>
+            <a:r>
+              <a:rPr lang="en-US" b="1" dirty="0" err="1">
+                <a:solidFill>
+                  <a:srgbClr val="0070C0"/>
+                </a:solidFill>
+              </a:rPr>
+              <a:t>Unidades</a:t>
+            </a:r>
+            <a:r>
+              <a:rPr lang="en-US" b="1" dirty="0">
+                <a:solidFill>
+                  <a:srgbClr val="0070C0"/>
+                </a:solidFill>
+              </a:rPr>
+              <a:t>/</a:t>
+            </a:r>
+            <a:r>
+              <a:rPr lang="en-US" b="1" dirty="0" err="1">
+                <a:solidFill>
+                  <a:srgbClr val="0070C0"/>
+                </a:solidFill>
+              </a:rPr>
+              <a:t>Conteúdos</a:t>
+            </a:r>
+            <a:endParaRPr lang="en-US" b="1" dirty="0">
+              <a:solidFill>
+                <a:srgbClr val="0070C0"/>
+              </a:solidFill>
+            </a:endParaRPr>
+          </a:p>
+        </p:txBody>
+      </p:sp>
+      <p:sp>
+        <p:nvSpPr>
+          <p:cNvPr id="8" name="Text Placeholder 2"/>
+          <p:cNvSpPr>
+            <a:spLocks noGrp="1"/>
+          </p:cNvSpPr>
+          <p:nvPr>
+            <p:ph type="body" sz="half" idx="1"/>
+          </p:nvPr>
+        </p:nvSpPr>
+        <p:spPr>
+          <a:xfrm>
+            <a:off x="142865" y="1104186"/>
+            <a:ext cx="8865056" cy="3833334"/>
+          </a:xfrm>
+        </p:spPr>
+        <p:txBody>
+          <a:bodyPr>
+            <a:noAutofit/>
+          </a:bodyPr>
+          <a:lstStyle/>
+          <a:p>
             <a:pPr marL="457200" indent="-457200" algn="just" eaLnBrk="0" hangingPunct="0">
               <a:buAutoNum type="arabicPeriod"/>
             </a:pPr>
@@ -5254,12 +6621,12 @@
                 <a:latin typeface="Times New Roman" panose="02020603050405020304" pitchFamily="18" charset="0"/>
                 <a:cs typeface="Times New Roman" panose="02020603050405020304" pitchFamily="18" charset="0"/>
               </a:rPr>
-              <a:t>CONCEITOS DE INTERNET DAS COISAS</a:t>
-            </a:r>
-          </a:p>
-          <a:p>
-            <a:pPr marL="457200" indent="-457200" algn="just" eaLnBrk="0" hangingPunct="0">
-              <a:buAutoNum type="arabicPeriod"/>
+              <a:t>MICROCONTROLADORES</a:t>
+            </a:r>
+          </a:p>
+          <a:p>
+            <a:pPr marL="0" indent="0" algn="just" eaLnBrk="0" hangingPunct="0">
+              <a:buNone/>
             </a:pPr>
             <a:endParaRPr lang="pt-BR" sz="2200" dirty="0">
               <a:solidFill>
@@ -5268,6 +6635,66 @@
               <a:latin typeface="Times New Roman" panose="02020603050405020304" pitchFamily="18" charset="0"/>
               <a:cs typeface="Times New Roman" panose="02020603050405020304" pitchFamily="18" charset="0"/>
             </a:endParaRPr>
+          </a:p>
+          <a:p>
+            <a:pPr marL="0" indent="0" algn="just" eaLnBrk="0" hangingPunct="0">
+              <a:buNone/>
+            </a:pPr>
+            <a:r>
+              <a:rPr lang="pt-BR" sz="2200" dirty="0">
+                <a:solidFill>
+                  <a:schemeClr val="tx1"/>
+                </a:solidFill>
+                <a:latin typeface="Times New Roman" panose="02020603050405020304" pitchFamily="18" charset="0"/>
+                <a:cs typeface="Times New Roman" panose="02020603050405020304" pitchFamily="18" charset="0"/>
+              </a:rPr>
+              <a:t>1.1. A evolução dos microcontroladores</a:t>
+            </a:r>
+          </a:p>
+          <a:p>
+            <a:pPr marL="0" indent="0" algn="just" eaLnBrk="0" hangingPunct="0">
+              <a:buNone/>
+            </a:pPr>
+            <a:r>
+              <a:rPr lang="pt-BR" sz="2200" dirty="0">
+                <a:solidFill>
+                  <a:schemeClr val="tx1"/>
+                </a:solidFill>
+                <a:latin typeface="Times New Roman" panose="02020603050405020304" pitchFamily="18" charset="0"/>
+                <a:cs typeface="Times New Roman" panose="02020603050405020304" pitchFamily="18" charset="0"/>
+              </a:rPr>
+              <a:t>1.2. Componentes básicos de microcontroladores</a:t>
+            </a:r>
+          </a:p>
+          <a:p>
+            <a:pPr marL="0" indent="0" algn="just" eaLnBrk="0" hangingPunct="0">
+              <a:buNone/>
+            </a:pPr>
+            <a:r>
+              <a:rPr lang="pt-BR" sz="2200" dirty="0">
+                <a:solidFill>
+                  <a:schemeClr val="tx1"/>
+                </a:solidFill>
+                <a:latin typeface="Times New Roman" panose="02020603050405020304" pitchFamily="18" charset="0"/>
+                <a:cs typeface="Times New Roman" panose="02020603050405020304" pitchFamily="18" charset="0"/>
+              </a:rPr>
+              <a:t>1.3. Distinção entre os diferentes microcontroladores</a:t>
+            </a:r>
+          </a:p>
+          <a:p>
+            <a:pPr marL="0" indent="0" algn="just" eaLnBrk="0" hangingPunct="0">
+              <a:buNone/>
+            </a:pPr>
+            <a:r>
+              <a:rPr lang="pt-BR" sz="2200" dirty="0">
+                <a:solidFill>
+                  <a:schemeClr val="tx1"/>
+                </a:solidFill>
+                <a:latin typeface="Times New Roman" panose="02020603050405020304" pitchFamily="18" charset="0"/>
+                <a:cs typeface="Times New Roman" panose="02020603050405020304" pitchFamily="18" charset="0"/>
+              </a:rPr>
+              <a:t>1.4. Identificação de microcontroladores, com base nas famílias e tipos existentes no mercado</a:t>
+            </a:r>
           </a:p>
         </p:txBody>
       </p:sp>
@@ -5334,7 +6761,7 @@
 </p:sld>
 </file>
 
-<file path=ppt/slides/slide12.xml><?xml version="1.0" encoding="utf-8"?>
+<file path=ppt/slides/slide16.xml><?xml version="1.0" encoding="utf-8"?>
 <p:sld xmlns:a="http://schemas.openxmlformats.org/drawingml/2006/main" xmlns:r="http://schemas.openxmlformats.org/officeDocument/2006/relationships" xmlns:p="http://schemas.openxmlformats.org/presentationml/2006/main">
   <p:cSld>
     <p:spTree>
@@ -5436,12 +6863,12 @@
                 <a:latin typeface="Times New Roman" panose="02020603050405020304" pitchFamily="18" charset="0"/>
                 <a:cs typeface="Times New Roman" panose="02020603050405020304" pitchFamily="18" charset="0"/>
               </a:rPr>
-              <a:t>PLATAFORMAS DE MIDDLEWARE E PROTOCOLOS DE COMUNICAÇÃO PARA IOT</a:t>
-            </a:r>
-          </a:p>
-          <a:p>
-            <a:pPr marL="457200" indent="-457200" algn="just" eaLnBrk="0" hangingPunct="0">
-              <a:buAutoNum type="arabicPeriod" startAt="2"/>
+              <a:t>COMPILADORES E SIMULADORES</a:t>
+            </a:r>
+          </a:p>
+          <a:p>
+            <a:pPr marL="0" indent="0" algn="just" eaLnBrk="0" hangingPunct="0">
+              <a:buNone/>
             </a:pPr>
             <a:endParaRPr lang="pt-BR" sz="2200" dirty="0">
               <a:solidFill>
@@ -5463,7 +6890,102 @@
                 <a:latin typeface="Times New Roman" panose="02020603050405020304" pitchFamily="18" charset="0"/>
                 <a:cs typeface="Times New Roman" panose="02020603050405020304" pitchFamily="18" charset="0"/>
               </a:rPr>
-              <a:t>	.</a:t>
+              <a:t>2.1. Linguagem c na programação de sistemas embarcados</a:t>
+            </a:r>
+          </a:p>
+          <a:p>
+            <a:pPr marL="0" indent="0" algn="just" eaLnBrk="0" hangingPunct="0">
+              <a:buNone/>
+            </a:pPr>
+            <a:r>
+              <a:rPr lang="pt-BR" sz="2200" dirty="0">
+                <a:solidFill>
+                  <a:schemeClr val="tx1"/>
+                </a:solidFill>
+                <a:latin typeface="Times New Roman" panose="02020603050405020304" pitchFamily="18" charset="0"/>
+                <a:cs typeface="Times New Roman" panose="02020603050405020304" pitchFamily="18" charset="0"/>
+              </a:rPr>
+              <a:t>2.2. Ferramentas de desenvolvimento de software para sistemas embarcados</a:t>
+            </a:r>
+          </a:p>
+          <a:p>
+            <a:pPr marL="0" indent="0" algn="just" eaLnBrk="0" hangingPunct="0">
+              <a:buNone/>
+            </a:pPr>
+            <a:r>
+              <a:rPr lang="pt-BR" sz="2200" dirty="0">
+                <a:solidFill>
+                  <a:schemeClr val="tx1"/>
+                </a:solidFill>
+                <a:latin typeface="Times New Roman" panose="02020603050405020304" pitchFamily="18" charset="0"/>
+                <a:cs typeface="Times New Roman" panose="02020603050405020304" pitchFamily="18" charset="0"/>
+              </a:rPr>
+              <a:t>2.3. Principais funções do módulo simulador da plataforma </a:t>
+            </a:r>
+            <a:r>
+              <a:rPr lang="pt-BR" sz="2200" b="1" dirty="0">
+                <a:solidFill>
+                  <a:schemeClr val="tx1"/>
+                </a:solidFill>
+                <a:latin typeface="Times New Roman" panose="02020603050405020304" pitchFamily="18" charset="0"/>
+                <a:cs typeface="Times New Roman" panose="02020603050405020304" pitchFamily="18" charset="0"/>
+              </a:rPr>
+              <a:t>ARDUÍNO</a:t>
+            </a:r>
+            <a:r>
+              <a:rPr lang="pt-BR" sz="2200" dirty="0">
+                <a:solidFill>
+                  <a:schemeClr val="tx1"/>
+                </a:solidFill>
+                <a:latin typeface="Times New Roman" panose="02020603050405020304" pitchFamily="18" charset="0"/>
+                <a:cs typeface="Times New Roman" panose="02020603050405020304" pitchFamily="18" charset="0"/>
+              </a:rPr>
+              <a:t> e circuitos eletrônicos da ferramenta </a:t>
+            </a:r>
+            <a:r>
+              <a:rPr lang="pt-BR" sz="2200" b="1" dirty="0">
+                <a:solidFill>
+                  <a:schemeClr val="tx1"/>
+                </a:solidFill>
+                <a:latin typeface="Times New Roman" panose="02020603050405020304" pitchFamily="18" charset="0"/>
+                <a:cs typeface="Times New Roman" panose="02020603050405020304" pitchFamily="18" charset="0"/>
+              </a:rPr>
+              <a:t>TINKERCAD</a:t>
+            </a:r>
+          </a:p>
+          <a:p>
+            <a:pPr marL="0" indent="0" algn="just" eaLnBrk="0" hangingPunct="0">
+              <a:buNone/>
+            </a:pPr>
+            <a:r>
+              <a:rPr lang="pt-BR" sz="2200" dirty="0">
+                <a:solidFill>
+                  <a:schemeClr val="tx1"/>
+                </a:solidFill>
+                <a:latin typeface="Times New Roman" panose="02020603050405020304" pitchFamily="18" charset="0"/>
+                <a:cs typeface="Times New Roman" panose="02020603050405020304" pitchFamily="18" charset="0"/>
+              </a:rPr>
+              <a:t>2.4. Características da ferramenta de simulação </a:t>
+            </a:r>
+            <a:r>
+              <a:rPr lang="pt-BR" sz="2200" b="1" dirty="0">
+                <a:solidFill>
+                  <a:schemeClr val="tx1"/>
+                </a:solidFill>
+                <a:latin typeface="Times New Roman" panose="02020603050405020304" pitchFamily="18" charset="0"/>
+                <a:cs typeface="Times New Roman" panose="02020603050405020304" pitchFamily="18" charset="0"/>
+              </a:rPr>
+              <a:t>PICSIMLAB</a:t>
+            </a:r>
+            <a:r>
+              <a:rPr lang="pt-BR" sz="2200" dirty="0">
+                <a:solidFill>
+                  <a:schemeClr val="tx1"/>
+                </a:solidFill>
+                <a:latin typeface="Times New Roman" panose="02020603050405020304" pitchFamily="18" charset="0"/>
+                <a:cs typeface="Times New Roman" panose="02020603050405020304" pitchFamily="18" charset="0"/>
+              </a:rPr>
+              <a:t> para microcontroladores PIC</a:t>
             </a:r>
           </a:p>
         </p:txBody>
@@ -5531,7 +7053,7 @@
 </p:sld>
 </file>
 
-<file path=ppt/slides/slide13.xml><?xml version="1.0" encoding="utf-8"?>
+<file path=ppt/slides/slide17.xml><?xml version="1.0" encoding="utf-8"?>
 <p:sld xmlns:a="http://schemas.openxmlformats.org/drawingml/2006/main" xmlns:r="http://schemas.openxmlformats.org/officeDocument/2006/relationships" xmlns:p="http://schemas.openxmlformats.org/presentationml/2006/main">
   <p:cSld>
     <p:spTree>
@@ -5633,7 +7155,99 @@
                 <a:latin typeface="Times New Roman" panose="02020603050405020304" pitchFamily="18" charset="0"/>
                 <a:cs typeface="Times New Roman" panose="02020603050405020304" pitchFamily="18" charset="0"/>
               </a:rPr>
-              <a:t>3. DESENVOLVIMENTO DE APLICAÇÕES USANDO PLATAFORMAS DE MIDDLEWARE PARA IOT EM PYTHON</a:t>
+              <a:t>3. PERIFÉRICOS INTEGRADOS</a:t>
+            </a:r>
+          </a:p>
+          <a:p>
+            <a:pPr marL="0" indent="0" algn="just" eaLnBrk="0" hangingPunct="0">
+              <a:buNone/>
+            </a:pPr>
+            <a:endParaRPr lang="pt-BR" sz="2200" dirty="0">
+              <a:solidFill>
+                <a:schemeClr val="tx1"/>
+              </a:solidFill>
+              <a:latin typeface="Times New Roman" panose="02020603050405020304" pitchFamily="18" charset="0"/>
+              <a:cs typeface="Times New Roman" panose="02020603050405020304" pitchFamily="18" charset="0"/>
+            </a:endParaRPr>
+          </a:p>
+          <a:p>
+            <a:pPr marL="0" indent="0" algn="just" eaLnBrk="0" hangingPunct="0">
+              <a:buNone/>
+            </a:pPr>
+            <a:r>
+              <a:rPr lang="pt-BR" sz="2200" dirty="0">
+                <a:solidFill>
+                  <a:schemeClr val="tx1"/>
+                </a:solidFill>
+                <a:latin typeface="Times New Roman" panose="02020603050405020304" pitchFamily="18" charset="0"/>
+                <a:cs typeface="Times New Roman" panose="02020603050405020304" pitchFamily="18" charset="0"/>
+              </a:rPr>
+              <a:t>3.1. Portas de entrada e saída dos microcontroladores para a interação com dispositivos externos</a:t>
+            </a:r>
+          </a:p>
+          <a:p>
+            <a:pPr marL="0" indent="0" algn="just" eaLnBrk="0" hangingPunct="0">
+              <a:buNone/>
+            </a:pPr>
+            <a:r>
+              <a:rPr lang="pt-BR" sz="2200" dirty="0">
+                <a:solidFill>
+                  <a:schemeClr val="tx1"/>
+                </a:solidFill>
+                <a:latin typeface="Times New Roman" panose="02020603050405020304" pitchFamily="18" charset="0"/>
+                <a:cs typeface="Times New Roman" panose="02020603050405020304" pitchFamily="18" charset="0"/>
+              </a:rPr>
+              <a:t>3.2. Conversores analógico­ digitais para criação de sistemas de aquisição de dados com microcontroladores</a:t>
+            </a:r>
+          </a:p>
+          <a:p>
+            <a:pPr marL="0" indent="0" algn="just" eaLnBrk="0" hangingPunct="0">
+              <a:buNone/>
+            </a:pPr>
+            <a:r>
+              <a:rPr lang="pt-BR" sz="2200" dirty="0">
+                <a:solidFill>
+                  <a:schemeClr val="tx1"/>
+                </a:solidFill>
+                <a:latin typeface="Times New Roman" panose="02020603050405020304" pitchFamily="18" charset="0"/>
+                <a:cs typeface="Times New Roman" panose="02020603050405020304" pitchFamily="18" charset="0"/>
+              </a:rPr>
+              <a:t>3.3. Uso de temporizadores e contadores para o desenvolvimento de sistemas de tempo real com microcontroladores</a:t>
+            </a:r>
+          </a:p>
+          <a:p>
+            <a:pPr marL="0" indent="0" algn="just" eaLnBrk="0" hangingPunct="0">
+              <a:buNone/>
+            </a:pPr>
+            <a:r>
+              <a:rPr lang="pt-BR" sz="2200" dirty="0">
+                <a:solidFill>
+                  <a:schemeClr val="tx1"/>
+                </a:solidFill>
+                <a:latin typeface="Times New Roman" panose="02020603050405020304" pitchFamily="18" charset="0"/>
+                <a:cs typeface="Times New Roman" panose="02020603050405020304" pitchFamily="18" charset="0"/>
+              </a:rPr>
+              <a:t>3.4. Uso da modulação por largura de pulso (</a:t>
+            </a:r>
+            <a:r>
+              <a:rPr lang="pt-BR" sz="2200" b="1" dirty="0">
+                <a:solidFill>
+                  <a:schemeClr val="tx1"/>
+                </a:solidFill>
+                <a:latin typeface="Times New Roman" panose="02020603050405020304" pitchFamily="18" charset="0"/>
+                <a:cs typeface="Times New Roman" panose="02020603050405020304" pitchFamily="18" charset="0"/>
+              </a:rPr>
+              <a:t>PWM</a:t>
+            </a:r>
+            <a:r>
+              <a:rPr lang="pt-BR" sz="2200" dirty="0">
+                <a:solidFill>
+                  <a:schemeClr val="tx1"/>
+                </a:solidFill>
+                <a:latin typeface="Times New Roman" panose="02020603050405020304" pitchFamily="18" charset="0"/>
+                <a:cs typeface="Times New Roman" panose="02020603050405020304" pitchFamily="18" charset="0"/>
+              </a:rPr>
+              <a:t>) para o controle de dispositivos externos</a:t>
             </a:r>
           </a:p>
           <a:p>
@@ -5728,7 +7342,7 @@
 </p:sld>
 </file>
 
-<file path=ppt/slides/slide14.xml><?xml version="1.0" encoding="utf-8"?>
+<file path=ppt/slides/slide18.xml><?xml version="1.0" encoding="utf-8"?>
 <p:sld xmlns:a="http://schemas.openxmlformats.org/drawingml/2006/main" xmlns:r="http://schemas.openxmlformats.org/officeDocument/2006/relationships" xmlns:p="http://schemas.openxmlformats.org/presentationml/2006/main">
   <p:cSld>
     <p:spTree>
@@ -5830,7 +7444,79 @@
                 <a:latin typeface="Times New Roman" panose="02020603050405020304" pitchFamily="18" charset="0"/>
                 <a:cs typeface="Times New Roman" panose="02020603050405020304" pitchFamily="18" charset="0"/>
               </a:rPr>
-              <a:t>PRINCÍPIOS E TECNOLOGIAS DA INDÚSTRIA 4.0 (ATIVIDADE PRÁTICA SUPERVISIONADA)</a:t>
+              <a:t>PERIFÉRICOS EXTERNOS (ATV. PRÁTICA SUPERVISIONADA)</a:t>
+            </a:r>
+          </a:p>
+          <a:p>
+            <a:pPr marL="0" indent="0" algn="just" eaLnBrk="0" hangingPunct="0">
+              <a:buNone/>
+            </a:pPr>
+            <a:endParaRPr lang="pt-BR" sz="2200" dirty="0">
+              <a:solidFill>
+                <a:schemeClr val="tx1"/>
+              </a:solidFill>
+              <a:latin typeface="Times New Roman" panose="02020603050405020304" pitchFamily="18" charset="0"/>
+              <a:cs typeface="Times New Roman" panose="02020603050405020304" pitchFamily="18" charset="0"/>
+            </a:endParaRPr>
+          </a:p>
+          <a:p>
+            <a:pPr marL="0" indent="0" algn="just" eaLnBrk="0" hangingPunct="0">
+              <a:buNone/>
+            </a:pPr>
+            <a:r>
+              <a:rPr lang="pt-BR" sz="2200" dirty="0">
+                <a:solidFill>
+                  <a:schemeClr val="tx1"/>
+                </a:solidFill>
+                <a:latin typeface="Times New Roman" panose="02020603050405020304" pitchFamily="18" charset="0"/>
+                <a:cs typeface="Times New Roman" panose="02020603050405020304" pitchFamily="18" charset="0"/>
+              </a:rPr>
+              <a:t>4.1. Funções de programação de protocolos de transmissão de dados em microcontroladores para a comunicação com dispositivos externos</a:t>
+            </a:r>
+          </a:p>
+          <a:p>
+            <a:pPr marL="0" indent="0" algn="just" eaLnBrk="0" hangingPunct="0">
+              <a:buNone/>
+            </a:pPr>
+            <a:r>
+              <a:rPr lang="pt-BR" sz="2200" dirty="0">
+                <a:solidFill>
+                  <a:schemeClr val="tx1"/>
+                </a:solidFill>
+                <a:latin typeface="Times New Roman" panose="02020603050405020304" pitchFamily="18" charset="0"/>
+                <a:cs typeface="Times New Roman" panose="02020603050405020304" pitchFamily="18" charset="0"/>
+              </a:rPr>
+              <a:t>4.2. Sensores e atuadores para a programação de sistemas de controle embarcados</a:t>
+            </a:r>
+          </a:p>
+          <a:p>
+            <a:pPr marL="0" indent="0" algn="just" eaLnBrk="0" hangingPunct="0">
+              <a:buNone/>
+            </a:pPr>
+            <a:r>
+              <a:rPr lang="pt-BR" sz="2200" dirty="0">
+                <a:solidFill>
+                  <a:schemeClr val="tx1"/>
+                </a:solidFill>
+                <a:latin typeface="Times New Roman" panose="02020603050405020304" pitchFamily="18" charset="0"/>
+                <a:cs typeface="Times New Roman" panose="02020603050405020304" pitchFamily="18" charset="0"/>
+              </a:rPr>
+              <a:t>4.3. Funções para a programação de mostradores na criação de interfaces com o usuário</a:t>
+            </a:r>
+          </a:p>
+          <a:p>
+            <a:pPr marL="0" indent="0" algn="just" eaLnBrk="0" hangingPunct="0">
+              <a:buNone/>
+            </a:pPr>
+            <a:r>
+              <a:rPr lang="pt-BR" sz="2200" dirty="0">
+                <a:solidFill>
+                  <a:schemeClr val="tx1"/>
+                </a:solidFill>
+                <a:latin typeface="Times New Roman" panose="02020603050405020304" pitchFamily="18" charset="0"/>
+                <a:cs typeface="Times New Roman" panose="02020603050405020304" pitchFamily="18" charset="0"/>
+              </a:rPr>
+              <a:t>4.4. Importância da programação de interrupções para o recebimento otimizado de dados de dispositivos externos ao microcontrolador</a:t>
             </a:r>
           </a:p>
         </p:txBody>
@@ -5898,7 +7584,7 @@
 </p:sld>
 </file>
 
-<file path=ppt/slides/slide15.xml><?xml version="1.0" encoding="utf-8"?>
+<file path=ppt/slides/slide19.xml><?xml version="1.0" encoding="utf-8"?>
 <p:sld xmlns:a="http://schemas.openxmlformats.org/drawingml/2006/main" xmlns:r="http://schemas.openxmlformats.org/officeDocument/2006/relationships" xmlns:p="http://schemas.openxmlformats.org/presentationml/2006/main">
   <p:cSld>
     <p:spTree>
@@ -6000,12 +7686,12 @@
                 <a:latin typeface="Times New Roman" panose="02020603050405020304" pitchFamily="18" charset="0"/>
                 <a:cs typeface="Times New Roman" panose="02020603050405020304" pitchFamily="18" charset="0"/>
               </a:rPr>
-              <a:t>INTEGRAÇÃO COM SISTEMAS DE CLOUD PARA IOT</a:t>
-            </a:r>
-          </a:p>
-          <a:p>
-            <a:pPr marL="457200" indent="-457200" algn="just" eaLnBrk="0" hangingPunct="0">
-              <a:buAutoNum type="arabicPeriod" startAt="5"/>
+              <a:t>PROJETOS COM MICROCONTROLADORES</a:t>
+            </a:r>
+          </a:p>
+          <a:p>
+            <a:pPr marL="0" indent="0" algn="just" eaLnBrk="0" hangingPunct="0">
+              <a:buNone/>
             </a:pPr>
             <a:endParaRPr lang="pt-BR" sz="2200" dirty="0">
               <a:solidFill>
@@ -6014,6 +7700,66 @@
               <a:latin typeface="Times New Roman" panose="02020603050405020304" pitchFamily="18" charset="0"/>
               <a:cs typeface="Times New Roman" panose="02020603050405020304" pitchFamily="18" charset="0"/>
             </a:endParaRPr>
+          </a:p>
+          <a:p>
+            <a:pPr marL="0" indent="0" algn="just" eaLnBrk="0" hangingPunct="0">
+              <a:buNone/>
+            </a:pPr>
+            <a:r>
+              <a:rPr lang="pt-BR" sz="2200" dirty="0">
+                <a:solidFill>
+                  <a:schemeClr val="tx1"/>
+                </a:solidFill>
+                <a:latin typeface="Times New Roman" panose="02020603050405020304" pitchFamily="18" charset="0"/>
+                <a:cs typeface="Times New Roman" panose="02020603050405020304" pitchFamily="18" charset="0"/>
+              </a:rPr>
+              <a:t>5.1. Plataformas de hardware e software para um projeto com microcontrolador</a:t>
+            </a:r>
+          </a:p>
+          <a:p>
+            <a:pPr marL="0" indent="0" algn="just" eaLnBrk="0" hangingPunct="0">
+              <a:buNone/>
+            </a:pPr>
+            <a:r>
+              <a:rPr lang="pt-BR" sz="2200" dirty="0">
+                <a:solidFill>
+                  <a:schemeClr val="tx1"/>
+                </a:solidFill>
+                <a:latin typeface="Times New Roman" panose="02020603050405020304" pitchFamily="18" charset="0"/>
+                <a:cs typeface="Times New Roman" panose="02020603050405020304" pitchFamily="18" charset="0"/>
+              </a:rPr>
+              <a:t>5.2. Limitações dos microcontroladores para a especificação de projetos embarcados de alto desempenho</a:t>
+            </a:r>
+          </a:p>
+          <a:p>
+            <a:pPr marL="0" indent="0" algn="just" eaLnBrk="0" hangingPunct="0">
+              <a:buNone/>
+            </a:pPr>
+            <a:r>
+              <a:rPr lang="pt-BR" sz="2200" dirty="0">
+                <a:solidFill>
+                  <a:schemeClr val="tx1"/>
+                </a:solidFill>
+                <a:latin typeface="Times New Roman" panose="02020603050405020304" pitchFamily="18" charset="0"/>
+                <a:cs typeface="Times New Roman" panose="02020603050405020304" pitchFamily="18" charset="0"/>
+              </a:rPr>
+              <a:t>5.3. Boas práticas de programação para o desenvolvimento do software embarcado nos microcontroladores</a:t>
+            </a:r>
+          </a:p>
+          <a:p>
+            <a:pPr marL="0" indent="0" algn="just" eaLnBrk="0" hangingPunct="0">
+              <a:buNone/>
+            </a:pPr>
+            <a:r>
+              <a:rPr lang="pt-BR" sz="2200" dirty="0">
+                <a:solidFill>
+                  <a:schemeClr val="tx1"/>
+                </a:solidFill>
+                <a:latin typeface="Times New Roman" panose="02020603050405020304" pitchFamily="18" charset="0"/>
+                <a:cs typeface="Times New Roman" panose="02020603050405020304" pitchFamily="18" charset="0"/>
+              </a:rPr>
+              <a:t>5.4. Microcontroladores para projetos de comunicação sem fio e internet das coisas (IOT)</a:t>
+            </a:r>
           </a:p>
           <a:p>
             <a:pPr marL="0" indent="0" algn="just" eaLnBrk="0" hangingPunct="0">
@@ -6085,1132 +7831,6 @@
     <p:extLst>
       <p:ext uri="{BB962C8B-B14F-4D97-AF65-F5344CB8AC3E}">
         <p14:creationId xmlns:p14="http://schemas.microsoft.com/office/powerpoint/2010/main" val="1774241193"/>
-      </p:ext>
-    </p:extLst>
-  </p:cSld>
-  <p:clrMapOvr>
-    <a:masterClrMapping/>
-  </p:clrMapOvr>
-  <p:transition spd="med"/>
-</p:sld>
-</file>
-
-<file path=ppt/slides/slide16.xml><?xml version="1.0" encoding="utf-8"?>
-<p:sld xmlns:a="http://schemas.openxmlformats.org/drawingml/2006/main" xmlns:r="http://schemas.openxmlformats.org/officeDocument/2006/relationships" xmlns:p="http://schemas.openxmlformats.org/presentationml/2006/main">
-  <p:cSld>
-    <p:spTree>
-      <p:nvGrpSpPr>
-        <p:cNvPr id="1" name=""/>
-        <p:cNvGrpSpPr/>
-        <p:nvPr/>
-      </p:nvGrpSpPr>
-      <p:grpSpPr>
-        <a:xfrm>
-          <a:off x="0" y="0"/>
-          <a:ext cx="0" cy="0"/>
-          <a:chOff x="0" y="0"/>
-          <a:chExt cx="0" cy="0"/>
-        </a:xfrm>
-      </p:grpSpPr>
-      <p:sp>
-        <p:nvSpPr>
-          <p:cNvPr id="6" name="Title 1"/>
-          <p:cNvSpPr>
-            <a:spLocks noGrp="1"/>
-          </p:cNvSpPr>
-          <p:nvPr>
-            <p:ph type="title"/>
-          </p:nvPr>
-        </p:nvSpPr>
-        <p:spPr>
-          <a:xfrm>
-            <a:off x="457200" y="205980"/>
-            <a:ext cx="8229600" cy="857251"/>
-          </a:xfrm>
-        </p:spPr>
-        <p:txBody>
-          <a:bodyPr/>
-          <a:lstStyle/>
-          <a:p>
-            <a:r>
-              <a:rPr lang="en-US" b="1" dirty="0" err="1">
-                <a:solidFill>
-                  <a:srgbClr val="0070C0"/>
-                </a:solidFill>
-              </a:rPr>
-              <a:t>Unidades</a:t>
-            </a:r>
-            <a:r>
-              <a:rPr lang="en-US" b="1" dirty="0">
-                <a:solidFill>
-                  <a:srgbClr val="0070C0"/>
-                </a:solidFill>
-              </a:rPr>
-              <a:t>/</a:t>
-            </a:r>
-            <a:r>
-              <a:rPr lang="en-US" b="1" dirty="0" err="1">
-                <a:solidFill>
-                  <a:srgbClr val="0070C0"/>
-                </a:solidFill>
-              </a:rPr>
-              <a:t>Conteúdos</a:t>
-            </a:r>
-            <a:endParaRPr lang="en-US" b="1" dirty="0">
-              <a:solidFill>
-                <a:srgbClr val="0070C0"/>
-              </a:solidFill>
-            </a:endParaRPr>
-          </a:p>
-        </p:txBody>
-      </p:sp>
-      <p:sp>
-        <p:nvSpPr>
-          <p:cNvPr id="8" name="Text Placeholder 2"/>
-          <p:cNvSpPr>
-            <a:spLocks noGrp="1"/>
-          </p:cNvSpPr>
-          <p:nvPr>
-            <p:ph type="body" sz="half" idx="1"/>
-          </p:nvPr>
-        </p:nvSpPr>
-        <p:spPr>
-          <a:xfrm>
-            <a:off x="142865" y="1104186"/>
-            <a:ext cx="8865056" cy="3943803"/>
-          </a:xfrm>
-        </p:spPr>
-        <p:txBody>
-          <a:bodyPr>
-            <a:noAutofit/>
-          </a:bodyPr>
-          <a:lstStyle/>
-          <a:p>
-            <a:pPr marL="457200" indent="-457200" algn="just" eaLnBrk="0" hangingPunct="0">
-              <a:buAutoNum type="arabicPeriod" startAt="6"/>
-            </a:pPr>
-            <a:r>
-              <a:rPr lang="pt-BR" sz="2200" dirty="0">
-                <a:solidFill>
-                  <a:schemeClr val="tx1"/>
-                </a:solidFill>
-                <a:latin typeface="Times New Roman" panose="02020603050405020304" pitchFamily="18" charset="0"/>
-                <a:cs typeface="Times New Roman" panose="02020603050405020304" pitchFamily="18" charset="0"/>
-              </a:rPr>
-              <a:t>(</a:t>
-            </a:r>
-            <a:r>
-              <a:rPr lang="pt-BR" sz="2200" b="1" dirty="0">
-                <a:solidFill>
-                  <a:srgbClr val="FF0000"/>
-                </a:solidFill>
-                <a:latin typeface="Times New Roman" panose="02020603050405020304" pitchFamily="18" charset="0"/>
-                <a:cs typeface="Times New Roman" panose="02020603050405020304" pitchFamily="18" charset="0"/>
-              </a:rPr>
-              <a:t>CRÉDITO DIGITAL</a:t>
-            </a:r>
-            <a:r>
-              <a:rPr lang="pt-BR" sz="2200" dirty="0">
-                <a:solidFill>
-                  <a:schemeClr val="tx1"/>
-                </a:solidFill>
-                <a:latin typeface="Times New Roman" panose="02020603050405020304" pitchFamily="18" charset="0"/>
-                <a:cs typeface="Times New Roman" panose="02020603050405020304" pitchFamily="18" charset="0"/>
-              </a:rPr>
-              <a:t>)</a:t>
-            </a:r>
-          </a:p>
-        </p:txBody>
-      </p:sp>
-      <p:cxnSp>
-        <p:nvCxnSpPr>
-          <p:cNvPr id="4" name="Conector reto 3">
-            <a:extLst>
-              <a:ext uri="{FF2B5EF4-FFF2-40B4-BE49-F238E27FC236}">
-                <a16:creationId xmlns:a16="http://schemas.microsoft.com/office/drawing/2014/main" id="{53C1D5BE-B08D-43BA-9100-4319F7669DAD}"/>
-              </a:ext>
-            </a:extLst>
-          </p:cNvPr>
-          <p:cNvCxnSpPr>
-            <a:cxnSpLocks/>
-          </p:cNvCxnSpPr>
-          <p:nvPr/>
-        </p:nvCxnSpPr>
-        <p:spPr>
-          <a:xfrm flipV="1">
-            <a:off x="310728" y="902136"/>
-            <a:ext cx="8699160" cy="40954"/>
-          </a:xfrm>
-          <a:prstGeom prst="line">
-            <a:avLst/>
-          </a:prstGeom>
-          <a:ln w="38100">
-            <a:headEnd type="none" w="med" len="med"/>
-            <a:tailEnd type="none" w="med" len="med"/>
-          </a:ln>
-          <a:scene3d>
-            <a:camera prst="orthographicFront"/>
-            <a:lightRig rig="threePt" dir="t"/>
-          </a:scene3d>
-          <a:sp3d>
-            <a:bevelT prst="convex"/>
-          </a:sp3d>
-        </p:spPr>
-        <p:style>
-          <a:lnRef idx="3">
-            <a:schemeClr val="accent1"/>
-          </a:lnRef>
-          <a:fillRef idx="0">
-            <a:schemeClr val="accent1"/>
-          </a:fillRef>
-          <a:effectRef idx="2">
-            <a:schemeClr val="accent1"/>
-          </a:effectRef>
-          <a:fontRef idx="minor">
-            <a:schemeClr val="tx1"/>
-          </a:fontRef>
-        </p:style>
-      </p:cxnSp>
-    </p:spTree>
-    <p:extLst>
-      <p:ext uri="{BB962C8B-B14F-4D97-AF65-F5344CB8AC3E}">
-        <p14:creationId xmlns:p14="http://schemas.microsoft.com/office/powerpoint/2010/main" val="1973099640"/>
-      </p:ext>
-    </p:extLst>
-  </p:cSld>
-  <p:clrMapOvr>
-    <a:masterClrMapping/>
-  </p:clrMapOvr>
-  <p:transition spd="med"/>
-</p:sld>
-</file>
-
-<file path=ppt/slides/slide17.xml><?xml version="1.0" encoding="utf-8"?>
-<p:sld xmlns:a="http://schemas.openxmlformats.org/drawingml/2006/main" xmlns:r="http://schemas.openxmlformats.org/officeDocument/2006/relationships" xmlns:p="http://schemas.openxmlformats.org/presentationml/2006/main">
-  <p:cSld>
-    <p:spTree>
-      <p:nvGrpSpPr>
-        <p:cNvPr id="1" name=""/>
-        <p:cNvGrpSpPr/>
-        <p:nvPr/>
-      </p:nvGrpSpPr>
-      <p:grpSpPr>
-        <a:xfrm>
-          <a:off x="0" y="0"/>
-          <a:ext cx="0" cy="0"/>
-          <a:chOff x="0" y="0"/>
-          <a:chExt cx="0" cy="0"/>
-        </a:xfrm>
-      </p:grpSpPr>
-      <p:sp>
-        <p:nvSpPr>
-          <p:cNvPr id="6" name="Title 1"/>
-          <p:cNvSpPr>
-            <a:spLocks noGrp="1"/>
-          </p:cNvSpPr>
-          <p:nvPr>
-            <p:ph type="title"/>
-          </p:nvPr>
-        </p:nvSpPr>
-        <p:spPr>
-          <a:xfrm>
-            <a:off x="457200" y="205980"/>
-            <a:ext cx="8229600" cy="857251"/>
-          </a:xfrm>
-        </p:spPr>
-        <p:txBody>
-          <a:bodyPr/>
-          <a:lstStyle/>
-          <a:p>
-            <a:r>
-              <a:rPr lang="en-US" b="1" dirty="0" err="1">
-                <a:solidFill>
-                  <a:srgbClr val="0070C0"/>
-                </a:solidFill>
-              </a:rPr>
-              <a:t>Metodologia</a:t>
-            </a:r>
-            <a:r>
-              <a:rPr lang="en-US" b="1" dirty="0">
-                <a:solidFill>
-                  <a:srgbClr val="0070C0"/>
-                </a:solidFill>
-              </a:rPr>
-              <a:t>/</a:t>
-            </a:r>
-            <a:r>
-              <a:rPr lang="en-US" b="1" dirty="0" err="1">
-                <a:solidFill>
-                  <a:srgbClr val="0070C0"/>
-                </a:solidFill>
-              </a:rPr>
-              <a:t>Avaliação</a:t>
-            </a:r>
-            <a:endParaRPr lang="en-US" b="1" dirty="0">
-              <a:solidFill>
-                <a:srgbClr val="0070C0"/>
-              </a:solidFill>
-            </a:endParaRPr>
-          </a:p>
-        </p:txBody>
-      </p:sp>
-      <p:sp>
-        <p:nvSpPr>
-          <p:cNvPr id="8" name="Text Placeholder 2"/>
-          <p:cNvSpPr>
-            <a:spLocks noGrp="1"/>
-          </p:cNvSpPr>
-          <p:nvPr>
-            <p:ph type="body" sz="half" idx="1"/>
-          </p:nvPr>
-        </p:nvSpPr>
-        <p:spPr>
-          <a:xfrm>
-            <a:off x="142865" y="1104186"/>
-            <a:ext cx="8865056" cy="3540965"/>
-          </a:xfrm>
-        </p:spPr>
-        <p:txBody>
-          <a:bodyPr>
-            <a:noAutofit/>
-          </a:bodyPr>
-          <a:lstStyle/>
-          <a:p>
-            <a:pPr marL="342900" indent="-342900" eaLnBrk="0" hangingPunct="0">
-              <a:buFont typeface="Wingdings" panose="05000000000000000000" pitchFamily="2" charset="2"/>
-              <a:buChar char="§"/>
-              <a:defRPr/>
-            </a:pPr>
-            <a:r>
-              <a:rPr lang="pt-BR" sz="2400" dirty="0">
-                <a:solidFill>
-                  <a:srgbClr val="FF0000"/>
-                </a:solidFill>
-              </a:rPr>
-              <a:t>Inovações Didática, Digital e </a:t>
-            </a:r>
-            <a:r>
-              <a:rPr lang="pt-BR" sz="2400" dirty="0">
-                <a:solidFill>
-                  <a:srgbClr val="0070C0"/>
-                </a:solidFill>
-              </a:rPr>
-              <a:t>Metodologias Ativas </a:t>
-            </a:r>
-            <a:r>
-              <a:rPr lang="pt-BR" sz="2400" dirty="0">
-                <a:solidFill>
-                  <a:srgbClr val="FF0000"/>
-                </a:solidFill>
-              </a:rPr>
-              <a:t>e Educação Digital</a:t>
-            </a:r>
-          </a:p>
-          <a:p>
-            <a:pPr algn="just" eaLnBrk="0" hangingPunct="0">
-              <a:buFont typeface="Wingdings" panose="05000000000000000000" pitchFamily="2" charset="2"/>
-              <a:buChar char="§"/>
-              <a:defRPr/>
-            </a:pPr>
-            <a:r>
-              <a:rPr lang="pt-BR" sz="2400" dirty="0"/>
-              <a:t>O </a:t>
-            </a:r>
-            <a:r>
-              <a:rPr lang="pt-BR" sz="2400" b="1" dirty="0">
-                <a:solidFill>
-                  <a:srgbClr val="FF0000"/>
-                </a:solidFill>
-              </a:rPr>
-              <a:t>processo de ensino-­aprendizagem </a:t>
-            </a:r>
-            <a:r>
-              <a:rPr lang="pt-BR" sz="2400" dirty="0"/>
-              <a:t>será baseado em 3 etapas: a </a:t>
-            </a:r>
-            <a:r>
-              <a:rPr lang="pt-BR" sz="2400" b="1" dirty="0">
-                <a:solidFill>
-                  <a:srgbClr val="FF0000"/>
-                </a:solidFill>
-              </a:rPr>
-              <a:t>preleção</a:t>
-            </a:r>
-            <a:r>
-              <a:rPr lang="pt-BR" sz="2400" dirty="0"/>
-              <a:t>, a partir da definição de uma </a:t>
-            </a:r>
-            <a:r>
-              <a:rPr lang="pt-BR" sz="2400" b="1" dirty="0"/>
-              <a:t>situação problema </a:t>
-            </a:r>
-            <a:r>
-              <a:rPr lang="pt-BR" sz="2400" dirty="0"/>
-              <a:t>(</a:t>
-            </a:r>
-            <a:r>
-              <a:rPr lang="pt-BR" sz="2400" b="1" dirty="0"/>
-              <a:t>temática</a:t>
-            </a:r>
-            <a:r>
-              <a:rPr lang="pt-BR" sz="2400" dirty="0"/>
-              <a:t>/</a:t>
-            </a:r>
-            <a:r>
-              <a:rPr lang="pt-BR" sz="2400" b="1" dirty="0">
-                <a:solidFill>
-                  <a:srgbClr val="FF0000"/>
-                </a:solidFill>
-              </a:rPr>
-              <a:t>problematização</a:t>
-            </a:r>
-            <a:r>
-              <a:rPr lang="pt-BR" sz="2400" dirty="0"/>
-              <a:t>/</a:t>
-            </a:r>
-            <a:r>
-              <a:rPr lang="pt-BR" sz="2400" b="1" dirty="0"/>
-              <a:t>pergunta geradora</a:t>
-            </a:r>
-            <a:r>
-              <a:rPr lang="pt-BR" sz="2400" dirty="0"/>
-              <a:t>), utilização de metodologias ativas centradas no protagonismo do aluno e realização de uma </a:t>
-            </a:r>
-            <a:r>
-              <a:rPr lang="pt-BR" sz="2400" b="1" dirty="0">
-                <a:solidFill>
-                  <a:srgbClr val="FF0000"/>
-                </a:solidFill>
-              </a:rPr>
-              <a:t>atividade verificadora da aprendizagem</a:t>
-            </a:r>
-            <a:r>
-              <a:rPr lang="pt-BR" sz="2400" dirty="0">
-                <a:solidFill>
-                  <a:srgbClr val="FF0000"/>
-                </a:solidFill>
-              </a:rPr>
-              <a:t> </a:t>
-            </a:r>
-            <a:r>
-              <a:rPr lang="pt-BR" sz="2400" dirty="0"/>
-              <a:t>ao final da aula.</a:t>
-            </a:r>
-          </a:p>
-          <a:p>
-            <a:pPr marL="342900" indent="-342900" eaLnBrk="0" hangingPunct="0">
-              <a:buFont typeface="Wingdings" panose="05000000000000000000" pitchFamily="2" charset="2"/>
-              <a:buChar char="§"/>
-              <a:defRPr/>
-            </a:pPr>
-            <a:r>
-              <a:rPr lang="pt-BR" sz="2400" dirty="0"/>
-              <a:t>Pesquisa Bibliográfica</a:t>
-            </a:r>
-            <a:endParaRPr lang="pt-BR" sz="2400" dirty="0">
-              <a:solidFill>
-                <a:schemeClr val="tx1"/>
-              </a:solidFill>
-              <a:latin typeface="Times New Roman" panose="02020603050405020304" pitchFamily="18" charset="0"/>
-              <a:cs typeface="Times New Roman" panose="02020603050405020304" pitchFamily="18" charset="0"/>
-            </a:endParaRPr>
-          </a:p>
-        </p:txBody>
-      </p:sp>
-      <p:cxnSp>
-        <p:nvCxnSpPr>
-          <p:cNvPr id="4" name="Conector reto 3">
-            <a:extLst>
-              <a:ext uri="{FF2B5EF4-FFF2-40B4-BE49-F238E27FC236}">
-                <a16:creationId xmlns:a16="http://schemas.microsoft.com/office/drawing/2014/main" id="{53C1D5BE-B08D-43BA-9100-4319F7669DAD}"/>
-              </a:ext>
-            </a:extLst>
-          </p:cNvPr>
-          <p:cNvCxnSpPr>
-            <a:cxnSpLocks/>
-          </p:cNvCxnSpPr>
-          <p:nvPr/>
-        </p:nvCxnSpPr>
-        <p:spPr>
-          <a:xfrm flipV="1">
-            <a:off x="310728" y="902136"/>
-            <a:ext cx="8699160" cy="40954"/>
-          </a:xfrm>
-          <a:prstGeom prst="line">
-            <a:avLst/>
-          </a:prstGeom>
-          <a:ln w="38100">
-            <a:headEnd type="none" w="med" len="med"/>
-            <a:tailEnd type="none" w="med" len="med"/>
-          </a:ln>
-          <a:scene3d>
-            <a:camera prst="orthographicFront"/>
-            <a:lightRig rig="threePt" dir="t"/>
-          </a:scene3d>
-          <a:sp3d>
-            <a:bevelT prst="convex"/>
-          </a:sp3d>
-        </p:spPr>
-        <p:style>
-          <a:lnRef idx="3">
-            <a:schemeClr val="accent1"/>
-          </a:lnRef>
-          <a:fillRef idx="0">
-            <a:schemeClr val="accent1"/>
-          </a:fillRef>
-          <a:effectRef idx="2">
-            <a:schemeClr val="accent1"/>
-          </a:effectRef>
-          <a:fontRef idx="minor">
-            <a:schemeClr val="tx1"/>
-          </a:fontRef>
-        </p:style>
-      </p:cxnSp>
-    </p:spTree>
-    <p:extLst>
-      <p:ext uri="{BB962C8B-B14F-4D97-AF65-F5344CB8AC3E}">
-        <p14:creationId xmlns:p14="http://schemas.microsoft.com/office/powerpoint/2010/main" val="706343262"/>
-      </p:ext>
-    </p:extLst>
-  </p:cSld>
-  <p:clrMapOvr>
-    <a:masterClrMapping/>
-  </p:clrMapOvr>
-  <p:transition spd="med"/>
-</p:sld>
-</file>
-
-<file path=ppt/slides/slide18.xml><?xml version="1.0" encoding="utf-8"?>
-<p:sld xmlns:a="http://schemas.openxmlformats.org/drawingml/2006/main" xmlns:r="http://schemas.openxmlformats.org/officeDocument/2006/relationships" xmlns:p="http://schemas.openxmlformats.org/presentationml/2006/main">
-  <p:cSld>
-    <p:spTree>
-      <p:nvGrpSpPr>
-        <p:cNvPr id="1" name=""/>
-        <p:cNvGrpSpPr/>
-        <p:nvPr/>
-      </p:nvGrpSpPr>
-      <p:grpSpPr>
-        <a:xfrm>
-          <a:off x="0" y="0"/>
-          <a:ext cx="0" cy="0"/>
-          <a:chOff x="0" y="0"/>
-          <a:chExt cx="0" cy="0"/>
-        </a:xfrm>
-      </p:grpSpPr>
-      <p:sp>
-        <p:nvSpPr>
-          <p:cNvPr id="6" name="Title 1"/>
-          <p:cNvSpPr>
-            <a:spLocks noGrp="1"/>
-          </p:cNvSpPr>
-          <p:nvPr>
-            <p:ph type="title"/>
-          </p:nvPr>
-        </p:nvSpPr>
-        <p:spPr>
-          <a:xfrm>
-            <a:off x="457200" y="205980"/>
-            <a:ext cx="8229600" cy="857251"/>
-          </a:xfrm>
-        </p:spPr>
-        <p:txBody>
-          <a:bodyPr/>
-          <a:lstStyle/>
-          <a:p>
-            <a:r>
-              <a:rPr lang="en-US" b="1" dirty="0" err="1">
-                <a:solidFill>
-                  <a:srgbClr val="0070C0"/>
-                </a:solidFill>
-              </a:rPr>
-              <a:t>Metodologia</a:t>
-            </a:r>
-            <a:r>
-              <a:rPr lang="en-US" b="1" dirty="0">
-                <a:solidFill>
-                  <a:srgbClr val="0070C0"/>
-                </a:solidFill>
-              </a:rPr>
-              <a:t>/</a:t>
-            </a:r>
-            <a:r>
-              <a:rPr lang="en-US" b="1" dirty="0" err="1">
-                <a:solidFill>
-                  <a:srgbClr val="0070C0"/>
-                </a:solidFill>
-              </a:rPr>
-              <a:t>Avaliação</a:t>
-            </a:r>
-            <a:endParaRPr lang="en-US" b="1" dirty="0">
-              <a:solidFill>
-                <a:srgbClr val="0070C0"/>
-              </a:solidFill>
-            </a:endParaRPr>
-          </a:p>
-        </p:txBody>
-      </p:sp>
-      <p:sp>
-        <p:nvSpPr>
-          <p:cNvPr id="8" name="Text Placeholder 2"/>
-          <p:cNvSpPr>
-            <a:spLocks noGrp="1"/>
-          </p:cNvSpPr>
-          <p:nvPr>
-            <p:ph type="body" sz="half" idx="1"/>
-          </p:nvPr>
-        </p:nvSpPr>
-        <p:spPr>
-          <a:xfrm>
-            <a:off x="142865" y="1104186"/>
-            <a:ext cx="8865056" cy="3540965"/>
-          </a:xfrm>
-        </p:spPr>
-        <p:txBody>
-          <a:bodyPr>
-            <a:noAutofit/>
-          </a:bodyPr>
-          <a:lstStyle/>
-          <a:p>
-            <a:pPr marL="342900" indent="-342900" eaLnBrk="0" hangingPunct="0">
-              <a:buFont typeface="Wingdings" panose="05000000000000000000" pitchFamily="2" charset="2"/>
-              <a:buChar char="§"/>
-              <a:defRPr/>
-            </a:pPr>
-            <a:r>
-              <a:rPr lang="pt-BR" sz="2400" dirty="0"/>
-              <a:t>Exercícios/Atividades</a:t>
-            </a:r>
-          </a:p>
-          <a:p>
-            <a:pPr marL="342900" indent="-342900" eaLnBrk="0" hangingPunct="0">
-              <a:buFont typeface="Wingdings" panose="05000000000000000000" pitchFamily="2" charset="2"/>
-              <a:buChar char="§"/>
-              <a:defRPr/>
-            </a:pPr>
-            <a:r>
-              <a:rPr lang="pt-BR" sz="2400" dirty="0"/>
-              <a:t>Revisão para Avaliações</a:t>
-            </a:r>
-          </a:p>
-          <a:p>
-            <a:pPr marL="342900" indent="-342900" eaLnBrk="0" hangingPunct="0">
-              <a:buFont typeface="Wingdings" panose="05000000000000000000" pitchFamily="2" charset="2"/>
-              <a:buChar char="§"/>
-              <a:defRPr/>
-            </a:pPr>
-            <a:r>
-              <a:rPr lang="pt-BR" sz="2400" b="1" dirty="0">
-                <a:solidFill>
-                  <a:srgbClr val="0070C0"/>
-                </a:solidFill>
-              </a:rPr>
-              <a:t>AV1</a:t>
-            </a:r>
-            <a:r>
-              <a:rPr lang="pt-BR" sz="2400" dirty="0"/>
-              <a:t> (Gerada pelo Docente)</a:t>
-            </a:r>
-          </a:p>
-          <a:p>
-            <a:pPr marL="342900" indent="-342900" eaLnBrk="0" hangingPunct="0">
-              <a:buFont typeface="Wingdings" panose="05000000000000000000" pitchFamily="2" charset="2"/>
-              <a:buChar char="§"/>
-              <a:defRPr/>
-            </a:pPr>
-            <a:r>
-              <a:rPr lang="pt-BR" sz="2400" b="1" dirty="0">
-                <a:solidFill>
-                  <a:srgbClr val="FF0000"/>
-                </a:solidFill>
-              </a:rPr>
-              <a:t>AV2</a:t>
-            </a:r>
-            <a:r>
-              <a:rPr lang="pt-BR" sz="2400" dirty="0"/>
-              <a:t> (Gerado pelo BDQ - </a:t>
-            </a:r>
-            <a:r>
-              <a:rPr lang="pt-BR" sz="2400" b="1" dirty="0"/>
-              <a:t>PNI</a:t>
-            </a:r>
-            <a:r>
-              <a:rPr lang="pt-BR" sz="2400" dirty="0"/>
-              <a:t>)</a:t>
-            </a:r>
-          </a:p>
-          <a:p>
-            <a:pPr marL="342900" indent="-342900" eaLnBrk="0" hangingPunct="0">
-              <a:buFont typeface="Wingdings" panose="05000000000000000000" pitchFamily="2" charset="2"/>
-              <a:buChar char="§"/>
-              <a:defRPr/>
-            </a:pPr>
-            <a:r>
-              <a:rPr lang="pt-BR" sz="2400" b="1" dirty="0">
-                <a:solidFill>
-                  <a:srgbClr val="00B050"/>
-                </a:solidFill>
-              </a:rPr>
-              <a:t>AV3</a:t>
-            </a:r>
-            <a:r>
-              <a:rPr lang="pt-BR" sz="2400" dirty="0"/>
-              <a:t> (Gerado pelo BDQ/Docente - </a:t>
-            </a:r>
-            <a:r>
-              <a:rPr lang="pt-BR" sz="2400" b="1" dirty="0"/>
-              <a:t>PNI</a:t>
-            </a:r>
-            <a:r>
-              <a:rPr lang="pt-BR" sz="2400" dirty="0"/>
-              <a:t> </a:t>
-            </a:r>
-            <a:r>
-              <a:rPr lang="pt-BR" sz="2400" b="1" dirty="0">
-                <a:solidFill>
-                  <a:srgbClr val="FF0000"/>
-                </a:solidFill>
-              </a:rPr>
-              <a:t>Condicional</a:t>
-            </a:r>
-            <a:r>
-              <a:rPr lang="pt-BR" sz="2400" dirty="0"/>
-              <a:t>)</a:t>
-            </a:r>
-          </a:p>
-          <a:p>
-            <a:pPr marL="342900" indent="-342900" eaLnBrk="0" hangingPunct="0">
-              <a:buFont typeface="Wingdings" panose="05000000000000000000" pitchFamily="2" charset="2"/>
-              <a:buChar char="§"/>
-              <a:defRPr/>
-            </a:pPr>
-            <a:r>
-              <a:rPr lang="pt-BR" sz="2400" b="1" dirty="0">
-                <a:solidFill>
-                  <a:srgbClr val="FF0000"/>
-                </a:solidFill>
-              </a:rPr>
-              <a:t>AVD</a:t>
-            </a:r>
-            <a:r>
-              <a:rPr lang="pt-BR" sz="2400" dirty="0"/>
-              <a:t> (</a:t>
-            </a:r>
-            <a:r>
-              <a:rPr lang="pt-BR" sz="2400" b="1" dirty="0"/>
-              <a:t>Crédito Digital</a:t>
-            </a:r>
-            <a:r>
-              <a:rPr lang="pt-BR" sz="2400" dirty="0"/>
-              <a:t>) </a:t>
-            </a:r>
-            <a:r>
-              <a:rPr lang="pt-BR" sz="2400" b="1" dirty="0">
-                <a:solidFill>
-                  <a:srgbClr val="FF0000"/>
-                </a:solidFill>
-              </a:rPr>
-              <a:t>Não teremos, somente estudo</a:t>
-            </a:r>
-          </a:p>
-          <a:p>
-            <a:pPr marL="0" indent="0" algn="just" eaLnBrk="0" hangingPunct="0">
-              <a:buNone/>
-            </a:pPr>
-            <a:endParaRPr lang="pt-BR" sz="2400" dirty="0">
-              <a:solidFill>
-                <a:schemeClr val="tx1"/>
-              </a:solidFill>
-              <a:latin typeface="Times New Roman" panose="02020603050405020304" pitchFamily="18" charset="0"/>
-              <a:cs typeface="Times New Roman" panose="02020603050405020304" pitchFamily="18" charset="0"/>
-            </a:endParaRPr>
-          </a:p>
-          <a:p>
-            <a:pPr marL="0" indent="0" algn="just" eaLnBrk="0" hangingPunct="0">
-              <a:buNone/>
-            </a:pPr>
-            <a:r>
-              <a:rPr lang="pt-BR" sz="2400" b="1" dirty="0">
-                <a:solidFill>
-                  <a:schemeClr val="tx1"/>
-                </a:solidFill>
-                <a:latin typeface="Times New Roman" panose="02020603050405020304" pitchFamily="18" charset="0"/>
-                <a:cs typeface="Times New Roman" panose="02020603050405020304" pitchFamily="18" charset="0"/>
-              </a:rPr>
-              <a:t>Média</a:t>
-            </a:r>
-            <a:r>
-              <a:rPr lang="pt-BR" sz="2400" dirty="0">
-                <a:solidFill>
-                  <a:schemeClr val="tx1"/>
-                </a:solidFill>
-                <a:latin typeface="Times New Roman" panose="02020603050405020304" pitchFamily="18" charset="0"/>
-                <a:cs typeface="Times New Roman" panose="02020603050405020304" pitchFamily="18" charset="0"/>
-              </a:rPr>
-              <a:t> = (</a:t>
-            </a:r>
-            <a:r>
-              <a:rPr lang="pt-BR" sz="2400" b="1" dirty="0">
-                <a:solidFill>
-                  <a:srgbClr val="0070C0"/>
-                </a:solidFill>
-                <a:latin typeface="Times New Roman" panose="02020603050405020304" pitchFamily="18" charset="0"/>
-                <a:cs typeface="Times New Roman" panose="02020603050405020304" pitchFamily="18" charset="0"/>
-              </a:rPr>
-              <a:t>AV1</a:t>
-            </a:r>
-            <a:r>
-              <a:rPr lang="pt-BR" sz="2400" b="1" dirty="0">
-                <a:solidFill>
-                  <a:srgbClr val="FF0000"/>
-                </a:solidFill>
-                <a:latin typeface="Times New Roman" panose="02020603050405020304" pitchFamily="18" charset="0"/>
-                <a:cs typeface="Times New Roman" panose="02020603050405020304" pitchFamily="18" charset="0"/>
-              </a:rPr>
-              <a:t> + AV2</a:t>
-            </a:r>
-            <a:r>
-              <a:rPr lang="pt-BR" sz="2400" dirty="0">
-                <a:solidFill>
-                  <a:schemeClr val="tx1"/>
-                </a:solidFill>
-                <a:latin typeface="Times New Roman" panose="02020603050405020304" pitchFamily="18" charset="0"/>
-                <a:cs typeface="Times New Roman" panose="02020603050405020304" pitchFamily="18" charset="0"/>
-              </a:rPr>
-              <a:t>) / 2 </a:t>
-            </a:r>
-          </a:p>
-        </p:txBody>
-      </p:sp>
-      <p:cxnSp>
-        <p:nvCxnSpPr>
-          <p:cNvPr id="4" name="Conector reto 3">
-            <a:extLst>
-              <a:ext uri="{FF2B5EF4-FFF2-40B4-BE49-F238E27FC236}">
-                <a16:creationId xmlns:a16="http://schemas.microsoft.com/office/drawing/2014/main" id="{53C1D5BE-B08D-43BA-9100-4319F7669DAD}"/>
-              </a:ext>
-            </a:extLst>
-          </p:cNvPr>
-          <p:cNvCxnSpPr>
-            <a:cxnSpLocks/>
-          </p:cNvCxnSpPr>
-          <p:nvPr/>
-        </p:nvCxnSpPr>
-        <p:spPr>
-          <a:xfrm flipV="1">
-            <a:off x="310728" y="902136"/>
-            <a:ext cx="8699160" cy="40954"/>
-          </a:xfrm>
-          <a:prstGeom prst="line">
-            <a:avLst/>
-          </a:prstGeom>
-          <a:ln w="38100">
-            <a:headEnd type="none" w="med" len="med"/>
-            <a:tailEnd type="none" w="med" len="med"/>
-          </a:ln>
-          <a:scene3d>
-            <a:camera prst="orthographicFront"/>
-            <a:lightRig rig="threePt" dir="t"/>
-          </a:scene3d>
-          <a:sp3d>
-            <a:bevelT prst="convex"/>
-          </a:sp3d>
-        </p:spPr>
-        <p:style>
-          <a:lnRef idx="3">
-            <a:schemeClr val="accent1"/>
-          </a:lnRef>
-          <a:fillRef idx="0">
-            <a:schemeClr val="accent1"/>
-          </a:fillRef>
-          <a:effectRef idx="2">
-            <a:schemeClr val="accent1"/>
-          </a:effectRef>
-          <a:fontRef idx="minor">
-            <a:schemeClr val="tx1"/>
-          </a:fontRef>
-        </p:style>
-      </p:cxnSp>
-    </p:spTree>
-    <p:extLst>
-      <p:ext uri="{BB962C8B-B14F-4D97-AF65-F5344CB8AC3E}">
-        <p14:creationId xmlns:p14="http://schemas.microsoft.com/office/powerpoint/2010/main" val="2727899855"/>
-      </p:ext>
-    </p:extLst>
-  </p:cSld>
-  <p:clrMapOvr>
-    <a:masterClrMapping/>
-  </p:clrMapOvr>
-  <p:transition spd="med"/>
-</p:sld>
-</file>
-
-<file path=ppt/slides/slide19.xml><?xml version="1.0" encoding="utf-8"?>
-<p:sld xmlns:a="http://schemas.openxmlformats.org/drawingml/2006/main" xmlns:r="http://schemas.openxmlformats.org/officeDocument/2006/relationships" xmlns:p="http://schemas.openxmlformats.org/presentationml/2006/main">
-  <p:cSld>
-    <p:spTree>
-      <p:nvGrpSpPr>
-        <p:cNvPr id="1" name=""/>
-        <p:cNvGrpSpPr/>
-        <p:nvPr/>
-      </p:nvGrpSpPr>
-      <p:grpSpPr>
-        <a:xfrm>
-          <a:off x="0" y="0"/>
-          <a:ext cx="0" cy="0"/>
-          <a:chOff x="0" y="0"/>
-          <a:chExt cx="0" cy="0"/>
-        </a:xfrm>
-      </p:grpSpPr>
-      <p:sp>
-        <p:nvSpPr>
-          <p:cNvPr id="6" name="Title 1"/>
-          <p:cNvSpPr>
-            <a:spLocks noGrp="1"/>
-          </p:cNvSpPr>
-          <p:nvPr>
-            <p:ph type="title"/>
-          </p:nvPr>
-        </p:nvSpPr>
-        <p:spPr>
-          <a:xfrm>
-            <a:off x="457200" y="205980"/>
-            <a:ext cx="8229600" cy="857251"/>
-          </a:xfrm>
-        </p:spPr>
-        <p:txBody>
-          <a:bodyPr/>
-          <a:lstStyle/>
-          <a:p>
-            <a:r>
-              <a:rPr lang="en-US" b="1" dirty="0" err="1">
-                <a:solidFill>
-                  <a:srgbClr val="0070C0"/>
-                </a:solidFill>
-              </a:rPr>
-              <a:t>Referências</a:t>
-            </a:r>
-            <a:r>
-              <a:rPr lang="en-US" b="1" dirty="0">
-                <a:solidFill>
-                  <a:srgbClr val="0070C0"/>
-                </a:solidFill>
-              </a:rPr>
-              <a:t> </a:t>
-            </a:r>
-            <a:r>
-              <a:rPr lang="en-US" b="1" dirty="0" err="1">
-                <a:solidFill>
-                  <a:srgbClr val="0070C0"/>
-                </a:solidFill>
-              </a:rPr>
-              <a:t>Bibliográficas</a:t>
-            </a:r>
-            <a:endParaRPr lang="en-US" b="1" dirty="0">
-              <a:solidFill>
-                <a:srgbClr val="0070C0"/>
-              </a:solidFill>
-            </a:endParaRPr>
-          </a:p>
-        </p:txBody>
-      </p:sp>
-      <p:sp>
-        <p:nvSpPr>
-          <p:cNvPr id="8" name="Text Placeholder 2"/>
-          <p:cNvSpPr>
-            <a:spLocks noGrp="1"/>
-          </p:cNvSpPr>
-          <p:nvPr>
-            <p:ph type="body" sz="half" idx="1"/>
-          </p:nvPr>
-        </p:nvSpPr>
-        <p:spPr>
-          <a:xfrm>
-            <a:off x="142865" y="1116712"/>
-            <a:ext cx="8865056" cy="3833334"/>
-          </a:xfrm>
-        </p:spPr>
-        <p:txBody>
-          <a:bodyPr>
-            <a:noAutofit/>
-          </a:bodyPr>
-          <a:lstStyle/>
-          <a:p>
-            <a:pPr algn="just" eaLnBrk="0" hangingPunct="0"/>
-            <a:r>
-              <a:rPr lang="pt-BR" sz="1800" b="1" u="sng" dirty="0">
-                <a:solidFill>
-                  <a:srgbClr val="FF0000"/>
-                </a:solidFill>
-                <a:latin typeface="Times New Roman" panose="02020603050405020304" pitchFamily="18" charset="0"/>
-                <a:cs typeface="Times New Roman" panose="02020603050405020304" pitchFamily="18" charset="0"/>
-              </a:rPr>
-              <a:t>BÁSICA</a:t>
-            </a:r>
-          </a:p>
-          <a:p>
-            <a:pPr marL="0" indent="0" algn="just" eaLnBrk="0" hangingPunct="0">
-              <a:buNone/>
-            </a:pPr>
-            <a:endParaRPr lang="pt-BR" sz="1600" dirty="0">
-              <a:solidFill>
-                <a:schemeClr val="tx1"/>
-              </a:solidFill>
-              <a:latin typeface="Times New Roman" panose="02020603050405020304" pitchFamily="18" charset="0"/>
-              <a:cs typeface="Times New Roman" panose="02020603050405020304" pitchFamily="18" charset="0"/>
-            </a:endParaRPr>
-          </a:p>
-          <a:p>
-            <a:pPr marL="0" indent="0" algn="just" eaLnBrk="0" hangingPunct="0">
-              <a:buNone/>
-            </a:pPr>
-            <a:r>
-              <a:rPr lang="pt-BR" sz="1600" dirty="0">
-                <a:solidFill>
-                  <a:schemeClr val="tx1"/>
-                </a:solidFill>
-                <a:latin typeface="Times New Roman" panose="02020603050405020304" pitchFamily="18" charset="0"/>
-                <a:cs typeface="Times New Roman" panose="02020603050405020304" pitchFamily="18" charset="0"/>
-              </a:rPr>
-              <a:t>	</a:t>
-            </a:r>
-            <a:r>
-              <a:rPr lang="pt-BR" sz="1600" b="1" dirty="0">
-                <a:solidFill>
-                  <a:schemeClr val="tx1"/>
-                </a:solidFill>
-                <a:latin typeface="Times New Roman" panose="02020603050405020304" pitchFamily="18" charset="0"/>
-                <a:cs typeface="Times New Roman" panose="02020603050405020304" pitchFamily="18" charset="0"/>
-              </a:rPr>
-              <a:t>BANIN, Sérgio Luiz.</a:t>
-            </a:r>
-            <a:r>
-              <a:rPr lang="pt-BR" sz="1600" dirty="0">
-                <a:solidFill>
-                  <a:schemeClr val="tx1"/>
-                </a:solidFill>
-                <a:latin typeface="Times New Roman" panose="02020603050405020304" pitchFamily="18" charset="0"/>
-                <a:cs typeface="Times New Roman" panose="02020603050405020304" pitchFamily="18" charset="0"/>
-              </a:rPr>
-              <a:t> Python 3 ­ Conceitos e Aplicações ­ Uma Abordagem Didática. 1. São Paulo: Érica, 2018.</a:t>
-            </a:r>
-          </a:p>
-          <a:p>
-            <a:pPr marL="0" indent="0" algn="just" eaLnBrk="0" hangingPunct="0">
-              <a:buNone/>
-            </a:pPr>
-            <a:r>
-              <a:rPr lang="pt-BR" sz="1600" dirty="0">
-                <a:solidFill>
-                  <a:schemeClr val="tx1"/>
-                </a:solidFill>
-                <a:latin typeface="Times New Roman" panose="02020603050405020304" pitchFamily="18" charset="0"/>
-                <a:cs typeface="Times New Roman" panose="02020603050405020304" pitchFamily="18" charset="0"/>
-              </a:rPr>
-              <a:t>	</a:t>
-            </a:r>
-            <a:r>
-              <a:rPr lang="pt-BR" sz="1600" b="1" dirty="0">
-                <a:solidFill>
-                  <a:srgbClr val="FF0000"/>
-                </a:solidFill>
-                <a:latin typeface="Times New Roman" panose="02020603050405020304" pitchFamily="18" charset="0"/>
-                <a:cs typeface="Times New Roman" panose="02020603050405020304" pitchFamily="18" charset="0"/>
-              </a:rPr>
-              <a:t>Disponível em</a:t>
-            </a:r>
-            <a:r>
-              <a:rPr lang="pt-BR" sz="1600" dirty="0">
-                <a:solidFill>
-                  <a:schemeClr val="tx1"/>
-                </a:solidFill>
-                <a:latin typeface="Times New Roman" panose="02020603050405020304" pitchFamily="18" charset="0"/>
-                <a:cs typeface="Times New Roman" panose="02020603050405020304" pitchFamily="18" charset="0"/>
-              </a:rPr>
-              <a:t>: https://integrada.minhabiblioteca.com.br/#/books/9788536530253/</a:t>
-            </a:r>
-          </a:p>
-          <a:p>
-            <a:pPr marL="0" indent="0" algn="just" eaLnBrk="0" hangingPunct="0">
-              <a:buNone/>
-            </a:pPr>
-            <a:endParaRPr lang="pt-BR" sz="1600" dirty="0">
-              <a:solidFill>
-                <a:schemeClr val="tx1"/>
-              </a:solidFill>
-              <a:latin typeface="Times New Roman" panose="02020603050405020304" pitchFamily="18" charset="0"/>
-              <a:cs typeface="Times New Roman" panose="02020603050405020304" pitchFamily="18" charset="0"/>
-            </a:endParaRPr>
-          </a:p>
-          <a:p>
-            <a:pPr marL="0" indent="0" algn="just" eaLnBrk="0" hangingPunct="0">
-              <a:buNone/>
-            </a:pPr>
-            <a:r>
-              <a:rPr lang="pt-BR" sz="1600" dirty="0">
-                <a:solidFill>
-                  <a:schemeClr val="tx1"/>
-                </a:solidFill>
-                <a:latin typeface="Times New Roman" panose="02020603050405020304" pitchFamily="18" charset="0"/>
-                <a:cs typeface="Times New Roman" panose="02020603050405020304" pitchFamily="18" charset="0"/>
-              </a:rPr>
-              <a:t>	</a:t>
-            </a:r>
-          </a:p>
-        </p:txBody>
-      </p:sp>
-      <p:cxnSp>
-        <p:nvCxnSpPr>
-          <p:cNvPr id="4" name="Conector reto 3">
-            <a:extLst>
-              <a:ext uri="{FF2B5EF4-FFF2-40B4-BE49-F238E27FC236}">
-                <a16:creationId xmlns:a16="http://schemas.microsoft.com/office/drawing/2014/main" id="{53C1D5BE-B08D-43BA-9100-4319F7669DAD}"/>
-              </a:ext>
-            </a:extLst>
-          </p:cNvPr>
-          <p:cNvCxnSpPr>
-            <a:cxnSpLocks/>
-          </p:cNvCxnSpPr>
-          <p:nvPr/>
-        </p:nvCxnSpPr>
-        <p:spPr>
-          <a:xfrm flipV="1">
-            <a:off x="310728" y="902136"/>
-            <a:ext cx="8699160" cy="40954"/>
-          </a:xfrm>
-          <a:prstGeom prst="line">
-            <a:avLst/>
-          </a:prstGeom>
-          <a:ln w="38100">
-            <a:headEnd type="none" w="med" len="med"/>
-            <a:tailEnd type="none" w="med" len="med"/>
-          </a:ln>
-          <a:scene3d>
-            <a:camera prst="orthographicFront"/>
-            <a:lightRig rig="threePt" dir="t"/>
-          </a:scene3d>
-          <a:sp3d>
-            <a:bevelT prst="convex"/>
-          </a:sp3d>
-        </p:spPr>
-        <p:style>
-          <a:lnRef idx="3">
-            <a:schemeClr val="accent1"/>
-          </a:lnRef>
-          <a:fillRef idx="0">
-            <a:schemeClr val="accent1"/>
-          </a:fillRef>
-          <a:effectRef idx="2">
-            <a:schemeClr val="accent1"/>
-          </a:effectRef>
-          <a:fontRef idx="minor">
-            <a:schemeClr val="tx1"/>
-          </a:fontRef>
-        </p:style>
-      </p:cxnSp>
-    </p:spTree>
-    <p:extLst>
-      <p:ext uri="{BB962C8B-B14F-4D97-AF65-F5344CB8AC3E}">
-        <p14:creationId xmlns:p14="http://schemas.microsoft.com/office/powerpoint/2010/main" val="3363891325"/>
       </p:ext>
     </p:extLst>
   </p:cSld>
@@ -8153,6 +8773,1299 @@
                   <a:srgbClr val="0070C0"/>
                 </a:solidFill>
               </a:rPr>
+              <a:t>Unidades</a:t>
+            </a:r>
+            <a:r>
+              <a:rPr lang="en-US" b="1" dirty="0">
+                <a:solidFill>
+                  <a:srgbClr val="0070C0"/>
+                </a:solidFill>
+              </a:rPr>
+              <a:t>/</a:t>
+            </a:r>
+            <a:r>
+              <a:rPr lang="en-US" b="1" dirty="0" err="1">
+                <a:solidFill>
+                  <a:srgbClr val="0070C0"/>
+                </a:solidFill>
+              </a:rPr>
+              <a:t>Conteúdos</a:t>
+            </a:r>
+            <a:endParaRPr lang="en-US" b="1" dirty="0">
+              <a:solidFill>
+                <a:srgbClr val="0070C0"/>
+              </a:solidFill>
+            </a:endParaRPr>
+          </a:p>
+        </p:txBody>
+      </p:sp>
+      <p:sp>
+        <p:nvSpPr>
+          <p:cNvPr id="8" name="Text Placeholder 2"/>
+          <p:cNvSpPr>
+            <a:spLocks noGrp="1"/>
+          </p:cNvSpPr>
+          <p:nvPr>
+            <p:ph type="body" sz="half" idx="1"/>
+          </p:nvPr>
+        </p:nvSpPr>
+        <p:spPr>
+          <a:xfrm>
+            <a:off x="142865" y="1104186"/>
+            <a:ext cx="8865056" cy="3943803"/>
+          </a:xfrm>
+        </p:spPr>
+        <p:txBody>
+          <a:bodyPr>
+            <a:noAutofit/>
+          </a:bodyPr>
+          <a:lstStyle/>
+          <a:p>
+            <a:pPr marL="457200" indent="-457200" algn="just" eaLnBrk="0" hangingPunct="0">
+              <a:buAutoNum type="arabicPeriod" startAt="6"/>
+            </a:pPr>
+            <a:r>
+              <a:rPr lang="pt-BR" sz="2200" dirty="0">
+                <a:solidFill>
+                  <a:schemeClr val="tx1"/>
+                </a:solidFill>
+                <a:latin typeface="Times New Roman" panose="02020603050405020304" pitchFamily="18" charset="0"/>
+                <a:cs typeface="Times New Roman" panose="02020603050405020304" pitchFamily="18" charset="0"/>
+              </a:rPr>
+              <a:t>(</a:t>
+            </a:r>
+            <a:r>
+              <a:rPr lang="pt-BR" sz="2200" b="1" dirty="0">
+                <a:solidFill>
+                  <a:srgbClr val="FF0000"/>
+                </a:solidFill>
+                <a:latin typeface="Times New Roman" panose="02020603050405020304" pitchFamily="18" charset="0"/>
+                <a:cs typeface="Times New Roman" panose="02020603050405020304" pitchFamily="18" charset="0"/>
+              </a:rPr>
+              <a:t>CRÉDITO DIGITAL</a:t>
+            </a:r>
+            <a:r>
+              <a:rPr lang="pt-BR" sz="2200" dirty="0">
+                <a:solidFill>
+                  <a:schemeClr val="tx1"/>
+                </a:solidFill>
+                <a:latin typeface="Times New Roman" panose="02020603050405020304" pitchFamily="18" charset="0"/>
+                <a:cs typeface="Times New Roman" panose="02020603050405020304" pitchFamily="18" charset="0"/>
+              </a:rPr>
+              <a:t>)</a:t>
+            </a:r>
+          </a:p>
+        </p:txBody>
+      </p:sp>
+      <p:cxnSp>
+        <p:nvCxnSpPr>
+          <p:cNvPr id="4" name="Conector reto 3">
+            <a:extLst>
+              <a:ext uri="{FF2B5EF4-FFF2-40B4-BE49-F238E27FC236}">
+                <a16:creationId xmlns:a16="http://schemas.microsoft.com/office/drawing/2014/main" id="{53C1D5BE-B08D-43BA-9100-4319F7669DAD}"/>
+              </a:ext>
+            </a:extLst>
+          </p:cNvPr>
+          <p:cNvCxnSpPr>
+            <a:cxnSpLocks/>
+          </p:cNvCxnSpPr>
+          <p:nvPr/>
+        </p:nvCxnSpPr>
+        <p:spPr>
+          <a:xfrm flipV="1">
+            <a:off x="310728" y="902136"/>
+            <a:ext cx="8699160" cy="40954"/>
+          </a:xfrm>
+          <a:prstGeom prst="line">
+            <a:avLst/>
+          </a:prstGeom>
+          <a:ln w="38100">
+            <a:headEnd type="none" w="med" len="med"/>
+            <a:tailEnd type="none" w="med" len="med"/>
+          </a:ln>
+          <a:scene3d>
+            <a:camera prst="orthographicFront"/>
+            <a:lightRig rig="threePt" dir="t"/>
+          </a:scene3d>
+          <a:sp3d>
+            <a:bevelT prst="convex"/>
+          </a:sp3d>
+        </p:spPr>
+        <p:style>
+          <a:lnRef idx="3">
+            <a:schemeClr val="accent1"/>
+          </a:lnRef>
+          <a:fillRef idx="0">
+            <a:schemeClr val="accent1"/>
+          </a:fillRef>
+          <a:effectRef idx="2">
+            <a:schemeClr val="accent1"/>
+          </a:effectRef>
+          <a:fontRef idx="minor">
+            <a:schemeClr val="tx1"/>
+          </a:fontRef>
+        </p:style>
+      </p:cxnSp>
+    </p:spTree>
+    <p:extLst>
+      <p:ext uri="{BB962C8B-B14F-4D97-AF65-F5344CB8AC3E}">
+        <p14:creationId xmlns:p14="http://schemas.microsoft.com/office/powerpoint/2010/main" val="1973099640"/>
+      </p:ext>
+    </p:extLst>
+  </p:cSld>
+  <p:clrMapOvr>
+    <a:masterClrMapping/>
+  </p:clrMapOvr>
+  <p:transition spd="med"/>
+</p:sld>
+</file>
+
+<file path=ppt/slides/slide21.xml><?xml version="1.0" encoding="utf-8"?>
+<p:sld xmlns:a="http://schemas.openxmlformats.org/drawingml/2006/main" xmlns:r="http://schemas.openxmlformats.org/officeDocument/2006/relationships" xmlns:p="http://schemas.openxmlformats.org/presentationml/2006/main">
+  <p:cSld>
+    <p:spTree>
+      <p:nvGrpSpPr>
+        <p:cNvPr id="1" name=""/>
+        <p:cNvGrpSpPr/>
+        <p:nvPr/>
+      </p:nvGrpSpPr>
+      <p:grpSpPr>
+        <a:xfrm>
+          <a:off x="0" y="0"/>
+          <a:ext cx="0" cy="0"/>
+          <a:chOff x="0" y="0"/>
+          <a:chExt cx="0" cy="0"/>
+        </a:xfrm>
+      </p:grpSpPr>
+      <p:sp>
+        <p:nvSpPr>
+          <p:cNvPr id="6" name="Title 1"/>
+          <p:cNvSpPr>
+            <a:spLocks noGrp="1"/>
+          </p:cNvSpPr>
+          <p:nvPr>
+            <p:ph type="title"/>
+          </p:nvPr>
+        </p:nvSpPr>
+        <p:spPr>
+          <a:xfrm>
+            <a:off x="457200" y="205980"/>
+            <a:ext cx="8229600" cy="857251"/>
+          </a:xfrm>
+        </p:spPr>
+        <p:txBody>
+          <a:bodyPr/>
+          <a:lstStyle/>
+          <a:p>
+            <a:r>
+              <a:rPr lang="en-US" b="1" dirty="0" err="1">
+                <a:solidFill>
+                  <a:srgbClr val="0070C0"/>
+                </a:solidFill>
+              </a:rPr>
+              <a:t>Metodologia</a:t>
+            </a:r>
+            <a:r>
+              <a:rPr lang="en-US" b="1" dirty="0">
+                <a:solidFill>
+                  <a:srgbClr val="0070C0"/>
+                </a:solidFill>
+              </a:rPr>
+              <a:t>/</a:t>
+            </a:r>
+            <a:r>
+              <a:rPr lang="en-US" b="1" dirty="0" err="1">
+                <a:solidFill>
+                  <a:srgbClr val="0070C0"/>
+                </a:solidFill>
+              </a:rPr>
+              <a:t>Avaliação</a:t>
+            </a:r>
+            <a:endParaRPr lang="en-US" b="1" dirty="0">
+              <a:solidFill>
+                <a:srgbClr val="0070C0"/>
+              </a:solidFill>
+            </a:endParaRPr>
+          </a:p>
+        </p:txBody>
+      </p:sp>
+      <p:sp>
+        <p:nvSpPr>
+          <p:cNvPr id="8" name="Text Placeholder 2"/>
+          <p:cNvSpPr>
+            <a:spLocks noGrp="1"/>
+          </p:cNvSpPr>
+          <p:nvPr>
+            <p:ph type="body" sz="half" idx="1"/>
+          </p:nvPr>
+        </p:nvSpPr>
+        <p:spPr>
+          <a:xfrm>
+            <a:off x="142865" y="1104186"/>
+            <a:ext cx="8865056" cy="3540965"/>
+          </a:xfrm>
+        </p:spPr>
+        <p:txBody>
+          <a:bodyPr>
+            <a:noAutofit/>
+          </a:bodyPr>
+          <a:lstStyle/>
+          <a:p>
+            <a:pPr marL="342900" indent="-342900" eaLnBrk="0" hangingPunct="0">
+              <a:buFont typeface="Wingdings" panose="05000000000000000000" pitchFamily="2" charset="2"/>
+              <a:buChar char="§"/>
+              <a:defRPr/>
+            </a:pPr>
+            <a:r>
+              <a:rPr lang="pt-BR" sz="2400" dirty="0">
+                <a:solidFill>
+                  <a:srgbClr val="FF0000"/>
+                </a:solidFill>
+              </a:rPr>
+              <a:t>Inovações Didática, Digital e </a:t>
+            </a:r>
+            <a:r>
+              <a:rPr lang="pt-BR" sz="2400" dirty="0">
+                <a:solidFill>
+                  <a:srgbClr val="0070C0"/>
+                </a:solidFill>
+              </a:rPr>
+              <a:t>Metodologias Ativas </a:t>
+            </a:r>
+            <a:r>
+              <a:rPr lang="pt-BR" sz="2400" dirty="0">
+                <a:solidFill>
+                  <a:srgbClr val="FF0000"/>
+                </a:solidFill>
+              </a:rPr>
+              <a:t>e Educação Digital</a:t>
+            </a:r>
+          </a:p>
+          <a:p>
+            <a:pPr algn="just" eaLnBrk="0" hangingPunct="0">
+              <a:buFont typeface="Wingdings" panose="05000000000000000000" pitchFamily="2" charset="2"/>
+              <a:buChar char="§"/>
+              <a:defRPr/>
+            </a:pPr>
+            <a:r>
+              <a:rPr lang="pt-BR" sz="2400" dirty="0"/>
+              <a:t>O </a:t>
+            </a:r>
+            <a:r>
+              <a:rPr lang="pt-BR" sz="2400" b="1" dirty="0">
+                <a:solidFill>
+                  <a:srgbClr val="FF0000"/>
+                </a:solidFill>
+              </a:rPr>
+              <a:t>processo de ensino-­aprendizagem </a:t>
+            </a:r>
+            <a:r>
+              <a:rPr lang="pt-BR" sz="2400" dirty="0"/>
+              <a:t>será baseado em 3 etapas: a </a:t>
+            </a:r>
+            <a:r>
+              <a:rPr lang="pt-BR" sz="2400" b="1" dirty="0">
+                <a:solidFill>
+                  <a:srgbClr val="FF0000"/>
+                </a:solidFill>
+              </a:rPr>
+              <a:t>preleção</a:t>
+            </a:r>
+            <a:r>
+              <a:rPr lang="pt-BR" sz="2400" dirty="0"/>
+              <a:t>, a partir da definição de uma </a:t>
+            </a:r>
+            <a:r>
+              <a:rPr lang="pt-BR" sz="2400" b="1" dirty="0"/>
+              <a:t>situação problema </a:t>
+            </a:r>
+            <a:r>
+              <a:rPr lang="pt-BR" sz="2400" dirty="0"/>
+              <a:t>(</a:t>
+            </a:r>
+            <a:r>
+              <a:rPr lang="pt-BR" sz="2400" b="1" dirty="0"/>
+              <a:t>temática</a:t>
+            </a:r>
+            <a:r>
+              <a:rPr lang="pt-BR" sz="2400" dirty="0"/>
+              <a:t>/</a:t>
+            </a:r>
+            <a:r>
+              <a:rPr lang="pt-BR" sz="2400" b="1" dirty="0">
+                <a:solidFill>
+                  <a:srgbClr val="FF0000"/>
+                </a:solidFill>
+              </a:rPr>
+              <a:t>problematização</a:t>
+            </a:r>
+            <a:r>
+              <a:rPr lang="pt-BR" sz="2400" dirty="0"/>
+              <a:t>/</a:t>
+            </a:r>
+            <a:r>
+              <a:rPr lang="pt-BR" sz="2400" b="1" dirty="0"/>
+              <a:t>pergunta geradora</a:t>
+            </a:r>
+            <a:r>
+              <a:rPr lang="pt-BR" sz="2400" dirty="0"/>
+              <a:t>), utilização de metodologias ativas centradas no protagonismo do aluno e realização de uma </a:t>
+            </a:r>
+            <a:r>
+              <a:rPr lang="pt-BR" sz="2400" b="1" dirty="0">
+                <a:solidFill>
+                  <a:srgbClr val="FF0000"/>
+                </a:solidFill>
+              </a:rPr>
+              <a:t>atividade verificadora da aprendizagem</a:t>
+            </a:r>
+            <a:r>
+              <a:rPr lang="pt-BR" sz="2400" dirty="0">
+                <a:solidFill>
+                  <a:srgbClr val="FF0000"/>
+                </a:solidFill>
+              </a:rPr>
+              <a:t> </a:t>
+            </a:r>
+            <a:r>
+              <a:rPr lang="pt-BR" sz="2400" dirty="0"/>
+              <a:t>ao final da aula.</a:t>
+            </a:r>
+          </a:p>
+          <a:p>
+            <a:pPr marL="342900" indent="-342900" eaLnBrk="0" hangingPunct="0">
+              <a:buFont typeface="Wingdings" panose="05000000000000000000" pitchFamily="2" charset="2"/>
+              <a:buChar char="§"/>
+              <a:defRPr/>
+            </a:pPr>
+            <a:r>
+              <a:rPr lang="pt-BR" sz="2400" dirty="0"/>
+              <a:t>Pesquisa Bibliográfica</a:t>
+            </a:r>
+            <a:endParaRPr lang="pt-BR" sz="2400" dirty="0">
+              <a:solidFill>
+                <a:schemeClr val="tx1"/>
+              </a:solidFill>
+              <a:latin typeface="Times New Roman" panose="02020603050405020304" pitchFamily="18" charset="0"/>
+              <a:cs typeface="Times New Roman" panose="02020603050405020304" pitchFamily="18" charset="0"/>
+            </a:endParaRPr>
+          </a:p>
+        </p:txBody>
+      </p:sp>
+      <p:cxnSp>
+        <p:nvCxnSpPr>
+          <p:cNvPr id="4" name="Conector reto 3">
+            <a:extLst>
+              <a:ext uri="{FF2B5EF4-FFF2-40B4-BE49-F238E27FC236}">
+                <a16:creationId xmlns:a16="http://schemas.microsoft.com/office/drawing/2014/main" id="{53C1D5BE-B08D-43BA-9100-4319F7669DAD}"/>
+              </a:ext>
+            </a:extLst>
+          </p:cNvPr>
+          <p:cNvCxnSpPr>
+            <a:cxnSpLocks/>
+          </p:cNvCxnSpPr>
+          <p:nvPr/>
+        </p:nvCxnSpPr>
+        <p:spPr>
+          <a:xfrm flipV="1">
+            <a:off x="310728" y="902136"/>
+            <a:ext cx="8699160" cy="40954"/>
+          </a:xfrm>
+          <a:prstGeom prst="line">
+            <a:avLst/>
+          </a:prstGeom>
+          <a:ln w="38100">
+            <a:headEnd type="none" w="med" len="med"/>
+            <a:tailEnd type="none" w="med" len="med"/>
+          </a:ln>
+          <a:scene3d>
+            <a:camera prst="orthographicFront"/>
+            <a:lightRig rig="threePt" dir="t"/>
+          </a:scene3d>
+          <a:sp3d>
+            <a:bevelT prst="convex"/>
+          </a:sp3d>
+        </p:spPr>
+        <p:style>
+          <a:lnRef idx="3">
+            <a:schemeClr val="accent1"/>
+          </a:lnRef>
+          <a:fillRef idx="0">
+            <a:schemeClr val="accent1"/>
+          </a:fillRef>
+          <a:effectRef idx="2">
+            <a:schemeClr val="accent1"/>
+          </a:effectRef>
+          <a:fontRef idx="minor">
+            <a:schemeClr val="tx1"/>
+          </a:fontRef>
+        </p:style>
+      </p:cxnSp>
+    </p:spTree>
+    <p:extLst>
+      <p:ext uri="{BB962C8B-B14F-4D97-AF65-F5344CB8AC3E}">
+        <p14:creationId xmlns:p14="http://schemas.microsoft.com/office/powerpoint/2010/main" val="706343262"/>
+      </p:ext>
+    </p:extLst>
+  </p:cSld>
+  <p:clrMapOvr>
+    <a:masterClrMapping/>
+  </p:clrMapOvr>
+  <p:transition spd="med"/>
+</p:sld>
+</file>
+
+<file path=ppt/slides/slide22.xml><?xml version="1.0" encoding="utf-8"?>
+<p:sld xmlns:a="http://schemas.openxmlformats.org/drawingml/2006/main" xmlns:r="http://schemas.openxmlformats.org/officeDocument/2006/relationships" xmlns:p="http://schemas.openxmlformats.org/presentationml/2006/main">
+  <p:cSld>
+    <p:spTree>
+      <p:nvGrpSpPr>
+        <p:cNvPr id="1" name=""/>
+        <p:cNvGrpSpPr/>
+        <p:nvPr/>
+      </p:nvGrpSpPr>
+      <p:grpSpPr>
+        <a:xfrm>
+          <a:off x="0" y="0"/>
+          <a:ext cx="0" cy="0"/>
+          <a:chOff x="0" y="0"/>
+          <a:chExt cx="0" cy="0"/>
+        </a:xfrm>
+      </p:grpSpPr>
+      <p:sp>
+        <p:nvSpPr>
+          <p:cNvPr id="6" name="Title 1"/>
+          <p:cNvSpPr>
+            <a:spLocks noGrp="1"/>
+          </p:cNvSpPr>
+          <p:nvPr>
+            <p:ph type="title"/>
+          </p:nvPr>
+        </p:nvSpPr>
+        <p:spPr>
+          <a:xfrm>
+            <a:off x="457200" y="205980"/>
+            <a:ext cx="8229600" cy="857251"/>
+          </a:xfrm>
+        </p:spPr>
+        <p:txBody>
+          <a:bodyPr/>
+          <a:lstStyle/>
+          <a:p>
+            <a:r>
+              <a:rPr lang="en-US" b="1" dirty="0" err="1">
+                <a:solidFill>
+                  <a:srgbClr val="0070C0"/>
+                </a:solidFill>
+              </a:rPr>
+              <a:t>Metodologia</a:t>
+            </a:r>
+            <a:r>
+              <a:rPr lang="en-US" b="1" dirty="0">
+                <a:solidFill>
+                  <a:srgbClr val="0070C0"/>
+                </a:solidFill>
+              </a:rPr>
+              <a:t>/</a:t>
+            </a:r>
+            <a:r>
+              <a:rPr lang="en-US" b="1" dirty="0" err="1">
+                <a:solidFill>
+                  <a:srgbClr val="0070C0"/>
+                </a:solidFill>
+              </a:rPr>
+              <a:t>Avaliação</a:t>
+            </a:r>
+            <a:endParaRPr lang="en-US" b="1" dirty="0">
+              <a:solidFill>
+                <a:srgbClr val="0070C0"/>
+              </a:solidFill>
+            </a:endParaRPr>
+          </a:p>
+        </p:txBody>
+      </p:sp>
+      <p:sp>
+        <p:nvSpPr>
+          <p:cNvPr id="8" name="Text Placeholder 2"/>
+          <p:cNvSpPr>
+            <a:spLocks noGrp="1"/>
+          </p:cNvSpPr>
+          <p:nvPr>
+            <p:ph type="body" sz="half" idx="1"/>
+          </p:nvPr>
+        </p:nvSpPr>
+        <p:spPr>
+          <a:xfrm>
+            <a:off x="142865" y="1104186"/>
+            <a:ext cx="8865056" cy="3540965"/>
+          </a:xfrm>
+        </p:spPr>
+        <p:txBody>
+          <a:bodyPr>
+            <a:noAutofit/>
+          </a:bodyPr>
+          <a:lstStyle/>
+          <a:p>
+            <a:pPr marL="342900" indent="-342900" eaLnBrk="0" hangingPunct="0">
+              <a:buFont typeface="Wingdings" panose="05000000000000000000" pitchFamily="2" charset="2"/>
+              <a:buChar char="§"/>
+              <a:defRPr/>
+            </a:pPr>
+            <a:r>
+              <a:rPr lang="pt-BR" sz="2400" dirty="0"/>
+              <a:t>Exercícios/Atividades</a:t>
+            </a:r>
+          </a:p>
+          <a:p>
+            <a:pPr marL="342900" indent="-342900" eaLnBrk="0" hangingPunct="0">
+              <a:buFont typeface="Wingdings" panose="05000000000000000000" pitchFamily="2" charset="2"/>
+              <a:buChar char="§"/>
+              <a:defRPr/>
+            </a:pPr>
+            <a:r>
+              <a:rPr lang="pt-BR" sz="2400" dirty="0"/>
+              <a:t>Revisão para Avaliações</a:t>
+            </a:r>
+          </a:p>
+          <a:p>
+            <a:pPr marL="342900" indent="-342900" eaLnBrk="0" hangingPunct="0">
+              <a:buFont typeface="Wingdings" panose="05000000000000000000" pitchFamily="2" charset="2"/>
+              <a:buChar char="§"/>
+              <a:defRPr/>
+            </a:pPr>
+            <a:r>
+              <a:rPr lang="pt-BR" sz="2400" b="1" dirty="0">
+                <a:solidFill>
+                  <a:srgbClr val="0070C0"/>
+                </a:solidFill>
+              </a:rPr>
+              <a:t>AV1</a:t>
+            </a:r>
+            <a:r>
+              <a:rPr lang="pt-BR" sz="2400" dirty="0"/>
+              <a:t> (Gerada pelo Docente)</a:t>
+            </a:r>
+          </a:p>
+          <a:p>
+            <a:pPr marL="342900" indent="-342900" eaLnBrk="0" hangingPunct="0">
+              <a:buFont typeface="Wingdings" panose="05000000000000000000" pitchFamily="2" charset="2"/>
+              <a:buChar char="§"/>
+              <a:defRPr/>
+            </a:pPr>
+            <a:r>
+              <a:rPr lang="pt-BR" sz="2400" b="1" dirty="0">
+                <a:solidFill>
+                  <a:srgbClr val="FF0000"/>
+                </a:solidFill>
+              </a:rPr>
+              <a:t>AV2</a:t>
+            </a:r>
+            <a:r>
+              <a:rPr lang="pt-BR" sz="2400" dirty="0"/>
+              <a:t> (Gerado pelo BDQ - </a:t>
+            </a:r>
+            <a:r>
+              <a:rPr lang="pt-BR" sz="2400" b="1" dirty="0"/>
+              <a:t>PNI</a:t>
+            </a:r>
+            <a:r>
+              <a:rPr lang="pt-BR" sz="2400" dirty="0"/>
+              <a:t>)</a:t>
+            </a:r>
+          </a:p>
+          <a:p>
+            <a:pPr marL="342900" indent="-342900" eaLnBrk="0" hangingPunct="0">
+              <a:buFont typeface="Wingdings" panose="05000000000000000000" pitchFamily="2" charset="2"/>
+              <a:buChar char="§"/>
+              <a:defRPr/>
+            </a:pPr>
+            <a:r>
+              <a:rPr lang="pt-BR" sz="2400" b="1" dirty="0">
+                <a:solidFill>
+                  <a:srgbClr val="00B050"/>
+                </a:solidFill>
+              </a:rPr>
+              <a:t>AV3</a:t>
+            </a:r>
+            <a:r>
+              <a:rPr lang="pt-BR" sz="2400" dirty="0"/>
+              <a:t> (Gerado pelo BDQ/Docente - </a:t>
+            </a:r>
+            <a:r>
+              <a:rPr lang="pt-BR" sz="2400" b="1" dirty="0"/>
+              <a:t>PNI</a:t>
+            </a:r>
+            <a:r>
+              <a:rPr lang="pt-BR" sz="2400" dirty="0"/>
+              <a:t> </a:t>
+            </a:r>
+            <a:r>
+              <a:rPr lang="pt-BR" sz="2400" b="1" dirty="0">
+                <a:solidFill>
+                  <a:srgbClr val="FF0000"/>
+                </a:solidFill>
+              </a:rPr>
+              <a:t>Condicional</a:t>
+            </a:r>
+            <a:r>
+              <a:rPr lang="pt-BR" sz="2400" dirty="0"/>
+              <a:t>)</a:t>
+            </a:r>
+          </a:p>
+          <a:p>
+            <a:pPr marL="342900" indent="-342900" eaLnBrk="0" hangingPunct="0">
+              <a:buFont typeface="Wingdings" panose="05000000000000000000" pitchFamily="2" charset="2"/>
+              <a:buChar char="§"/>
+              <a:defRPr/>
+            </a:pPr>
+            <a:r>
+              <a:rPr lang="pt-BR" sz="2400" b="1" dirty="0">
+                <a:solidFill>
+                  <a:srgbClr val="FF0000"/>
+                </a:solidFill>
+              </a:rPr>
+              <a:t>AVD</a:t>
+            </a:r>
+            <a:r>
+              <a:rPr lang="pt-BR" sz="2400" dirty="0"/>
+              <a:t> (</a:t>
+            </a:r>
+            <a:r>
+              <a:rPr lang="pt-BR" sz="2400" b="1" dirty="0"/>
+              <a:t>Crédito Digital</a:t>
+            </a:r>
+            <a:r>
+              <a:rPr lang="pt-BR" sz="2400" dirty="0"/>
+              <a:t>) </a:t>
+            </a:r>
+            <a:r>
+              <a:rPr lang="pt-BR" sz="2400" b="1" dirty="0">
+                <a:solidFill>
+                  <a:srgbClr val="FF0000"/>
+                </a:solidFill>
+              </a:rPr>
+              <a:t>Não teremos, somente estudo</a:t>
+            </a:r>
+          </a:p>
+          <a:p>
+            <a:pPr marL="0" indent="0" algn="just" eaLnBrk="0" hangingPunct="0">
+              <a:buNone/>
+            </a:pPr>
+            <a:endParaRPr lang="pt-BR" sz="2400" dirty="0">
+              <a:solidFill>
+                <a:schemeClr val="tx1"/>
+              </a:solidFill>
+              <a:latin typeface="Times New Roman" panose="02020603050405020304" pitchFamily="18" charset="0"/>
+              <a:cs typeface="Times New Roman" panose="02020603050405020304" pitchFamily="18" charset="0"/>
+            </a:endParaRPr>
+          </a:p>
+          <a:p>
+            <a:pPr marL="0" indent="0" algn="just" eaLnBrk="0" hangingPunct="0">
+              <a:buNone/>
+            </a:pPr>
+            <a:r>
+              <a:rPr lang="pt-BR" sz="2400" b="1" dirty="0">
+                <a:solidFill>
+                  <a:schemeClr val="tx1"/>
+                </a:solidFill>
+                <a:latin typeface="Times New Roman" panose="02020603050405020304" pitchFamily="18" charset="0"/>
+                <a:cs typeface="Times New Roman" panose="02020603050405020304" pitchFamily="18" charset="0"/>
+              </a:rPr>
+              <a:t>Média</a:t>
+            </a:r>
+            <a:r>
+              <a:rPr lang="pt-BR" sz="2400" dirty="0">
+                <a:solidFill>
+                  <a:schemeClr val="tx1"/>
+                </a:solidFill>
+                <a:latin typeface="Times New Roman" panose="02020603050405020304" pitchFamily="18" charset="0"/>
+                <a:cs typeface="Times New Roman" panose="02020603050405020304" pitchFamily="18" charset="0"/>
+              </a:rPr>
+              <a:t> = (</a:t>
+            </a:r>
+            <a:r>
+              <a:rPr lang="pt-BR" sz="2400" b="1" dirty="0">
+                <a:solidFill>
+                  <a:srgbClr val="0070C0"/>
+                </a:solidFill>
+                <a:latin typeface="Times New Roman" panose="02020603050405020304" pitchFamily="18" charset="0"/>
+                <a:cs typeface="Times New Roman" panose="02020603050405020304" pitchFamily="18" charset="0"/>
+              </a:rPr>
+              <a:t>AV1</a:t>
+            </a:r>
+            <a:r>
+              <a:rPr lang="pt-BR" sz="2400" b="1" dirty="0">
+                <a:solidFill>
+                  <a:srgbClr val="FF0000"/>
+                </a:solidFill>
+                <a:latin typeface="Times New Roman" panose="02020603050405020304" pitchFamily="18" charset="0"/>
+                <a:cs typeface="Times New Roman" panose="02020603050405020304" pitchFamily="18" charset="0"/>
+              </a:rPr>
+              <a:t> + AV2</a:t>
+            </a:r>
+            <a:r>
+              <a:rPr lang="pt-BR" sz="2400" dirty="0">
+                <a:solidFill>
+                  <a:schemeClr val="tx1"/>
+                </a:solidFill>
+                <a:latin typeface="Times New Roman" panose="02020603050405020304" pitchFamily="18" charset="0"/>
+                <a:cs typeface="Times New Roman" panose="02020603050405020304" pitchFamily="18" charset="0"/>
+              </a:rPr>
+              <a:t>) / 2 </a:t>
+            </a:r>
+          </a:p>
+        </p:txBody>
+      </p:sp>
+      <p:cxnSp>
+        <p:nvCxnSpPr>
+          <p:cNvPr id="4" name="Conector reto 3">
+            <a:extLst>
+              <a:ext uri="{FF2B5EF4-FFF2-40B4-BE49-F238E27FC236}">
+                <a16:creationId xmlns:a16="http://schemas.microsoft.com/office/drawing/2014/main" id="{53C1D5BE-B08D-43BA-9100-4319F7669DAD}"/>
+              </a:ext>
+            </a:extLst>
+          </p:cNvPr>
+          <p:cNvCxnSpPr>
+            <a:cxnSpLocks/>
+          </p:cNvCxnSpPr>
+          <p:nvPr/>
+        </p:nvCxnSpPr>
+        <p:spPr>
+          <a:xfrm flipV="1">
+            <a:off x="310728" y="902136"/>
+            <a:ext cx="8699160" cy="40954"/>
+          </a:xfrm>
+          <a:prstGeom prst="line">
+            <a:avLst/>
+          </a:prstGeom>
+          <a:ln w="38100">
+            <a:headEnd type="none" w="med" len="med"/>
+            <a:tailEnd type="none" w="med" len="med"/>
+          </a:ln>
+          <a:scene3d>
+            <a:camera prst="orthographicFront"/>
+            <a:lightRig rig="threePt" dir="t"/>
+          </a:scene3d>
+          <a:sp3d>
+            <a:bevelT prst="convex"/>
+          </a:sp3d>
+        </p:spPr>
+        <p:style>
+          <a:lnRef idx="3">
+            <a:schemeClr val="accent1"/>
+          </a:lnRef>
+          <a:fillRef idx="0">
+            <a:schemeClr val="accent1"/>
+          </a:fillRef>
+          <a:effectRef idx="2">
+            <a:schemeClr val="accent1"/>
+          </a:effectRef>
+          <a:fontRef idx="minor">
+            <a:schemeClr val="tx1"/>
+          </a:fontRef>
+        </p:style>
+      </p:cxnSp>
+    </p:spTree>
+    <p:extLst>
+      <p:ext uri="{BB962C8B-B14F-4D97-AF65-F5344CB8AC3E}">
+        <p14:creationId xmlns:p14="http://schemas.microsoft.com/office/powerpoint/2010/main" val="2727899855"/>
+      </p:ext>
+    </p:extLst>
+  </p:cSld>
+  <p:clrMapOvr>
+    <a:masterClrMapping/>
+  </p:clrMapOvr>
+  <p:transition spd="med"/>
+</p:sld>
+</file>
+
+<file path=ppt/slides/slide23.xml><?xml version="1.0" encoding="utf-8"?>
+<p:sld xmlns:a="http://schemas.openxmlformats.org/drawingml/2006/main" xmlns:r="http://schemas.openxmlformats.org/officeDocument/2006/relationships" xmlns:p="http://schemas.openxmlformats.org/presentationml/2006/main">
+  <p:cSld>
+    <p:spTree>
+      <p:nvGrpSpPr>
+        <p:cNvPr id="1" name=""/>
+        <p:cNvGrpSpPr/>
+        <p:nvPr/>
+      </p:nvGrpSpPr>
+      <p:grpSpPr>
+        <a:xfrm>
+          <a:off x="0" y="0"/>
+          <a:ext cx="0" cy="0"/>
+          <a:chOff x="0" y="0"/>
+          <a:chExt cx="0" cy="0"/>
+        </a:xfrm>
+      </p:grpSpPr>
+      <p:sp>
+        <p:nvSpPr>
+          <p:cNvPr id="6" name="Title 1"/>
+          <p:cNvSpPr>
+            <a:spLocks noGrp="1"/>
+          </p:cNvSpPr>
+          <p:nvPr>
+            <p:ph type="title"/>
+          </p:nvPr>
+        </p:nvSpPr>
+        <p:spPr>
+          <a:xfrm>
+            <a:off x="457200" y="205980"/>
+            <a:ext cx="8229600" cy="857251"/>
+          </a:xfrm>
+        </p:spPr>
+        <p:txBody>
+          <a:bodyPr/>
+          <a:lstStyle/>
+          <a:p>
+            <a:r>
+              <a:rPr lang="en-US" b="1" dirty="0" err="1">
+                <a:solidFill>
+                  <a:srgbClr val="0070C0"/>
+                </a:solidFill>
+              </a:rPr>
+              <a:t>Referências</a:t>
+            </a:r>
+            <a:r>
+              <a:rPr lang="en-US" b="1" dirty="0">
+                <a:solidFill>
+                  <a:srgbClr val="0070C0"/>
+                </a:solidFill>
+              </a:rPr>
+              <a:t> </a:t>
+            </a:r>
+            <a:r>
+              <a:rPr lang="en-US" b="1" dirty="0" err="1">
+                <a:solidFill>
+                  <a:srgbClr val="0070C0"/>
+                </a:solidFill>
+              </a:rPr>
+              <a:t>Bibliográficas</a:t>
+            </a:r>
+            <a:endParaRPr lang="en-US" b="1" dirty="0">
+              <a:solidFill>
+                <a:srgbClr val="0070C0"/>
+              </a:solidFill>
+            </a:endParaRPr>
+          </a:p>
+        </p:txBody>
+      </p:sp>
+      <p:sp>
+        <p:nvSpPr>
+          <p:cNvPr id="8" name="Text Placeholder 2"/>
+          <p:cNvSpPr>
+            <a:spLocks noGrp="1"/>
+          </p:cNvSpPr>
+          <p:nvPr>
+            <p:ph type="body" sz="half" idx="1"/>
+          </p:nvPr>
+        </p:nvSpPr>
+        <p:spPr>
+          <a:xfrm>
+            <a:off x="142865" y="1116712"/>
+            <a:ext cx="8865056" cy="3833334"/>
+          </a:xfrm>
+        </p:spPr>
+        <p:txBody>
+          <a:bodyPr>
+            <a:noAutofit/>
+          </a:bodyPr>
+          <a:lstStyle/>
+          <a:p>
+            <a:pPr algn="just" eaLnBrk="0" hangingPunct="0"/>
+            <a:r>
+              <a:rPr lang="pt-BR" sz="1800" b="1" u="sng" dirty="0">
+                <a:solidFill>
+                  <a:srgbClr val="FF0000"/>
+                </a:solidFill>
+                <a:latin typeface="Times New Roman" panose="02020603050405020304" pitchFamily="18" charset="0"/>
+                <a:cs typeface="Times New Roman" panose="02020603050405020304" pitchFamily="18" charset="0"/>
+              </a:rPr>
+              <a:t>BÁSICA</a:t>
+            </a:r>
+          </a:p>
+          <a:p>
+            <a:pPr marL="0" indent="0" algn="just" eaLnBrk="0" hangingPunct="0">
+              <a:buNone/>
+            </a:pPr>
+            <a:endParaRPr lang="pt-BR" sz="1600" dirty="0">
+              <a:solidFill>
+                <a:schemeClr val="tx1"/>
+              </a:solidFill>
+              <a:latin typeface="Times New Roman" panose="02020603050405020304" pitchFamily="18" charset="0"/>
+              <a:cs typeface="Times New Roman" panose="02020603050405020304" pitchFamily="18" charset="0"/>
+            </a:endParaRPr>
+          </a:p>
+          <a:p>
+            <a:pPr marL="0" indent="0" algn="just" eaLnBrk="0" hangingPunct="0">
+              <a:buNone/>
+            </a:pPr>
+            <a:r>
+              <a:rPr lang="pt-BR" sz="1600" dirty="0">
+                <a:solidFill>
+                  <a:schemeClr val="tx1"/>
+                </a:solidFill>
+                <a:latin typeface="Times New Roman" panose="02020603050405020304" pitchFamily="18" charset="0"/>
+                <a:cs typeface="Times New Roman" panose="02020603050405020304" pitchFamily="18" charset="0"/>
+              </a:rPr>
+              <a:t>	</a:t>
+            </a:r>
+            <a:r>
+              <a:rPr lang="pt-BR" sz="1600" b="1" dirty="0">
+                <a:solidFill>
+                  <a:schemeClr val="tx1"/>
+                </a:solidFill>
+                <a:latin typeface="Times New Roman" panose="02020603050405020304" pitchFamily="18" charset="0"/>
+                <a:cs typeface="Times New Roman" panose="02020603050405020304" pitchFamily="18" charset="0"/>
+              </a:rPr>
+              <a:t>Almeida, Rodrigo </a:t>
+            </a:r>
+            <a:r>
+              <a:rPr lang="pt-BR" sz="1600" b="1" dirty="0" err="1">
+                <a:solidFill>
+                  <a:schemeClr val="tx1"/>
+                </a:solidFill>
+                <a:latin typeface="Times New Roman" panose="02020603050405020304" pitchFamily="18" charset="0"/>
+                <a:cs typeface="Times New Roman" panose="02020603050405020304" pitchFamily="18" charset="0"/>
+              </a:rPr>
+              <a:t>Maximiniano</a:t>
+            </a:r>
+            <a:r>
+              <a:rPr lang="pt-BR" sz="1600" b="1" dirty="0">
+                <a:solidFill>
+                  <a:schemeClr val="tx1"/>
+                </a:solidFill>
+                <a:latin typeface="Times New Roman" panose="02020603050405020304" pitchFamily="18" charset="0"/>
+                <a:cs typeface="Times New Roman" panose="02020603050405020304" pitchFamily="18" charset="0"/>
+              </a:rPr>
+              <a:t> A.</a:t>
+            </a:r>
+            <a:r>
+              <a:rPr lang="pt-BR" sz="1600" dirty="0">
+                <a:solidFill>
+                  <a:schemeClr val="tx1"/>
+                </a:solidFill>
+                <a:latin typeface="Times New Roman" panose="02020603050405020304" pitchFamily="18" charset="0"/>
+                <a:cs typeface="Times New Roman" panose="02020603050405020304" pitchFamily="18" charset="0"/>
+              </a:rPr>
+              <a:t> Programação de Sistemas Embarcados ­ Desenvolvendo Software para Microcontroladores em Linguagem C. São Paulo: Grupo GEN, 2016.</a:t>
+            </a:r>
+          </a:p>
+          <a:p>
+            <a:pPr marL="0" indent="0" algn="just" eaLnBrk="0" hangingPunct="0">
+              <a:buNone/>
+            </a:pPr>
+            <a:r>
+              <a:rPr lang="pt-BR" sz="1600" dirty="0">
+                <a:solidFill>
+                  <a:schemeClr val="tx1"/>
+                </a:solidFill>
+                <a:latin typeface="Times New Roman" panose="02020603050405020304" pitchFamily="18" charset="0"/>
+                <a:cs typeface="Times New Roman" panose="02020603050405020304" pitchFamily="18" charset="0"/>
+              </a:rPr>
+              <a:t>	</a:t>
+            </a:r>
+            <a:r>
+              <a:rPr lang="pt-BR" sz="1600" b="1" dirty="0">
+                <a:solidFill>
+                  <a:srgbClr val="FF0000"/>
+                </a:solidFill>
+                <a:latin typeface="Times New Roman" panose="02020603050405020304" pitchFamily="18" charset="0"/>
+                <a:cs typeface="Times New Roman" panose="02020603050405020304" pitchFamily="18" charset="0"/>
+              </a:rPr>
+              <a:t>Disponível em</a:t>
+            </a:r>
+            <a:r>
+              <a:rPr lang="pt-BR" sz="1600" dirty="0">
+                <a:solidFill>
+                  <a:schemeClr val="tx1"/>
+                </a:solidFill>
+                <a:latin typeface="Times New Roman" panose="02020603050405020304" pitchFamily="18" charset="0"/>
+                <a:cs typeface="Times New Roman" panose="02020603050405020304" pitchFamily="18" charset="0"/>
+              </a:rPr>
+              <a:t>: https://integrada.minhabiblioteca.com.br/#/books/9788595156371</a:t>
+            </a:r>
+          </a:p>
+          <a:p>
+            <a:pPr marL="0" indent="0" algn="just" eaLnBrk="0" hangingPunct="0">
+              <a:buNone/>
+            </a:pPr>
+            <a:endParaRPr lang="pt-BR" sz="1600" dirty="0">
+              <a:solidFill>
+                <a:schemeClr val="tx1"/>
+              </a:solidFill>
+              <a:latin typeface="Times New Roman" panose="02020603050405020304" pitchFamily="18" charset="0"/>
+              <a:cs typeface="Times New Roman" panose="02020603050405020304" pitchFamily="18" charset="0"/>
+            </a:endParaRPr>
+          </a:p>
+          <a:p>
+            <a:pPr marL="0" indent="0" algn="just" eaLnBrk="0" hangingPunct="0">
+              <a:buNone/>
+            </a:pPr>
+            <a:r>
+              <a:rPr lang="pt-BR" sz="1600" dirty="0">
+                <a:solidFill>
+                  <a:schemeClr val="tx1"/>
+                </a:solidFill>
+                <a:latin typeface="Times New Roman" panose="02020603050405020304" pitchFamily="18" charset="0"/>
+                <a:cs typeface="Times New Roman" panose="02020603050405020304" pitchFamily="18" charset="0"/>
+              </a:rPr>
+              <a:t>	</a:t>
+            </a:r>
+            <a:r>
+              <a:rPr lang="pt-BR" sz="1600" b="1" dirty="0">
+                <a:solidFill>
+                  <a:schemeClr val="tx1"/>
+                </a:solidFill>
+                <a:latin typeface="Times New Roman" panose="02020603050405020304" pitchFamily="18" charset="0"/>
+                <a:cs typeface="Times New Roman" panose="02020603050405020304" pitchFamily="18" charset="0"/>
+              </a:rPr>
+              <a:t>Monk, Simon.</a:t>
+            </a:r>
+            <a:r>
+              <a:rPr lang="pt-BR" sz="1600" dirty="0">
+                <a:solidFill>
+                  <a:schemeClr val="tx1"/>
+                </a:solidFill>
+                <a:latin typeface="Times New Roman" panose="02020603050405020304" pitchFamily="18" charset="0"/>
+                <a:cs typeface="Times New Roman" panose="02020603050405020304" pitchFamily="18" charset="0"/>
+              </a:rPr>
+              <a:t> Programação com Arduino: Começando com Sketches. 2 Ed. Porto Alegre: Bookman, 2017.</a:t>
+            </a:r>
+          </a:p>
+          <a:p>
+            <a:pPr marL="0" indent="0" algn="just" eaLnBrk="0" hangingPunct="0">
+              <a:buNone/>
+            </a:pPr>
+            <a:r>
+              <a:rPr lang="pt-BR" sz="1600" dirty="0">
+                <a:solidFill>
+                  <a:schemeClr val="tx1"/>
+                </a:solidFill>
+                <a:latin typeface="Times New Roman" panose="02020603050405020304" pitchFamily="18" charset="0"/>
+                <a:cs typeface="Times New Roman" panose="02020603050405020304" pitchFamily="18" charset="0"/>
+              </a:rPr>
+              <a:t>	</a:t>
+            </a:r>
+            <a:r>
+              <a:rPr lang="pt-BR" sz="1600" b="1" dirty="0">
+                <a:solidFill>
+                  <a:srgbClr val="FF0000"/>
+                </a:solidFill>
+                <a:latin typeface="Times New Roman" panose="02020603050405020304" pitchFamily="18" charset="0"/>
+                <a:cs typeface="Times New Roman" panose="02020603050405020304" pitchFamily="18" charset="0"/>
+              </a:rPr>
+              <a:t>Disponível em</a:t>
+            </a:r>
+            <a:r>
+              <a:rPr lang="pt-BR" sz="1600" dirty="0">
+                <a:solidFill>
+                  <a:schemeClr val="tx1"/>
+                </a:solidFill>
+                <a:latin typeface="Times New Roman" panose="02020603050405020304" pitchFamily="18" charset="0"/>
+                <a:cs typeface="Times New Roman" panose="02020603050405020304" pitchFamily="18" charset="0"/>
+              </a:rPr>
+              <a:t>: https://integrada.minhabiblioteca.com.br/books/9788582604472</a:t>
+            </a:r>
+          </a:p>
+          <a:p>
+            <a:pPr marL="0" indent="0" algn="just" eaLnBrk="0" hangingPunct="0">
+              <a:buNone/>
+            </a:pPr>
+            <a:endParaRPr lang="pt-BR" sz="1600" dirty="0">
+              <a:solidFill>
+                <a:schemeClr val="tx1"/>
+              </a:solidFill>
+              <a:latin typeface="Times New Roman" panose="02020603050405020304" pitchFamily="18" charset="0"/>
+              <a:cs typeface="Times New Roman" panose="02020603050405020304" pitchFamily="18" charset="0"/>
+            </a:endParaRPr>
+          </a:p>
+          <a:p>
+            <a:pPr marL="0" indent="0" algn="just" eaLnBrk="0" hangingPunct="0">
+              <a:buNone/>
+            </a:pPr>
+            <a:r>
+              <a:rPr lang="pt-BR" sz="1600" dirty="0">
+                <a:solidFill>
+                  <a:schemeClr val="tx1"/>
+                </a:solidFill>
+                <a:latin typeface="Times New Roman" panose="02020603050405020304" pitchFamily="18" charset="0"/>
+                <a:cs typeface="Times New Roman" panose="02020603050405020304" pitchFamily="18" charset="0"/>
+              </a:rPr>
+              <a:t>	</a:t>
+            </a:r>
+            <a:r>
+              <a:rPr lang="pt-BR" sz="1600" b="1" dirty="0" err="1">
+                <a:solidFill>
+                  <a:schemeClr val="tx1"/>
+                </a:solidFill>
+                <a:latin typeface="Times New Roman" panose="02020603050405020304" pitchFamily="18" charset="0"/>
+                <a:cs typeface="Times New Roman" panose="02020603050405020304" pitchFamily="18" charset="0"/>
+              </a:rPr>
+              <a:t>Zanco</a:t>
+            </a:r>
+            <a:r>
+              <a:rPr lang="pt-BR" sz="1600" b="1" dirty="0">
+                <a:solidFill>
+                  <a:schemeClr val="tx1"/>
+                </a:solidFill>
+                <a:latin typeface="Times New Roman" panose="02020603050405020304" pitchFamily="18" charset="0"/>
+                <a:cs typeface="Times New Roman" panose="02020603050405020304" pitchFamily="18" charset="0"/>
+              </a:rPr>
+              <a:t>, Wagner da Silva.</a:t>
+            </a:r>
+            <a:r>
+              <a:rPr lang="pt-BR" sz="1600" dirty="0">
+                <a:solidFill>
+                  <a:schemeClr val="tx1"/>
+                </a:solidFill>
+                <a:latin typeface="Times New Roman" panose="02020603050405020304" pitchFamily="18" charset="0"/>
+                <a:cs typeface="Times New Roman" panose="02020603050405020304" pitchFamily="18" charset="0"/>
+              </a:rPr>
+              <a:t> Microcontroladores PIC18 com Linguagem C ­ Uma Abordagem Prática e Objetiva. São Paulo: Érica, 2010.</a:t>
+            </a:r>
+          </a:p>
+          <a:p>
+            <a:pPr marL="0" indent="0" algn="just" eaLnBrk="0" hangingPunct="0">
+              <a:buNone/>
+            </a:pPr>
+            <a:r>
+              <a:rPr lang="pt-BR" sz="1600" dirty="0">
+                <a:solidFill>
+                  <a:schemeClr val="tx1"/>
+                </a:solidFill>
+                <a:latin typeface="Times New Roman" panose="02020603050405020304" pitchFamily="18" charset="0"/>
+                <a:cs typeface="Times New Roman" panose="02020603050405020304" pitchFamily="18" charset="0"/>
+              </a:rPr>
+              <a:t>	</a:t>
+            </a:r>
+            <a:r>
+              <a:rPr lang="pt-BR" sz="1600" b="1" dirty="0">
+                <a:solidFill>
+                  <a:srgbClr val="FF0000"/>
+                </a:solidFill>
+                <a:latin typeface="Times New Roman" panose="02020603050405020304" pitchFamily="18" charset="0"/>
+                <a:cs typeface="Times New Roman" panose="02020603050405020304" pitchFamily="18" charset="0"/>
+              </a:rPr>
+              <a:t>Disponível em</a:t>
+            </a:r>
+            <a:r>
+              <a:rPr lang="pt-BR" sz="1600" dirty="0">
+                <a:solidFill>
+                  <a:schemeClr val="tx1"/>
+                </a:solidFill>
+                <a:latin typeface="Times New Roman" panose="02020603050405020304" pitchFamily="18" charset="0"/>
+                <a:cs typeface="Times New Roman" panose="02020603050405020304" pitchFamily="18" charset="0"/>
+              </a:rPr>
+              <a:t>: https://integrada.minhabiblioteca.com.br/books/9788536519982</a:t>
+            </a:r>
+          </a:p>
+        </p:txBody>
+      </p:sp>
+      <p:cxnSp>
+        <p:nvCxnSpPr>
+          <p:cNvPr id="4" name="Conector reto 3">
+            <a:extLst>
+              <a:ext uri="{FF2B5EF4-FFF2-40B4-BE49-F238E27FC236}">
+                <a16:creationId xmlns:a16="http://schemas.microsoft.com/office/drawing/2014/main" id="{53C1D5BE-B08D-43BA-9100-4319F7669DAD}"/>
+              </a:ext>
+            </a:extLst>
+          </p:cNvPr>
+          <p:cNvCxnSpPr>
+            <a:cxnSpLocks/>
+          </p:cNvCxnSpPr>
+          <p:nvPr/>
+        </p:nvCxnSpPr>
+        <p:spPr>
+          <a:xfrm flipV="1">
+            <a:off x="310728" y="902136"/>
+            <a:ext cx="8699160" cy="40954"/>
+          </a:xfrm>
+          <a:prstGeom prst="line">
+            <a:avLst/>
+          </a:prstGeom>
+          <a:ln w="38100">
+            <a:headEnd type="none" w="med" len="med"/>
+            <a:tailEnd type="none" w="med" len="med"/>
+          </a:ln>
+          <a:scene3d>
+            <a:camera prst="orthographicFront"/>
+            <a:lightRig rig="threePt" dir="t"/>
+          </a:scene3d>
+          <a:sp3d>
+            <a:bevelT prst="convex"/>
+          </a:sp3d>
+        </p:spPr>
+        <p:style>
+          <a:lnRef idx="3">
+            <a:schemeClr val="accent1"/>
+          </a:lnRef>
+          <a:fillRef idx="0">
+            <a:schemeClr val="accent1"/>
+          </a:fillRef>
+          <a:effectRef idx="2">
+            <a:schemeClr val="accent1"/>
+          </a:effectRef>
+          <a:fontRef idx="minor">
+            <a:schemeClr val="tx1"/>
+          </a:fontRef>
+        </p:style>
+      </p:cxnSp>
+    </p:spTree>
+    <p:extLst>
+      <p:ext uri="{BB962C8B-B14F-4D97-AF65-F5344CB8AC3E}">
+        <p14:creationId xmlns:p14="http://schemas.microsoft.com/office/powerpoint/2010/main" val="3363891325"/>
+      </p:ext>
+    </p:extLst>
+  </p:cSld>
+  <p:clrMapOvr>
+    <a:masterClrMapping/>
+  </p:clrMapOvr>
+  <p:transition spd="med"/>
+</p:sld>
+</file>
+
+<file path=ppt/slides/slide24.xml><?xml version="1.0" encoding="utf-8"?>
+<p:sld xmlns:a="http://schemas.openxmlformats.org/drawingml/2006/main" xmlns:r="http://schemas.openxmlformats.org/officeDocument/2006/relationships" xmlns:p="http://schemas.openxmlformats.org/presentationml/2006/main">
+  <p:cSld>
+    <p:spTree>
+      <p:nvGrpSpPr>
+        <p:cNvPr id="1" name=""/>
+        <p:cNvGrpSpPr/>
+        <p:nvPr/>
+      </p:nvGrpSpPr>
+      <p:grpSpPr>
+        <a:xfrm>
+          <a:off x="0" y="0"/>
+          <a:ext cx="0" cy="0"/>
+          <a:chOff x="0" y="0"/>
+          <a:chExt cx="0" cy="0"/>
+        </a:xfrm>
+      </p:grpSpPr>
+      <p:sp>
+        <p:nvSpPr>
+          <p:cNvPr id="6" name="Title 1"/>
+          <p:cNvSpPr>
+            <a:spLocks noGrp="1"/>
+          </p:cNvSpPr>
+          <p:nvPr>
+            <p:ph type="title"/>
+          </p:nvPr>
+        </p:nvSpPr>
+        <p:spPr>
+          <a:xfrm>
+            <a:off x="457200" y="205980"/>
+            <a:ext cx="8229600" cy="857251"/>
+          </a:xfrm>
+        </p:spPr>
+        <p:txBody>
+          <a:bodyPr/>
+          <a:lstStyle/>
+          <a:p>
+            <a:r>
+              <a:rPr lang="en-US" b="1" dirty="0" err="1">
+                <a:solidFill>
+                  <a:srgbClr val="0070C0"/>
+                </a:solidFill>
+              </a:rPr>
               <a:t>Referências</a:t>
             </a:r>
             <a:r>
@@ -8240,6 +10153,16 @@
               <a:t>	</a:t>
             </a:r>
             <a:r>
+              <a:rPr lang="pt-BR" altLang="pt-BR" sz="1600" b="1" dirty="0" err="1">
+                <a:solidFill>
+                  <a:schemeClr val="tx1"/>
+                </a:solidFill>
+                <a:latin typeface="Times New Roman" panose="02020603050405020304" pitchFamily="18" charset="0"/>
+                <a:cs typeface="Times New Roman" panose="02020603050405020304" pitchFamily="18" charset="0"/>
+              </a:rPr>
+              <a:t>Miyadaira</a:t>
+            </a:r>
+            <a:r>
               <a:rPr lang="pt-BR" altLang="pt-BR" sz="1600" b="1" dirty="0">
                 <a:solidFill>
                   <a:schemeClr val="tx1"/>
@@ -8247,7 +10170,27 @@
                 <a:latin typeface="Times New Roman" panose="02020603050405020304" pitchFamily="18" charset="0"/>
                 <a:cs typeface="Times New Roman" panose="02020603050405020304" pitchFamily="18" charset="0"/>
               </a:rPr>
-              <a:t>FACELI, K.; LORENA, A.C.; GAMA, J.; ALMEIDA, T.A.; CARVALHO, A.C.P.L.F</a:t>
+              <a:t>, Alberto </a:t>
+            </a:r>
+            <a:r>
+              <a:rPr lang="pt-BR" altLang="pt-BR" sz="1600" b="1" dirty="0" err="1">
+                <a:solidFill>
+                  <a:schemeClr val="tx1"/>
+                </a:solidFill>
+                <a:latin typeface="Times New Roman" panose="02020603050405020304" pitchFamily="18" charset="0"/>
+                <a:cs typeface="Times New Roman" panose="02020603050405020304" pitchFamily="18" charset="0"/>
+              </a:rPr>
+              <a:t>Noboru</a:t>
+            </a:r>
+            <a:r>
+              <a:rPr lang="pt-BR" altLang="pt-BR" sz="1600" b="1" dirty="0">
+                <a:solidFill>
+                  <a:schemeClr val="tx1"/>
+                </a:solidFill>
+                <a:latin typeface="Times New Roman" panose="02020603050405020304" pitchFamily="18" charset="0"/>
+                <a:cs typeface="Times New Roman" panose="02020603050405020304" pitchFamily="18" charset="0"/>
+              </a:rPr>
+              <a:t>.</a:t>
             </a:r>
             <a:r>
               <a:rPr lang="pt-BR" altLang="pt-BR" sz="1600" dirty="0">
@@ -8257,7 +10200,7 @@
                 <a:latin typeface="Times New Roman" panose="02020603050405020304" pitchFamily="18" charset="0"/>
                 <a:cs typeface="Times New Roman" panose="02020603050405020304" pitchFamily="18" charset="0"/>
               </a:rPr>
-              <a:t>. Inteligência Artificial: Uma Abordagem de Aprendizado de Máquina. Rio de Janeiro: GEN, 2021.</a:t>
+              <a:t> Microcontroladores PIC18 ­ Aprenda e Programe em Linguagem C. 1 Ed. São Paulo: Érica, 2013.</a:t>
             </a:r>
           </a:p>
           <a:p>
@@ -8292,7 +10235,191 @@
                 <a:latin typeface="Times New Roman" panose="02020603050405020304" pitchFamily="18" charset="0"/>
                 <a:cs typeface="Times New Roman" panose="02020603050405020304" pitchFamily="18" charset="0"/>
               </a:rPr>
-              <a:t>: https://integrada.minhabiblioteca.com.br/#/books/978­85­216­2146­1/cfi/0!/4/2@100:0.00</a:t>
+              <a:t>: https://integrada.minhabiblioteca.com.br/books/9788536519968</a:t>
+            </a:r>
+          </a:p>
+          <a:p>
+            <a:pPr marL="0" indent="0" algn="just" eaLnBrk="0" hangingPunct="0">
+              <a:buNone/>
+            </a:pPr>
+            <a:endParaRPr lang="pt-BR" altLang="pt-BR" sz="1600" dirty="0">
+              <a:solidFill>
+                <a:schemeClr val="tx1"/>
+              </a:solidFill>
+              <a:latin typeface="Times New Roman" panose="02020603050405020304" pitchFamily="18" charset="0"/>
+              <a:cs typeface="Times New Roman" panose="02020603050405020304" pitchFamily="18" charset="0"/>
+            </a:endParaRPr>
+          </a:p>
+          <a:p>
+            <a:pPr marL="0" indent="0" algn="just" eaLnBrk="0" hangingPunct="0">
+              <a:buNone/>
+            </a:pPr>
+            <a:r>
+              <a:rPr lang="pt-BR" altLang="pt-BR" sz="1600" dirty="0">
+                <a:solidFill>
+                  <a:schemeClr val="tx1"/>
+                </a:solidFill>
+                <a:latin typeface="Times New Roman" panose="02020603050405020304" pitchFamily="18" charset="0"/>
+                <a:cs typeface="Times New Roman" panose="02020603050405020304" pitchFamily="18" charset="0"/>
+              </a:rPr>
+              <a:t>	</a:t>
+            </a:r>
+            <a:r>
+              <a:rPr lang="pt-BR" altLang="pt-BR" sz="1600" b="1" dirty="0">
+                <a:solidFill>
+                  <a:schemeClr val="tx1"/>
+                </a:solidFill>
+                <a:latin typeface="Times New Roman" panose="02020603050405020304" pitchFamily="18" charset="0"/>
+                <a:cs typeface="Times New Roman" panose="02020603050405020304" pitchFamily="18" charset="0"/>
+              </a:rPr>
+              <a:t>Monk, Simon.</a:t>
+            </a:r>
+            <a:r>
+              <a:rPr lang="pt-BR" altLang="pt-BR" sz="1600" dirty="0">
+                <a:solidFill>
+                  <a:schemeClr val="tx1"/>
+                </a:solidFill>
+                <a:latin typeface="Times New Roman" panose="02020603050405020304" pitchFamily="18" charset="0"/>
+                <a:cs typeface="Times New Roman" panose="02020603050405020304" pitchFamily="18" charset="0"/>
+              </a:rPr>
+              <a:t> 30 Projetos com Arduino. 2 Ed. São Paulo: Érica, 2014.</a:t>
+            </a:r>
+          </a:p>
+          <a:p>
+            <a:pPr marL="0" indent="0" algn="just" eaLnBrk="0" hangingPunct="0">
+              <a:buNone/>
+            </a:pPr>
+            <a:r>
+              <a:rPr lang="pt-BR" altLang="pt-BR" sz="1600" dirty="0">
+                <a:solidFill>
+                  <a:schemeClr val="tx1"/>
+                </a:solidFill>
+                <a:latin typeface="Times New Roman" panose="02020603050405020304" pitchFamily="18" charset="0"/>
+                <a:cs typeface="Times New Roman" panose="02020603050405020304" pitchFamily="18" charset="0"/>
+              </a:rPr>
+              <a:t>	</a:t>
+            </a:r>
+            <a:r>
+              <a:rPr lang="pt-BR" altLang="pt-BR" sz="1600" b="1" dirty="0">
+                <a:solidFill>
+                  <a:srgbClr val="FF0000"/>
+                </a:solidFill>
+                <a:latin typeface="Times New Roman" panose="02020603050405020304" pitchFamily="18" charset="0"/>
+                <a:cs typeface="Times New Roman" panose="02020603050405020304" pitchFamily="18" charset="0"/>
+              </a:rPr>
+              <a:t>Disponível em</a:t>
+            </a:r>
+            <a:r>
+              <a:rPr lang="pt-BR" altLang="pt-BR" sz="1600" dirty="0">
+                <a:solidFill>
+                  <a:schemeClr val="tx1"/>
+                </a:solidFill>
+                <a:latin typeface="Times New Roman" panose="02020603050405020304" pitchFamily="18" charset="0"/>
+                <a:cs typeface="Times New Roman" panose="02020603050405020304" pitchFamily="18" charset="0"/>
+              </a:rPr>
+              <a:t>: https://integrada.minhabiblioteca.com.br/#/books/9788582601631</a:t>
+            </a:r>
+          </a:p>
+          <a:p>
+            <a:pPr marL="0" indent="0" algn="just" eaLnBrk="0" hangingPunct="0">
+              <a:buNone/>
+            </a:pPr>
+            <a:endParaRPr lang="pt-BR" altLang="pt-BR" sz="1600" dirty="0">
+              <a:solidFill>
+                <a:schemeClr val="tx1"/>
+              </a:solidFill>
+              <a:latin typeface="Times New Roman" panose="02020603050405020304" pitchFamily="18" charset="0"/>
+              <a:cs typeface="Times New Roman" panose="02020603050405020304" pitchFamily="18" charset="0"/>
+            </a:endParaRPr>
+          </a:p>
+          <a:p>
+            <a:pPr marL="0" indent="0" algn="just" eaLnBrk="0" hangingPunct="0">
+              <a:buNone/>
+            </a:pPr>
+            <a:r>
+              <a:rPr lang="pt-BR" altLang="pt-BR" sz="1600" dirty="0">
+                <a:solidFill>
+                  <a:schemeClr val="tx1"/>
+                </a:solidFill>
+                <a:latin typeface="Times New Roman" panose="02020603050405020304" pitchFamily="18" charset="0"/>
+                <a:cs typeface="Times New Roman" panose="02020603050405020304" pitchFamily="18" charset="0"/>
+              </a:rPr>
+              <a:t>	</a:t>
+            </a:r>
+            <a:r>
+              <a:rPr lang="pt-BR" altLang="pt-BR" sz="1600" b="1" dirty="0">
+                <a:solidFill>
+                  <a:schemeClr val="tx1"/>
+                </a:solidFill>
+                <a:latin typeface="Times New Roman" panose="02020603050405020304" pitchFamily="18" charset="0"/>
+                <a:cs typeface="Times New Roman" panose="02020603050405020304" pitchFamily="18" charset="0"/>
+              </a:rPr>
+              <a:t>Oliveira, Cláudio Luís Vieira; Zanetti, Humberto Augusto </a:t>
+            </a:r>
+            <a:r>
+              <a:rPr lang="pt-BR" altLang="pt-BR" sz="1600" b="1" dirty="0" err="1">
+                <a:solidFill>
+                  <a:schemeClr val="tx1"/>
+                </a:solidFill>
+                <a:latin typeface="Times New Roman" panose="02020603050405020304" pitchFamily="18" charset="0"/>
+                <a:cs typeface="Times New Roman" panose="02020603050405020304" pitchFamily="18" charset="0"/>
+              </a:rPr>
+              <a:t>Piovesana</a:t>
+            </a:r>
+            <a:r>
+              <a:rPr lang="pt-BR" altLang="pt-BR" sz="1600" b="1" dirty="0">
+                <a:solidFill>
+                  <a:schemeClr val="tx1"/>
+                </a:solidFill>
+                <a:latin typeface="Times New Roman" panose="02020603050405020304" pitchFamily="18" charset="0"/>
+                <a:cs typeface="Times New Roman" panose="02020603050405020304" pitchFamily="18" charset="0"/>
+              </a:rPr>
+              <a:t>.</a:t>
+            </a:r>
+            <a:r>
+              <a:rPr lang="pt-BR" altLang="pt-BR" sz="1600" dirty="0">
+                <a:solidFill>
+                  <a:schemeClr val="tx1"/>
+                </a:solidFill>
+                <a:latin typeface="Times New Roman" panose="02020603050405020304" pitchFamily="18" charset="0"/>
+                <a:cs typeface="Times New Roman" panose="02020603050405020304" pitchFamily="18" charset="0"/>
+              </a:rPr>
+              <a:t> Arduino Descomplicado ­ Como Elaborar Projetos de Eletrônica. 1 Ed. São Paulo: Érica, 2015.</a:t>
+            </a:r>
+          </a:p>
+          <a:p>
+            <a:pPr marL="0" indent="0" algn="just" eaLnBrk="0" hangingPunct="0">
+              <a:buNone/>
+            </a:pPr>
+            <a:r>
+              <a:rPr lang="pt-BR" altLang="pt-BR" sz="1600" dirty="0">
+                <a:solidFill>
+                  <a:schemeClr val="tx1"/>
+                </a:solidFill>
+                <a:latin typeface="Times New Roman" panose="02020603050405020304" pitchFamily="18" charset="0"/>
+                <a:cs typeface="Times New Roman" panose="02020603050405020304" pitchFamily="18" charset="0"/>
+              </a:rPr>
+              <a:t>	</a:t>
+            </a:r>
+            <a:r>
+              <a:rPr lang="pt-BR" altLang="pt-BR" sz="1600" b="1" dirty="0">
+                <a:solidFill>
+                  <a:srgbClr val="FF0000"/>
+                </a:solidFill>
+                <a:latin typeface="Times New Roman" panose="02020603050405020304" pitchFamily="18" charset="0"/>
+                <a:cs typeface="Times New Roman" panose="02020603050405020304" pitchFamily="18" charset="0"/>
+              </a:rPr>
+              <a:t>Disponível em</a:t>
+            </a:r>
+            <a:r>
+              <a:rPr lang="pt-BR" altLang="pt-BR" sz="1600" dirty="0">
+                <a:solidFill>
+                  <a:schemeClr val="tx1"/>
+                </a:solidFill>
+                <a:latin typeface="Times New Roman" panose="02020603050405020304" pitchFamily="18" charset="0"/>
+                <a:cs typeface="Times New Roman" panose="02020603050405020304" pitchFamily="18" charset="0"/>
+              </a:rPr>
+              <a:t>: https://integrada.minhabiblioteca.com.br/books/9788536518114</a:t>
             </a:r>
           </a:p>
         </p:txBody>
@@ -8360,7 +10487,359 @@
 </p:sld>
 </file>
 
-<file path=ppt/slides/slide21.xml><?xml version="1.0" encoding="utf-8"?>
+<file path=ppt/slides/slide25.xml><?xml version="1.0" encoding="utf-8"?>
+<p:sld xmlns:a="http://schemas.openxmlformats.org/drawingml/2006/main" xmlns:r="http://schemas.openxmlformats.org/officeDocument/2006/relationships" xmlns:p="http://schemas.openxmlformats.org/presentationml/2006/main">
+  <p:cSld>
+    <p:spTree>
+      <p:nvGrpSpPr>
+        <p:cNvPr id="1" name=""/>
+        <p:cNvGrpSpPr/>
+        <p:nvPr/>
+      </p:nvGrpSpPr>
+      <p:grpSpPr>
+        <a:xfrm>
+          <a:off x="0" y="0"/>
+          <a:ext cx="0" cy="0"/>
+          <a:chOff x="0" y="0"/>
+          <a:chExt cx="0" cy="0"/>
+        </a:xfrm>
+      </p:grpSpPr>
+      <p:sp>
+        <p:nvSpPr>
+          <p:cNvPr id="6" name="Title 1"/>
+          <p:cNvSpPr>
+            <a:spLocks noGrp="1"/>
+          </p:cNvSpPr>
+          <p:nvPr>
+            <p:ph type="title"/>
+          </p:nvPr>
+        </p:nvSpPr>
+        <p:spPr>
+          <a:xfrm>
+            <a:off x="457200" y="205980"/>
+            <a:ext cx="8229600" cy="857251"/>
+          </a:xfrm>
+        </p:spPr>
+        <p:txBody>
+          <a:bodyPr/>
+          <a:lstStyle/>
+          <a:p>
+            <a:r>
+              <a:rPr lang="en-US" b="1" dirty="0" err="1">
+                <a:solidFill>
+                  <a:srgbClr val="0070C0"/>
+                </a:solidFill>
+              </a:rPr>
+              <a:t>Referências</a:t>
+            </a:r>
+            <a:r>
+              <a:rPr lang="en-US" b="1" dirty="0">
+                <a:solidFill>
+                  <a:srgbClr val="0070C0"/>
+                </a:solidFill>
+              </a:rPr>
+              <a:t> </a:t>
+            </a:r>
+            <a:r>
+              <a:rPr lang="en-US" b="1" dirty="0" err="1">
+                <a:solidFill>
+                  <a:srgbClr val="0070C0"/>
+                </a:solidFill>
+              </a:rPr>
+              <a:t>Bibliográficas</a:t>
+            </a:r>
+            <a:endParaRPr lang="en-US" b="1" dirty="0">
+              <a:solidFill>
+                <a:srgbClr val="0070C0"/>
+              </a:solidFill>
+            </a:endParaRPr>
+          </a:p>
+        </p:txBody>
+      </p:sp>
+      <p:sp>
+        <p:nvSpPr>
+          <p:cNvPr id="8" name="Text Placeholder 2"/>
+          <p:cNvSpPr>
+            <a:spLocks noGrp="1"/>
+          </p:cNvSpPr>
+          <p:nvPr>
+            <p:ph type="body" sz="half" idx="1"/>
+          </p:nvPr>
+        </p:nvSpPr>
+        <p:spPr>
+          <a:xfrm>
+            <a:off x="142865" y="1104186"/>
+            <a:ext cx="8865056" cy="3833334"/>
+          </a:xfrm>
+        </p:spPr>
+        <p:txBody>
+          <a:bodyPr>
+            <a:noAutofit/>
+          </a:bodyPr>
+          <a:lstStyle/>
+          <a:p>
+            <a:pPr algn="just" eaLnBrk="0" hangingPunct="0"/>
+            <a:r>
+              <a:rPr lang="pt-BR" sz="1800" b="1" u="sng" dirty="0">
+                <a:solidFill>
+                  <a:srgbClr val="FF0000"/>
+                </a:solidFill>
+                <a:latin typeface="Times New Roman" panose="02020603050405020304" pitchFamily="18" charset="0"/>
+                <a:cs typeface="Times New Roman" panose="02020603050405020304" pitchFamily="18" charset="0"/>
+              </a:rPr>
+              <a:t>COMPLEMENTAR</a:t>
+            </a:r>
+          </a:p>
+          <a:p>
+            <a:pPr marL="0" indent="0" algn="just" eaLnBrk="0" hangingPunct="0">
+              <a:buNone/>
+            </a:pPr>
+            <a:endParaRPr lang="pt-BR" altLang="pt-BR" sz="1600" b="1" dirty="0">
+              <a:solidFill>
+                <a:schemeClr val="tx1"/>
+              </a:solidFill>
+              <a:latin typeface="Times New Roman" panose="02020603050405020304" pitchFamily="18" charset="0"/>
+              <a:cs typeface="Times New Roman" panose="02020603050405020304" pitchFamily="18" charset="0"/>
+            </a:endParaRPr>
+          </a:p>
+          <a:p>
+            <a:pPr marL="0" indent="0" algn="just" eaLnBrk="0" hangingPunct="0">
+              <a:buNone/>
+            </a:pPr>
+            <a:r>
+              <a:rPr lang="pt-BR" altLang="pt-BR" sz="1600" dirty="0">
+                <a:solidFill>
+                  <a:schemeClr val="tx1"/>
+                </a:solidFill>
+                <a:latin typeface="Times New Roman" panose="02020603050405020304" pitchFamily="18" charset="0"/>
+                <a:cs typeface="Times New Roman" panose="02020603050405020304" pitchFamily="18" charset="0"/>
+              </a:rPr>
+              <a:t>	</a:t>
+            </a:r>
+            <a:r>
+              <a:rPr lang="pt-BR" altLang="pt-BR" sz="1600" b="1" dirty="0">
+                <a:solidFill>
+                  <a:schemeClr val="tx1"/>
+                </a:solidFill>
+                <a:latin typeface="Times New Roman" panose="02020603050405020304" pitchFamily="18" charset="0"/>
+                <a:cs typeface="Times New Roman" panose="02020603050405020304" pitchFamily="18" charset="0"/>
+              </a:rPr>
+              <a:t>Souza, David José</a:t>
+            </a:r>
+            <a:r>
+              <a:rPr lang="pt-BR" altLang="pt-BR" sz="1600" dirty="0">
+                <a:solidFill>
+                  <a:schemeClr val="tx1"/>
+                </a:solidFill>
+                <a:latin typeface="Times New Roman" panose="02020603050405020304" pitchFamily="18" charset="0"/>
+                <a:cs typeface="Times New Roman" panose="02020603050405020304" pitchFamily="18" charset="0"/>
+              </a:rPr>
+              <a:t>. Desbravando o PIC ­ Ampliado e Atualizado para PIC 16F628A. 12 Ed. São Paulo: Saraiva, 2009.</a:t>
+            </a:r>
+          </a:p>
+          <a:p>
+            <a:pPr marL="0" indent="0" algn="just" eaLnBrk="0" hangingPunct="0">
+              <a:buNone/>
+            </a:pPr>
+            <a:r>
+              <a:rPr lang="pt-BR" altLang="pt-BR" sz="1600" dirty="0">
+                <a:solidFill>
+                  <a:schemeClr val="tx1"/>
+                </a:solidFill>
+                <a:latin typeface="Times New Roman" panose="02020603050405020304" pitchFamily="18" charset="0"/>
+                <a:cs typeface="Times New Roman" panose="02020603050405020304" pitchFamily="18" charset="0"/>
+              </a:rPr>
+              <a:t>	</a:t>
+            </a:r>
+            <a:r>
+              <a:rPr lang="pt-BR" altLang="pt-BR" sz="1600" b="1" dirty="0">
+                <a:solidFill>
+                  <a:srgbClr val="FF0000"/>
+                </a:solidFill>
+                <a:latin typeface="Times New Roman" panose="02020603050405020304" pitchFamily="18" charset="0"/>
+                <a:cs typeface="Times New Roman" panose="02020603050405020304" pitchFamily="18" charset="0"/>
+              </a:rPr>
+              <a:t>Disponível em</a:t>
+            </a:r>
+            <a:r>
+              <a:rPr lang="pt-BR" altLang="pt-BR" sz="1600" dirty="0">
+                <a:solidFill>
+                  <a:schemeClr val="tx1"/>
+                </a:solidFill>
+                <a:latin typeface="Times New Roman" panose="02020603050405020304" pitchFamily="18" charset="0"/>
+                <a:cs typeface="Times New Roman" panose="02020603050405020304" pitchFamily="18" charset="0"/>
+              </a:rPr>
+              <a:t>: https://integrada.minhabiblioteca.com.br/#/books/9788536518312/</a:t>
+            </a:r>
+          </a:p>
+          <a:p>
+            <a:pPr marL="0" indent="0" algn="just" eaLnBrk="0" hangingPunct="0">
+              <a:buNone/>
+            </a:pPr>
+            <a:endParaRPr lang="pt-BR" altLang="pt-BR" sz="1600" dirty="0">
+              <a:solidFill>
+                <a:schemeClr val="tx1"/>
+              </a:solidFill>
+              <a:latin typeface="Times New Roman" panose="02020603050405020304" pitchFamily="18" charset="0"/>
+              <a:cs typeface="Times New Roman" panose="02020603050405020304" pitchFamily="18" charset="0"/>
+            </a:endParaRPr>
+          </a:p>
+          <a:p>
+            <a:pPr marL="0" indent="0" algn="just" eaLnBrk="0" hangingPunct="0">
+              <a:buNone/>
+            </a:pPr>
+            <a:r>
+              <a:rPr lang="pt-BR" altLang="pt-BR" sz="1600" dirty="0">
+                <a:solidFill>
+                  <a:schemeClr val="tx1"/>
+                </a:solidFill>
+                <a:latin typeface="Times New Roman" panose="02020603050405020304" pitchFamily="18" charset="0"/>
+                <a:cs typeface="Times New Roman" panose="02020603050405020304" pitchFamily="18" charset="0"/>
+              </a:rPr>
+              <a:t>	</a:t>
+            </a:r>
+            <a:r>
+              <a:rPr lang="pt-BR" altLang="pt-BR" sz="1600" b="1" dirty="0">
+                <a:solidFill>
+                  <a:schemeClr val="tx1"/>
+                </a:solidFill>
+                <a:latin typeface="Times New Roman" panose="02020603050405020304" pitchFamily="18" charset="0"/>
+                <a:cs typeface="Times New Roman" panose="02020603050405020304" pitchFamily="18" charset="0"/>
+              </a:rPr>
+              <a:t>Stevan Jr., Sérgio Luiz; Farinelli, Felipe Adalberto</a:t>
+            </a:r>
+            <a:r>
+              <a:rPr lang="pt-BR" altLang="pt-BR" sz="1600" dirty="0">
+                <a:solidFill>
+                  <a:schemeClr val="tx1"/>
+                </a:solidFill>
+                <a:latin typeface="Times New Roman" panose="02020603050405020304" pitchFamily="18" charset="0"/>
+                <a:cs typeface="Times New Roman" panose="02020603050405020304" pitchFamily="18" charset="0"/>
+              </a:rPr>
+              <a:t>. </a:t>
+            </a:r>
+            <a:r>
+              <a:rPr lang="pt-BR" altLang="pt-BR" sz="1600" dirty="0" err="1">
+                <a:solidFill>
+                  <a:schemeClr val="tx1"/>
+                </a:solidFill>
+                <a:latin typeface="Times New Roman" panose="02020603050405020304" pitchFamily="18" charset="0"/>
+                <a:cs typeface="Times New Roman" panose="02020603050405020304" pitchFamily="18" charset="0"/>
+              </a:rPr>
+              <a:t>Domótica</a:t>
+            </a:r>
+            <a:r>
+              <a:rPr lang="pt-BR" altLang="pt-BR" sz="1600" dirty="0">
+                <a:solidFill>
+                  <a:schemeClr val="tx1"/>
+                </a:solidFill>
+                <a:latin typeface="Times New Roman" panose="02020603050405020304" pitchFamily="18" charset="0"/>
+                <a:cs typeface="Times New Roman" panose="02020603050405020304" pitchFamily="18" charset="0"/>
+              </a:rPr>
+              <a:t> ­ Automação Residencial e Casas Inteligentes com Arduino e ESP8266. 1 Ed. São Paulo: Saraiva, 2018.</a:t>
+            </a:r>
+          </a:p>
+          <a:p>
+            <a:pPr marL="0" indent="0" algn="just" eaLnBrk="0" hangingPunct="0">
+              <a:buNone/>
+            </a:pPr>
+            <a:r>
+              <a:rPr lang="pt-BR" altLang="pt-BR" sz="1600" dirty="0">
+                <a:solidFill>
+                  <a:schemeClr val="tx1"/>
+                </a:solidFill>
+                <a:latin typeface="Times New Roman" panose="02020603050405020304" pitchFamily="18" charset="0"/>
+                <a:cs typeface="Times New Roman" panose="02020603050405020304" pitchFamily="18" charset="0"/>
+              </a:rPr>
+              <a:t>	</a:t>
+            </a:r>
+            <a:r>
+              <a:rPr lang="pt-BR" altLang="pt-BR" sz="1600" b="1" dirty="0">
+                <a:solidFill>
+                  <a:srgbClr val="FF0000"/>
+                </a:solidFill>
+                <a:latin typeface="Times New Roman" panose="02020603050405020304" pitchFamily="18" charset="0"/>
+                <a:cs typeface="Times New Roman" panose="02020603050405020304" pitchFamily="18" charset="0"/>
+              </a:rPr>
+              <a:t>Disponível em</a:t>
+            </a:r>
+            <a:r>
+              <a:rPr lang="pt-BR" altLang="pt-BR" sz="1600" dirty="0">
+                <a:solidFill>
+                  <a:schemeClr val="tx1"/>
+                </a:solidFill>
+                <a:latin typeface="Times New Roman" panose="02020603050405020304" pitchFamily="18" charset="0"/>
+                <a:cs typeface="Times New Roman" panose="02020603050405020304" pitchFamily="18" charset="0"/>
+              </a:rPr>
+              <a:t>: https://integrada.minhabiblioteca.com.br/#/books/9788536530055/</a:t>
+            </a:r>
+          </a:p>
+        </p:txBody>
+      </p:sp>
+      <p:cxnSp>
+        <p:nvCxnSpPr>
+          <p:cNvPr id="4" name="Conector reto 3">
+            <a:extLst>
+              <a:ext uri="{FF2B5EF4-FFF2-40B4-BE49-F238E27FC236}">
+                <a16:creationId xmlns:a16="http://schemas.microsoft.com/office/drawing/2014/main" id="{53C1D5BE-B08D-43BA-9100-4319F7669DAD}"/>
+              </a:ext>
+            </a:extLst>
+          </p:cNvPr>
+          <p:cNvCxnSpPr>
+            <a:cxnSpLocks/>
+          </p:cNvCxnSpPr>
+          <p:nvPr/>
+        </p:nvCxnSpPr>
+        <p:spPr>
+          <a:xfrm flipV="1">
+            <a:off x="310728" y="902136"/>
+            <a:ext cx="8699160" cy="40954"/>
+          </a:xfrm>
+          <a:prstGeom prst="line">
+            <a:avLst/>
+          </a:prstGeom>
+          <a:ln w="38100">
+            <a:headEnd type="none" w="med" len="med"/>
+            <a:tailEnd type="none" w="med" len="med"/>
+          </a:ln>
+          <a:scene3d>
+            <a:camera prst="orthographicFront"/>
+            <a:lightRig rig="threePt" dir="t"/>
+          </a:scene3d>
+          <a:sp3d>
+            <a:bevelT prst="convex"/>
+          </a:sp3d>
+        </p:spPr>
+        <p:style>
+          <a:lnRef idx="3">
+            <a:schemeClr val="accent1"/>
+          </a:lnRef>
+          <a:fillRef idx="0">
+            <a:schemeClr val="accent1"/>
+          </a:fillRef>
+          <a:effectRef idx="2">
+            <a:schemeClr val="accent1"/>
+          </a:effectRef>
+          <a:fontRef idx="minor">
+            <a:schemeClr val="tx1"/>
+          </a:fontRef>
+        </p:style>
+      </p:cxnSp>
+    </p:spTree>
+    <p:extLst>
+      <p:ext uri="{BB962C8B-B14F-4D97-AF65-F5344CB8AC3E}">
+        <p14:creationId xmlns:p14="http://schemas.microsoft.com/office/powerpoint/2010/main" val="2083521230"/>
+      </p:ext>
+    </p:extLst>
+  </p:cSld>
+  <p:clrMapOvr>
+    <a:masterClrMapping/>
+  </p:clrMapOvr>
+  <p:transition spd="med"/>
+</p:sld>
+</file>
+
+<file path=ppt/slides/slide26.xml><?xml version="1.0" encoding="utf-8"?>
 <p:sld xmlns:a="http://schemas.openxmlformats.org/drawingml/2006/main" xmlns:r="http://schemas.openxmlformats.org/officeDocument/2006/relationships" xmlns:p="http://schemas.openxmlformats.org/presentationml/2006/main">
   <p:cSld>
     <p:spTree>
@@ -9547,67 +12026,7 @@
                 <a:latin typeface="Times New Roman" panose="02020603050405020304" pitchFamily="18" charset="0"/>
                 <a:cs typeface="Times New Roman" panose="02020603050405020304" pitchFamily="18" charset="0"/>
               </a:rPr>
-              <a:t>A disciplina visa apresentar ao discente os </a:t>
-            </a:r>
-            <a:r>
-              <a:rPr lang="pt-BR" altLang="pt-BR" sz="2400" b="1" dirty="0">
-                <a:solidFill>
-                  <a:srgbClr val="FF0000"/>
-                </a:solidFill>
-                <a:latin typeface="Times New Roman" panose="02020603050405020304" pitchFamily="18" charset="0"/>
-                <a:cs typeface="Times New Roman" panose="02020603050405020304" pitchFamily="18" charset="0"/>
-              </a:rPr>
-              <a:t>conceitos que engloba as principais inovações tecnológicas para automação e troca de dados</a:t>
-            </a:r>
-            <a:r>
-              <a:rPr lang="pt-BR" altLang="pt-BR" sz="2400" dirty="0">
-                <a:solidFill>
-                  <a:schemeClr val="tx1"/>
-                </a:solidFill>
-                <a:latin typeface="Times New Roman" panose="02020603050405020304" pitchFamily="18" charset="0"/>
-                <a:cs typeface="Times New Roman" panose="02020603050405020304" pitchFamily="18" charset="0"/>
-              </a:rPr>
-              <a:t>, cuja função se refere a sistemas </a:t>
-            </a:r>
-            <a:r>
-              <a:rPr lang="pt-BR" altLang="pt-BR" sz="2400" dirty="0" err="1">
-                <a:solidFill>
-                  <a:schemeClr val="tx1"/>
-                </a:solidFill>
-                <a:latin typeface="Times New Roman" panose="02020603050405020304" pitchFamily="18" charset="0"/>
-                <a:cs typeface="Times New Roman" panose="02020603050405020304" pitchFamily="18" charset="0"/>
-              </a:rPr>
-              <a:t>ciber</a:t>
-            </a:r>
-            <a:r>
-              <a:rPr lang="pt-BR" altLang="pt-BR" sz="2400" dirty="0">
-                <a:solidFill>
-                  <a:schemeClr val="tx1"/>
-                </a:solidFill>
-                <a:latin typeface="Times New Roman" panose="02020603050405020304" pitchFamily="18" charset="0"/>
-                <a:cs typeface="Times New Roman" panose="02020603050405020304" pitchFamily="18" charset="0"/>
-              </a:rPr>
-              <a:t>-físicos, IOT e cloud </a:t>
-            </a:r>
-            <a:r>
-              <a:rPr lang="pt-BR" altLang="pt-BR" sz="2400" dirty="0" err="1">
-                <a:solidFill>
-                  <a:schemeClr val="tx1"/>
-                </a:solidFill>
-                <a:latin typeface="Times New Roman" panose="02020603050405020304" pitchFamily="18" charset="0"/>
-                <a:cs typeface="Times New Roman" panose="02020603050405020304" pitchFamily="18" charset="0"/>
-              </a:rPr>
-              <a:t>computer</a:t>
-            </a:r>
-            <a:r>
-              <a:rPr lang="pt-BR" altLang="pt-BR" sz="2400" dirty="0">
-                <a:solidFill>
-                  <a:schemeClr val="tx1"/>
-                </a:solidFill>
-                <a:latin typeface="Times New Roman" panose="02020603050405020304" pitchFamily="18" charset="0"/>
-                <a:cs typeface="Times New Roman" panose="02020603050405020304" pitchFamily="18" charset="0"/>
-              </a:rPr>
-              <a:t>.</a:t>
+              <a:t>A disciplina visa habilitar o discente a explicar o princípio de funcionamento de microcontroladores, no que tange:</a:t>
             </a:r>
           </a:p>
           <a:p>
@@ -9623,8 +12042,9 @@
             </a:endParaRPr>
           </a:p>
           <a:p>
-            <a:pPr marL="0" indent="0" algn="just" eaLnBrk="0" hangingPunct="0">
-              <a:buNone/>
+            <a:pPr algn="just" eaLnBrk="0" hangingPunct="0">
+              <a:buFont typeface="Wingdings" panose="05000000000000000000" pitchFamily="2" charset="2"/>
+              <a:buChar char="§"/>
             </a:pPr>
             <a:r>
               <a:rPr lang="pt-BR" altLang="pt-BR" sz="2400" dirty="0">
@@ -9634,20 +12054,40 @@
                 <a:latin typeface="Times New Roman" panose="02020603050405020304" pitchFamily="18" charset="0"/>
                 <a:cs typeface="Times New Roman" panose="02020603050405020304" pitchFamily="18" charset="0"/>
               </a:rPr>
-              <a:t>Ou seja, é a quarta revolução industrial com foco na melhoria da eficiência e produtividade dos processos, que representa a automação industrial e a integração de diferentes tecnologias como IA, robótica, IOT e computação em nuvem.</a:t>
-            </a:r>
-          </a:p>
-          <a:p>
-            <a:pPr marL="0" indent="0" algn="just" eaLnBrk="0" hangingPunct="0">
-              <a:buNone/>
+              <a:t>Desenvolver programas em C para microcontroladores comerciais; </a:t>
+            </a:r>
+          </a:p>
+          <a:p>
+            <a:pPr algn="just" eaLnBrk="0" hangingPunct="0">
+              <a:buFont typeface="Wingdings" panose="05000000000000000000" pitchFamily="2" charset="2"/>
+              <a:buChar char="§"/>
             </a:pPr>
-            <a:endParaRPr lang="pt-BR" altLang="pt-BR" sz="2400" dirty="0">
-              <a:solidFill>
-                <a:schemeClr val="tx1"/>
-              </a:solidFill>
-              <a:latin typeface="Times New Roman" panose="02020603050405020304" pitchFamily="18" charset="0"/>
-              <a:cs typeface="Times New Roman" panose="02020603050405020304" pitchFamily="18" charset="0"/>
-            </a:endParaRPr>
+            <a:r>
+              <a:rPr lang="pt-BR" altLang="pt-BR" sz="2400" dirty="0">
+                <a:solidFill>
+                  <a:schemeClr val="tx1"/>
+                </a:solidFill>
+                <a:latin typeface="Times New Roman" panose="02020603050405020304" pitchFamily="18" charset="0"/>
+                <a:cs typeface="Times New Roman" panose="02020603050405020304" pitchFamily="18" charset="0"/>
+              </a:rPr>
+              <a:t>Utilizar ferramentas de análise, desenvolvimento e depuração de programas para microcontroladores comerciais; </a:t>
+            </a:r>
+          </a:p>
+          <a:p>
+            <a:pPr algn="just" eaLnBrk="0" hangingPunct="0">
+              <a:buFont typeface="Wingdings" panose="05000000000000000000" pitchFamily="2" charset="2"/>
+              <a:buChar char="§"/>
+            </a:pPr>
+            <a:r>
+              <a:rPr lang="pt-BR" altLang="pt-BR" sz="2400" dirty="0">
+                <a:solidFill>
+                  <a:schemeClr val="tx1"/>
+                </a:solidFill>
+                <a:latin typeface="Times New Roman" panose="02020603050405020304" pitchFamily="18" charset="0"/>
+                <a:cs typeface="Times New Roman" panose="02020603050405020304" pitchFamily="18" charset="0"/>
+              </a:rPr>
+              <a:t>Projetar e construir sistemas baseados em microcontroladores comerciais.</a:t>
+            </a:r>
           </a:p>
         </p:txBody>
       </p:sp>
@@ -9811,7 +12251,7 @@
         </p:nvSpPr>
         <p:spPr>
           <a:xfrm>
-            <a:off x="142865" y="1104186"/>
+            <a:off x="142865" y="1116378"/>
             <a:ext cx="8865056" cy="3957406"/>
           </a:xfrm>
         </p:spPr>
@@ -9825,95 +12265,24 @@
               <a:buNone/>
             </a:pPr>
             <a:r>
+              <a:rPr lang="pt-BR" altLang="pt-BR" sz="2400" dirty="0">
+                <a:solidFill>
+                  <a:schemeClr val="tx1"/>
+                </a:solidFill>
+                <a:latin typeface="Times New Roman" panose="02020603050405020304" pitchFamily="18" charset="0"/>
+                <a:cs typeface="Times New Roman" panose="02020603050405020304" pitchFamily="18" charset="0"/>
+              </a:rPr>
+              <a:t>Um </a:t>
+            </a:r>
+            <a:r>
               <a:rPr lang="pt-BR" altLang="pt-BR" sz="2400" b="1" dirty="0">
                 <a:solidFill>
-                  <a:schemeClr val="tx1"/>
-                </a:solidFill>
-                <a:latin typeface="Times New Roman" panose="02020603050405020304" pitchFamily="18" charset="0"/>
-                <a:cs typeface="Times New Roman" panose="02020603050405020304" pitchFamily="18" charset="0"/>
-              </a:rPr>
-              <a:t>		</a:t>
-            </a:r>
-            <a:r>
-              <a:rPr lang="pt-BR" altLang="pt-BR" sz="2400" b="1" dirty="0">
-                <a:solidFill>
                   <a:srgbClr val="0070C0"/>
                 </a:solidFill>
                 <a:latin typeface="Times New Roman" panose="02020603050405020304" pitchFamily="18" charset="0"/>
                 <a:cs typeface="Times New Roman" panose="02020603050405020304" pitchFamily="18" charset="0"/>
               </a:rPr>
-              <a:t>Inovações Tecnológicas – Aplicações na Indústria 4.0</a:t>
-            </a:r>
-            <a:endParaRPr lang="pt-BR" altLang="pt-BR" sz="2400" dirty="0">
-              <a:solidFill>
-                <a:schemeClr val="tx1"/>
-              </a:solidFill>
-              <a:latin typeface="Times New Roman" panose="02020603050405020304" pitchFamily="18" charset="0"/>
-              <a:cs typeface="Times New Roman" panose="02020603050405020304" pitchFamily="18" charset="0"/>
-            </a:endParaRPr>
-          </a:p>
-          <a:p>
-            <a:pPr algn="just" eaLnBrk="0" hangingPunct="0">
-              <a:buFont typeface="Wingdings" panose="05000000000000000000" pitchFamily="2" charset="2"/>
-              <a:buChar char="ü"/>
-            </a:pPr>
-            <a:r>
-              <a:rPr lang="en-US" altLang="pt-BR" sz="2400" dirty="0">
-                <a:solidFill>
-                  <a:srgbClr val="0070C0"/>
-                </a:solidFill>
-                <a:latin typeface="Times New Roman" panose="02020603050405020304" pitchFamily="18" charset="0"/>
-                <a:cs typeface="Times New Roman" panose="02020603050405020304" pitchFamily="18" charset="0"/>
-              </a:rPr>
-              <a:t>Cloud Computer</a:t>
-            </a:r>
-          </a:p>
-          <a:p>
-            <a:pPr algn="just" eaLnBrk="0" hangingPunct="0">
-              <a:buFont typeface="Wingdings" panose="05000000000000000000" pitchFamily="2" charset="2"/>
-              <a:buChar char="ü"/>
-            </a:pPr>
-            <a:r>
-              <a:rPr lang="en-US" altLang="pt-BR" sz="2400" dirty="0">
-                <a:solidFill>
-                  <a:srgbClr val="0070C0"/>
-                </a:solidFill>
-                <a:latin typeface="Times New Roman" panose="02020603050405020304" pitchFamily="18" charset="0"/>
-                <a:cs typeface="Times New Roman" panose="02020603050405020304" pitchFamily="18" charset="0"/>
-              </a:rPr>
-              <a:t>IA</a:t>
-            </a:r>
-          </a:p>
-          <a:p>
-            <a:pPr algn="just" eaLnBrk="0" hangingPunct="0">
-              <a:buFont typeface="Wingdings" panose="05000000000000000000" pitchFamily="2" charset="2"/>
-              <a:buChar char="ü"/>
-            </a:pPr>
-            <a:r>
-              <a:rPr lang="en-US" altLang="pt-BR" sz="2400" dirty="0">
-                <a:solidFill>
-                  <a:schemeClr val="tx1"/>
-                </a:solidFill>
-                <a:latin typeface="Times New Roman" panose="02020603050405020304" pitchFamily="18" charset="0"/>
-                <a:cs typeface="Times New Roman" panose="02020603050405020304" pitchFamily="18" charset="0"/>
-              </a:rPr>
-              <a:t>Data Science / Machine Learning</a:t>
-            </a:r>
-          </a:p>
-          <a:p>
-            <a:pPr algn="just" eaLnBrk="0" hangingPunct="0">
-              <a:buFont typeface="Wingdings" panose="05000000000000000000" pitchFamily="2" charset="2"/>
-              <a:buChar char="ü"/>
-            </a:pPr>
-            <a:r>
-              <a:rPr lang="en-US" altLang="pt-BR" sz="2400" dirty="0">
-                <a:solidFill>
-                  <a:srgbClr val="0070C0"/>
-                </a:solidFill>
-                <a:latin typeface="Times New Roman" panose="02020603050405020304" pitchFamily="18" charset="0"/>
-                <a:cs typeface="Times New Roman" panose="02020603050405020304" pitchFamily="18" charset="0"/>
-              </a:rPr>
-              <a:t>Big Data </a:t>
+              <a:t>microprocessador</a:t>
             </a:r>
             <a:r>
               <a:rPr lang="pt-BR" altLang="pt-BR" sz="2400" dirty="0">
@@ -9923,176 +12292,8 @@
                 <a:latin typeface="Times New Roman" panose="02020603050405020304" pitchFamily="18" charset="0"/>
                 <a:cs typeface="Times New Roman" panose="02020603050405020304" pitchFamily="18" charset="0"/>
               </a:rPr>
-              <a:t>(</a:t>
-            </a:r>
-            <a:r>
-              <a:rPr lang="pt-BR" altLang="pt-BR" sz="2000" b="1" dirty="0">
-                <a:solidFill>
-                  <a:srgbClr val="FF0000"/>
-                </a:solidFill>
-                <a:latin typeface="Times New Roman" panose="02020603050405020304" pitchFamily="18" charset="0"/>
-                <a:cs typeface="Times New Roman" panose="02020603050405020304" pitchFamily="18" charset="0"/>
-              </a:rPr>
-              <a:t>Os 5Vs: Volume; Valor; Velocidade; Veracidade; Variedade</a:t>
-            </a:r>
-            <a:r>
-              <a:rPr lang="pt-BR" altLang="pt-BR" sz="2000" dirty="0">
-                <a:solidFill>
-                  <a:schemeClr val="tx1"/>
-                </a:solidFill>
-                <a:latin typeface="Times New Roman" panose="02020603050405020304" pitchFamily="18" charset="0"/>
-                <a:cs typeface="Times New Roman" panose="02020603050405020304" pitchFamily="18" charset="0"/>
-              </a:rPr>
-              <a:t>)</a:t>
-            </a:r>
-          </a:p>
-          <a:p>
-            <a:pPr algn="just" eaLnBrk="0" hangingPunct="0">
-              <a:buFont typeface="Wingdings" panose="05000000000000000000" pitchFamily="2" charset="2"/>
-              <a:buChar char="ü"/>
-            </a:pPr>
-            <a:r>
-              <a:rPr lang="pt-BR" altLang="pt-BR" sz="2400" dirty="0">
-                <a:solidFill>
-                  <a:schemeClr val="tx1"/>
-                </a:solidFill>
-                <a:latin typeface="Times New Roman" panose="02020603050405020304" pitchFamily="18" charset="0"/>
-                <a:cs typeface="Times New Roman" panose="02020603050405020304" pitchFamily="18" charset="0"/>
-              </a:rPr>
-              <a:t>BD Estruturado (Excel) / BD Não estruturado (Twitter)</a:t>
-            </a:r>
-            <a:endParaRPr lang="en-US" altLang="pt-BR" sz="2400" dirty="0">
-              <a:solidFill>
-                <a:schemeClr val="tx1"/>
-              </a:solidFill>
-              <a:latin typeface="Times New Roman" panose="02020603050405020304" pitchFamily="18" charset="0"/>
-              <a:cs typeface="Times New Roman" panose="02020603050405020304" pitchFamily="18" charset="0"/>
-            </a:endParaRPr>
-          </a:p>
-          <a:p>
-            <a:pPr algn="just" eaLnBrk="0" hangingPunct="0">
-              <a:buFont typeface="Wingdings" panose="05000000000000000000" pitchFamily="2" charset="2"/>
-              <a:buChar char="ü"/>
-            </a:pPr>
-            <a:r>
-              <a:rPr lang="en-US" altLang="pt-BR" sz="2400" dirty="0" err="1">
-                <a:solidFill>
-                  <a:schemeClr val="tx1"/>
-                </a:solidFill>
-                <a:latin typeface="Times New Roman" panose="02020603050405020304" pitchFamily="18" charset="0"/>
-                <a:cs typeface="Times New Roman" panose="02020603050405020304" pitchFamily="18" charset="0"/>
-              </a:rPr>
-              <a:t>Desenvolvimento</a:t>
-            </a:r>
-            <a:r>
-              <a:rPr lang="en-US" altLang="pt-BR" sz="2400" dirty="0">
-                <a:solidFill>
-                  <a:schemeClr val="tx1"/>
-                </a:solidFill>
-                <a:latin typeface="Times New Roman" panose="02020603050405020304" pitchFamily="18" charset="0"/>
-                <a:cs typeface="Times New Roman" panose="02020603050405020304" pitchFamily="18" charset="0"/>
-              </a:rPr>
-              <a:t> Web / </a:t>
-            </a:r>
-            <a:r>
-              <a:rPr lang="en-US" altLang="pt-BR" sz="2400" dirty="0" err="1">
-                <a:solidFill>
-                  <a:schemeClr val="tx1"/>
-                </a:solidFill>
-                <a:latin typeface="Times New Roman" panose="02020603050405020304" pitchFamily="18" charset="0"/>
-                <a:cs typeface="Times New Roman" panose="02020603050405020304" pitchFamily="18" charset="0"/>
-              </a:rPr>
-              <a:t>Computação</a:t>
-            </a:r>
-            <a:r>
-              <a:rPr lang="en-US" altLang="pt-BR" sz="2400" dirty="0">
-                <a:solidFill>
-                  <a:schemeClr val="tx1"/>
-                </a:solidFill>
-                <a:latin typeface="Times New Roman" panose="02020603050405020304" pitchFamily="18" charset="0"/>
-                <a:cs typeface="Times New Roman" panose="02020603050405020304" pitchFamily="18" charset="0"/>
-              </a:rPr>
-              <a:t> </a:t>
-            </a:r>
-            <a:r>
-              <a:rPr lang="en-US" altLang="pt-BR" sz="2400" dirty="0" err="1">
-                <a:solidFill>
-                  <a:schemeClr val="tx1"/>
-                </a:solidFill>
-                <a:latin typeface="Times New Roman" panose="02020603050405020304" pitchFamily="18" charset="0"/>
-                <a:cs typeface="Times New Roman" panose="02020603050405020304" pitchFamily="18" charset="0"/>
-              </a:rPr>
-              <a:t>Gráfica</a:t>
-            </a:r>
-            <a:r>
-              <a:rPr lang="en-US" altLang="pt-BR" sz="2400" dirty="0">
-                <a:solidFill>
-                  <a:schemeClr val="tx1"/>
-                </a:solidFill>
-                <a:latin typeface="Times New Roman" panose="02020603050405020304" pitchFamily="18" charset="0"/>
-                <a:cs typeface="Times New Roman" panose="02020603050405020304" pitchFamily="18" charset="0"/>
-              </a:rPr>
-              <a:t> / Games</a:t>
-            </a:r>
-          </a:p>
-          <a:p>
-            <a:pPr algn="just" eaLnBrk="0" hangingPunct="0">
-              <a:buFont typeface="Wingdings" panose="05000000000000000000" pitchFamily="2" charset="2"/>
-              <a:buChar char="ü"/>
-            </a:pPr>
-            <a:r>
-              <a:rPr lang="en-US" altLang="pt-BR" sz="2400" dirty="0">
-                <a:solidFill>
-                  <a:srgbClr val="0070C0"/>
-                </a:solidFill>
-                <a:latin typeface="Times New Roman" panose="02020603050405020304" pitchFamily="18" charset="0"/>
-                <a:cs typeface="Times New Roman" panose="02020603050405020304" pitchFamily="18" charset="0"/>
-              </a:rPr>
-              <a:t>IOT</a:t>
-            </a:r>
-          </a:p>
-          <a:p>
-            <a:pPr algn="just" eaLnBrk="0" hangingPunct="0">
-              <a:buFont typeface="Wingdings" panose="05000000000000000000" pitchFamily="2" charset="2"/>
-              <a:buChar char="ü"/>
-            </a:pPr>
-            <a:r>
-              <a:rPr lang="en-US" altLang="pt-BR" sz="2400" dirty="0" err="1">
-                <a:solidFill>
-                  <a:srgbClr val="0070C0"/>
-                </a:solidFill>
-                <a:latin typeface="Times New Roman" panose="02020603050405020304" pitchFamily="18" charset="0"/>
-                <a:cs typeface="Times New Roman" panose="02020603050405020304" pitchFamily="18" charset="0"/>
-              </a:rPr>
-              <a:t>Robótica</a:t>
-            </a:r>
-            <a:r>
-              <a:rPr lang="en-US" altLang="pt-BR" sz="2400" dirty="0">
-                <a:solidFill>
-                  <a:srgbClr val="0070C0"/>
-                </a:solidFill>
-                <a:latin typeface="Times New Roman" panose="02020603050405020304" pitchFamily="18" charset="0"/>
-                <a:cs typeface="Times New Roman" panose="02020603050405020304" pitchFamily="18" charset="0"/>
-              </a:rPr>
-              <a:t> </a:t>
-            </a:r>
-            <a:r>
-              <a:rPr lang="en-US" altLang="pt-BR" sz="2400" dirty="0" err="1">
-                <a:solidFill>
-                  <a:srgbClr val="0070C0"/>
-                </a:solidFill>
-                <a:latin typeface="Times New Roman" panose="02020603050405020304" pitchFamily="18" charset="0"/>
-                <a:cs typeface="Times New Roman" panose="02020603050405020304" pitchFamily="18" charset="0"/>
-              </a:rPr>
-              <a:t>Avançada</a:t>
-            </a:r>
-            <a:endParaRPr lang="en-US" altLang="pt-BR" sz="2400" dirty="0">
-              <a:solidFill>
-                <a:srgbClr val="0070C0"/>
-              </a:solidFill>
-              <a:latin typeface="Times New Roman" panose="02020603050405020304" pitchFamily="18" charset="0"/>
-              <a:cs typeface="Times New Roman" panose="02020603050405020304" pitchFamily="18" charset="0"/>
-            </a:endParaRPr>
+              <a:t> é um dispositivo que incorpora as funções de uma CPU em um único CI (ou alguns).  Em síntese, uma CPU tem como características:</a:t>
+            </a:r>
           </a:p>
           <a:p>
             <a:pPr marL="0" indent="0" algn="just" eaLnBrk="0" hangingPunct="0">
@@ -10107,28 +12308,84 @@
             </a:endParaRPr>
           </a:p>
           <a:p>
-            <a:pPr marL="0" indent="0" algn="just" eaLnBrk="0" hangingPunct="0">
-              <a:buNone/>
+            <a:pPr algn="just" eaLnBrk="0" hangingPunct="0">
+              <a:buFont typeface="Wingdings" panose="05000000000000000000" pitchFamily="2" charset="2"/>
+              <a:buChar char="ü"/>
             </a:pPr>
-            <a:endParaRPr lang="pt-BR" altLang="pt-BR" sz="2400" dirty="0">
-              <a:solidFill>
-                <a:schemeClr val="tx1"/>
-              </a:solidFill>
-              <a:latin typeface="Times New Roman" panose="02020603050405020304" pitchFamily="18" charset="0"/>
-              <a:cs typeface="Times New Roman" panose="02020603050405020304" pitchFamily="18" charset="0"/>
-            </a:endParaRPr>
-          </a:p>
-          <a:p>
-            <a:pPr marL="0" indent="0" algn="just" eaLnBrk="0" hangingPunct="0">
-              <a:buNone/>
+            <a:r>
+              <a:rPr lang="pt-BR" altLang="pt-BR" sz="2200" dirty="0">
+                <a:solidFill>
+                  <a:schemeClr val="tx1"/>
+                </a:solidFill>
+                <a:latin typeface="Times New Roman" panose="02020603050405020304" pitchFamily="18" charset="0"/>
+                <a:cs typeface="Times New Roman" panose="02020603050405020304" pitchFamily="18" charset="0"/>
+              </a:rPr>
+              <a:t>Baseado em registradores internos</a:t>
+            </a:r>
+          </a:p>
+          <a:p>
+            <a:pPr algn="just" eaLnBrk="0" hangingPunct="0">
+              <a:buFont typeface="Wingdings" panose="05000000000000000000" pitchFamily="2" charset="2"/>
+              <a:buChar char="ü"/>
             </a:pPr>
-            <a:endParaRPr lang="pt-BR" altLang="pt-BR" sz="2400" dirty="0">
-              <a:solidFill>
-                <a:schemeClr val="tx1"/>
-              </a:solidFill>
-              <a:latin typeface="Times New Roman" panose="02020603050405020304" pitchFamily="18" charset="0"/>
-              <a:cs typeface="Times New Roman" panose="02020603050405020304" pitchFamily="18" charset="0"/>
-            </a:endParaRPr>
+            <a:r>
+              <a:rPr lang="pt-BR" altLang="pt-BR" sz="2200" dirty="0">
+                <a:solidFill>
+                  <a:schemeClr val="tx1"/>
+                </a:solidFill>
+                <a:latin typeface="Times New Roman" panose="02020603050405020304" pitchFamily="18" charset="0"/>
+                <a:cs typeface="Times New Roman" panose="02020603050405020304" pitchFamily="18" charset="0"/>
+              </a:rPr>
+              <a:t>Dados binários como entrada</a:t>
+            </a:r>
+          </a:p>
+          <a:p>
+            <a:pPr algn="just" eaLnBrk="0" hangingPunct="0">
+              <a:buFont typeface="Wingdings" panose="05000000000000000000" pitchFamily="2" charset="2"/>
+              <a:buChar char="ü"/>
+            </a:pPr>
+            <a:r>
+              <a:rPr lang="pt-BR" altLang="pt-BR" sz="2200" dirty="0">
+                <a:solidFill>
+                  <a:schemeClr val="tx1"/>
+                </a:solidFill>
+                <a:latin typeface="Times New Roman" panose="02020603050405020304" pitchFamily="18" charset="0"/>
+                <a:cs typeface="Times New Roman" panose="02020603050405020304" pitchFamily="18" charset="0"/>
+              </a:rPr>
+              <a:t>Processa-os de acordo com um conjunto de instruções</a:t>
+            </a:r>
+          </a:p>
+          <a:p>
+            <a:pPr algn="just" eaLnBrk="0" hangingPunct="0">
+              <a:buFont typeface="Wingdings" panose="05000000000000000000" pitchFamily="2" charset="2"/>
+              <a:buChar char="ü"/>
+            </a:pPr>
+            <a:r>
+              <a:rPr lang="pt-BR" altLang="pt-BR" sz="2200" dirty="0">
+                <a:solidFill>
+                  <a:schemeClr val="tx1"/>
+                </a:solidFill>
+                <a:latin typeface="Times New Roman" panose="02020603050405020304" pitchFamily="18" charset="0"/>
+                <a:cs typeface="Times New Roman" panose="02020603050405020304" pitchFamily="18" charset="0"/>
+              </a:rPr>
+              <a:t>Armazena as instruções na memoria</a:t>
+            </a:r>
+          </a:p>
+          <a:p>
+            <a:pPr algn="just" eaLnBrk="0" hangingPunct="0">
+              <a:buFont typeface="Wingdings" panose="05000000000000000000" pitchFamily="2" charset="2"/>
+              <a:buChar char="ü"/>
+            </a:pPr>
+            <a:r>
+              <a:rPr lang="pt-BR" altLang="pt-BR" sz="2200" dirty="0">
+                <a:solidFill>
+                  <a:schemeClr val="tx1"/>
+                </a:solidFill>
+                <a:latin typeface="Times New Roman" panose="02020603050405020304" pitchFamily="18" charset="0"/>
+                <a:cs typeface="Times New Roman" panose="02020603050405020304" pitchFamily="18" charset="0"/>
+              </a:rPr>
+              <a:t>Fornece uma saída</a:t>
+            </a:r>
           </a:p>
         </p:txBody>
       </p:sp>
@@ -10292,7 +12549,7 @@
         </p:nvSpPr>
         <p:spPr>
           <a:xfrm>
-            <a:off x="142865" y="1104186"/>
+            <a:off x="142865" y="1116378"/>
             <a:ext cx="8865056" cy="3957406"/>
           </a:xfrm>
         </p:spPr>
@@ -10306,38 +12563,25 @@
               <a:buNone/>
             </a:pPr>
             <a:r>
+              <a:rPr lang="pt-BR" altLang="pt-BR" sz="2400" dirty="0">
+                <a:solidFill>
+                  <a:schemeClr val="tx1"/>
+                </a:solidFill>
+                <a:latin typeface="Times New Roman" panose="02020603050405020304" pitchFamily="18" charset="0"/>
+                <a:cs typeface="Times New Roman" panose="02020603050405020304" pitchFamily="18" charset="0"/>
+              </a:rPr>
+              <a:t>Ao comparar os </a:t>
+            </a:r>
+            <a:r>
               <a:rPr lang="pt-BR" altLang="pt-BR" sz="2400" b="1" dirty="0">
                 <a:solidFill>
-                  <a:schemeClr val="tx1"/>
-                </a:solidFill>
-                <a:latin typeface="Times New Roman" panose="02020603050405020304" pitchFamily="18" charset="0"/>
-                <a:cs typeface="Times New Roman" panose="02020603050405020304" pitchFamily="18" charset="0"/>
-              </a:rPr>
-              <a:t>								</a:t>
-            </a:r>
-            <a:r>
-              <a:rPr lang="pt-BR" altLang="pt-BR" sz="2400" b="1" dirty="0">
-                <a:solidFill>
                   <a:srgbClr val="0070C0"/>
                 </a:solidFill>
                 <a:latin typeface="Times New Roman" panose="02020603050405020304" pitchFamily="18" charset="0"/>
                 <a:cs typeface="Times New Roman" panose="02020603050405020304" pitchFamily="18" charset="0"/>
               </a:rPr>
-              <a:t>Empresas</a:t>
-            </a:r>
-            <a:endParaRPr lang="pt-BR" altLang="pt-BR" sz="2400" dirty="0">
-              <a:solidFill>
-                <a:schemeClr val="tx1"/>
-              </a:solidFill>
-              <a:latin typeface="Times New Roman" panose="02020603050405020304" pitchFamily="18" charset="0"/>
-              <a:cs typeface="Times New Roman" panose="02020603050405020304" pitchFamily="18" charset="0"/>
-            </a:endParaRPr>
-          </a:p>
-          <a:p>
-            <a:pPr algn="just" eaLnBrk="0" hangingPunct="0">
-              <a:buFont typeface="Wingdings" panose="05000000000000000000" pitchFamily="2" charset="2"/>
-              <a:buChar char="ü"/>
-            </a:pPr>
+              <a:t>microprocessadores</a:t>
+            </a:r>
             <a:r>
               <a:rPr lang="pt-BR" altLang="pt-BR" sz="2400" dirty="0">
                 <a:solidFill>
@@ -10346,112 +12590,8 @@
                 <a:latin typeface="Times New Roman" panose="02020603050405020304" pitchFamily="18" charset="0"/>
                 <a:cs typeface="Times New Roman" panose="02020603050405020304" pitchFamily="18" charset="0"/>
               </a:rPr>
-              <a:t>Google</a:t>
-            </a:r>
-          </a:p>
-          <a:p>
-            <a:pPr algn="just" eaLnBrk="0" hangingPunct="0">
-              <a:buFont typeface="Wingdings" panose="05000000000000000000" pitchFamily="2" charset="2"/>
-              <a:buChar char="ü"/>
-            </a:pPr>
-            <a:r>
-              <a:rPr lang="pt-BR" altLang="pt-BR" sz="2400" dirty="0">
-                <a:solidFill>
-                  <a:schemeClr val="tx1"/>
-                </a:solidFill>
-                <a:latin typeface="Times New Roman" panose="02020603050405020304" pitchFamily="18" charset="0"/>
-                <a:cs typeface="Times New Roman" panose="02020603050405020304" pitchFamily="18" charset="0"/>
-              </a:rPr>
-              <a:t>Dropbox</a:t>
-            </a:r>
-          </a:p>
-          <a:p>
-            <a:pPr algn="just" eaLnBrk="0" hangingPunct="0">
-              <a:buFont typeface="Wingdings" panose="05000000000000000000" pitchFamily="2" charset="2"/>
-              <a:buChar char="ü"/>
-            </a:pPr>
-            <a:r>
-              <a:rPr lang="pt-BR" altLang="pt-BR" sz="2400" dirty="0">
-                <a:solidFill>
-                  <a:schemeClr val="tx1"/>
-                </a:solidFill>
-                <a:latin typeface="Times New Roman" panose="02020603050405020304" pitchFamily="18" charset="0"/>
-                <a:cs typeface="Times New Roman" panose="02020603050405020304" pitchFamily="18" charset="0"/>
-              </a:rPr>
-              <a:t>Youtube</a:t>
-            </a:r>
-          </a:p>
-          <a:p>
-            <a:pPr algn="just" eaLnBrk="0" hangingPunct="0">
-              <a:buFont typeface="Wingdings" panose="05000000000000000000" pitchFamily="2" charset="2"/>
-              <a:buChar char="ü"/>
-            </a:pPr>
-            <a:r>
-              <a:rPr lang="pt-BR" altLang="pt-BR" sz="2400" dirty="0">
-                <a:solidFill>
-                  <a:schemeClr val="tx1"/>
-                </a:solidFill>
-                <a:latin typeface="Times New Roman" panose="02020603050405020304" pitchFamily="18" charset="0"/>
-                <a:cs typeface="Times New Roman" panose="02020603050405020304" pitchFamily="18" charset="0"/>
-              </a:rPr>
-              <a:t>Instagram</a:t>
-            </a:r>
-          </a:p>
-          <a:p>
-            <a:pPr algn="just" eaLnBrk="0" hangingPunct="0">
-              <a:buFont typeface="Wingdings" panose="05000000000000000000" pitchFamily="2" charset="2"/>
-              <a:buChar char="ü"/>
-            </a:pPr>
-            <a:r>
-              <a:rPr lang="pt-BR" altLang="pt-BR" sz="2400" dirty="0" err="1">
-                <a:solidFill>
-                  <a:schemeClr val="tx1"/>
-                </a:solidFill>
-                <a:latin typeface="Times New Roman" panose="02020603050405020304" pitchFamily="18" charset="0"/>
-                <a:cs typeface="Times New Roman" panose="02020603050405020304" pitchFamily="18" charset="0"/>
-              </a:rPr>
-              <a:t>Spotify</a:t>
-            </a:r>
-            <a:endParaRPr lang="pt-BR" altLang="pt-BR" sz="2400" dirty="0">
-              <a:solidFill>
-                <a:schemeClr val="tx1"/>
-              </a:solidFill>
-              <a:latin typeface="Times New Roman" panose="02020603050405020304" pitchFamily="18" charset="0"/>
-              <a:cs typeface="Times New Roman" panose="02020603050405020304" pitchFamily="18" charset="0"/>
-            </a:endParaRPr>
-          </a:p>
-          <a:p>
-            <a:pPr algn="just" eaLnBrk="0" hangingPunct="0">
-              <a:buFont typeface="Wingdings" panose="05000000000000000000" pitchFamily="2" charset="2"/>
-              <a:buChar char="ü"/>
-            </a:pPr>
-            <a:r>
-              <a:rPr lang="pt-BR" altLang="pt-BR" sz="2400" dirty="0">
-                <a:solidFill>
-                  <a:schemeClr val="tx1"/>
-                </a:solidFill>
-                <a:latin typeface="Times New Roman" panose="02020603050405020304" pitchFamily="18" charset="0"/>
-                <a:cs typeface="Times New Roman" panose="02020603050405020304" pitchFamily="18" charset="0"/>
-              </a:rPr>
-              <a:t>Empresa Industrial Light &amp; Magic - Computação Gráfica para produção de filmes, tais como: Jurassic Park, Harry Potter, Os Vingadores, </a:t>
-            </a:r>
-            <a:r>
-              <a:rPr lang="pt-BR" altLang="pt-BR" sz="2400" dirty="0" err="1">
-                <a:solidFill>
-                  <a:schemeClr val="tx1"/>
-                </a:solidFill>
-                <a:latin typeface="Times New Roman" panose="02020603050405020304" pitchFamily="18" charset="0"/>
-                <a:cs typeface="Times New Roman" panose="02020603050405020304" pitchFamily="18" charset="0"/>
-              </a:rPr>
-              <a:t>etc</a:t>
-            </a:r>
-            <a:endParaRPr lang="pt-BR" altLang="pt-BR" sz="2400" dirty="0">
-              <a:solidFill>
-                <a:schemeClr val="tx1"/>
-              </a:solidFill>
-              <a:latin typeface="Times New Roman" panose="02020603050405020304" pitchFamily="18" charset="0"/>
-              <a:cs typeface="Times New Roman" panose="02020603050405020304" pitchFamily="18" charset="0"/>
-            </a:endParaRPr>
+              <a:t> em laptops, considera-se:</a:t>
+            </a:r>
           </a:p>
           <a:p>
             <a:pPr marL="0" indent="0" algn="just" eaLnBrk="0" hangingPunct="0">
@@ -10464,6 +12604,1301 @@
               <a:latin typeface="Times New Roman" panose="02020603050405020304" pitchFamily="18" charset="0"/>
               <a:cs typeface="Times New Roman" panose="02020603050405020304" pitchFamily="18" charset="0"/>
             </a:endParaRPr>
+          </a:p>
+          <a:p>
+            <a:pPr algn="just" eaLnBrk="0" hangingPunct="0">
+              <a:buFont typeface="Wingdings" panose="05000000000000000000" pitchFamily="2" charset="2"/>
+              <a:buChar char="ü"/>
+            </a:pPr>
+            <a:r>
+              <a:rPr lang="pt-BR" altLang="pt-BR" sz="2400" dirty="0">
+                <a:solidFill>
+                  <a:schemeClr val="tx1"/>
+                </a:solidFill>
+                <a:latin typeface="Times New Roman" panose="02020603050405020304" pitchFamily="18" charset="0"/>
+                <a:cs typeface="Times New Roman" panose="02020603050405020304" pitchFamily="18" charset="0"/>
+              </a:rPr>
+              <a:t>Número de núcleos; Velocidade do </a:t>
+            </a:r>
+            <a:r>
+              <a:rPr lang="pt-BR" altLang="pt-BR" sz="2400" dirty="0" err="1">
+                <a:solidFill>
+                  <a:schemeClr val="tx1"/>
+                </a:solidFill>
+                <a:latin typeface="Times New Roman" panose="02020603050405020304" pitchFamily="18" charset="0"/>
+                <a:cs typeface="Times New Roman" panose="02020603050405020304" pitchFamily="18" charset="0"/>
+              </a:rPr>
+              <a:t>clock</a:t>
+            </a:r>
+            <a:r>
+              <a:rPr lang="pt-BR" altLang="pt-BR" sz="2400" dirty="0">
+                <a:solidFill>
+                  <a:schemeClr val="tx1"/>
+                </a:solidFill>
+                <a:latin typeface="Times New Roman" panose="02020603050405020304" pitchFamily="18" charset="0"/>
+                <a:cs typeface="Times New Roman" panose="02020603050405020304" pitchFamily="18" charset="0"/>
+              </a:rPr>
+              <a:t>;</a:t>
+            </a:r>
+          </a:p>
+          <a:p>
+            <a:pPr algn="just" eaLnBrk="0" hangingPunct="0">
+              <a:buFont typeface="Wingdings" panose="05000000000000000000" pitchFamily="2" charset="2"/>
+              <a:buChar char="ü"/>
+            </a:pPr>
+            <a:r>
+              <a:rPr lang="pt-BR" altLang="pt-BR" sz="2400" dirty="0">
+                <a:solidFill>
+                  <a:schemeClr val="tx1"/>
+                </a:solidFill>
+                <a:latin typeface="Times New Roman" panose="02020603050405020304" pitchFamily="18" charset="0"/>
+                <a:cs typeface="Times New Roman" panose="02020603050405020304" pitchFamily="18" charset="0"/>
+              </a:rPr>
+              <a:t>Tamanho do cache (como RAM, memória armazenada na CPU, por isso é mais rápido) ;</a:t>
+            </a:r>
+          </a:p>
+          <a:p>
+            <a:pPr algn="just" eaLnBrk="0" hangingPunct="0">
+              <a:buFont typeface="Wingdings" panose="05000000000000000000" pitchFamily="2" charset="2"/>
+              <a:buChar char="ü"/>
+            </a:pPr>
+            <a:r>
+              <a:rPr lang="pt-BR" altLang="pt-BR" sz="2400" dirty="0" err="1">
+                <a:solidFill>
+                  <a:schemeClr val="tx1"/>
+                </a:solidFill>
+                <a:latin typeface="Times New Roman" panose="02020603050405020304" pitchFamily="18" charset="0"/>
+                <a:cs typeface="Times New Roman" panose="02020603050405020304" pitchFamily="18" charset="0"/>
+              </a:rPr>
+              <a:t>hyperthreading</a:t>
+            </a:r>
+            <a:r>
+              <a:rPr lang="pt-BR" altLang="pt-BR" sz="2400" dirty="0">
+                <a:solidFill>
+                  <a:schemeClr val="tx1"/>
+                </a:solidFill>
+                <a:latin typeface="Times New Roman" panose="02020603050405020304" pitchFamily="18" charset="0"/>
+                <a:cs typeface="Times New Roman" panose="02020603050405020304" pitchFamily="18" charset="0"/>
+              </a:rPr>
+              <a:t> (executando vários threads simultaneamente)</a:t>
+            </a:r>
+          </a:p>
+        </p:txBody>
+      </p:sp>
+      <p:cxnSp>
+        <p:nvCxnSpPr>
+          <p:cNvPr id="4" name="Conector reto 3">
+            <a:extLst>
+              <a:ext uri="{FF2B5EF4-FFF2-40B4-BE49-F238E27FC236}">
+                <a16:creationId xmlns:a16="http://schemas.microsoft.com/office/drawing/2014/main" id="{53C1D5BE-B08D-43BA-9100-4319F7669DAD}"/>
+              </a:ext>
+            </a:extLst>
+          </p:cNvPr>
+          <p:cNvCxnSpPr>
+            <a:cxnSpLocks/>
+          </p:cNvCxnSpPr>
+          <p:nvPr/>
+        </p:nvCxnSpPr>
+        <p:spPr>
+          <a:xfrm flipV="1">
+            <a:off x="310728" y="902136"/>
+            <a:ext cx="8699160" cy="40954"/>
+          </a:xfrm>
+          <a:prstGeom prst="line">
+            <a:avLst/>
+          </a:prstGeom>
+          <a:ln w="38100">
+            <a:headEnd type="none" w="med" len="med"/>
+            <a:tailEnd type="none" w="med" len="med"/>
+          </a:ln>
+          <a:scene3d>
+            <a:camera prst="orthographicFront"/>
+            <a:lightRig rig="threePt" dir="t"/>
+          </a:scene3d>
+          <a:sp3d>
+            <a:bevelT prst="convex"/>
+          </a:sp3d>
+        </p:spPr>
+        <p:style>
+          <a:lnRef idx="3">
+            <a:schemeClr val="accent1"/>
+          </a:lnRef>
+          <a:fillRef idx="0">
+            <a:schemeClr val="accent1"/>
+          </a:fillRef>
+          <a:effectRef idx="2">
+            <a:schemeClr val="accent1"/>
+          </a:effectRef>
+          <a:fontRef idx="minor">
+            <a:schemeClr val="tx1"/>
+          </a:fontRef>
+        </p:style>
+      </p:cxnSp>
+    </p:spTree>
+    <p:extLst>
+      <p:ext uri="{BB962C8B-B14F-4D97-AF65-F5344CB8AC3E}">
+        <p14:creationId xmlns:p14="http://schemas.microsoft.com/office/powerpoint/2010/main" val="3574657730"/>
+      </p:ext>
+    </p:extLst>
+  </p:cSld>
+  <p:clrMapOvr>
+    <a:masterClrMapping/>
+  </p:clrMapOvr>
+  <p:transition spd="med"/>
+</p:sld>
+</file>
+
+<file path=ppt/slides/slide7.xml><?xml version="1.0" encoding="utf-8"?>
+<p:sld xmlns:a="http://schemas.openxmlformats.org/drawingml/2006/main" xmlns:r="http://schemas.openxmlformats.org/officeDocument/2006/relationships" xmlns:p="http://schemas.openxmlformats.org/presentationml/2006/main">
+  <p:cSld>
+    <p:spTree>
+      <p:nvGrpSpPr>
+        <p:cNvPr id="1" name=""/>
+        <p:cNvGrpSpPr/>
+        <p:nvPr/>
+      </p:nvGrpSpPr>
+      <p:grpSpPr>
+        <a:xfrm>
+          <a:off x="0" y="0"/>
+          <a:ext cx="0" cy="0"/>
+          <a:chOff x="0" y="0"/>
+          <a:chExt cx="0" cy="0"/>
+        </a:xfrm>
+      </p:grpSpPr>
+      <p:sp>
+        <p:nvSpPr>
+          <p:cNvPr id="6" name="Title 1"/>
+          <p:cNvSpPr>
+            <a:spLocks noGrp="1"/>
+          </p:cNvSpPr>
+          <p:nvPr>
+            <p:ph type="title"/>
+          </p:nvPr>
+        </p:nvSpPr>
+        <p:spPr>
+          <a:xfrm>
+            <a:off x="457200" y="205980"/>
+            <a:ext cx="8229600" cy="857251"/>
+          </a:xfrm>
+        </p:spPr>
+        <p:txBody>
+          <a:bodyPr/>
+          <a:lstStyle/>
+          <a:p>
+            <a:r>
+              <a:rPr lang="en-US" b="1" dirty="0" err="1">
+                <a:solidFill>
+                  <a:srgbClr val="0070C0"/>
+                </a:solidFill>
+              </a:rPr>
+              <a:t>Visão</a:t>
+            </a:r>
+            <a:r>
+              <a:rPr lang="en-US" b="1" dirty="0">
+                <a:solidFill>
+                  <a:srgbClr val="0070C0"/>
+                </a:solidFill>
+              </a:rPr>
+              <a:t> </a:t>
+            </a:r>
+            <a:r>
+              <a:rPr lang="en-US" b="1" dirty="0" err="1">
+                <a:solidFill>
+                  <a:srgbClr val="0070C0"/>
+                </a:solidFill>
+              </a:rPr>
+              <a:t>Geral</a:t>
+            </a:r>
+            <a:r>
+              <a:rPr lang="en-US" b="1" dirty="0">
+                <a:solidFill>
+                  <a:srgbClr val="0070C0"/>
+                </a:solidFill>
+              </a:rPr>
+              <a:t> da </a:t>
+            </a:r>
+            <a:r>
+              <a:rPr lang="en-US" b="1" dirty="0" err="1">
+                <a:solidFill>
+                  <a:srgbClr val="0070C0"/>
+                </a:solidFill>
+              </a:rPr>
+              <a:t>Disciplina</a:t>
+            </a:r>
+            <a:endParaRPr lang="en-US" b="1" dirty="0">
+              <a:solidFill>
+                <a:srgbClr val="0070C0"/>
+              </a:solidFill>
+            </a:endParaRPr>
+          </a:p>
+        </p:txBody>
+      </p:sp>
+      <p:sp>
+        <p:nvSpPr>
+          <p:cNvPr id="8" name="Text Placeholder 2"/>
+          <p:cNvSpPr>
+            <a:spLocks noGrp="1"/>
+          </p:cNvSpPr>
+          <p:nvPr>
+            <p:ph type="body" sz="half" idx="1"/>
+          </p:nvPr>
+        </p:nvSpPr>
+        <p:spPr>
+          <a:xfrm>
+            <a:off x="142865" y="1104186"/>
+            <a:ext cx="8865056" cy="3957406"/>
+          </a:xfrm>
+        </p:spPr>
+        <p:txBody>
+          <a:bodyPr>
+            <a:noAutofit/>
+          </a:bodyPr>
+          <a:lstStyle/>
+          <a:p>
+            <a:pPr marL="0" indent="0" algn="just" eaLnBrk="0" hangingPunct="0">
+              <a:buNone/>
+            </a:pPr>
+            <a:r>
+              <a:rPr lang="pt-BR" altLang="pt-BR" sz="2400" b="1" dirty="0">
+                <a:solidFill>
+                  <a:schemeClr val="tx1"/>
+                </a:solidFill>
+                <a:latin typeface="Times New Roman" panose="02020603050405020304" pitchFamily="18" charset="0"/>
+                <a:cs typeface="Times New Roman" panose="02020603050405020304" pitchFamily="18" charset="0"/>
+              </a:rPr>
+              <a:t>		</a:t>
+            </a:r>
+            <a:r>
+              <a:rPr lang="pt-BR" altLang="pt-BR" sz="2400" b="1" dirty="0">
+                <a:solidFill>
+                  <a:srgbClr val="0070C0"/>
+                </a:solidFill>
+                <a:latin typeface="Times New Roman" panose="02020603050405020304" pitchFamily="18" charset="0"/>
+                <a:cs typeface="Times New Roman" panose="02020603050405020304" pitchFamily="18" charset="0"/>
+              </a:rPr>
+              <a:t>Microcontrolador</a:t>
+            </a:r>
+            <a:endParaRPr lang="pt-BR" altLang="pt-BR" sz="2400" dirty="0">
+              <a:solidFill>
+                <a:schemeClr val="tx1"/>
+              </a:solidFill>
+              <a:latin typeface="Times New Roman" panose="02020603050405020304" pitchFamily="18" charset="0"/>
+              <a:cs typeface="Times New Roman" panose="02020603050405020304" pitchFamily="18" charset="0"/>
+            </a:endParaRPr>
+          </a:p>
+          <a:p>
+            <a:pPr marL="0" indent="0" algn="just" eaLnBrk="0" hangingPunct="0">
+              <a:buNone/>
+            </a:pPr>
+            <a:endParaRPr lang="en-US" altLang="pt-BR" sz="2400" dirty="0">
+              <a:solidFill>
+                <a:srgbClr val="0070C0"/>
+              </a:solidFill>
+              <a:latin typeface="Times New Roman" panose="02020603050405020304" pitchFamily="18" charset="0"/>
+              <a:cs typeface="Times New Roman" panose="02020603050405020304" pitchFamily="18" charset="0"/>
+            </a:endParaRPr>
+          </a:p>
+          <a:p>
+            <a:pPr marL="0" indent="0" algn="just" eaLnBrk="0" hangingPunct="0">
+              <a:buNone/>
+            </a:pPr>
+            <a:r>
+              <a:rPr lang="pt-BR" altLang="pt-BR" sz="2400" dirty="0">
+                <a:solidFill>
+                  <a:schemeClr val="tx1"/>
+                </a:solidFill>
+                <a:latin typeface="Times New Roman" panose="02020603050405020304" pitchFamily="18" charset="0"/>
+                <a:cs typeface="Times New Roman" panose="02020603050405020304" pitchFamily="18" charset="0"/>
+              </a:rPr>
+              <a:t>É um pequeno computador (</a:t>
+            </a:r>
+            <a:r>
+              <a:rPr lang="pt-BR" altLang="pt-BR" sz="2400" b="1" dirty="0" err="1">
+                <a:solidFill>
+                  <a:schemeClr val="tx1"/>
+                </a:solidFill>
+                <a:latin typeface="Times New Roman" panose="02020603050405020304" pitchFamily="18" charset="0"/>
+                <a:cs typeface="Times New Roman" panose="02020603050405020304" pitchFamily="18" charset="0"/>
+              </a:rPr>
+              <a:t>SoC</a:t>
+            </a:r>
+            <a:r>
+              <a:rPr lang="pt-BR" altLang="pt-BR" sz="2400" dirty="0">
+                <a:solidFill>
+                  <a:schemeClr val="tx1"/>
+                </a:solidFill>
+                <a:latin typeface="Times New Roman" panose="02020603050405020304" pitchFamily="18" charset="0"/>
+                <a:cs typeface="Times New Roman" panose="02020603050405020304" pitchFamily="18" charset="0"/>
+              </a:rPr>
+              <a:t> – </a:t>
+            </a:r>
+            <a:r>
+              <a:rPr lang="pt-BR" altLang="pt-BR" sz="2400" b="1" dirty="0">
+                <a:solidFill>
+                  <a:srgbClr val="FF0000"/>
+                </a:solidFill>
+                <a:latin typeface="Times New Roman" panose="02020603050405020304" pitchFamily="18" charset="0"/>
+                <a:cs typeface="Times New Roman" panose="02020603050405020304" pitchFamily="18" charset="0"/>
+              </a:rPr>
+              <a:t>System-</a:t>
+            </a:r>
+            <a:r>
+              <a:rPr lang="pt-BR" altLang="pt-BR" sz="2400" b="1" dirty="0" err="1">
+                <a:solidFill>
+                  <a:srgbClr val="FF0000"/>
+                </a:solidFill>
+                <a:latin typeface="Times New Roman" panose="02020603050405020304" pitchFamily="18" charset="0"/>
+                <a:cs typeface="Times New Roman" panose="02020603050405020304" pitchFamily="18" charset="0"/>
+              </a:rPr>
+              <a:t>on</a:t>
+            </a:r>
+            <a:r>
+              <a:rPr lang="pt-BR" altLang="pt-BR" sz="2400" b="1" dirty="0">
+                <a:solidFill>
+                  <a:srgbClr val="FF0000"/>
+                </a:solidFill>
+                <a:latin typeface="Times New Roman" panose="02020603050405020304" pitchFamily="18" charset="0"/>
+                <a:cs typeface="Times New Roman" panose="02020603050405020304" pitchFamily="18" charset="0"/>
+              </a:rPr>
+              <a:t>-a-Chip</a:t>
+            </a:r>
+            <a:r>
+              <a:rPr lang="pt-BR" altLang="pt-BR" sz="2400" dirty="0">
+                <a:solidFill>
+                  <a:schemeClr val="tx1"/>
+                </a:solidFill>
+                <a:latin typeface="Times New Roman" panose="02020603050405020304" pitchFamily="18" charset="0"/>
+                <a:cs typeface="Times New Roman" panose="02020603050405020304" pitchFamily="18" charset="0"/>
+              </a:rPr>
+              <a:t>) num único chip (circuito integrado) com capacidade programável. Possui recursos necessários para funcionar sem depender de nenhum outro componente.</a:t>
+            </a:r>
+          </a:p>
+          <a:p>
+            <a:pPr marL="0" indent="0" algn="just" eaLnBrk="0" hangingPunct="0">
+              <a:buNone/>
+            </a:pPr>
+            <a:endParaRPr lang="pt-BR" altLang="pt-BR" sz="2400" dirty="0">
+              <a:solidFill>
+                <a:schemeClr val="tx1"/>
+              </a:solidFill>
+              <a:latin typeface="Times New Roman" panose="02020603050405020304" pitchFamily="18" charset="0"/>
+              <a:cs typeface="Times New Roman" panose="02020603050405020304" pitchFamily="18" charset="0"/>
+            </a:endParaRPr>
+          </a:p>
+          <a:p>
+            <a:pPr marL="0" indent="0" algn="just" eaLnBrk="0" hangingPunct="0">
+              <a:buNone/>
+            </a:pPr>
+            <a:r>
+              <a:rPr lang="pt-BR" altLang="pt-BR" sz="2400" dirty="0">
+                <a:solidFill>
+                  <a:schemeClr val="tx1"/>
+                </a:solidFill>
+                <a:latin typeface="Times New Roman" panose="02020603050405020304" pitchFamily="18" charset="0"/>
+                <a:cs typeface="Times New Roman" panose="02020603050405020304" pitchFamily="18" charset="0"/>
+              </a:rPr>
+              <a:t>Neste chip temos o </a:t>
+            </a:r>
+            <a:r>
+              <a:rPr lang="pt-BR" altLang="pt-BR" sz="2400" b="1" dirty="0">
+                <a:solidFill>
+                  <a:schemeClr val="tx1"/>
+                </a:solidFill>
+                <a:latin typeface="Times New Roman" panose="02020603050405020304" pitchFamily="18" charset="0"/>
+                <a:cs typeface="Times New Roman" panose="02020603050405020304" pitchFamily="18" charset="0"/>
+              </a:rPr>
+              <a:t>core de processador</a:t>
+            </a:r>
+            <a:r>
+              <a:rPr lang="pt-BR" altLang="pt-BR" sz="2400" dirty="0">
+                <a:solidFill>
+                  <a:schemeClr val="tx1"/>
+                </a:solidFill>
+                <a:latin typeface="Times New Roman" panose="02020603050405020304" pitchFamily="18" charset="0"/>
+                <a:cs typeface="Times New Roman" panose="02020603050405020304" pitchFamily="18" charset="0"/>
+              </a:rPr>
+              <a:t>, </a:t>
+            </a:r>
+            <a:r>
+              <a:rPr lang="pt-BR" altLang="pt-BR" sz="2400" b="1" dirty="0">
+                <a:solidFill>
+                  <a:schemeClr val="tx1"/>
+                </a:solidFill>
+                <a:latin typeface="Times New Roman" panose="02020603050405020304" pitchFamily="18" charset="0"/>
+                <a:cs typeface="Times New Roman" panose="02020603050405020304" pitchFamily="18" charset="0"/>
+              </a:rPr>
+              <a:t>memória interna</a:t>
+            </a:r>
+            <a:r>
+              <a:rPr lang="pt-BR" altLang="pt-BR" sz="2400" dirty="0">
+                <a:solidFill>
+                  <a:schemeClr val="tx1"/>
+                </a:solidFill>
+                <a:latin typeface="Times New Roman" panose="02020603050405020304" pitchFamily="18" charset="0"/>
+                <a:cs typeface="Times New Roman" panose="02020603050405020304" pitchFamily="18" charset="0"/>
+              </a:rPr>
+              <a:t> </a:t>
+            </a:r>
+            <a:r>
+              <a:rPr lang="pt-BR" altLang="pt-BR" sz="2400" b="1" dirty="0">
+                <a:solidFill>
+                  <a:schemeClr val="tx1"/>
+                </a:solidFill>
+                <a:latin typeface="Times New Roman" panose="02020603050405020304" pitchFamily="18" charset="0"/>
+                <a:cs typeface="Times New Roman" panose="02020603050405020304" pitchFamily="18" charset="0"/>
+              </a:rPr>
+              <a:t>e</a:t>
+            </a:r>
+            <a:r>
+              <a:rPr lang="pt-BR" altLang="pt-BR" sz="2400" dirty="0">
+                <a:solidFill>
+                  <a:schemeClr val="tx1"/>
+                </a:solidFill>
+                <a:latin typeface="Times New Roman" panose="02020603050405020304" pitchFamily="18" charset="0"/>
+                <a:cs typeface="Times New Roman" panose="02020603050405020304" pitchFamily="18" charset="0"/>
+              </a:rPr>
+              <a:t> </a:t>
+            </a:r>
+            <a:r>
+              <a:rPr lang="pt-BR" altLang="pt-BR" sz="2400" b="1" dirty="0">
+                <a:solidFill>
+                  <a:schemeClr val="tx1"/>
+                </a:solidFill>
+                <a:latin typeface="Times New Roman" panose="02020603050405020304" pitchFamily="18" charset="0"/>
+                <a:cs typeface="Times New Roman" panose="02020603050405020304" pitchFamily="18" charset="0"/>
+              </a:rPr>
+              <a:t>periféricos programáveis de E/S (</a:t>
+            </a:r>
+            <a:r>
+              <a:rPr lang="pt-BR" altLang="pt-BR" sz="2400" dirty="0">
+                <a:solidFill>
+                  <a:schemeClr val="tx1"/>
+                </a:solidFill>
+                <a:latin typeface="Times New Roman" panose="02020603050405020304" pitchFamily="18" charset="0"/>
+                <a:cs typeface="Times New Roman" panose="02020603050405020304" pitchFamily="18" charset="0"/>
+              </a:rPr>
+              <a:t>pode conter módulos: conversores A/D; protocolos de comunicação: USB, serial, 2C; Wi-Fi integrado).</a:t>
+            </a:r>
+          </a:p>
+        </p:txBody>
+      </p:sp>
+      <p:cxnSp>
+        <p:nvCxnSpPr>
+          <p:cNvPr id="4" name="Conector reto 3">
+            <a:extLst>
+              <a:ext uri="{FF2B5EF4-FFF2-40B4-BE49-F238E27FC236}">
+                <a16:creationId xmlns:a16="http://schemas.microsoft.com/office/drawing/2014/main" id="{53C1D5BE-B08D-43BA-9100-4319F7669DAD}"/>
+              </a:ext>
+            </a:extLst>
+          </p:cNvPr>
+          <p:cNvCxnSpPr>
+            <a:cxnSpLocks/>
+          </p:cNvCxnSpPr>
+          <p:nvPr/>
+        </p:nvCxnSpPr>
+        <p:spPr>
+          <a:xfrm flipV="1">
+            <a:off x="310728" y="902136"/>
+            <a:ext cx="8699160" cy="40954"/>
+          </a:xfrm>
+          <a:prstGeom prst="line">
+            <a:avLst/>
+          </a:prstGeom>
+          <a:ln w="38100">
+            <a:headEnd type="none" w="med" len="med"/>
+            <a:tailEnd type="none" w="med" len="med"/>
+          </a:ln>
+          <a:scene3d>
+            <a:camera prst="orthographicFront"/>
+            <a:lightRig rig="threePt" dir="t"/>
+          </a:scene3d>
+          <a:sp3d>
+            <a:bevelT prst="convex"/>
+          </a:sp3d>
+        </p:spPr>
+        <p:style>
+          <a:lnRef idx="3">
+            <a:schemeClr val="accent1"/>
+          </a:lnRef>
+          <a:fillRef idx="0">
+            <a:schemeClr val="accent1"/>
+          </a:fillRef>
+          <a:effectRef idx="2">
+            <a:schemeClr val="accent1"/>
+          </a:effectRef>
+          <a:fontRef idx="minor">
+            <a:schemeClr val="tx1"/>
+          </a:fontRef>
+        </p:style>
+      </p:cxnSp>
+    </p:spTree>
+    <p:extLst>
+      <p:ext uri="{BB962C8B-B14F-4D97-AF65-F5344CB8AC3E}">
+        <p14:creationId xmlns:p14="http://schemas.microsoft.com/office/powerpoint/2010/main" val="71836621"/>
+      </p:ext>
+    </p:extLst>
+  </p:cSld>
+  <p:clrMapOvr>
+    <a:masterClrMapping/>
+  </p:clrMapOvr>
+  <p:transition spd="med"/>
+</p:sld>
+</file>
+
+<file path=ppt/slides/slide8.xml><?xml version="1.0" encoding="utf-8"?>
+<p:sld xmlns:a="http://schemas.openxmlformats.org/drawingml/2006/main" xmlns:r="http://schemas.openxmlformats.org/officeDocument/2006/relationships" xmlns:p="http://schemas.openxmlformats.org/presentationml/2006/main">
+  <p:cSld>
+    <p:spTree>
+      <p:nvGrpSpPr>
+        <p:cNvPr id="1" name=""/>
+        <p:cNvGrpSpPr/>
+        <p:nvPr/>
+      </p:nvGrpSpPr>
+      <p:grpSpPr>
+        <a:xfrm>
+          <a:off x="0" y="0"/>
+          <a:ext cx="0" cy="0"/>
+          <a:chOff x="0" y="0"/>
+          <a:chExt cx="0" cy="0"/>
+        </a:xfrm>
+      </p:grpSpPr>
+      <p:sp>
+        <p:nvSpPr>
+          <p:cNvPr id="6" name="Title 1"/>
+          <p:cNvSpPr>
+            <a:spLocks noGrp="1"/>
+          </p:cNvSpPr>
+          <p:nvPr>
+            <p:ph type="title"/>
+          </p:nvPr>
+        </p:nvSpPr>
+        <p:spPr>
+          <a:xfrm>
+            <a:off x="457200" y="205980"/>
+            <a:ext cx="8229600" cy="857251"/>
+          </a:xfrm>
+        </p:spPr>
+        <p:txBody>
+          <a:bodyPr/>
+          <a:lstStyle/>
+          <a:p>
+            <a:r>
+              <a:rPr lang="en-US" b="1" dirty="0" err="1">
+                <a:solidFill>
+                  <a:srgbClr val="0070C0"/>
+                </a:solidFill>
+              </a:rPr>
+              <a:t>Visão</a:t>
+            </a:r>
+            <a:r>
+              <a:rPr lang="en-US" b="1" dirty="0">
+                <a:solidFill>
+                  <a:srgbClr val="0070C0"/>
+                </a:solidFill>
+              </a:rPr>
+              <a:t> </a:t>
+            </a:r>
+            <a:r>
+              <a:rPr lang="en-US" b="1" dirty="0" err="1">
+                <a:solidFill>
+                  <a:srgbClr val="0070C0"/>
+                </a:solidFill>
+              </a:rPr>
+              <a:t>Geral</a:t>
+            </a:r>
+            <a:r>
+              <a:rPr lang="en-US" b="1" dirty="0">
+                <a:solidFill>
+                  <a:srgbClr val="0070C0"/>
+                </a:solidFill>
+              </a:rPr>
+              <a:t> da </a:t>
+            </a:r>
+            <a:r>
+              <a:rPr lang="en-US" b="1" dirty="0" err="1">
+                <a:solidFill>
+                  <a:srgbClr val="0070C0"/>
+                </a:solidFill>
+              </a:rPr>
+              <a:t>Disciplina</a:t>
+            </a:r>
+            <a:endParaRPr lang="en-US" b="1" dirty="0">
+              <a:solidFill>
+                <a:srgbClr val="0070C0"/>
+              </a:solidFill>
+            </a:endParaRPr>
+          </a:p>
+        </p:txBody>
+      </p:sp>
+      <p:sp>
+        <p:nvSpPr>
+          <p:cNvPr id="8" name="Text Placeholder 2"/>
+          <p:cNvSpPr>
+            <a:spLocks noGrp="1"/>
+          </p:cNvSpPr>
+          <p:nvPr>
+            <p:ph type="body" sz="half" idx="1"/>
+          </p:nvPr>
+        </p:nvSpPr>
+        <p:spPr>
+          <a:xfrm>
+            <a:off x="142865" y="1104186"/>
+            <a:ext cx="8865056" cy="3957406"/>
+          </a:xfrm>
+        </p:spPr>
+        <p:txBody>
+          <a:bodyPr>
+            <a:noAutofit/>
+          </a:bodyPr>
+          <a:lstStyle/>
+          <a:p>
+            <a:pPr marL="0" indent="0" algn="just" eaLnBrk="0" hangingPunct="0">
+              <a:buNone/>
+            </a:pPr>
+            <a:r>
+              <a:rPr lang="pt-BR" altLang="pt-BR" sz="2400" b="1" dirty="0">
+                <a:solidFill>
+                  <a:schemeClr val="tx1"/>
+                </a:solidFill>
+                <a:latin typeface="Times New Roman" panose="02020603050405020304" pitchFamily="18" charset="0"/>
+                <a:cs typeface="Times New Roman" panose="02020603050405020304" pitchFamily="18" charset="0"/>
+              </a:rPr>
+              <a:t>		</a:t>
+            </a:r>
+            <a:r>
+              <a:rPr lang="pt-BR" altLang="pt-BR" sz="2400" b="1" dirty="0">
+                <a:solidFill>
+                  <a:srgbClr val="0070C0"/>
+                </a:solidFill>
+                <a:latin typeface="Times New Roman" panose="02020603050405020304" pitchFamily="18" charset="0"/>
+                <a:cs typeface="Times New Roman" panose="02020603050405020304" pitchFamily="18" charset="0"/>
+              </a:rPr>
+              <a:t>Microcontrolador (CPU </a:t>
+            </a:r>
+            <a:r>
+              <a:rPr lang="pt-BR" altLang="pt-BR" sz="2400" b="1" dirty="0" err="1">
+                <a:solidFill>
+                  <a:srgbClr val="0070C0"/>
+                </a:solidFill>
+                <a:latin typeface="Times New Roman" panose="02020603050405020304" pitchFamily="18" charset="0"/>
+                <a:cs typeface="Times New Roman" panose="02020603050405020304" pitchFamily="18" charset="0"/>
+              </a:rPr>
+              <a:t>vs</a:t>
+            </a:r>
+            <a:r>
+              <a:rPr lang="pt-BR" altLang="pt-BR" sz="2400" b="1" dirty="0">
+                <a:solidFill>
+                  <a:srgbClr val="0070C0"/>
+                </a:solidFill>
+                <a:latin typeface="Times New Roman" panose="02020603050405020304" pitchFamily="18" charset="0"/>
+                <a:cs typeface="Times New Roman" panose="02020603050405020304" pitchFamily="18" charset="0"/>
+              </a:rPr>
+              <a:t> </a:t>
+            </a:r>
+            <a:r>
+              <a:rPr lang="pt-BR" altLang="pt-BR" sz="2400" b="1" dirty="0">
+                <a:solidFill>
+                  <a:srgbClr val="FF0000"/>
+                </a:solidFill>
+                <a:latin typeface="Times New Roman" panose="02020603050405020304" pitchFamily="18" charset="0"/>
+                <a:cs typeface="Times New Roman" panose="02020603050405020304" pitchFamily="18" charset="0"/>
+              </a:rPr>
+              <a:t>MCU</a:t>
+            </a:r>
+            <a:r>
+              <a:rPr lang="pt-BR" altLang="pt-BR" sz="2400" b="1" dirty="0">
+                <a:solidFill>
+                  <a:srgbClr val="0070C0"/>
+                </a:solidFill>
+                <a:latin typeface="Times New Roman" panose="02020603050405020304" pitchFamily="18" charset="0"/>
+                <a:cs typeface="Times New Roman" panose="02020603050405020304" pitchFamily="18" charset="0"/>
+              </a:rPr>
+              <a:t> </a:t>
+            </a:r>
+            <a:r>
+              <a:rPr lang="pt-BR" altLang="pt-BR" sz="2400" b="1" dirty="0" err="1">
+                <a:solidFill>
+                  <a:srgbClr val="0070C0"/>
+                </a:solidFill>
+                <a:latin typeface="Times New Roman" panose="02020603050405020304" pitchFamily="18" charset="0"/>
+                <a:cs typeface="Times New Roman" panose="02020603050405020304" pitchFamily="18" charset="0"/>
+              </a:rPr>
+              <a:t>vs</a:t>
+            </a:r>
+            <a:r>
+              <a:rPr lang="pt-BR" altLang="pt-BR" sz="2400" b="1" dirty="0">
+                <a:solidFill>
+                  <a:srgbClr val="0070C0"/>
+                </a:solidFill>
+                <a:latin typeface="Times New Roman" panose="02020603050405020304" pitchFamily="18" charset="0"/>
+                <a:cs typeface="Times New Roman" panose="02020603050405020304" pitchFamily="18" charset="0"/>
+              </a:rPr>
+              <a:t> </a:t>
+            </a:r>
+            <a:r>
+              <a:rPr lang="pt-BR" altLang="pt-BR" sz="2400" b="1" dirty="0" err="1">
+                <a:solidFill>
+                  <a:srgbClr val="FF0000"/>
+                </a:solidFill>
+                <a:latin typeface="Times New Roman" panose="02020603050405020304" pitchFamily="18" charset="0"/>
+                <a:cs typeface="Times New Roman" panose="02020603050405020304" pitchFamily="18" charset="0"/>
+              </a:rPr>
+              <a:t>SoC</a:t>
+            </a:r>
+            <a:r>
+              <a:rPr lang="pt-BR" altLang="pt-BR" sz="2400" b="1" dirty="0">
+                <a:solidFill>
+                  <a:srgbClr val="0070C0"/>
+                </a:solidFill>
+                <a:latin typeface="Times New Roman" panose="02020603050405020304" pitchFamily="18" charset="0"/>
+                <a:cs typeface="Times New Roman" panose="02020603050405020304" pitchFamily="18" charset="0"/>
+              </a:rPr>
+              <a:t> </a:t>
+            </a:r>
+            <a:r>
+              <a:rPr lang="pt-BR" altLang="pt-BR" sz="2400" b="1" dirty="0" err="1">
+                <a:solidFill>
+                  <a:srgbClr val="0070C0"/>
+                </a:solidFill>
+                <a:latin typeface="Times New Roman" panose="02020603050405020304" pitchFamily="18" charset="0"/>
+                <a:cs typeface="Times New Roman" panose="02020603050405020304" pitchFamily="18" charset="0"/>
+              </a:rPr>
+              <a:t>vs</a:t>
+            </a:r>
+            <a:r>
+              <a:rPr lang="pt-BR" altLang="pt-BR" sz="2400" b="1" dirty="0">
+                <a:solidFill>
+                  <a:srgbClr val="0070C0"/>
+                </a:solidFill>
+                <a:latin typeface="Times New Roman" panose="02020603050405020304" pitchFamily="18" charset="0"/>
+                <a:cs typeface="Times New Roman" panose="02020603050405020304" pitchFamily="18" charset="0"/>
+              </a:rPr>
+              <a:t> </a:t>
+            </a:r>
+            <a:r>
+              <a:rPr lang="pt-BR" altLang="pt-BR" sz="2400" b="1" dirty="0">
+                <a:solidFill>
+                  <a:srgbClr val="FF0000"/>
+                </a:solidFill>
+                <a:latin typeface="Times New Roman" panose="02020603050405020304" pitchFamily="18" charset="0"/>
+                <a:cs typeface="Times New Roman" panose="02020603050405020304" pitchFamily="18" charset="0"/>
+              </a:rPr>
+              <a:t>FPGA</a:t>
+            </a:r>
+            <a:r>
+              <a:rPr lang="pt-BR" altLang="pt-BR" sz="2400" b="1" dirty="0">
+                <a:solidFill>
+                  <a:srgbClr val="0070C0"/>
+                </a:solidFill>
+                <a:latin typeface="Times New Roman" panose="02020603050405020304" pitchFamily="18" charset="0"/>
+                <a:cs typeface="Times New Roman" panose="02020603050405020304" pitchFamily="18" charset="0"/>
+              </a:rPr>
+              <a:t>)</a:t>
+            </a:r>
+            <a:endParaRPr lang="pt-BR" altLang="pt-BR" sz="2400" dirty="0">
+              <a:solidFill>
+                <a:schemeClr val="tx1"/>
+              </a:solidFill>
+              <a:latin typeface="Times New Roman" panose="02020603050405020304" pitchFamily="18" charset="0"/>
+              <a:cs typeface="Times New Roman" panose="02020603050405020304" pitchFamily="18" charset="0"/>
+            </a:endParaRPr>
+          </a:p>
+          <a:p>
+            <a:pPr algn="just" eaLnBrk="0" hangingPunct="0">
+              <a:buFont typeface="Wingdings" panose="05000000000000000000" pitchFamily="2" charset="2"/>
+              <a:buChar char="ü"/>
+            </a:pPr>
+            <a:endParaRPr lang="en-US" altLang="pt-BR" sz="2400" dirty="0">
+              <a:solidFill>
+                <a:srgbClr val="0070C0"/>
+              </a:solidFill>
+              <a:latin typeface="Times New Roman" panose="02020603050405020304" pitchFamily="18" charset="0"/>
+              <a:cs typeface="Times New Roman" panose="02020603050405020304" pitchFamily="18" charset="0"/>
+            </a:endParaRPr>
+          </a:p>
+          <a:p>
+            <a:pPr marL="0" indent="0" algn="just" eaLnBrk="0" hangingPunct="0">
+              <a:buNone/>
+            </a:pPr>
+            <a:r>
+              <a:rPr lang="pt-BR" altLang="pt-BR" sz="2400" dirty="0">
+                <a:solidFill>
+                  <a:schemeClr val="tx1"/>
+                </a:solidFill>
+                <a:latin typeface="Times New Roman" panose="02020603050405020304" pitchFamily="18" charset="0"/>
+                <a:cs typeface="Times New Roman" panose="02020603050405020304" pitchFamily="18" charset="0"/>
+              </a:rPr>
+              <a:t>Os modelos de chips de silício mais novos não necessitam de outros componentes para funcionar, são autossuficientes. São projetados para sistemas embarcados.</a:t>
+            </a:r>
+          </a:p>
+          <a:p>
+            <a:pPr marL="0" indent="0" algn="just" eaLnBrk="0" hangingPunct="0">
+              <a:buNone/>
+            </a:pPr>
+            <a:endParaRPr lang="pt-BR" altLang="pt-BR" sz="2400" dirty="0">
+              <a:solidFill>
+                <a:schemeClr val="tx1"/>
+              </a:solidFill>
+              <a:latin typeface="Times New Roman" panose="02020603050405020304" pitchFamily="18" charset="0"/>
+              <a:cs typeface="Times New Roman" panose="02020603050405020304" pitchFamily="18" charset="0"/>
+            </a:endParaRPr>
+          </a:p>
+          <a:p>
+            <a:pPr marL="0" indent="0" algn="just" eaLnBrk="0" hangingPunct="0">
+              <a:buNone/>
+            </a:pPr>
+            <a:r>
+              <a:rPr lang="pt-BR" altLang="pt-BR" sz="2400" dirty="0">
+                <a:solidFill>
+                  <a:schemeClr val="tx1"/>
+                </a:solidFill>
+                <a:latin typeface="Times New Roman" panose="02020603050405020304" pitchFamily="18" charset="0"/>
+                <a:cs typeface="Times New Roman" panose="02020603050405020304" pitchFamily="18" charset="0"/>
+              </a:rPr>
+              <a:t>Estão disponíveis em diversos encapsulamentos, variadas famílias e modelos com características próprias (módulos, arquiteturas, </a:t>
+            </a:r>
+            <a:r>
+              <a:rPr lang="pt-BR" altLang="pt-BR" sz="2400" dirty="0" err="1">
+                <a:solidFill>
+                  <a:schemeClr val="tx1"/>
+                </a:solidFill>
+                <a:latin typeface="Times New Roman" panose="02020603050405020304" pitchFamily="18" charset="0"/>
+                <a:cs typeface="Times New Roman" panose="02020603050405020304" pitchFamily="18" charset="0"/>
+              </a:rPr>
+              <a:t>timers</a:t>
+            </a:r>
+            <a:r>
+              <a:rPr lang="pt-BR" altLang="pt-BR" sz="2400" dirty="0">
+                <a:solidFill>
+                  <a:schemeClr val="tx1"/>
+                </a:solidFill>
+                <a:latin typeface="Times New Roman" panose="02020603050405020304" pitchFamily="18" charset="0"/>
+                <a:cs typeface="Times New Roman" panose="02020603050405020304" pitchFamily="18" charset="0"/>
+              </a:rPr>
+              <a:t>, controle de intensidade, sistema de controle de feedback, etc.).</a:t>
+            </a:r>
+          </a:p>
+        </p:txBody>
+      </p:sp>
+      <p:cxnSp>
+        <p:nvCxnSpPr>
+          <p:cNvPr id="4" name="Conector reto 3">
+            <a:extLst>
+              <a:ext uri="{FF2B5EF4-FFF2-40B4-BE49-F238E27FC236}">
+                <a16:creationId xmlns:a16="http://schemas.microsoft.com/office/drawing/2014/main" id="{53C1D5BE-B08D-43BA-9100-4319F7669DAD}"/>
+              </a:ext>
+            </a:extLst>
+          </p:cNvPr>
+          <p:cNvCxnSpPr>
+            <a:cxnSpLocks/>
+          </p:cNvCxnSpPr>
+          <p:nvPr/>
+        </p:nvCxnSpPr>
+        <p:spPr>
+          <a:xfrm flipV="1">
+            <a:off x="310728" y="902136"/>
+            <a:ext cx="8699160" cy="40954"/>
+          </a:xfrm>
+          <a:prstGeom prst="line">
+            <a:avLst/>
+          </a:prstGeom>
+          <a:ln w="38100">
+            <a:headEnd type="none" w="med" len="med"/>
+            <a:tailEnd type="none" w="med" len="med"/>
+          </a:ln>
+          <a:scene3d>
+            <a:camera prst="orthographicFront"/>
+            <a:lightRig rig="threePt" dir="t"/>
+          </a:scene3d>
+          <a:sp3d>
+            <a:bevelT prst="convex"/>
+          </a:sp3d>
+        </p:spPr>
+        <p:style>
+          <a:lnRef idx="3">
+            <a:schemeClr val="accent1"/>
+          </a:lnRef>
+          <a:fillRef idx="0">
+            <a:schemeClr val="accent1"/>
+          </a:fillRef>
+          <a:effectRef idx="2">
+            <a:schemeClr val="accent1"/>
+          </a:effectRef>
+          <a:fontRef idx="minor">
+            <a:schemeClr val="tx1"/>
+          </a:fontRef>
+        </p:style>
+      </p:cxnSp>
+    </p:spTree>
+    <p:extLst>
+      <p:ext uri="{BB962C8B-B14F-4D97-AF65-F5344CB8AC3E}">
+        <p14:creationId xmlns:p14="http://schemas.microsoft.com/office/powerpoint/2010/main" val="3412380910"/>
+      </p:ext>
+    </p:extLst>
+  </p:cSld>
+  <p:clrMapOvr>
+    <a:masterClrMapping/>
+  </p:clrMapOvr>
+  <p:transition spd="med"/>
+</p:sld>
+</file>
+
+<file path=ppt/slides/slide9.xml><?xml version="1.0" encoding="utf-8"?>
+<p:sld xmlns:a="http://schemas.openxmlformats.org/drawingml/2006/main" xmlns:r="http://schemas.openxmlformats.org/officeDocument/2006/relationships" xmlns:p="http://schemas.openxmlformats.org/presentationml/2006/main">
+  <p:cSld>
+    <p:spTree>
+      <p:nvGrpSpPr>
+        <p:cNvPr id="1" name=""/>
+        <p:cNvGrpSpPr/>
+        <p:nvPr/>
+      </p:nvGrpSpPr>
+      <p:grpSpPr>
+        <a:xfrm>
+          <a:off x="0" y="0"/>
+          <a:ext cx="0" cy="0"/>
+          <a:chOff x="0" y="0"/>
+          <a:chExt cx="0" cy="0"/>
+        </a:xfrm>
+      </p:grpSpPr>
+      <p:sp>
+        <p:nvSpPr>
+          <p:cNvPr id="6" name="Title 1"/>
+          <p:cNvSpPr>
+            <a:spLocks noGrp="1"/>
+          </p:cNvSpPr>
+          <p:nvPr>
+            <p:ph type="title"/>
+          </p:nvPr>
+        </p:nvSpPr>
+        <p:spPr>
+          <a:xfrm>
+            <a:off x="457200" y="205980"/>
+            <a:ext cx="8229600" cy="857251"/>
+          </a:xfrm>
+        </p:spPr>
+        <p:txBody>
+          <a:bodyPr/>
+          <a:lstStyle/>
+          <a:p>
+            <a:r>
+              <a:rPr lang="en-US" b="1" dirty="0" err="1">
+                <a:solidFill>
+                  <a:srgbClr val="0070C0"/>
+                </a:solidFill>
+              </a:rPr>
+              <a:t>Visão</a:t>
+            </a:r>
+            <a:r>
+              <a:rPr lang="en-US" b="1" dirty="0">
+                <a:solidFill>
+                  <a:srgbClr val="0070C0"/>
+                </a:solidFill>
+              </a:rPr>
+              <a:t> </a:t>
+            </a:r>
+            <a:r>
+              <a:rPr lang="en-US" b="1" dirty="0" err="1">
+                <a:solidFill>
+                  <a:srgbClr val="0070C0"/>
+                </a:solidFill>
+              </a:rPr>
+              <a:t>Geral</a:t>
+            </a:r>
+            <a:r>
+              <a:rPr lang="en-US" b="1" dirty="0">
+                <a:solidFill>
+                  <a:srgbClr val="0070C0"/>
+                </a:solidFill>
+              </a:rPr>
+              <a:t> da </a:t>
+            </a:r>
+            <a:r>
+              <a:rPr lang="en-US" b="1" dirty="0" err="1">
+                <a:solidFill>
+                  <a:srgbClr val="0070C0"/>
+                </a:solidFill>
+              </a:rPr>
+              <a:t>Disciplina</a:t>
+            </a:r>
+            <a:endParaRPr lang="en-US" b="1" dirty="0">
+              <a:solidFill>
+                <a:srgbClr val="0070C0"/>
+              </a:solidFill>
+            </a:endParaRPr>
+          </a:p>
+        </p:txBody>
+      </p:sp>
+      <p:sp>
+        <p:nvSpPr>
+          <p:cNvPr id="8" name="Text Placeholder 2"/>
+          <p:cNvSpPr>
+            <a:spLocks noGrp="1"/>
+          </p:cNvSpPr>
+          <p:nvPr>
+            <p:ph type="body" sz="half" idx="1"/>
+          </p:nvPr>
+        </p:nvSpPr>
+        <p:spPr>
+          <a:xfrm>
+            <a:off x="142865" y="1104186"/>
+            <a:ext cx="8865056" cy="3957406"/>
+          </a:xfrm>
+        </p:spPr>
+        <p:txBody>
+          <a:bodyPr>
+            <a:noAutofit/>
+          </a:bodyPr>
+          <a:lstStyle/>
+          <a:p>
+            <a:pPr marL="0" indent="0" algn="just" eaLnBrk="0" hangingPunct="0">
+              <a:buNone/>
+            </a:pPr>
+            <a:r>
+              <a:rPr lang="pt-BR" altLang="pt-BR" sz="2400" b="1" dirty="0">
+                <a:solidFill>
+                  <a:schemeClr val="tx1"/>
+                </a:solidFill>
+                <a:latin typeface="Times New Roman" panose="02020603050405020304" pitchFamily="18" charset="0"/>
+                <a:cs typeface="Times New Roman" panose="02020603050405020304" pitchFamily="18" charset="0"/>
+              </a:rPr>
+              <a:t>					</a:t>
+            </a:r>
+            <a:r>
+              <a:rPr lang="pt-BR" altLang="pt-BR" sz="2400" b="1" dirty="0">
+                <a:solidFill>
+                  <a:srgbClr val="0070C0"/>
+                </a:solidFill>
+                <a:latin typeface="Times New Roman" panose="02020603050405020304" pitchFamily="18" charset="0"/>
+                <a:cs typeface="Times New Roman" panose="02020603050405020304" pitchFamily="18" charset="0"/>
+              </a:rPr>
+              <a:t>Famílias de Controladores / Fabricantes</a:t>
+            </a:r>
+            <a:endParaRPr lang="pt-BR" altLang="pt-BR" sz="2400" dirty="0">
+              <a:solidFill>
+                <a:schemeClr val="tx1"/>
+              </a:solidFill>
+              <a:latin typeface="Times New Roman" panose="02020603050405020304" pitchFamily="18" charset="0"/>
+              <a:cs typeface="Times New Roman" panose="02020603050405020304" pitchFamily="18" charset="0"/>
+            </a:endParaRPr>
+          </a:p>
+          <a:p>
+            <a:pPr algn="just" eaLnBrk="0" hangingPunct="0">
+              <a:buFont typeface="Wingdings" panose="05000000000000000000" pitchFamily="2" charset="2"/>
+              <a:buChar char="ü"/>
+            </a:pPr>
+            <a:endParaRPr lang="pt-BR" altLang="pt-BR" sz="2400" dirty="0">
+              <a:solidFill>
+                <a:schemeClr val="tx1"/>
+              </a:solidFill>
+              <a:latin typeface="Times New Roman" panose="02020603050405020304" pitchFamily="18" charset="0"/>
+              <a:cs typeface="Times New Roman" panose="02020603050405020304" pitchFamily="18" charset="0"/>
+            </a:endParaRPr>
+          </a:p>
+          <a:p>
+            <a:pPr algn="just" eaLnBrk="0" hangingPunct="0">
+              <a:buFont typeface="Wingdings" panose="05000000000000000000" pitchFamily="2" charset="2"/>
+              <a:buChar char="ü"/>
+            </a:pPr>
+            <a:r>
+              <a:rPr lang="pt-BR" altLang="pt-BR" sz="2400" dirty="0">
+                <a:solidFill>
+                  <a:schemeClr val="tx1"/>
+                </a:solidFill>
+                <a:latin typeface="Times New Roman" panose="02020603050405020304" pitchFamily="18" charset="0"/>
+                <a:cs typeface="Times New Roman" panose="02020603050405020304" pitchFamily="18" charset="0"/>
+              </a:rPr>
+              <a:t>Microchip (PIC e </a:t>
+            </a:r>
+            <a:r>
+              <a:rPr lang="pt-BR" altLang="pt-BR" sz="2400" dirty="0" err="1">
+                <a:solidFill>
+                  <a:schemeClr val="tx1"/>
+                </a:solidFill>
+                <a:latin typeface="Times New Roman" panose="02020603050405020304" pitchFamily="18" charset="0"/>
+                <a:cs typeface="Times New Roman" panose="02020603050405020304" pitchFamily="18" charset="0"/>
+              </a:rPr>
+              <a:t>dsPIC</a:t>
+            </a:r>
+            <a:r>
+              <a:rPr lang="pt-BR" altLang="pt-BR" sz="2400" dirty="0">
+                <a:solidFill>
+                  <a:schemeClr val="tx1"/>
+                </a:solidFill>
+                <a:latin typeface="Times New Roman" panose="02020603050405020304" pitchFamily="18" charset="0"/>
+                <a:cs typeface="Times New Roman" panose="02020603050405020304" pitchFamily="18" charset="0"/>
+              </a:rPr>
+              <a:t>)</a:t>
+            </a:r>
+          </a:p>
+          <a:p>
+            <a:pPr algn="just" eaLnBrk="0" hangingPunct="0">
+              <a:buFont typeface="Wingdings" panose="05000000000000000000" pitchFamily="2" charset="2"/>
+              <a:buChar char="ü"/>
+            </a:pPr>
+            <a:r>
+              <a:rPr lang="pt-BR" altLang="pt-BR" sz="2400" dirty="0">
+                <a:solidFill>
+                  <a:schemeClr val="tx1"/>
+                </a:solidFill>
+                <a:latin typeface="Times New Roman" panose="02020603050405020304" pitchFamily="18" charset="0"/>
+                <a:cs typeface="Times New Roman" panose="02020603050405020304" pitchFamily="18" charset="0"/>
+              </a:rPr>
+              <a:t>ATMEL (8051 e AVR)</a:t>
+            </a:r>
+          </a:p>
+          <a:p>
+            <a:pPr algn="just" eaLnBrk="0" hangingPunct="0">
+              <a:buFont typeface="Wingdings" panose="05000000000000000000" pitchFamily="2" charset="2"/>
+              <a:buChar char="ü"/>
+            </a:pPr>
+            <a:r>
+              <a:rPr lang="pt-BR" altLang="pt-BR" sz="2400" dirty="0" err="1">
+                <a:solidFill>
+                  <a:schemeClr val="tx1"/>
+                </a:solidFill>
+                <a:latin typeface="Times New Roman" panose="02020603050405020304" pitchFamily="18" charset="0"/>
+                <a:cs typeface="Times New Roman" panose="02020603050405020304" pitchFamily="18" charset="0"/>
+              </a:rPr>
+              <a:t>ATMega</a:t>
+            </a:r>
+            <a:r>
+              <a:rPr lang="pt-BR" altLang="pt-BR" sz="2400" dirty="0">
+                <a:solidFill>
+                  <a:schemeClr val="tx1"/>
+                </a:solidFill>
+                <a:latin typeface="Times New Roman" panose="02020603050405020304" pitchFamily="18" charset="0"/>
+                <a:cs typeface="Times New Roman" panose="02020603050405020304" pitchFamily="18" charset="0"/>
+              </a:rPr>
+              <a:t> (Arduíno), é uma plataforma </a:t>
+            </a:r>
+            <a:r>
+              <a:rPr lang="pt-BR" altLang="pt-BR" sz="2400" dirty="0" err="1">
+                <a:solidFill>
+                  <a:schemeClr val="tx1"/>
+                </a:solidFill>
+                <a:latin typeface="Times New Roman" panose="02020603050405020304" pitchFamily="18" charset="0"/>
+                <a:cs typeface="Times New Roman" panose="02020603050405020304" pitchFamily="18" charset="0"/>
+              </a:rPr>
+              <a:t>opensource</a:t>
+            </a:r>
+            <a:r>
+              <a:rPr lang="pt-BR" altLang="pt-BR" sz="2400" dirty="0">
+                <a:solidFill>
+                  <a:schemeClr val="tx1"/>
+                </a:solidFill>
+                <a:latin typeface="Times New Roman" panose="02020603050405020304" pitchFamily="18" charset="0"/>
+                <a:cs typeface="Times New Roman" panose="02020603050405020304" pitchFamily="18" charset="0"/>
+              </a:rPr>
+              <a:t> de dev. (Na placa Arduino Uno utiliza um microcontrolador </a:t>
+            </a:r>
+            <a:r>
+              <a:rPr lang="pt-BR" altLang="pt-BR" sz="2400" b="1" dirty="0">
+                <a:solidFill>
+                  <a:schemeClr val="tx1"/>
+                </a:solidFill>
+                <a:latin typeface="Times New Roman" panose="02020603050405020304" pitchFamily="18" charset="0"/>
+                <a:cs typeface="Times New Roman" panose="02020603050405020304" pitchFamily="18" charset="0"/>
+              </a:rPr>
+              <a:t>ATMEGA328</a:t>
+            </a:r>
+            <a:r>
+              <a:rPr lang="pt-BR" altLang="pt-BR" sz="2400" dirty="0">
+                <a:solidFill>
+                  <a:schemeClr val="tx1"/>
+                </a:solidFill>
+                <a:latin typeface="Times New Roman" panose="02020603050405020304" pitchFamily="18" charset="0"/>
+                <a:cs typeface="Times New Roman" panose="02020603050405020304" pitchFamily="18" charset="0"/>
+              </a:rPr>
+              <a:t>)</a:t>
+            </a:r>
+          </a:p>
+          <a:p>
+            <a:pPr algn="just" eaLnBrk="0" hangingPunct="0">
+              <a:buFont typeface="Wingdings" panose="05000000000000000000" pitchFamily="2" charset="2"/>
+              <a:buChar char="ü"/>
+            </a:pPr>
+            <a:r>
+              <a:rPr lang="pt-BR" altLang="pt-BR" sz="2400" dirty="0">
+                <a:solidFill>
+                  <a:schemeClr val="tx1"/>
+                </a:solidFill>
+                <a:latin typeface="Times New Roman" panose="02020603050405020304" pitchFamily="18" charset="0"/>
+                <a:cs typeface="Times New Roman" panose="02020603050405020304" pitchFamily="18" charset="0"/>
+              </a:rPr>
+              <a:t>ARM (Série </a:t>
+            </a:r>
+            <a:r>
+              <a:rPr lang="pt-BR" altLang="pt-BR" sz="2400" dirty="0" err="1">
+                <a:solidFill>
+                  <a:schemeClr val="tx1"/>
+                </a:solidFill>
+                <a:latin typeface="Times New Roman" panose="02020603050405020304" pitchFamily="18" charset="0"/>
+                <a:cs typeface="Times New Roman" panose="02020603050405020304" pitchFamily="18" charset="0"/>
+              </a:rPr>
+              <a:t>Cortex</a:t>
+            </a:r>
+            <a:r>
+              <a:rPr lang="pt-BR" altLang="pt-BR" sz="2400" dirty="0">
+                <a:solidFill>
+                  <a:schemeClr val="tx1"/>
+                </a:solidFill>
+                <a:latin typeface="Times New Roman" panose="02020603050405020304" pitchFamily="18" charset="0"/>
+                <a:cs typeface="Times New Roman" panose="02020603050405020304" pitchFamily="18" charset="0"/>
+              </a:rPr>
+              <a:t>)</a:t>
+            </a:r>
+          </a:p>
+          <a:p>
+            <a:pPr algn="just" eaLnBrk="0" hangingPunct="0">
+              <a:buFont typeface="Wingdings" panose="05000000000000000000" pitchFamily="2" charset="2"/>
+              <a:buChar char="ü"/>
+            </a:pPr>
+            <a:r>
+              <a:rPr lang="pt-BR" altLang="pt-BR" sz="2400" dirty="0">
+                <a:solidFill>
+                  <a:schemeClr val="tx1"/>
+                </a:solidFill>
+                <a:latin typeface="Times New Roman" panose="02020603050405020304" pitchFamily="18" charset="0"/>
+                <a:cs typeface="Times New Roman" panose="02020603050405020304" pitchFamily="18" charset="0"/>
+              </a:rPr>
+              <a:t>Texas </a:t>
+            </a:r>
+            <a:r>
+              <a:rPr lang="pt-BR" altLang="pt-BR" sz="2400" dirty="0" err="1">
+                <a:solidFill>
+                  <a:schemeClr val="tx1"/>
+                </a:solidFill>
+                <a:latin typeface="Times New Roman" panose="02020603050405020304" pitchFamily="18" charset="0"/>
+                <a:cs typeface="Times New Roman" panose="02020603050405020304" pitchFamily="18" charset="0"/>
+              </a:rPr>
+              <a:t>Instruments</a:t>
+            </a:r>
+            <a:r>
+              <a:rPr lang="pt-BR" altLang="pt-BR" sz="2400" dirty="0">
+                <a:solidFill>
+                  <a:schemeClr val="tx1"/>
+                </a:solidFill>
+                <a:latin typeface="Times New Roman" panose="02020603050405020304" pitchFamily="18" charset="0"/>
+                <a:cs typeface="Times New Roman" panose="02020603050405020304" pitchFamily="18" charset="0"/>
+              </a:rPr>
+              <a:t> (Série MSP)</a:t>
+            </a:r>
+          </a:p>
+          <a:p>
+            <a:pPr algn="just" eaLnBrk="0" hangingPunct="0">
+              <a:buFont typeface="Wingdings" panose="05000000000000000000" pitchFamily="2" charset="2"/>
+              <a:buChar char="ü"/>
+            </a:pPr>
+            <a:r>
+              <a:rPr lang="pt-BR" altLang="pt-BR" sz="2400" dirty="0">
+                <a:solidFill>
+                  <a:schemeClr val="tx1"/>
+                </a:solidFill>
+                <a:latin typeface="Times New Roman" panose="02020603050405020304" pitchFamily="18" charset="0"/>
+                <a:cs typeface="Times New Roman" panose="02020603050405020304" pitchFamily="18" charset="0"/>
+              </a:rPr>
+              <a:t>ESPRESSIF (Séria ESP) para IOT</a:t>
+            </a:r>
           </a:p>
         </p:txBody>
       </p:sp>
@@ -10520,750 +13955,6 @@
     <p:extLst>
       <p:ext uri="{BB962C8B-B14F-4D97-AF65-F5344CB8AC3E}">
         <p14:creationId xmlns:p14="http://schemas.microsoft.com/office/powerpoint/2010/main" val="1047318169"/>
-      </p:ext>
-    </p:extLst>
-  </p:cSld>
-  <p:clrMapOvr>
-    <a:masterClrMapping/>
-  </p:clrMapOvr>
-  <p:transition spd="med"/>
-</p:sld>
-</file>
-
-<file path=ppt/slides/slide7.xml><?xml version="1.0" encoding="utf-8"?>
-<p:sld xmlns:a="http://schemas.openxmlformats.org/drawingml/2006/main" xmlns:r="http://schemas.openxmlformats.org/officeDocument/2006/relationships" xmlns:p="http://schemas.openxmlformats.org/presentationml/2006/main">
-  <p:cSld>
-    <p:spTree>
-      <p:nvGrpSpPr>
-        <p:cNvPr id="1" name=""/>
-        <p:cNvGrpSpPr/>
-        <p:nvPr/>
-      </p:nvGrpSpPr>
-      <p:grpSpPr>
-        <a:xfrm>
-          <a:off x="0" y="0"/>
-          <a:ext cx="0" cy="0"/>
-          <a:chOff x="0" y="0"/>
-          <a:chExt cx="0" cy="0"/>
-        </a:xfrm>
-      </p:grpSpPr>
-      <p:sp>
-        <p:nvSpPr>
-          <p:cNvPr id="6" name="Title 1"/>
-          <p:cNvSpPr>
-            <a:spLocks noGrp="1"/>
-          </p:cNvSpPr>
-          <p:nvPr>
-            <p:ph type="title"/>
-          </p:nvPr>
-        </p:nvSpPr>
-        <p:spPr>
-          <a:xfrm>
-            <a:off x="457200" y="205980"/>
-            <a:ext cx="8229600" cy="857251"/>
-          </a:xfrm>
-        </p:spPr>
-        <p:txBody>
-          <a:bodyPr/>
-          <a:lstStyle/>
-          <a:p>
-            <a:r>
-              <a:rPr lang="en-US" b="1" dirty="0" err="1">
-                <a:solidFill>
-                  <a:srgbClr val="0070C0"/>
-                </a:solidFill>
-              </a:rPr>
-              <a:t>Visão</a:t>
-            </a:r>
-            <a:r>
-              <a:rPr lang="en-US" b="1" dirty="0">
-                <a:solidFill>
-                  <a:srgbClr val="0070C0"/>
-                </a:solidFill>
-              </a:rPr>
-              <a:t> </a:t>
-            </a:r>
-            <a:r>
-              <a:rPr lang="en-US" b="1" dirty="0" err="1">
-                <a:solidFill>
-                  <a:srgbClr val="0070C0"/>
-                </a:solidFill>
-              </a:rPr>
-              <a:t>Geral</a:t>
-            </a:r>
-            <a:r>
-              <a:rPr lang="en-US" b="1" dirty="0">
-                <a:solidFill>
-                  <a:srgbClr val="0070C0"/>
-                </a:solidFill>
-              </a:rPr>
-              <a:t> da </a:t>
-            </a:r>
-            <a:r>
-              <a:rPr lang="en-US" b="1" dirty="0" err="1">
-                <a:solidFill>
-                  <a:srgbClr val="0070C0"/>
-                </a:solidFill>
-              </a:rPr>
-              <a:t>Disciplina</a:t>
-            </a:r>
-            <a:endParaRPr lang="en-US" b="1" dirty="0">
-              <a:solidFill>
-                <a:srgbClr val="0070C0"/>
-              </a:solidFill>
-            </a:endParaRPr>
-          </a:p>
-        </p:txBody>
-      </p:sp>
-      <p:sp>
-        <p:nvSpPr>
-          <p:cNvPr id="8" name="Text Placeholder 2"/>
-          <p:cNvSpPr>
-            <a:spLocks noGrp="1"/>
-          </p:cNvSpPr>
-          <p:nvPr>
-            <p:ph type="body" sz="half" idx="1"/>
-          </p:nvPr>
-        </p:nvSpPr>
-        <p:spPr>
-          <a:xfrm>
-            <a:off x="142865" y="1104186"/>
-            <a:ext cx="8865056" cy="3957406"/>
-          </a:xfrm>
-        </p:spPr>
-        <p:txBody>
-          <a:bodyPr>
-            <a:noAutofit/>
-          </a:bodyPr>
-          <a:lstStyle/>
-          <a:p>
-            <a:pPr marL="0" indent="0" algn="just" eaLnBrk="0" hangingPunct="0">
-              <a:buNone/>
-            </a:pPr>
-            <a:endParaRPr lang="pt-BR" altLang="pt-BR" sz="2400" dirty="0">
-              <a:solidFill>
-                <a:schemeClr val="tx1"/>
-              </a:solidFill>
-              <a:latin typeface="Times New Roman" panose="02020603050405020304" pitchFamily="18" charset="0"/>
-              <a:cs typeface="Times New Roman" panose="02020603050405020304" pitchFamily="18" charset="0"/>
-            </a:endParaRPr>
-          </a:p>
-          <a:p>
-            <a:pPr marL="0" indent="0" algn="just" eaLnBrk="0" hangingPunct="0">
-              <a:buNone/>
-            </a:pPr>
-            <a:endParaRPr lang="pt-BR" altLang="pt-BR" sz="2400" dirty="0">
-              <a:solidFill>
-                <a:schemeClr val="tx1"/>
-              </a:solidFill>
-              <a:latin typeface="Times New Roman" panose="02020603050405020304" pitchFamily="18" charset="0"/>
-              <a:cs typeface="Times New Roman" panose="02020603050405020304" pitchFamily="18" charset="0"/>
-            </a:endParaRPr>
-          </a:p>
-          <a:p>
-            <a:pPr marL="0" indent="0" algn="just" eaLnBrk="0" hangingPunct="0">
-              <a:buNone/>
-            </a:pPr>
-            <a:r>
-              <a:rPr lang="pt-BR" altLang="pt-BR" sz="2400" dirty="0">
-                <a:solidFill>
-                  <a:schemeClr val="tx1"/>
-                </a:solidFill>
-                <a:latin typeface="Times New Roman" panose="02020603050405020304" pitchFamily="18" charset="0"/>
-                <a:cs typeface="Times New Roman" panose="02020603050405020304" pitchFamily="18" charset="0"/>
-              </a:rPr>
-              <a:t>No caso do Python na Indústria 4.0, existem aplicações em simulações </a:t>
-            </a:r>
-          </a:p>
-          <a:p>
-            <a:pPr marL="0" indent="0" algn="just" eaLnBrk="0" hangingPunct="0">
-              <a:buNone/>
-            </a:pPr>
-            <a:r>
-              <a:rPr lang="pt-BR" altLang="pt-BR" sz="2400" dirty="0">
-                <a:solidFill>
-                  <a:schemeClr val="tx1"/>
-                </a:solidFill>
-                <a:latin typeface="Times New Roman" panose="02020603050405020304" pitchFamily="18" charset="0"/>
-                <a:cs typeface="Times New Roman" panose="02020603050405020304" pitchFamily="18" charset="0"/>
-              </a:rPr>
-              <a:t>simples, como BD na internet, aprendizado de máquinas, automação de tarefas, árvore de decisão, etc.</a:t>
-            </a:r>
-          </a:p>
-        </p:txBody>
-      </p:sp>
-      <p:cxnSp>
-        <p:nvCxnSpPr>
-          <p:cNvPr id="4" name="Conector reto 3">
-            <a:extLst>
-              <a:ext uri="{FF2B5EF4-FFF2-40B4-BE49-F238E27FC236}">
-                <a16:creationId xmlns:a16="http://schemas.microsoft.com/office/drawing/2014/main" id="{53C1D5BE-B08D-43BA-9100-4319F7669DAD}"/>
-              </a:ext>
-            </a:extLst>
-          </p:cNvPr>
-          <p:cNvCxnSpPr>
-            <a:cxnSpLocks/>
-          </p:cNvCxnSpPr>
-          <p:nvPr/>
-        </p:nvCxnSpPr>
-        <p:spPr>
-          <a:xfrm flipV="1">
-            <a:off x="310728" y="902136"/>
-            <a:ext cx="8699160" cy="40954"/>
-          </a:xfrm>
-          <a:prstGeom prst="line">
-            <a:avLst/>
-          </a:prstGeom>
-          <a:ln w="38100">
-            <a:headEnd type="none" w="med" len="med"/>
-            <a:tailEnd type="none" w="med" len="med"/>
-          </a:ln>
-          <a:scene3d>
-            <a:camera prst="orthographicFront"/>
-            <a:lightRig rig="threePt" dir="t"/>
-          </a:scene3d>
-          <a:sp3d>
-            <a:bevelT prst="convex"/>
-          </a:sp3d>
-        </p:spPr>
-        <p:style>
-          <a:lnRef idx="3">
-            <a:schemeClr val="accent1"/>
-          </a:lnRef>
-          <a:fillRef idx="0">
-            <a:schemeClr val="accent1"/>
-          </a:fillRef>
-          <a:effectRef idx="2">
-            <a:schemeClr val="accent1"/>
-          </a:effectRef>
-          <a:fontRef idx="minor">
-            <a:schemeClr val="tx1"/>
-          </a:fontRef>
-        </p:style>
-      </p:cxnSp>
-    </p:spTree>
-    <p:extLst>
-      <p:ext uri="{BB962C8B-B14F-4D97-AF65-F5344CB8AC3E}">
-        <p14:creationId xmlns:p14="http://schemas.microsoft.com/office/powerpoint/2010/main" val="1678650479"/>
-      </p:ext>
-    </p:extLst>
-  </p:cSld>
-  <p:clrMapOvr>
-    <a:masterClrMapping/>
-  </p:clrMapOvr>
-  <p:transition spd="med"/>
-</p:sld>
-</file>
-
-<file path=ppt/slides/slide8.xml><?xml version="1.0" encoding="utf-8"?>
-<p:sld xmlns:a="http://schemas.openxmlformats.org/drawingml/2006/main" xmlns:r="http://schemas.openxmlformats.org/officeDocument/2006/relationships" xmlns:p="http://schemas.openxmlformats.org/presentationml/2006/main">
-  <p:cSld>
-    <p:spTree>
-      <p:nvGrpSpPr>
-        <p:cNvPr id="1" name=""/>
-        <p:cNvGrpSpPr/>
-        <p:nvPr/>
-      </p:nvGrpSpPr>
-      <p:grpSpPr>
-        <a:xfrm>
-          <a:off x="0" y="0"/>
-          <a:ext cx="0" cy="0"/>
-          <a:chOff x="0" y="0"/>
-          <a:chExt cx="0" cy="0"/>
-        </a:xfrm>
-      </p:grpSpPr>
-      <p:sp>
-        <p:nvSpPr>
-          <p:cNvPr id="6" name="Title 1"/>
-          <p:cNvSpPr>
-            <a:spLocks noGrp="1"/>
-          </p:cNvSpPr>
-          <p:nvPr>
-            <p:ph type="title"/>
-          </p:nvPr>
-        </p:nvSpPr>
-        <p:spPr>
-          <a:xfrm>
-            <a:off x="457200" y="205980"/>
-            <a:ext cx="8229600" cy="857251"/>
-          </a:xfrm>
-        </p:spPr>
-        <p:txBody>
-          <a:bodyPr/>
-          <a:lstStyle/>
-          <a:p>
-            <a:r>
-              <a:rPr lang="en-US" b="1" dirty="0" err="1">
-                <a:solidFill>
-                  <a:srgbClr val="0070C0"/>
-                </a:solidFill>
-              </a:rPr>
-              <a:t>Visão</a:t>
-            </a:r>
-            <a:r>
-              <a:rPr lang="en-US" b="1" dirty="0">
-                <a:solidFill>
-                  <a:srgbClr val="0070C0"/>
-                </a:solidFill>
-              </a:rPr>
-              <a:t> </a:t>
-            </a:r>
-            <a:r>
-              <a:rPr lang="en-US" b="1" dirty="0" err="1">
-                <a:solidFill>
-                  <a:srgbClr val="0070C0"/>
-                </a:solidFill>
-              </a:rPr>
-              <a:t>Geral</a:t>
-            </a:r>
-            <a:r>
-              <a:rPr lang="en-US" b="1" dirty="0">
-                <a:solidFill>
-                  <a:srgbClr val="0070C0"/>
-                </a:solidFill>
-              </a:rPr>
-              <a:t> da </a:t>
-            </a:r>
-            <a:r>
-              <a:rPr lang="en-US" b="1" dirty="0" err="1">
-                <a:solidFill>
-                  <a:srgbClr val="0070C0"/>
-                </a:solidFill>
-              </a:rPr>
-              <a:t>Disciplina</a:t>
-            </a:r>
-            <a:endParaRPr lang="en-US" b="1" dirty="0">
-              <a:solidFill>
-                <a:srgbClr val="0070C0"/>
-              </a:solidFill>
-            </a:endParaRPr>
-          </a:p>
-        </p:txBody>
-      </p:sp>
-      <p:sp>
-        <p:nvSpPr>
-          <p:cNvPr id="8" name="Text Placeholder 2"/>
-          <p:cNvSpPr>
-            <a:spLocks noGrp="1"/>
-          </p:cNvSpPr>
-          <p:nvPr>
-            <p:ph type="body" sz="half" idx="1"/>
-          </p:nvPr>
-        </p:nvSpPr>
-        <p:spPr>
-          <a:xfrm>
-            <a:off x="142865" y="1104186"/>
-            <a:ext cx="8865056" cy="3957406"/>
-          </a:xfrm>
-        </p:spPr>
-        <p:txBody>
-          <a:bodyPr>
-            <a:noAutofit/>
-          </a:bodyPr>
-          <a:lstStyle/>
-          <a:p>
-            <a:pPr marL="0" indent="0" algn="just" eaLnBrk="0" hangingPunct="0">
-              <a:buNone/>
-            </a:pPr>
-            <a:r>
-              <a:rPr lang="pt-BR" altLang="pt-BR" sz="2400" b="1" dirty="0">
-                <a:solidFill>
-                  <a:srgbClr val="FF0000"/>
-                </a:solidFill>
-                <a:latin typeface="Times New Roman" panose="02020603050405020304" pitchFamily="18" charset="0"/>
-                <a:cs typeface="Times New Roman" panose="02020603050405020304" pitchFamily="18" charset="0"/>
-              </a:rPr>
-              <a:t>Resumo</a:t>
-            </a:r>
-            <a:r>
-              <a:rPr lang="pt-BR" altLang="pt-BR" sz="2400" b="1" dirty="0">
-                <a:solidFill>
-                  <a:schemeClr val="tx1"/>
-                </a:solidFill>
-                <a:latin typeface="Times New Roman" panose="02020603050405020304" pitchFamily="18" charset="0"/>
-                <a:cs typeface="Times New Roman" panose="02020603050405020304" pitchFamily="18" charset="0"/>
-              </a:rPr>
-              <a:t>:</a:t>
-            </a:r>
-          </a:p>
-          <a:p>
-            <a:pPr marL="0" indent="0" algn="just" eaLnBrk="0" hangingPunct="0">
-              <a:buNone/>
-            </a:pPr>
-            <a:endParaRPr lang="pt-BR" altLang="pt-BR" sz="2400" dirty="0">
-              <a:solidFill>
-                <a:schemeClr val="tx1"/>
-              </a:solidFill>
-              <a:latin typeface="Times New Roman" panose="02020603050405020304" pitchFamily="18" charset="0"/>
-              <a:cs typeface="Times New Roman" panose="02020603050405020304" pitchFamily="18" charset="0"/>
-            </a:endParaRPr>
-          </a:p>
-          <a:p>
-            <a:pPr marL="0" indent="0" algn="just" eaLnBrk="0" hangingPunct="0">
-              <a:buNone/>
-            </a:pPr>
-            <a:endParaRPr lang="pt-BR" altLang="pt-BR" sz="2400" dirty="0">
-              <a:solidFill>
-                <a:schemeClr val="tx1"/>
-              </a:solidFill>
-              <a:latin typeface="Times New Roman" panose="02020603050405020304" pitchFamily="18" charset="0"/>
-              <a:cs typeface="Times New Roman" panose="02020603050405020304" pitchFamily="18" charset="0"/>
-            </a:endParaRPr>
-          </a:p>
-          <a:p>
-            <a:pPr marL="0" indent="0" algn="just" eaLnBrk="0" hangingPunct="0">
-              <a:buNone/>
-            </a:pPr>
-            <a:r>
-              <a:rPr lang="pt-BR" altLang="pt-BR" sz="2400" dirty="0">
-                <a:solidFill>
-                  <a:schemeClr val="tx1"/>
-                </a:solidFill>
-                <a:latin typeface="Times New Roman" panose="02020603050405020304" pitchFamily="18" charset="0"/>
-                <a:cs typeface="Times New Roman" panose="02020603050405020304" pitchFamily="18" charset="0"/>
-                <a:hlinkClick r:id="rId3"/>
-              </a:rPr>
-              <a:t>https://noticias.portaldaindustria.com.br/noticias/industria-de-a-a-z/9-o-que-e-industria-40/</a:t>
-            </a:r>
-            <a:endParaRPr lang="pt-BR" altLang="pt-BR" sz="2400" dirty="0">
-              <a:solidFill>
-                <a:schemeClr val="tx1"/>
-              </a:solidFill>
-              <a:latin typeface="Times New Roman" panose="02020603050405020304" pitchFamily="18" charset="0"/>
-              <a:cs typeface="Times New Roman" panose="02020603050405020304" pitchFamily="18" charset="0"/>
-            </a:endParaRPr>
-          </a:p>
-          <a:p>
-            <a:pPr marL="0" indent="0" algn="just" eaLnBrk="0" hangingPunct="0">
-              <a:buNone/>
-            </a:pPr>
-            <a:endParaRPr lang="pt-BR" altLang="pt-BR" sz="2400" dirty="0">
-              <a:solidFill>
-                <a:schemeClr val="tx1"/>
-              </a:solidFill>
-              <a:latin typeface="Times New Roman" panose="02020603050405020304" pitchFamily="18" charset="0"/>
-              <a:cs typeface="Times New Roman" panose="02020603050405020304" pitchFamily="18" charset="0"/>
-            </a:endParaRPr>
-          </a:p>
-          <a:p>
-            <a:pPr marL="0" indent="0" algn="just" eaLnBrk="0" hangingPunct="0">
-              <a:buNone/>
-            </a:pPr>
-            <a:endParaRPr lang="pt-BR" altLang="pt-BR" sz="2400" dirty="0">
-              <a:solidFill>
-                <a:schemeClr val="tx1"/>
-              </a:solidFill>
-              <a:latin typeface="Times New Roman" panose="02020603050405020304" pitchFamily="18" charset="0"/>
-              <a:cs typeface="Times New Roman" panose="02020603050405020304" pitchFamily="18" charset="0"/>
-            </a:endParaRPr>
-          </a:p>
-          <a:p>
-            <a:pPr marL="0" indent="0" algn="just" eaLnBrk="0" hangingPunct="0">
-              <a:buNone/>
-            </a:pPr>
-            <a:endParaRPr lang="pt-BR" altLang="pt-BR" sz="2400" dirty="0">
-              <a:solidFill>
-                <a:schemeClr val="tx1"/>
-              </a:solidFill>
-              <a:latin typeface="Times New Roman" panose="02020603050405020304" pitchFamily="18" charset="0"/>
-              <a:cs typeface="Times New Roman" panose="02020603050405020304" pitchFamily="18" charset="0"/>
-            </a:endParaRPr>
-          </a:p>
-        </p:txBody>
-      </p:sp>
-      <p:cxnSp>
-        <p:nvCxnSpPr>
-          <p:cNvPr id="4" name="Conector reto 3">
-            <a:extLst>
-              <a:ext uri="{FF2B5EF4-FFF2-40B4-BE49-F238E27FC236}">
-                <a16:creationId xmlns:a16="http://schemas.microsoft.com/office/drawing/2014/main" id="{53C1D5BE-B08D-43BA-9100-4319F7669DAD}"/>
-              </a:ext>
-            </a:extLst>
-          </p:cNvPr>
-          <p:cNvCxnSpPr>
-            <a:cxnSpLocks/>
-          </p:cNvCxnSpPr>
-          <p:nvPr/>
-        </p:nvCxnSpPr>
-        <p:spPr>
-          <a:xfrm flipV="1">
-            <a:off x="310728" y="902136"/>
-            <a:ext cx="8699160" cy="40954"/>
-          </a:xfrm>
-          <a:prstGeom prst="line">
-            <a:avLst/>
-          </a:prstGeom>
-          <a:ln w="38100">
-            <a:headEnd type="none" w="med" len="med"/>
-            <a:tailEnd type="none" w="med" len="med"/>
-          </a:ln>
-          <a:scene3d>
-            <a:camera prst="orthographicFront"/>
-            <a:lightRig rig="threePt" dir="t"/>
-          </a:scene3d>
-          <a:sp3d>
-            <a:bevelT prst="convex"/>
-          </a:sp3d>
-        </p:spPr>
-        <p:style>
-          <a:lnRef idx="3">
-            <a:schemeClr val="accent1"/>
-          </a:lnRef>
-          <a:fillRef idx="0">
-            <a:schemeClr val="accent1"/>
-          </a:fillRef>
-          <a:effectRef idx="2">
-            <a:schemeClr val="accent1"/>
-          </a:effectRef>
-          <a:fontRef idx="minor">
-            <a:schemeClr val="tx1"/>
-          </a:fontRef>
-        </p:style>
-      </p:cxnSp>
-    </p:spTree>
-    <p:extLst>
-      <p:ext uri="{BB962C8B-B14F-4D97-AF65-F5344CB8AC3E}">
-        <p14:creationId xmlns:p14="http://schemas.microsoft.com/office/powerpoint/2010/main" val="161451436"/>
-      </p:ext>
-    </p:extLst>
-  </p:cSld>
-  <p:clrMapOvr>
-    <a:masterClrMapping/>
-  </p:clrMapOvr>
-  <p:transition spd="med"/>
-</p:sld>
-</file>
-
-<file path=ppt/slides/slide9.xml><?xml version="1.0" encoding="utf-8"?>
-<p:sld xmlns:a="http://schemas.openxmlformats.org/drawingml/2006/main" xmlns:r="http://schemas.openxmlformats.org/officeDocument/2006/relationships" xmlns:p="http://schemas.openxmlformats.org/presentationml/2006/main">
-  <p:cSld>
-    <p:spTree>
-      <p:nvGrpSpPr>
-        <p:cNvPr id="1" name=""/>
-        <p:cNvGrpSpPr/>
-        <p:nvPr/>
-      </p:nvGrpSpPr>
-      <p:grpSpPr>
-        <a:xfrm>
-          <a:off x="0" y="0"/>
-          <a:ext cx="0" cy="0"/>
-          <a:chOff x="0" y="0"/>
-          <a:chExt cx="0" cy="0"/>
-        </a:xfrm>
-      </p:grpSpPr>
-      <p:sp>
-        <p:nvSpPr>
-          <p:cNvPr id="6" name="Title 1"/>
-          <p:cNvSpPr>
-            <a:spLocks noGrp="1"/>
-          </p:cNvSpPr>
-          <p:nvPr>
-            <p:ph type="title"/>
-          </p:nvPr>
-        </p:nvSpPr>
-        <p:spPr>
-          <a:xfrm>
-            <a:off x="457200" y="205980"/>
-            <a:ext cx="8229600" cy="857251"/>
-          </a:xfrm>
-        </p:spPr>
-        <p:txBody>
-          <a:bodyPr/>
-          <a:lstStyle/>
-          <a:p>
-            <a:r>
-              <a:rPr lang="en-US" b="1" dirty="0" err="1">
-                <a:solidFill>
-                  <a:srgbClr val="0070C0"/>
-                </a:solidFill>
-              </a:rPr>
-              <a:t>Objetivos</a:t>
-            </a:r>
-            <a:r>
-              <a:rPr lang="en-US" b="1" dirty="0">
-                <a:solidFill>
-                  <a:srgbClr val="0070C0"/>
-                </a:solidFill>
-              </a:rPr>
-              <a:t>/</a:t>
-            </a:r>
-            <a:r>
-              <a:rPr lang="en-US" b="1" dirty="0" err="1">
-                <a:solidFill>
-                  <a:srgbClr val="0070C0"/>
-                </a:solidFill>
-              </a:rPr>
-              <a:t>Habilidades</a:t>
-            </a:r>
-            <a:endParaRPr lang="en-US" b="1" dirty="0">
-              <a:solidFill>
-                <a:srgbClr val="0070C0"/>
-              </a:solidFill>
-            </a:endParaRPr>
-          </a:p>
-        </p:txBody>
-      </p:sp>
-      <p:sp>
-        <p:nvSpPr>
-          <p:cNvPr id="8" name="Text Placeholder 2"/>
-          <p:cNvSpPr>
-            <a:spLocks noGrp="1"/>
-          </p:cNvSpPr>
-          <p:nvPr>
-            <p:ph type="body" sz="half" idx="1"/>
-          </p:nvPr>
-        </p:nvSpPr>
-        <p:spPr>
-          <a:xfrm>
-            <a:off x="142865" y="1104186"/>
-            <a:ext cx="8865056" cy="3833334"/>
-          </a:xfrm>
-        </p:spPr>
-        <p:txBody>
-          <a:bodyPr>
-            <a:noAutofit/>
-          </a:bodyPr>
-          <a:lstStyle/>
-          <a:p>
-            <a:pPr algn="just" eaLnBrk="0" hangingPunct="0">
-              <a:buFont typeface="Wingdings" panose="05000000000000000000" pitchFamily="2" charset="2"/>
-              <a:buChar char="§"/>
-            </a:pPr>
-            <a:r>
-              <a:rPr lang="pt-BR" sz="2400" dirty="0">
-                <a:solidFill>
-                  <a:schemeClr val="tx1"/>
-                </a:solidFill>
-                <a:latin typeface="Times New Roman" panose="02020603050405020304" pitchFamily="18" charset="0"/>
-                <a:cs typeface="Times New Roman" panose="02020603050405020304" pitchFamily="18" charset="0"/>
-              </a:rPr>
-              <a:t>Analisar plataformas e dispositivos </a:t>
-            </a:r>
-            <a:r>
-              <a:rPr lang="pt-BR" sz="2400" dirty="0" err="1">
-                <a:solidFill>
-                  <a:schemeClr val="tx1"/>
-                </a:solidFill>
-                <a:latin typeface="Times New Roman" panose="02020603050405020304" pitchFamily="18" charset="0"/>
-                <a:cs typeface="Times New Roman" panose="02020603050405020304" pitchFamily="18" charset="0"/>
-              </a:rPr>
-              <a:t>IoT</a:t>
-            </a:r>
-            <a:r>
-              <a:rPr lang="pt-BR" sz="2400" dirty="0">
-                <a:solidFill>
-                  <a:schemeClr val="tx1"/>
-                </a:solidFill>
-                <a:latin typeface="Times New Roman" panose="02020603050405020304" pitchFamily="18" charset="0"/>
-                <a:cs typeface="Times New Roman" panose="02020603050405020304" pitchFamily="18" charset="0"/>
-              </a:rPr>
-              <a:t>, baseando-­se em protocolos padronizados, para o desenvolvimento de soluções que permitam facilidade de monitoração e controle de dispositivos pela Internet.</a:t>
-            </a:r>
-          </a:p>
-          <a:p>
-            <a:pPr algn="just" eaLnBrk="0" hangingPunct="0">
-              <a:buFont typeface="Wingdings" panose="05000000000000000000" pitchFamily="2" charset="2"/>
-              <a:buChar char="§"/>
-            </a:pPr>
-            <a:endParaRPr lang="pt-BR" sz="2400" dirty="0">
-              <a:solidFill>
-                <a:schemeClr val="tx1"/>
-              </a:solidFill>
-              <a:latin typeface="Times New Roman" panose="02020603050405020304" pitchFamily="18" charset="0"/>
-              <a:cs typeface="Times New Roman" panose="02020603050405020304" pitchFamily="18" charset="0"/>
-            </a:endParaRPr>
-          </a:p>
-          <a:p>
-            <a:pPr algn="just" eaLnBrk="0" hangingPunct="0">
-              <a:buFont typeface="Wingdings" panose="05000000000000000000" pitchFamily="2" charset="2"/>
-              <a:buChar char="§"/>
-            </a:pPr>
-            <a:r>
-              <a:rPr lang="pt-BR" sz="2400" dirty="0">
-                <a:solidFill>
-                  <a:schemeClr val="tx1"/>
-                </a:solidFill>
-                <a:latin typeface="Times New Roman" panose="02020603050405020304" pitchFamily="18" charset="0"/>
-                <a:cs typeface="Times New Roman" panose="02020603050405020304" pitchFamily="18" charset="0"/>
-              </a:rPr>
-              <a:t>Programar sistemas microprocessados ou microcontrolados, utilizando a linguagem Python, para o desenvolvimento de projetos </a:t>
-            </a:r>
-            <a:r>
-              <a:rPr lang="pt-BR" sz="2400" dirty="0" err="1">
-                <a:solidFill>
-                  <a:schemeClr val="tx1"/>
-                </a:solidFill>
-                <a:latin typeface="Times New Roman" panose="02020603050405020304" pitchFamily="18" charset="0"/>
-                <a:cs typeface="Times New Roman" panose="02020603050405020304" pitchFamily="18" charset="0"/>
-              </a:rPr>
-              <a:t>IoT</a:t>
-            </a:r>
-            <a:r>
-              <a:rPr lang="pt-BR" sz="2400" dirty="0">
-                <a:solidFill>
-                  <a:schemeClr val="tx1"/>
-                </a:solidFill>
-                <a:latin typeface="Times New Roman" panose="02020603050405020304" pitchFamily="18" charset="0"/>
-                <a:cs typeface="Times New Roman" panose="02020603050405020304" pitchFamily="18" charset="0"/>
-              </a:rPr>
-              <a:t> com as plataformas de prototipagem mais comuns atualmente.</a:t>
-            </a:r>
-          </a:p>
-        </p:txBody>
-      </p:sp>
-      <p:cxnSp>
-        <p:nvCxnSpPr>
-          <p:cNvPr id="4" name="Conector reto 3">
-            <a:extLst>
-              <a:ext uri="{FF2B5EF4-FFF2-40B4-BE49-F238E27FC236}">
-                <a16:creationId xmlns:a16="http://schemas.microsoft.com/office/drawing/2014/main" id="{53C1D5BE-B08D-43BA-9100-4319F7669DAD}"/>
-              </a:ext>
-            </a:extLst>
-          </p:cNvPr>
-          <p:cNvCxnSpPr>
-            <a:cxnSpLocks/>
-          </p:cNvCxnSpPr>
-          <p:nvPr/>
-        </p:nvCxnSpPr>
-        <p:spPr>
-          <a:xfrm flipV="1">
-            <a:off x="310728" y="902136"/>
-            <a:ext cx="8699160" cy="40954"/>
-          </a:xfrm>
-          <a:prstGeom prst="line">
-            <a:avLst/>
-          </a:prstGeom>
-          <a:ln w="38100">
-            <a:headEnd type="none" w="med" len="med"/>
-            <a:tailEnd type="none" w="med" len="med"/>
-          </a:ln>
-          <a:scene3d>
-            <a:camera prst="orthographicFront"/>
-            <a:lightRig rig="threePt" dir="t"/>
-          </a:scene3d>
-          <a:sp3d>
-            <a:bevelT prst="convex"/>
-          </a:sp3d>
-        </p:spPr>
-        <p:style>
-          <a:lnRef idx="3">
-            <a:schemeClr val="accent1"/>
-          </a:lnRef>
-          <a:fillRef idx="0">
-            <a:schemeClr val="accent1"/>
-          </a:fillRef>
-          <a:effectRef idx="2">
-            <a:schemeClr val="accent1"/>
-          </a:effectRef>
-          <a:fontRef idx="minor">
-            <a:schemeClr val="tx1"/>
-          </a:fontRef>
-        </p:style>
-      </p:cxnSp>
-    </p:spTree>
-    <p:extLst>
-      <p:ext uri="{BB962C8B-B14F-4D97-AF65-F5344CB8AC3E}">
-        <p14:creationId xmlns:p14="http://schemas.microsoft.com/office/powerpoint/2010/main" val="2685163356"/>
       </p:ext>
     </p:extLst>
   </p:cSld>

--- a/Apresentação - Programação Microcontroladores.pptx
+++ b/Apresentação - Programação Microcontroladores.pptx
@@ -5,7 +5,7 @@
     <p:sldMasterId id="2147483648" r:id="rId1"/>
   </p:sldMasterIdLst>
   <p:notesMasterIdLst>
-    <p:notesMasterId r:id="rId28"/>
+    <p:notesMasterId r:id="rId29"/>
   </p:notesMasterIdLst>
   <p:sldIdLst>
     <p:sldId id="256" r:id="rId2"/>
@@ -18,22 +18,23 @@
     <p:sldId id="355" r:id="rId9"/>
     <p:sldId id="351" r:id="rId10"/>
     <p:sldId id="356" r:id="rId11"/>
-    <p:sldId id="352" r:id="rId12"/>
-    <p:sldId id="333" r:id="rId13"/>
-    <p:sldId id="359" r:id="rId14"/>
-    <p:sldId id="360" r:id="rId15"/>
-    <p:sldId id="334" r:id="rId16"/>
-    <p:sldId id="343" r:id="rId17"/>
-    <p:sldId id="344" r:id="rId18"/>
-    <p:sldId id="345" r:id="rId19"/>
-    <p:sldId id="346" r:id="rId20"/>
-    <p:sldId id="347" r:id="rId21"/>
-    <p:sldId id="335" r:id="rId22"/>
-    <p:sldId id="340" r:id="rId23"/>
-    <p:sldId id="336" r:id="rId24"/>
-    <p:sldId id="341" r:id="rId25"/>
-    <p:sldId id="361" r:id="rId26"/>
-    <p:sldId id="309" r:id="rId27"/>
+    <p:sldId id="362" r:id="rId12"/>
+    <p:sldId id="352" r:id="rId13"/>
+    <p:sldId id="333" r:id="rId14"/>
+    <p:sldId id="359" r:id="rId15"/>
+    <p:sldId id="360" r:id="rId16"/>
+    <p:sldId id="334" r:id="rId17"/>
+    <p:sldId id="343" r:id="rId18"/>
+    <p:sldId id="344" r:id="rId19"/>
+    <p:sldId id="345" r:id="rId20"/>
+    <p:sldId id="346" r:id="rId21"/>
+    <p:sldId id="347" r:id="rId22"/>
+    <p:sldId id="335" r:id="rId23"/>
+    <p:sldId id="340" r:id="rId24"/>
+    <p:sldId id="336" r:id="rId25"/>
+    <p:sldId id="341" r:id="rId26"/>
+    <p:sldId id="361" r:id="rId27"/>
+    <p:sldId id="309" r:id="rId28"/>
   </p:sldIdLst>
   <p:sldSz cx="9144000" cy="5143500" type="screen16x9"/>
   <p:notesSz cx="6858000" cy="9144000"/>
@@ -641,7 +642,7 @@
     </p:spTree>
     <p:extLst>
       <p:ext uri="{BB962C8B-B14F-4D97-AF65-F5344CB8AC3E}">
-        <p14:creationId xmlns:p14="http://schemas.microsoft.com/office/powerpoint/2010/main" val="1235143066"/>
+        <p14:creationId xmlns:p14="http://schemas.microsoft.com/office/powerpoint/2010/main" val="3718338346"/>
       </p:ext>
     </p:extLst>
   </p:cSld>
@@ -707,7 +708,7 @@
     </p:spTree>
     <p:extLst>
       <p:ext uri="{BB962C8B-B14F-4D97-AF65-F5344CB8AC3E}">
-        <p14:creationId xmlns:p14="http://schemas.microsoft.com/office/powerpoint/2010/main" val="1209447416"/>
+        <p14:creationId xmlns:p14="http://schemas.microsoft.com/office/powerpoint/2010/main" val="1235143066"/>
       </p:ext>
     </p:extLst>
   </p:cSld>
@@ -773,7 +774,7 @@
     </p:spTree>
     <p:extLst>
       <p:ext uri="{BB962C8B-B14F-4D97-AF65-F5344CB8AC3E}">
-        <p14:creationId xmlns:p14="http://schemas.microsoft.com/office/powerpoint/2010/main" val="499548038"/>
+        <p14:creationId xmlns:p14="http://schemas.microsoft.com/office/powerpoint/2010/main" val="1209447416"/>
       </p:ext>
     </p:extLst>
   </p:cSld>
@@ -839,7 +840,7 @@
     </p:spTree>
     <p:extLst>
       <p:ext uri="{BB962C8B-B14F-4D97-AF65-F5344CB8AC3E}">
-        <p14:creationId xmlns:p14="http://schemas.microsoft.com/office/powerpoint/2010/main" val="940003229"/>
+        <p14:creationId xmlns:p14="http://schemas.microsoft.com/office/powerpoint/2010/main" val="499548038"/>
       </p:ext>
     </p:extLst>
   </p:cSld>
@@ -905,7 +906,7 @@
     </p:spTree>
     <p:extLst>
       <p:ext uri="{BB962C8B-B14F-4D97-AF65-F5344CB8AC3E}">
-        <p14:creationId xmlns:p14="http://schemas.microsoft.com/office/powerpoint/2010/main" val="3489477623"/>
+        <p14:creationId xmlns:p14="http://schemas.microsoft.com/office/powerpoint/2010/main" val="940003229"/>
       </p:ext>
     </p:extLst>
   </p:cSld>
@@ -971,7 +972,7 @@
     </p:spTree>
     <p:extLst>
       <p:ext uri="{BB962C8B-B14F-4D97-AF65-F5344CB8AC3E}">
-        <p14:creationId xmlns:p14="http://schemas.microsoft.com/office/powerpoint/2010/main" val="1187788449"/>
+        <p14:creationId xmlns:p14="http://schemas.microsoft.com/office/powerpoint/2010/main" val="3489477623"/>
       </p:ext>
     </p:extLst>
   </p:cSld>
@@ -1037,7 +1038,7 @@
     </p:spTree>
     <p:extLst>
       <p:ext uri="{BB962C8B-B14F-4D97-AF65-F5344CB8AC3E}">
-        <p14:creationId xmlns:p14="http://schemas.microsoft.com/office/powerpoint/2010/main" val="873631164"/>
+        <p14:creationId xmlns:p14="http://schemas.microsoft.com/office/powerpoint/2010/main" val="1187788449"/>
       </p:ext>
     </p:extLst>
   </p:cSld>
@@ -1103,7 +1104,7 @@
     </p:spTree>
     <p:extLst>
       <p:ext uri="{BB962C8B-B14F-4D97-AF65-F5344CB8AC3E}">
-        <p14:creationId xmlns:p14="http://schemas.microsoft.com/office/powerpoint/2010/main" val="1014264510"/>
+        <p14:creationId xmlns:p14="http://schemas.microsoft.com/office/powerpoint/2010/main" val="873631164"/>
       </p:ext>
     </p:extLst>
   </p:cSld>
@@ -1169,7 +1170,7 @@
     </p:spTree>
     <p:extLst>
       <p:ext uri="{BB962C8B-B14F-4D97-AF65-F5344CB8AC3E}">
-        <p14:creationId xmlns:p14="http://schemas.microsoft.com/office/powerpoint/2010/main" val="2484314533"/>
+        <p14:creationId xmlns:p14="http://schemas.microsoft.com/office/powerpoint/2010/main" val="1014264510"/>
       </p:ext>
     </p:extLst>
   </p:cSld>
@@ -1235,7 +1236,7 @@
     </p:spTree>
     <p:extLst>
       <p:ext uri="{BB962C8B-B14F-4D97-AF65-F5344CB8AC3E}">
-        <p14:creationId xmlns:p14="http://schemas.microsoft.com/office/powerpoint/2010/main" val="2690279454"/>
+        <p14:creationId xmlns:p14="http://schemas.microsoft.com/office/powerpoint/2010/main" val="2484314533"/>
       </p:ext>
     </p:extLst>
   </p:cSld>
@@ -1367,7 +1368,7 @@
     </p:spTree>
     <p:extLst>
       <p:ext uri="{BB962C8B-B14F-4D97-AF65-F5344CB8AC3E}">
-        <p14:creationId xmlns:p14="http://schemas.microsoft.com/office/powerpoint/2010/main" val="371893395"/>
+        <p14:creationId xmlns:p14="http://schemas.microsoft.com/office/powerpoint/2010/main" val="2690279454"/>
       </p:ext>
     </p:extLst>
   </p:cSld>
@@ -1433,7 +1434,7 @@
     </p:spTree>
     <p:extLst>
       <p:ext uri="{BB962C8B-B14F-4D97-AF65-F5344CB8AC3E}">
-        <p14:creationId xmlns:p14="http://schemas.microsoft.com/office/powerpoint/2010/main" val="2567907220"/>
+        <p14:creationId xmlns:p14="http://schemas.microsoft.com/office/powerpoint/2010/main" val="371893395"/>
       </p:ext>
     </p:extLst>
   </p:cSld>
@@ -1499,6 +1500,72 @@
     </p:spTree>
     <p:extLst>
       <p:ext uri="{BB962C8B-B14F-4D97-AF65-F5344CB8AC3E}">
+        <p14:creationId xmlns:p14="http://schemas.microsoft.com/office/powerpoint/2010/main" val="2567907220"/>
+      </p:ext>
+    </p:extLst>
+  </p:cSld>
+  <p:clrMapOvr>
+    <a:masterClrMapping/>
+  </p:clrMapOvr>
+</p:notes>
+</file>
+
+<file path=ppt/notesSlides/notesSlide23.xml><?xml version="1.0" encoding="utf-8"?>
+<p:notes xmlns:a="http://schemas.openxmlformats.org/drawingml/2006/main" xmlns:r="http://schemas.openxmlformats.org/officeDocument/2006/relationships" xmlns:p="http://schemas.openxmlformats.org/presentationml/2006/main">
+  <p:cSld>
+    <p:spTree>
+      <p:nvGrpSpPr>
+        <p:cNvPr id="1" name=""/>
+        <p:cNvGrpSpPr/>
+        <p:nvPr/>
+      </p:nvGrpSpPr>
+      <p:grpSpPr>
+        <a:xfrm>
+          <a:off x="0" y="0"/>
+          <a:ext cx="0" cy="0"/>
+          <a:chOff x="0" y="0"/>
+          <a:chExt cx="0" cy="0"/>
+        </a:xfrm>
+      </p:grpSpPr>
+      <p:sp>
+        <p:nvSpPr>
+          <p:cNvPr id="2" name="Espaço Reservado para Imagem de Slide 1"/>
+          <p:cNvSpPr>
+            <a:spLocks noGrp="1" noRot="1" noChangeAspect="1"/>
+          </p:cNvSpPr>
+          <p:nvPr>
+            <p:ph type="sldImg"/>
+          </p:nvPr>
+        </p:nvSpPr>
+        <p:spPr>
+          <a:xfrm>
+            <a:off x="381000" y="685800"/>
+            <a:ext cx="6096000" cy="3429000"/>
+          </a:xfrm>
+        </p:spPr>
+      </p:sp>
+      <p:sp>
+        <p:nvSpPr>
+          <p:cNvPr id="3" name="Espaço Reservado para Anotações 2"/>
+          <p:cNvSpPr>
+            <a:spLocks noGrp="1"/>
+          </p:cNvSpPr>
+          <p:nvPr>
+            <p:ph type="body" idx="1"/>
+          </p:nvPr>
+        </p:nvSpPr>
+        <p:spPr/>
+        <p:txBody>
+          <a:bodyPr/>
+          <a:lstStyle/>
+          <a:p>
+            <a:endParaRPr lang="pt-BR" dirty="0"/>
+          </a:p>
+        </p:txBody>
+      </p:sp>
+    </p:spTree>
+    <p:extLst>
+      <p:ext uri="{BB962C8B-B14F-4D97-AF65-F5344CB8AC3E}">
         <p14:creationId xmlns:p14="http://schemas.microsoft.com/office/powerpoint/2010/main" val="4248038200"/>
       </p:ext>
     </p:extLst>
@@ -1509,7 +1576,7 @@
 </p:notes>
 </file>
 
-<file path=ppt/notesSlides/notesSlide23.xml><?xml version="1.0" encoding="utf-8"?>
+<file path=ppt/notesSlides/notesSlide24.xml><?xml version="1.0" encoding="utf-8"?>
 <p:notes xmlns:a="http://schemas.openxmlformats.org/drawingml/2006/main" xmlns:r="http://schemas.openxmlformats.org/officeDocument/2006/relationships" xmlns:p="http://schemas.openxmlformats.org/presentationml/2006/main">
   <p:cSld>
     <p:spTree>
@@ -2027,7 +2094,7 @@
     </p:spTree>
     <p:extLst>
       <p:ext uri="{BB962C8B-B14F-4D97-AF65-F5344CB8AC3E}">
-        <p14:creationId xmlns:p14="http://schemas.microsoft.com/office/powerpoint/2010/main" val="3718338346"/>
+        <p14:creationId xmlns:p14="http://schemas.microsoft.com/office/powerpoint/2010/main" val="2421603751"/>
       </p:ext>
     </p:extLst>
   </p:cSld>
@@ -5395,7 +5462,7 @@
                 <a:latin typeface="Times New Roman" panose="02020603050405020304" pitchFamily="18" charset="0"/>
                 <a:cs typeface="Times New Roman" panose="02020603050405020304" pitchFamily="18" charset="0"/>
               </a:rPr>
-              <a:t>Aplicações com Controladores</a:t>
+              <a:t>Aplicações com Microcontroladores</a:t>
             </a:r>
             <a:endParaRPr lang="pt-BR" altLang="pt-BR" sz="2400" dirty="0">
               <a:solidFill>
@@ -5753,6 +5820,397 @@
             <a:r>
               <a:rPr lang="pt-BR" altLang="pt-BR" sz="2400" b="1" dirty="0">
                 <a:solidFill>
+                  <a:schemeClr val="tx1"/>
+                </a:solidFill>
+                <a:latin typeface="Times New Roman" panose="02020603050405020304" pitchFamily="18" charset="0"/>
+                <a:cs typeface="Times New Roman" panose="02020603050405020304" pitchFamily="18" charset="0"/>
+              </a:rPr>
+              <a:t>				</a:t>
+            </a:r>
+            <a:r>
+              <a:rPr lang="pt-BR" altLang="pt-BR" sz="2400" b="1" dirty="0">
+                <a:solidFill>
+                  <a:srgbClr val="0070C0"/>
+                </a:solidFill>
+                <a:latin typeface="Times New Roman" panose="02020603050405020304" pitchFamily="18" charset="0"/>
+                <a:cs typeface="Times New Roman" panose="02020603050405020304" pitchFamily="18" charset="0"/>
+              </a:rPr>
+              <a:t>Simuladores de Microcontroladores</a:t>
+            </a:r>
+            <a:endParaRPr lang="pt-BR" altLang="pt-BR" sz="2400" dirty="0">
+              <a:solidFill>
+                <a:schemeClr val="tx1"/>
+              </a:solidFill>
+              <a:latin typeface="Times New Roman" panose="02020603050405020304" pitchFamily="18" charset="0"/>
+              <a:cs typeface="Times New Roman" panose="02020603050405020304" pitchFamily="18" charset="0"/>
+            </a:endParaRPr>
+          </a:p>
+          <a:p>
+            <a:pPr algn="just" eaLnBrk="0" hangingPunct="0">
+              <a:buFont typeface="Wingdings" panose="05000000000000000000" pitchFamily="2" charset="2"/>
+              <a:buChar char="ü"/>
+            </a:pPr>
+            <a:endParaRPr lang="pt-BR" altLang="pt-BR" sz="2400" dirty="0">
+              <a:solidFill>
+                <a:schemeClr val="tx1"/>
+              </a:solidFill>
+              <a:latin typeface="Times New Roman" panose="02020603050405020304" pitchFamily="18" charset="0"/>
+              <a:cs typeface="Times New Roman" panose="02020603050405020304" pitchFamily="18" charset="0"/>
+            </a:endParaRPr>
+          </a:p>
+          <a:p>
+            <a:pPr algn="just" eaLnBrk="0" hangingPunct="0">
+              <a:buFont typeface="Wingdings" panose="05000000000000000000" pitchFamily="2" charset="2"/>
+              <a:buChar char="ü"/>
+            </a:pPr>
+            <a:r>
+              <a:rPr lang="pt-BR" altLang="pt-BR" sz="2400" dirty="0" err="1">
+                <a:solidFill>
+                  <a:schemeClr val="tx1"/>
+                </a:solidFill>
+                <a:latin typeface="Times New Roman" panose="02020603050405020304" pitchFamily="18" charset="0"/>
+                <a:cs typeface="Times New Roman" panose="02020603050405020304" pitchFamily="18" charset="0"/>
+              </a:rPr>
+              <a:t>PICSimLab</a:t>
+            </a:r>
+            <a:r>
+              <a:rPr lang="pt-BR" altLang="pt-BR" sz="2400" dirty="0">
+                <a:solidFill>
+                  <a:schemeClr val="tx1"/>
+                </a:solidFill>
+                <a:latin typeface="Times New Roman" panose="02020603050405020304" pitchFamily="18" charset="0"/>
+                <a:cs typeface="Times New Roman" panose="02020603050405020304" pitchFamily="18" charset="0"/>
+              </a:rPr>
+              <a:t> (</a:t>
+            </a:r>
+            <a:r>
+              <a:rPr lang="pt-BR" altLang="pt-BR" sz="2400" dirty="0">
+                <a:solidFill>
+                  <a:schemeClr val="tx1"/>
+                </a:solidFill>
+                <a:latin typeface="Times New Roman" panose="02020603050405020304" pitchFamily="18" charset="0"/>
+                <a:cs typeface="Times New Roman" panose="02020603050405020304" pitchFamily="18" charset="0"/>
+                <a:hlinkClick r:id="rId3"/>
+              </a:rPr>
+              <a:t>https://sourceforge.net/</a:t>
+            </a:r>
+            <a:r>
+              <a:rPr lang="pt-BR" altLang="pt-BR" sz="2400" dirty="0" err="1">
+                <a:solidFill>
+                  <a:schemeClr val="tx1"/>
+                </a:solidFill>
+                <a:latin typeface="Times New Roman" panose="02020603050405020304" pitchFamily="18" charset="0"/>
+                <a:cs typeface="Times New Roman" panose="02020603050405020304" pitchFamily="18" charset="0"/>
+                <a:hlinkClick r:id="rId3"/>
+              </a:rPr>
+              <a:t>projects</a:t>
+            </a:r>
+            <a:r>
+              <a:rPr lang="pt-BR" altLang="pt-BR" sz="2400" dirty="0">
+                <a:solidFill>
+                  <a:schemeClr val="tx1"/>
+                </a:solidFill>
+                <a:latin typeface="Times New Roman" panose="02020603050405020304" pitchFamily="18" charset="0"/>
+                <a:cs typeface="Times New Roman" panose="02020603050405020304" pitchFamily="18" charset="0"/>
+                <a:hlinkClick r:id="rId3"/>
+              </a:rPr>
+              <a:t>/</a:t>
+            </a:r>
+            <a:r>
+              <a:rPr lang="pt-BR" altLang="pt-BR" sz="2400" dirty="0" err="1">
+                <a:solidFill>
+                  <a:schemeClr val="tx1"/>
+                </a:solidFill>
+                <a:latin typeface="Times New Roman" panose="02020603050405020304" pitchFamily="18" charset="0"/>
+                <a:cs typeface="Times New Roman" panose="02020603050405020304" pitchFamily="18" charset="0"/>
+                <a:hlinkClick r:id="rId3"/>
+              </a:rPr>
+              <a:t>picsim</a:t>
+            </a:r>
+            <a:r>
+              <a:rPr lang="pt-BR" altLang="pt-BR" sz="2400" dirty="0">
+                <a:solidFill>
+                  <a:schemeClr val="tx1"/>
+                </a:solidFill>
+                <a:latin typeface="Times New Roman" panose="02020603050405020304" pitchFamily="18" charset="0"/>
+                <a:cs typeface="Times New Roman" panose="02020603050405020304" pitchFamily="18" charset="0"/>
+                <a:hlinkClick r:id="rId3"/>
+              </a:rPr>
+              <a:t>/</a:t>
+            </a:r>
+            <a:r>
+              <a:rPr lang="pt-BR" altLang="pt-BR" sz="2400" dirty="0">
+                <a:solidFill>
+                  <a:schemeClr val="tx1"/>
+                </a:solidFill>
+                <a:latin typeface="Times New Roman" panose="02020603050405020304" pitchFamily="18" charset="0"/>
+                <a:cs typeface="Times New Roman" panose="02020603050405020304" pitchFamily="18" charset="0"/>
+              </a:rPr>
+              <a:t>)</a:t>
+            </a:r>
+          </a:p>
+          <a:p>
+            <a:pPr algn="just" eaLnBrk="0" hangingPunct="0">
+              <a:buFont typeface="Wingdings" panose="05000000000000000000" pitchFamily="2" charset="2"/>
+              <a:buChar char="ü"/>
+            </a:pPr>
+            <a:r>
+              <a:rPr lang="pt-BR" altLang="pt-BR" sz="2400" dirty="0">
+                <a:solidFill>
+                  <a:schemeClr val="tx1"/>
+                </a:solidFill>
+                <a:latin typeface="Times New Roman" panose="02020603050405020304" pitchFamily="18" charset="0"/>
+                <a:cs typeface="Times New Roman" panose="02020603050405020304" pitchFamily="18" charset="0"/>
+              </a:rPr>
+              <a:t>CCS (</a:t>
+            </a:r>
+            <a:r>
+              <a:rPr lang="pt-BR" altLang="pt-BR" sz="2400" dirty="0">
+                <a:solidFill>
+                  <a:schemeClr val="tx1"/>
+                </a:solidFill>
+                <a:latin typeface="Times New Roman" panose="02020603050405020304" pitchFamily="18" charset="0"/>
+                <a:cs typeface="Times New Roman" panose="02020603050405020304" pitchFamily="18" charset="0"/>
+                <a:hlinkClick r:id="rId4"/>
+              </a:rPr>
+              <a:t>https://ccsinfo.com/</a:t>
+            </a:r>
+            <a:r>
+              <a:rPr lang="pt-BR" altLang="pt-BR" sz="2400" dirty="0">
+                <a:solidFill>
+                  <a:schemeClr val="tx1"/>
+                </a:solidFill>
+                <a:latin typeface="Times New Roman" panose="02020603050405020304" pitchFamily="18" charset="0"/>
+                <a:cs typeface="Times New Roman" panose="02020603050405020304" pitchFamily="18" charset="0"/>
+              </a:rPr>
+              <a:t>)</a:t>
+            </a:r>
+          </a:p>
+          <a:p>
+            <a:pPr algn="just" eaLnBrk="0" hangingPunct="0">
+              <a:buFont typeface="Wingdings" panose="05000000000000000000" pitchFamily="2" charset="2"/>
+              <a:buChar char="ü"/>
+            </a:pPr>
+            <a:r>
+              <a:rPr lang="pt-BR" altLang="pt-BR" sz="2400" dirty="0" err="1">
+                <a:solidFill>
+                  <a:schemeClr val="tx1"/>
+                </a:solidFill>
+                <a:latin typeface="Times New Roman" panose="02020603050405020304" pitchFamily="18" charset="0"/>
+                <a:cs typeface="Times New Roman" panose="02020603050405020304" pitchFamily="18" charset="0"/>
+              </a:rPr>
+              <a:t>Proteus</a:t>
+            </a:r>
+            <a:r>
+              <a:rPr lang="pt-BR" altLang="pt-BR" sz="2400" dirty="0">
+                <a:solidFill>
+                  <a:schemeClr val="tx1"/>
+                </a:solidFill>
+                <a:latin typeface="Times New Roman" panose="02020603050405020304" pitchFamily="18" charset="0"/>
+                <a:cs typeface="Times New Roman" panose="02020603050405020304" pitchFamily="18" charset="0"/>
+              </a:rPr>
+              <a:t> Simulator (</a:t>
+            </a:r>
+            <a:r>
+              <a:rPr lang="pt-BR" altLang="pt-BR" sz="2400" dirty="0">
+                <a:solidFill>
+                  <a:schemeClr val="tx1"/>
+                </a:solidFill>
+                <a:latin typeface="Times New Roman" panose="02020603050405020304" pitchFamily="18" charset="0"/>
+                <a:cs typeface="Times New Roman" panose="02020603050405020304" pitchFamily="18" charset="0"/>
+                <a:hlinkClick r:id="rId5"/>
+              </a:rPr>
+              <a:t>https://www.labcenter.com/downloads/</a:t>
+            </a:r>
+            <a:r>
+              <a:rPr lang="pt-BR" altLang="pt-BR" sz="2400" dirty="0">
+                <a:solidFill>
+                  <a:schemeClr val="tx1"/>
+                </a:solidFill>
+                <a:latin typeface="Times New Roman" panose="02020603050405020304" pitchFamily="18" charset="0"/>
+                <a:cs typeface="Times New Roman" panose="02020603050405020304" pitchFamily="18" charset="0"/>
+              </a:rPr>
+              <a:t>)</a:t>
+            </a:r>
+          </a:p>
+        </p:txBody>
+      </p:sp>
+      <p:cxnSp>
+        <p:nvCxnSpPr>
+          <p:cNvPr id="4" name="Conector reto 3">
+            <a:extLst>
+              <a:ext uri="{FF2B5EF4-FFF2-40B4-BE49-F238E27FC236}">
+                <a16:creationId xmlns:a16="http://schemas.microsoft.com/office/drawing/2014/main" id="{53C1D5BE-B08D-43BA-9100-4319F7669DAD}"/>
+              </a:ext>
+            </a:extLst>
+          </p:cNvPr>
+          <p:cNvCxnSpPr>
+            <a:cxnSpLocks/>
+          </p:cNvCxnSpPr>
+          <p:nvPr/>
+        </p:nvCxnSpPr>
+        <p:spPr>
+          <a:xfrm flipV="1">
+            <a:off x="310728" y="902136"/>
+            <a:ext cx="8699160" cy="40954"/>
+          </a:xfrm>
+          <a:prstGeom prst="line">
+            <a:avLst/>
+          </a:prstGeom>
+          <a:ln w="38100">
+            <a:headEnd type="none" w="med" len="med"/>
+            <a:tailEnd type="none" w="med" len="med"/>
+          </a:ln>
+          <a:scene3d>
+            <a:camera prst="orthographicFront"/>
+            <a:lightRig rig="threePt" dir="t"/>
+          </a:scene3d>
+          <a:sp3d>
+            <a:bevelT prst="convex"/>
+          </a:sp3d>
+        </p:spPr>
+        <p:style>
+          <a:lnRef idx="3">
+            <a:schemeClr val="accent1"/>
+          </a:lnRef>
+          <a:fillRef idx="0">
+            <a:schemeClr val="accent1"/>
+          </a:fillRef>
+          <a:effectRef idx="2">
+            <a:schemeClr val="accent1"/>
+          </a:effectRef>
+          <a:fontRef idx="minor">
+            <a:schemeClr val="tx1"/>
+          </a:fontRef>
+        </p:style>
+      </p:cxnSp>
+    </p:spTree>
+    <p:extLst>
+      <p:ext uri="{BB962C8B-B14F-4D97-AF65-F5344CB8AC3E}">
+        <p14:creationId xmlns:p14="http://schemas.microsoft.com/office/powerpoint/2010/main" val="763981378"/>
+      </p:ext>
+    </p:extLst>
+  </p:cSld>
+  <p:clrMapOvr>
+    <a:masterClrMapping/>
+  </p:clrMapOvr>
+  <p:transition spd="med"/>
+</p:sld>
+</file>
+
+<file path=ppt/slides/slide12.xml><?xml version="1.0" encoding="utf-8"?>
+<p:sld xmlns:a="http://schemas.openxmlformats.org/drawingml/2006/main" xmlns:r="http://schemas.openxmlformats.org/officeDocument/2006/relationships" xmlns:p="http://schemas.openxmlformats.org/presentationml/2006/main">
+  <p:cSld>
+    <p:spTree>
+      <p:nvGrpSpPr>
+        <p:cNvPr id="1" name=""/>
+        <p:cNvGrpSpPr/>
+        <p:nvPr/>
+      </p:nvGrpSpPr>
+      <p:grpSpPr>
+        <a:xfrm>
+          <a:off x="0" y="0"/>
+          <a:ext cx="0" cy="0"/>
+          <a:chOff x="0" y="0"/>
+          <a:chExt cx="0" cy="0"/>
+        </a:xfrm>
+      </p:grpSpPr>
+      <p:sp>
+        <p:nvSpPr>
+          <p:cNvPr id="6" name="Title 1"/>
+          <p:cNvSpPr>
+            <a:spLocks noGrp="1"/>
+          </p:cNvSpPr>
+          <p:nvPr>
+            <p:ph type="title"/>
+          </p:nvPr>
+        </p:nvSpPr>
+        <p:spPr>
+          <a:xfrm>
+            <a:off x="457200" y="205980"/>
+            <a:ext cx="8229600" cy="857251"/>
+          </a:xfrm>
+        </p:spPr>
+        <p:txBody>
+          <a:bodyPr/>
+          <a:lstStyle/>
+          <a:p>
+            <a:r>
+              <a:rPr lang="en-US" b="1" dirty="0" err="1">
+                <a:solidFill>
+                  <a:srgbClr val="0070C0"/>
+                </a:solidFill>
+              </a:rPr>
+              <a:t>Visão</a:t>
+            </a:r>
+            <a:r>
+              <a:rPr lang="en-US" b="1" dirty="0">
+                <a:solidFill>
+                  <a:srgbClr val="0070C0"/>
+                </a:solidFill>
+              </a:rPr>
+              <a:t> </a:t>
+            </a:r>
+            <a:r>
+              <a:rPr lang="en-US" b="1" dirty="0" err="1">
+                <a:solidFill>
+                  <a:srgbClr val="0070C0"/>
+                </a:solidFill>
+              </a:rPr>
+              <a:t>Geral</a:t>
+            </a:r>
+            <a:r>
+              <a:rPr lang="en-US" b="1" dirty="0">
+                <a:solidFill>
+                  <a:srgbClr val="0070C0"/>
+                </a:solidFill>
+              </a:rPr>
+              <a:t> da </a:t>
+            </a:r>
+            <a:r>
+              <a:rPr lang="en-US" b="1" dirty="0" err="1">
+                <a:solidFill>
+                  <a:srgbClr val="0070C0"/>
+                </a:solidFill>
+              </a:rPr>
+              <a:t>Disciplina</a:t>
+            </a:r>
+            <a:endParaRPr lang="en-US" b="1" dirty="0">
+              <a:solidFill>
+                <a:srgbClr val="0070C0"/>
+              </a:solidFill>
+            </a:endParaRPr>
+          </a:p>
+        </p:txBody>
+      </p:sp>
+      <p:sp>
+        <p:nvSpPr>
+          <p:cNvPr id="8" name="Text Placeholder 2"/>
+          <p:cNvSpPr>
+            <a:spLocks noGrp="1"/>
+          </p:cNvSpPr>
+          <p:nvPr>
+            <p:ph type="body" sz="half" idx="1"/>
+          </p:nvPr>
+        </p:nvSpPr>
+        <p:spPr>
+          <a:xfrm>
+            <a:off x="142865" y="1104186"/>
+            <a:ext cx="8865056" cy="3957406"/>
+          </a:xfrm>
+        </p:spPr>
+        <p:txBody>
+          <a:bodyPr>
+            <a:noAutofit/>
+          </a:bodyPr>
+          <a:lstStyle/>
+          <a:p>
+            <a:pPr marL="0" indent="0" algn="just" eaLnBrk="0" hangingPunct="0">
+              <a:buNone/>
+            </a:pPr>
+            <a:r>
+              <a:rPr lang="pt-BR" altLang="pt-BR" sz="2400" b="1" dirty="0">
+                <a:solidFill>
                   <a:srgbClr val="FF0000"/>
                 </a:solidFill>
                 <a:latin typeface="Times New Roman" panose="02020603050405020304" pitchFamily="18" charset="0"/>
@@ -5948,7 +6406,7 @@
 </p:sld>
 </file>
 
-<file path=ppt/slides/slide12.xml><?xml version="1.0" encoding="utf-8"?>
+<file path=ppt/slides/slide13.xml><?xml version="1.0" encoding="utf-8"?>
 <p:sld xmlns:a="http://schemas.openxmlformats.org/drawingml/2006/main" xmlns:r="http://schemas.openxmlformats.org/officeDocument/2006/relationships" xmlns:p="http://schemas.openxmlformats.org/presentationml/2006/main">
   <p:cSld>
     <p:spTree>
@@ -6148,7 +6606,7 @@
 </p:sld>
 </file>
 
-<file path=ppt/slides/slide13.xml><?xml version="1.0" encoding="utf-8"?>
+<file path=ppt/slides/slide14.xml><?xml version="1.0" encoding="utf-8"?>
 <p:sld xmlns:a="http://schemas.openxmlformats.org/drawingml/2006/main" xmlns:r="http://schemas.openxmlformats.org/officeDocument/2006/relationships" xmlns:p="http://schemas.openxmlformats.org/presentationml/2006/main">
   <p:cSld>
     <p:spTree>
@@ -6348,7 +6806,7 @@
 </p:sld>
 </file>
 
-<file path=ppt/slides/slide14.xml><?xml version="1.0" encoding="utf-8"?>
+<file path=ppt/slides/slide15.xml><?xml version="1.0" encoding="utf-8"?>
 <p:sld xmlns:a="http://schemas.openxmlformats.org/drawingml/2006/main" xmlns:r="http://schemas.openxmlformats.org/officeDocument/2006/relationships" xmlns:p="http://schemas.openxmlformats.org/presentationml/2006/main">
   <p:cSld>
     <p:spTree>
@@ -6519,7 +6977,7 @@
 </p:sld>
 </file>
 
-<file path=ppt/slides/slide15.xml><?xml version="1.0" encoding="utf-8"?>
+<file path=ppt/slides/slide16.xml><?xml version="1.0" encoding="utf-8"?>
 <p:sld xmlns:a="http://schemas.openxmlformats.org/drawingml/2006/main" xmlns:r="http://schemas.openxmlformats.org/officeDocument/2006/relationships" xmlns:p="http://schemas.openxmlformats.org/presentationml/2006/main">
   <p:cSld>
     <p:spTree>
@@ -6761,7 +7219,7 @@
 </p:sld>
 </file>
 
-<file path=ppt/slides/slide16.xml><?xml version="1.0" encoding="utf-8"?>
+<file path=ppt/slides/slide17.xml><?xml version="1.0" encoding="utf-8"?>
 <p:sld xmlns:a="http://schemas.openxmlformats.org/drawingml/2006/main" xmlns:r="http://schemas.openxmlformats.org/officeDocument/2006/relationships" xmlns:p="http://schemas.openxmlformats.org/presentationml/2006/main">
   <p:cSld>
     <p:spTree>
@@ -7053,7 +7511,7 @@
 </p:sld>
 </file>
 
-<file path=ppt/slides/slide17.xml><?xml version="1.0" encoding="utf-8"?>
+<file path=ppt/slides/slide18.xml><?xml version="1.0" encoding="utf-8"?>
 <p:sld xmlns:a="http://schemas.openxmlformats.org/drawingml/2006/main" xmlns:r="http://schemas.openxmlformats.org/officeDocument/2006/relationships" xmlns:p="http://schemas.openxmlformats.org/presentationml/2006/main">
   <p:cSld>
     <p:spTree>
@@ -7342,7 +7800,7 @@
 </p:sld>
 </file>
 
-<file path=ppt/slides/slide18.xml><?xml version="1.0" encoding="utf-8"?>
+<file path=ppt/slides/slide19.xml><?xml version="1.0" encoding="utf-8"?>
 <p:sld xmlns:a="http://schemas.openxmlformats.org/drawingml/2006/main" xmlns:r="http://schemas.openxmlformats.org/officeDocument/2006/relationships" xmlns:p="http://schemas.openxmlformats.org/presentationml/2006/main">
   <p:cSld>
     <p:spTree>
@@ -7574,263 +8032,6 @@
     <p:extLst>
       <p:ext uri="{BB962C8B-B14F-4D97-AF65-F5344CB8AC3E}">
         <p14:creationId xmlns:p14="http://schemas.microsoft.com/office/powerpoint/2010/main" val="1196225475"/>
-      </p:ext>
-    </p:extLst>
-  </p:cSld>
-  <p:clrMapOvr>
-    <a:masterClrMapping/>
-  </p:clrMapOvr>
-  <p:transition spd="med"/>
-</p:sld>
-</file>
-
-<file path=ppt/slides/slide19.xml><?xml version="1.0" encoding="utf-8"?>
-<p:sld xmlns:a="http://schemas.openxmlformats.org/drawingml/2006/main" xmlns:r="http://schemas.openxmlformats.org/officeDocument/2006/relationships" xmlns:p="http://schemas.openxmlformats.org/presentationml/2006/main">
-  <p:cSld>
-    <p:spTree>
-      <p:nvGrpSpPr>
-        <p:cNvPr id="1" name=""/>
-        <p:cNvGrpSpPr/>
-        <p:nvPr/>
-      </p:nvGrpSpPr>
-      <p:grpSpPr>
-        <a:xfrm>
-          <a:off x="0" y="0"/>
-          <a:ext cx="0" cy="0"/>
-          <a:chOff x="0" y="0"/>
-          <a:chExt cx="0" cy="0"/>
-        </a:xfrm>
-      </p:grpSpPr>
-      <p:sp>
-        <p:nvSpPr>
-          <p:cNvPr id="6" name="Title 1"/>
-          <p:cNvSpPr>
-            <a:spLocks noGrp="1"/>
-          </p:cNvSpPr>
-          <p:nvPr>
-            <p:ph type="title"/>
-          </p:nvPr>
-        </p:nvSpPr>
-        <p:spPr>
-          <a:xfrm>
-            <a:off x="457200" y="205980"/>
-            <a:ext cx="8229600" cy="857251"/>
-          </a:xfrm>
-        </p:spPr>
-        <p:txBody>
-          <a:bodyPr/>
-          <a:lstStyle/>
-          <a:p>
-            <a:r>
-              <a:rPr lang="en-US" b="1" dirty="0" err="1">
-                <a:solidFill>
-                  <a:srgbClr val="0070C0"/>
-                </a:solidFill>
-              </a:rPr>
-              <a:t>Unidades</a:t>
-            </a:r>
-            <a:r>
-              <a:rPr lang="en-US" b="1" dirty="0">
-                <a:solidFill>
-                  <a:srgbClr val="0070C0"/>
-                </a:solidFill>
-              </a:rPr>
-              <a:t>/</a:t>
-            </a:r>
-            <a:r>
-              <a:rPr lang="en-US" b="1" dirty="0" err="1">
-                <a:solidFill>
-                  <a:srgbClr val="0070C0"/>
-                </a:solidFill>
-              </a:rPr>
-              <a:t>Conteúdos</a:t>
-            </a:r>
-            <a:endParaRPr lang="en-US" b="1" dirty="0">
-              <a:solidFill>
-                <a:srgbClr val="0070C0"/>
-              </a:solidFill>
-            </a:endParaRPr>
-          </a:p>
-        </p:txBody>
-      </p:sp>
-      <p:sp>
-        <p:nvSpPr>
-          <p:cNvPr id="8" name="Text Placeholder 2"/>
-          <p:cNvSpPr>
-            <a:spLocks noGrp="1"/>
-          </p:cNvSpPr>
-          <p:nvPr>
-            <p:ph type="body" sz="half" idx="1"/>
-          </p:nvPr>
-        </p:nvSpPr>
-        <p:spPr>
-          <a:xfrm>
-            <a:off x="142865" y="1104186"/>
-            <a:ext cx="8865056" cy="3943803"/>
-          </a:xfrm>
-        </p:spPr>
-        <p:txBody>
-          <a:bodyPr>
-            <a:noAutofit/>
-          </a:bodyPr>
-          <a:lstStyle/>
-          <a:p>
-            <a:pPr marL="457200" indent="-457200" algn="just" eaLnBrk="0" hangingPunct="0">
-              <a:buAutoNum type="arabicPeriod" startAt="5"/>
-            </a:pPr>
-            <a:r>
-              <a:rPr lang="pt-BR" sz="2200" dirty="0">
-                <a:solidFill>
-                  <a:schemeClr val="tx1"/>
-                </a:solidFill>
-                <a:latin typeface="Times New Roman" panose="02020603050405020304" pitchFamily="18" charset="0"/>
-                <a:cs typeface="Times New Roman" panose="02020603050405020304" pitchFamily="18" charset="0"/>
-              </a:rPr>
-              <a:t>PROJETOS COM MICROCONTROLADORES</a:t>
-            </a:r>
-          </a:p>
-          <a:p>
-            <a:pPr marL="0" indent="0" algn="just" eaLnBrk="0" hangingPunct="0">
-              <a:buNone/>
-            </a:pPr>
-            <a:endParaRPr lang="pt-BR" sz="2200" dirty="0">
-              <a:solidFill>
-                <a:schemeClr val="tx1"/>
-              </a:solidFill>
-              <a:latin typeface="Times New Roman" panose="02020603050405020304" pitchFamily="18" charset="0"/>
-              <a:cs typeface="Times New Roman" panose="02020603050405020304" pitchFamily="18" charset="0"/>
-            </a:endParaRPr>
-          </a:p>
-          <a:p>
-            <a:pPr marL="0" indent="0" algn="just" eaLnBrk="0" hangingPunct="0">
-              <a:buNone/>
-            </a:pPr>
-            <a:r>
-              <a:rPr lang="pt-BR" sz="2200" dirty="0">
-                <a:solidFill>
-                  <a:schemeClr val="tx1"/>
-                </a:solidFill>
-                <a:latin typeface="Times New Roman" panose="02020603050405020304" pitchFamily="18" charset="0"/>
-                <a:cs typeface="Times New Roman" panose="02020603050405020304" pitchFamily="18" charset="0"/>
-              </a:rPr>
-              <a:t>5.1. Plataformas de hardware e software para um projeto com microcontrolador</a:t>
-            </a:r>
-          </a:p>
-          <a:p>
-            <a:pPr marL="0" indent="0" algn="just" eaLnBrk="0" hangingPunct="0">
-              <a:buNone/>
-            </a:pPr>
-            <a:r>
-              <a:rPr lang="pt-BR" sz="2200" dirty="0">
-                <a:solidFill>
-                  <a:schemeClr val="tx1"/>
-                </a:solidFill>
-                <a:latin typeface="Times New Roman" panose="02020603050405020304" pitchFamily="18" charset="0"/>
-                <a:cs typeface="Times New Roman" panose="02020603050405020304" pitchFamily="18" charset="0"/>
-              </a:rPr>
-              <a:t>5.2. Limitações dos microcontroladores para a especificação de projetos embarcados de alto desempenho</a:t>
-            </a:r>
-          </a:p>
-          <a:p>
-            <a:pPr marL="0" indent="0" algn="just" eaLnBrk="0" hangingPunct="0">
-              <a:buNone/>
-            </a:pPr>
-            <a:r>
-              <a:rPr lang="pt-BR" sz="2200" dirty="0">
-                <a:solidFill>
-                  <a:schemeClr val="tx1"/>
-                </a:solidFill>
-                <a:latin typeface="Times New Roman" panose="02020603050405020304" pitchFamily="18" charset="0"/>
-                <a:cs typeface="Times New Roman" panose="02020603050405020304" pitchFamily="18" charset="0"/>
-              </a:rPr>
-              <a:t>5.3. Boas práticas de programação para o desenvolvimento do software embarcado nos microcontroladores</a:t>
-            </a:r>
-          </a:p>
-          <a:p>
-            <a:pPr marL="0" indent="0" algn="just" eaLnBrk="0" hangingPunct="0">
-              <a:buNone/>
-            </a:pPr>
-            <a:r>
-              <a:rPr lang="pt-BR" sz="2200" dirty="0">
-                <a:solidFill>
-                  <a:schemeClr val="tx1"/>
-                </a:solidFill>
-                <a:latin typeface="Times New Roman" panose="02020603050405020304" pitchFamily="18" charset="0"/>
-                <a:cs typeface="Times New Roman" panose="02020603050405020304" pitchFamily="18" charset="0"/>
-              </a:rPr>
-              <a:t>5.4. Microcontroladores para projetos de comunicação sem fio e internet das coisas (IOT)</a:t>
-            </a:r>
-          </a:p>
-          <a:p>
-            <a:pPr marL="0" indent="0" algn="just" eaLnBrk="0" hangingPunct="0">
-              <a:buNone/>
-            </a:pPr>
-            <a:r>
-              <a:rPr lang="pt-BR" sz="2200" dirty="0">
-                <a:solidFill>
-                  <a:schemeClr val="tx1"/>
-                </a:solidFill>
-                <a:latin typeface="Times New Roman" panose="02020603050405020304" pitchFamily="18" charset="0"/>
-                <a:cs typeface="Times New Roman" panose="02020603050405020304" pitchFamily="18" charset="0"/>
-              </a:rPr>
-              <a:t>	.</a:t>
-            </a:r>
-          </a:p>
-        </p:txBody>
-      </p:sp>
-      <p:cxnSp>
-        <p:nvCxnSpPr>
-          <p:cNvPr id="4" name="Conector reto 3">
-            <a:extLst>
-              <a:ext uri="{FF2B5EF4-FFF2-40B4-BE49-F238E27FC236}">
-                <a16:creationId xmlns:a16="http://schemas.microsoft.com/office/drawing/2014/main" id="{53C1D5BE-B08D-43BA-9100-4319F7669DAD}"/>
-              </a:ext>
-            </a:extLst>
-          </p:cNvPr>
-          <p:cNvCxnSpPr>
-            <a:cxnSpLocks/>
-          </p:cNvCxnSpPr>
-          <p:nvPr/>
-        </p:nvCxnSpPr>
-        <p:spPr>
-          <a:xfrm flipV="1">
-            <a:off x="310728" y="902136"/>
-            <a:ext cx="8699160" cy="40954"/>
-          </a:xfrm>
-          <a:prstGeom prst="line">
-            <a:avLst/>
-          </a:prstGeom>
-          <a:ln w="38100">
-            <a:headEnd type="none" w="med" len="med"/>
-            <a:tailEnd type="none" w="med" len="med"/>
-          </a:ln>
-          <a:scene3d>
-            <a:camera prst="orthographicFront"/>
-            <a:lightRig rig="threePt" dir="t"/>
-          </a:scene3d>
-          <a:sp3d>
-            <a:bevelT prst="convex"/>
-          </a:sp3d>
-        </p:spPr>
-        <p:style>
-          <a:lnRef idx="3">
-            <a:schemeClr val="accent1"/>
-          </a:lnRef>
-          <a:fillRef idx="0">
-            <a:schemeClr val="accent1"/>
-          </a:fillRef>
-          <a:effectRef idx="2">
-            <a:schemeClr val="accent1"/>
-          </a:effectRef>
-          <a:fontRef idx="minor">
-            <a:schemeClr val="tx1"/>
-          </a:fontRef>
-        </p:style>
-      </p:cxnSp>
-    </p:spTree>
-    <p:extLst>
-      <p:ext uri="{BB962C8B-B14F-4D97-AF65-F5344CB8AC3E}">
-        <p14:creationId xmlns:p14="http://schemas.microsoft.com/office/powerpoint/2010/main" val="1774241193"/>
       </p:ext>
     </p:extLst>
   </p:cSld>
@@ -8822,6 +9023,263 @@
           <a:lstStyle/>
           <a:p>
             <a:pPr marL="457200" indent="-457200" algn="just" eaLnBrk="0" hangingPunct="0">
+              <a:buAutoNum type="arabicPeriod" startAt="5"/>
+            </a:pPr>
+            <a:r>
+              <a:rPr lang="pt-BR" sz="2200" dirty="0">
+                <a:solidFill>
+                  <a:schemeClr val="tx1"/>
+                </a:solidFill>
+                <a:latin typeface="Times New Roman" panose="02020603050405020304" pitchFamily="18" charset="0"/>
+                <a:cs typeface="Times New Roman" panose="02020603050405020304" pitchFamily="18" charset="0"/>
+              </a:rPr>
+              <a:t>PROJETOS COM MICROCONTROLADORES</a:t>
+            </a:r>
+          </a:p>
+          <a:p>
+            <a:pPr marL="0" indent="0" algn="just" eaLnBrk="0" hangingPunct="0">
+              <a:buNone/>
+            </a:pPr>
+            <a:endParaRPr lang="pt-BR" sz="2200" dirty="0">
+              <a:solidFill>
+                <a:schemeClr val="tx1"/>
+              </a:solidFill>
+              <a:latin typeface="Times New Roman" panose="02020603050405020304" pitchFamily="18" charset="0"/>
+              <a:cs typeface="Times New Roman" panose="02020603050405020304" pitchFamily="18" charset="0"/>
+            </a:endParaRPr>
+          </a:p>
+          <a:p>
+            <a:pPr marL="0" indent="0" algn="just" eaLnBrk="0" hangingPunct="0">
+              <a:buNone/>
+            </a:pPr>
+            <a:r>
+              <a:rPr lang="pt-BR" sz="2200" dirty="0">
+                <a:solidFill>
+                  <a:schemeClr val="tx1"/>
+                </a:solidFill>
+                <a:latin typeface="Times New Roman" panose="02020603050405020304" pitchFamily="18" charset="0"/>
+                <a:cs typeface="Times New Roman" panose="02020603050405020304" pitchFamily="18" charset="0"/>
+              </a:rPr>
+              <a:t>5.1. Plataformas de hardware e software para um projeto com microcontrolador</a:t>
+            </a:r>
+          </a:p>
+          <a:p>
+            <a:pPr marL="0" indent="0" algn="just" eaLnBrk="0" hangingPunct="0">
+              <a:buNone/>
+            </a:pPr>
+            <a:r>
+              <a:rPr lang="pt-BR" sz="2200" dirty="0">
+                <a:solidFill>
+                  <a:schemeClr val="tx1"/>
+                </a:solidFill>
+                <a:latin typeface="Times New Roman" panose="02020603050405020304" pitchFamily="18" charset="0"/>
+                <a:cs typeface="Times New Roman" panose="02020603050405020304" pitchFamily="18" charset="0"/>
+              </a:rPr>
+              <a:t>5.2. Limitações dos microcontroladores para a especificação de projetos embarcados de alto desempenho</a:t>
+            </a:r>
+          </a:p>
+          <a:p>
+            <a:pPr marL="0" indent="0" algn="just" eaLnBrk="0" hangingPunct="0">
+              <a:buNone/>
+            </a:pPr>
+            <a:r>
+              <a:rPr lang="pt-BR" sz="2200" dirty="0">
+                <a:solidFill>
+                  <a:schemeClr val="tx1"/>
+                </a:solidFill>
+                <a:latin typeface="Times New Roman" panose="02020603050405020304" pitchFamily="18" charset="0"/>
+                <a:cs typeface="Times New Roman" panose="02020603050405020304" pitchFamily="18" charset="0"/>
+              </a:rPr>
+              <a:t>5.3. Boas práticas de programação para o desenvolvimento do software embarcado nos microcontroladores</a:t>
+            </a:r>
+          </a:p>
+          <a:p>
+            <a:pPr marL="0" indent="0" algn="just" eaLnBrk="0" hangingPunct="0">
+              <a:buNone/>
+            </a:pPr>
+            <a:r>
+              <a:rPr lang="pt-BR" sz="2200" dirty="0">
+                <a:solidFill>
+                  <a:schemeClr val="tx1"/>
+                </a:solidFill>
+                <a:latin typeface="Times New Roman" panose="02020603050405020304" pitchFamily="18" charset="0"/>
+                <a:cs typeface="Times New Roman" panose="02020603050405020304" pitchFamily="18" charset="0"/>
+              </a:rPr>
+              <a:t>5.4. Microcontroladores para projetos de comunicação sem fio e internet das coisas (IOT)</a:t>
+            </a:r>
+          </a:p>
+          <a:p>
+            <a:pPr marL="0" indent="0" algn="just" eaLnBrk="0" hangingPunct="0">
+              <a:buNone/>
+            </a:pPr>
+            <a:r>
+              <a:rPr lang="pt-BR" sz="2200" dirty="0">
+                <a:solidFill>
+                  <a:schemeClr val="tx1"/>
+                </a:solidFill>
+                <a:latin typeface="Times New Roman" panose="02020603050405020304" pitchFamily="18" charset="0"/>
+                <a:cs typeface="Times New Roman" panose="02020603050405020304" pitchFamily="18" charset="0"/>
+              </a:rPr>
+              <a:t>	.</a:t>
+            </a:r>
+          </a:p>
+        </p:txBody>
+      </p:sp>
+      <p:cxnSp>
+        <p:nvCxnSpPr>
+          <p:cNvPr id="4" name="Conector reto 3">
+            <a:extLst>
+              <a:ext uri="{FF2B5EF4-FFF2-40B4-BE49-F238E27FC236}">
+                <a16:creationId xmlns:a16="http://schemas.microsoft.com/office/drawing/2014/main" id="{53C1D5BE-B08D-43BA-9100-4319F7669DAD}"/>
+              </a:ext>
+            </a:extLst>
+          </p:cNvPr>
+          <p:cNvCxnSpPr>
+            <a:cxnSpLocks/>
+          </p:cNvCxnSpPr>
+          <p:nvPr/>
+        </p:nvCxnSpPr>
+        <p:spPr>
+          <a:xfrm flipV="1">
+            <a:off x="310728" y="902136"/>
+            <a:ext cx="8699160" cy="40954"/>
+          </a:xfrm>
+          <a:prstGeom prst="line">
+            <a:avLst/>
+          </a:prstGeom>
+          <a:ln w="38100">
+            <a:headEnd type="none" w="med" len="med"/>
+            <a:tailEnd type="none" w="med" len="med"/>
+          </a:ln>
+          <a:scene3d>
+            <a:camera prst="orthographicFront"/>
+            <a:lightRig rig="threePt" dir="t"/>
+          </a:scene3d>
+          <a:sp3d>
+            <a:bevelT prst="convex"/>
+          </a:sp3d>
+        </p:spPr>
+        <p:style>
+          <a:lnRef idx="3">
+            <a:schemeClr val="accent1"/>
+          </a:lnRef>
+          <a:fillRef idx="0">
+            <a:schemeClr val="accent1"/>
+          </a:fillRef>
+          <a:effectRef idx="2">
+            <a:schemeClr val="accent1"/>
+          </a:effectRef>
+          <a:fontRef idx="minor">
+            <a:schemeClr val="tx1"/>
+          </a:fontRef>
+        </p:style>
+      </p:cxnSp>
+    </p:spTree>
+    <p:extLst>
+      <p:ext uri="{BB962C8B-B14F-4D97-AF65-F5344CB8AC3E}">
+        <p14:creationId xmlns:p14="http://schemas.microsoft.com/office/powerpoint/2010/main" val="1774241193"/>
+      </p:ext>
+    </p:extLst>
+  </p:cSld>
+  <p:clrMapOvr>
+    <a:masterClrMapping/>
+  </p:clrMapOvr>
+  <p:transition spd="med"/>
+</p:sld>
+</file>
+
+<file path=ppt/slides/slide21.xml><?xml version="1.0" encoding="utf-8"?>
+<p:sld xmlns:a="http://schemas.openxmlformats.org/drawingml/2006/main" xmlns:r="http://schemas.openxmlformats.org/officeDocument/2006/relationships" xmlns:p="http://schemas.openxmlformats.org/presentationml/2006/main">
+  <p:cSld>
+    <p:spTree>
+      <p:nvGrpSpPr>
+        <p:cNvPr id="1" name=""/>
+        <p:cNvGrpSpPr/>
+        <p:nvPr/>
+      </p:nvGrpSpPr>
+      <p:grpSpPr>
+        <a:xfrm>
+          <a:off x="0" y="0"/>
+          <a:ext cx="0" cy="0"/>
+          <a:chOff x="0" y="0"/>
+          <a:chExt cx="0" cy="0"/>
+        </a:xfrm>
+      </p:grpSpPr>
+      <p:sp>
+        <p:nvSpPr>
+          <p:cNvPr id="6" name="Title 1"/>
+          <p:cNvSpPr>
+            <a:spLocks noGrp="1"/>
+          </p:cNvSpPr>
+          <p:nvPr>
+            <p:ph type="title"/>
+          </p:nvPr>
+        </p:nvSpPr>
+        <p:spPr>
+          <a:xfrm>
+            <a:off x="457200" y="205980"/>
+            <a:ext cx="8229600" cy="857251"/>
+          </a:xfrm>
+        </p:spPr>
+        <p:txBody>
+          <a:bodyPr/>
+          <a:lstStyle/>
+          <a:p>
+            <a:r>
+              <a:rPr lang="en-US" b="1" dirty="0" err="1">
+                <a:solidFill>
+                  <a:srgbClr val="0070C0"/>
+                </a:solidFill>
+              </a:rPr>
+              <a:t>Unidades</a:t>
+            </a:r>
+            <a:r>
+              <a:rPr lang="en-US" b="1" dirty="0">
+                <a:solidFill>
+                  <a:srgbClr val="0070C0"/>
+                </a:solidFill>
+              </a:rPr>
+              <a:t>/</a:t>
+            </a:r>
+            <a:r>
+              <a:rPr lang="en-US" b="1" dirty="0" err="1">
+                <a:solidFill>
+                  <a:srgbClr val="0070C0"/>
+                </a:solidFill>
+              </a:rPr>
+              <a:t>Conteúdos</a:t>
+            </a:r>
+            <a:endParaRPr lang="en-US" b="1" dirty="0">
+              <a:solidFill>
+                <a:srgbClr val="0070C0"/>
+              </a:solidFill>
+            </a:endParaRPr>
+          </a:p>
+        </p:txBody>
+      </p:sp>
+      <p:sp>
+        <p:nvSpPr>
+          <p:cNvPr id="8" name="Text Placeholder 2"/>
+          <p:cNvSpPr>
+            <a:spLocks noGrp="1"/>
+          </p:cNvSpPr>
+          <p:nvPr>
+            <p:ph type="body" sz="half" idx="1"/>
+          </p:nvPr>
+        </p:nvSpPr>
+        <p:spPr>
+          <a:xfrm>
+            <a:off x="142865" y="1104186"/>
+            <a:ext cx="8865056" cy="3943803"/>
+          </a:xfrm>
+        </p:spPr>
+        <p:txBody>
+          <a:bodyPr>
+            <a:noAutofit/>
+          </a:bodyPr>
+          <a:lstStyle/>
+          <a:p>
+            <a:pPr marL="457200" indent="-457200" algn="just" eaLnBrk="0" hangingPunct="0">
               <a:buAutoNum type="arabicPeriod" startAt="6"/>
             </a:pPr>
             <a:r>
@@ -8920,7 +9378,7 @@
 </p:sld>
 </file>
 
-<file path=ppt/slides/slide21.xml><?xml version="1.0" encoding="utf-8"?>
+<file path=ppt/slides/slide22.xml><?xml version="1.0" encoding="utf-8"?>
 <p:sld xmlns:a="http://schemas.openxmlformats.org/drawingml/2006/main" xmlns:r="http://schemas.openxmlformats.org/officeDocument/2006/relationships" xmlns:p="http://schemas.openxmlformats.org/presentationml/2006/main">
   <p:cSld>
     <p:spTree>
@@ -9215,7 +9673,7 @@
 </p:sld>
 </file>
 
-<file path=ppt/slides/slide22.xml><?xml version="1.0" encoding="utf-8"?>
+<file path=ppt/slides/slide23.xml><?xml version="1.0" encoding="utf-8"?>
 <p:sld xmlns:a="http://schemas.openxmlformats.org/drawingml/2006/main" xmlns:r="http://schemas.openxmlformats.org/officeDocument/2006/relationships" xmlns:p="http://schemas.openxmlformats.org/presentationml/2006/main">
   <p:cSld>
     <p:spTree>
@@ -9579,7 +10037,7 @@
 </p:sld>
 </file>
 
-<file path=ppt/slides/slide23.xml><?xml version="1.0" encoding="utf-8"?>
+<file path=ppt/slides/slide24.xml><?xml version="1.0" encoding="utf-8"?>
 <p:sld xmlns:a="http://schemas.openxmlformats.org/drawingml/2006/main" xmlns:r="http://schemas.openxmlformats.org/officeDocument/2006/relationships" xmlns:p="http://schemas.openxmlformats.org/presentationml/2006/main">
   <p:cSld>
     <p:spTree>
@@ -10023,7 +10481,7 @@
 </p:sld>
 </file>
 
-<file path=ppt/slides/slide24.xml><?xml version="1.0" encoding="utf-8"?>
+<file path=ppt/slides/slide25.xml><?xml version="1.0" encoding="utf-8"?>
 <p:sld xmlns:a="http://schemas.openxmlformats.org/drawingml/2006/main" xmlns:r="http://schemas.openxmlformats.org/officeDocument/2006/relationships" xmlns:p="http://schemas.openxmlformats.org/presentationml/2006/main">
   <p:cSld>
     <p:spTree>
@@ -10487,7 +10945,7 @@
 </p:sld>
 </file>
 
-<file path=ppt/slides/slide25.xml><?xml version="1.0" encoding="utf-8"?>
+<file path=ppt/slides/slide26.xml><?xml version="1.0" encoding="utf-8"?>
 <p:sld xmlns:a="http://schemas.openxmlformats.org/drawingml/2006/main" xmlns:r="http://schemas.openxmlformats.org/officeDocument/2006/relationships" xmlns:p="http://schemas.openxmlformats.org/presentationml/2006/main">
   <p:cSld>
     <p:spTree>
@@ -10839,7 +11297,7 @@
 </p:sld>
 </file>
 
-<file path=ppt/slides/slide26.xml><?xml version="1.0" encoding="utf-8"?>
+<file path=ppt/slides/slide27.xml><?xml version="1.0" encoding="utf-8"?>
 <p:sld xmlns:a="http://schemas.openxmlformats.org/drawingml/2006/main" xmlns:r="http://schemas.openxmlformats.org/officeDocument/2006/relationships" xmlns:p="http://schemas.openxmlformats.org/presentationml/2006/main">
   <p:cSld>
     <p:spTree>
@@ -13671,7 +14129,7 @@
                 <a:latin typeface="Times New Roman" panose="02020603050405020304" pitchFamily="18" charset="0"/>
                 <a:cs typeface="Times New Roman" panose="02020603050405020304" pitchFamily="18" charset="0"/>
               </a:rPr>
-              <a:t>Famílias de Controladores / Fabricantes</a:t>
+              <a:t>Famílias de Microcontroladores / Fabricantes</a:t>
             </a:r>
             <a:endParaRPr lang="pt-BR" altLang="pt-BR" sz="2400" dirty="0">
               <a:solidFill>

--- a/Apresentação - Programação Microcontroladores.pptx
+++ b/Apresentação - Programação Microcontroladores.pptx
@@ -6902,6 +6902,16 @@
               <a:buChar char="§"/>
             </a:pPr>
             <a:r>
+              <a:rPr lang="pt-BR" sz="2400">
+                <a:solidFill>
+                  <a:schemeClr val="tx1"/>
+                </a:solidFill>
+                <a:latin typeface="Times New Roman" panose="02020603050405020304" pitchFamily="18" charset="0"/>
+                <a:cs typeface="Times New Roman" panose="02020603050405020304" pitchFamily="18" charset="0"/>
+              </a:rPr>
+              <a:t>Validar as plataformas </a:t>
+            </a:r>
+            <a:r>
               <a:rPr lang="pt-BR" sz="2400" dirty="0">
                 <a:solidFill>
                   <a:schemeClr val="tx1"/>
@@ -6909,7 +6919,27 @@
                 <a:latin typeface="Times New Roman" panose="02020603050405020304" pitchFamily="18" charset="0"/>
                 <a:cs typeface="Times New Roman" panose="02020603050405020304" pitchFamily="18" charset="0"/>
               </a:rPr>
-              <a:t>Validar as baseado nas exigências das aplicações e nas boas práticas de programação, para a obtenção da capacidade de especificar sistemas embarcados de alto desempenho com uma visão técnica e gerencial.</a:t>
+              <a:t>de hardware/software para um projeto </a:t>
+            </a:r>
+            <a:r>
+              <a:rPr lang="pt-BR" sz="2400">
+                <a:solidFill>
+                  <a:schemeClr val="tx1"/>
+                </a:solidFill>
+                <a:latin typeface="Times New Roman" panose="02020603050405020304" pitchFamily="18" charset="0"/>
+                <a:cs typeface="Times New Roman" panose="02020603050405020304" pitchFamily="18" charset="0"/>
+              </a:rPr>
+              <a:t>com microcontrolador, </a:t>
+            </a:r>
+            <a:r>
+              <a:rPr lang="pt-BR" sz="2400" dirty="0">
+                <a:solidFill>
+                  <a:schemeClr val="tx1"/>
+                </a:solidFill>
+                <a:latin typeface="Times New Roman" panose="02020603050405020304" pitchFamily="18" charset="0"/>
+                <a:cs typeface="Times New Roman" panose="02020603050405020304" pitchFamily="18" charset="0"/>
+              </a:rPr>
+              <a:t>baseado nas exigências das aplicações e nas boas práticas de programação, para a obtenção da capacidade de especificar sistemas embarcados de alto desempenho com uma visão técnica e gerencial.</a:t>
             </a:r>
           </a:p>
         </p:txBody>

--- a/Apresentação - Programação Microcontroladores.pptx
+++ b/Apresentação - Programação Microcontroladores.pptx
@@ -6275,6 +6275,30 @@
             <a:pPr marL="0" indent="0" algn="just" eaLnBrk="0" hangingPunct="0">
               <a:buNone/>
             </a:pPr>
+            <a:endParaRPr lang="pt-BR" altLang="pt-BR" sz="2400">
+              <a:solidFill>
+                <a:schemeClr val="tx1"/>
+              </a:solidFill>
+              <a:latin typeface="Times New Roman" panose="02020603050405020304" pitchFamily="18" charset="0"/>
+              <a:cs typeface="Times New Roman" panose="02020603050405020304" pitchFamily="18" charset="0"/>
+              <a:hlinkClick r:id="rId3"/>
+            </a:endParaRPr>
+          </a:p>
+          <a:p>
+            <a:pPr marL="0" indent="0" algn="just" eaLnBrk="0" hangingPunct="0">
+              <a:buNone/>
+            </a:pPr>
+            <a:r>
+              <a:rPr lang="pt-BR" altLang="pt-BR" sz="2400">
+                <a:solidFill>
+                  <a:schemeClr val="tx1"/>
+                </a:solidFill>
+                <a:latin typeface="Times New Roman" panose="02020603050405020304" pitchFamily="18" charset="0"/>
+                <a:cs typeface="Times New Roman" panose="02020603050405020304" pitchFamily="18" charset="0"/>
+                <a:hlinkClick r:id="rId3"/>
+              </a:rPr>
+              <a:t>https</a:t>
+            </a:r>
             <a:r>
               <a:rPr lang="pt-BR" altLang="pt-BR" sz="2400" dirty="0">
                 <a:solidFill>
@@ -6284,7 +6308,7 @@
                 <a:cs typeface="Times New Roman" panose="02020603050405020304" pitchFamily="18" charset="0"/>
                 <a:hlinkClick r:id="rId3"/>
               </a:rPr>
-              <a:t>https://youtu.be/cNN_tTXABUA</a:t>
+              <a:t>://youtu.be/cNN_tTXABUA</a:t>
             </a:r>
             <a:endParaRPr lang="pt-BR" altLang="pt-BR" sz="2400" dirty="0">
               <a:solidFill>
@@ -6298,41 +6322,6 @@
             <a:pPr marL="0" indent="0" algn="just" eaLnBrk="0" hangingPunct="0">
               <a:buNone/>
             </a:pPr>
-            <a:endParaRPr lang="pt-BR" altLang="pt-BR" sz="2400" dirty="0">
-              <a:solidFill>
-                <a:schemeClr val="tx1"/>
-              </a:solidFill>
-              <a:latin typeface="Times New Roman" panose="02020603050405020304" pitchFamily="18" charset="0"/>
-              <a:cs typeface="Times New Roman" panose="02020603050405020304" pitchFamily="18" charset="0"/>
-            </a:endParaRPr>
-          </a:p>
-          <a:p>
-            <a:pPr marL="0" indent="0" algn="just" eaLnBrk="0" hangingPunct="0">
-              <a:buNone/>
-            </a:pPr>
-            <a:endParaRPr lang="pt-BR" altLang="pt-BR" sz="2400" dirty="0">
-              <a:solidFill>
-                <a:schemeClr val="tx1"/>
-              </a:solidFill>
-              <a:latin typeface="Times New Roman" panose="02020603050405020304" pitchFamily="18" charset="0"/>
-              <a:cs typeface="Times New Roman" panose="02020603050405020304" pitchFamily="18" charset="0"/>
-            </a:endParaRPr>
-          </a:p>
-          <a:p>
-            <a:pPr marL="0" indent="0" algn="just" eaLnBrk="0" hangingPunct="0">
-              <a:buNone/>
-            </a:pPr>
-            <a:r>
-              <a:rPr lang="pt-BR" altLang="pt-BR" sz="2400" dirty="0">
-                <a:solidFill>
-                  <a:schemeClr val="tx1"/>
-                </a:solidFill>
-                <a:latin typeface="Times New Roman" panose="02020603050405020304" pitchFamily="18" charset="0"/>
-                <a:cs typeface="Times New Roman" panose="02020603050405020304" pitchFamily="18" charset="0"/>
-                <a:hlinkClick r:id="rId4"/>
-              </a:rPr>
-              <a:t>https://chat.whatsapp.com/F3WeHnyypkA6N444UBewnG</a:t>
-            </a:r>
             <a:endParaRPr lang="pt-BR" altLang="pt-BR" sz="2400" dirty="0">
               <a:solidFill>
                 <a:schemeClr val="tx1"/>

--- a/Apresentação - Programação Microcontroladores.pptx
+++ b/Apresentação - Programação Microcontroladores.pptx
@@ -5,7 +5,7 @@
     <p:sldMasterId id="2147483648" r:id="rId1"/>
   </p:sldMasterIdLst>
   <p:notesMasterIdLst>
-    <p:notesMasterId r:id="rId29"/>
+    <p:notesMasterId r:id="rId30"/>
   </p:notesMasterIdLst>
   <p:sldIdLst>
     <p:sldId id="256" r:id="rId2"/>
@@ -30,11 +30,12 @@
     <p:sldId id="346" r:id="rId21"/>
     <p:sldId id="347" r:id="rId22"/>
     <p:sldId id="335" r:id="rId23"/>
-    <p:sldId id="340" r:id="rId24"/>
-    <p:sldId id="336" r:id="rId25"/>
-    <p:sldId id="341" r:id="rId26"/>
-    <p:sldId id="361" r:id="rId27"/>
-    <p:sldId id="309" r:id="rId28"/>
+    <p:sldId id="363" r:id="rId24"/>
+    <p:sldId id="284" r:id="rId25"/>
+    <p:sldId id="336" r:id="rId26"/>
+    <p:sldId id="341" r:id="rId27"/>
+    <p:sldId id="361" r:id="rId28"/>
+    <p:sldId id="309" r:id="rId29"/>
   </p:sldIdLst>
   <p:sldSz cx="9144000" cy="5143500" type="screen16x9"/>
   <p:notesSz cx="6858000" cy="9144000"/>
@@ -2290,6 +2291,206 @@
 </p:sldLayout>
 </file>
 
+<file path=ppt/slideLayouts/slideLayout10.xml><?xml version="1.0" encoding="utf-8"?>
+<p:sldLayout xmlns:a="http://schemas.openxmlformats.org/drawingml/2006/main" xmlns:r="http://schemas.openxmlformats.org/officeDocument/2006/relationships" xmlns:p="http://schemas.openxmlformats.org/presentationml/2006/main" type="obj">
+  <p:cSld name="Título e Conteúdo">
+    <p:spTree>
+      <p:nvGrpSpPr>
+        <p:cNvPr id="1" name=""/>
+        <p:cNvGrpSpPr/>
+        <p:nvPr/>
+      </p:nvGrpSpPr>
+      <p:grpSpPr>
+        <a:xfrm>
+          <a:off x="0" y="0"/>
+          <a:ext cx="0" cy="0"/>
+          <a:chOff x="0" y="0"/>
+          <a:chExt cx="0" cy="0"/>
+        </a:xfrm>
+      </p:grpSpPr>
+      <p:sp>
+        <p:nvSpPr>
+          <p:cNvPr id="2" name="Title 1"/>
+          <p:cNvSpPr>
+            <a:spLocks noGrp="1"/>
+          </p:cNvSpPr>
+          <p:nvPr>
+            <p:ph type="title"/>
+          </p:nvPr>
+        </p:nvSpPr>
+        <p:spPr/>
+        <p:txBody>
+          <a:bodyPr/>
+          <a:lstStyle/>
+          <a:p>
+            <a:r>
+              <a:rPr lang="pt-BR"/>
+              <a:t>Clique para editar o título Mestre</a:t>
+            </a:r>
+            <a:endParaRPr lang="en-US" dirty="0"/>
+          </a:p>
+        </p:txBody>
+      </p:sp>
+      <p:sp>
+        <p:nvSpPr>
+          <p:cNvPr id="3" name="Content Placeholder 2"/>
+          <p:cNvSpPr>
+            <a:spLocks noGrp="1"/>
+          </p:cNvSpPr>
+          <p:nvPr>
+            <p:ph idx="1"/>
+          </p:nvPr>
+        </p:nvSpPr>
+        <p:spPr/>
+        <p:txBody>
+          <a:bodyPr/>
+          <a:lstStyle>
+            <a:lvl1pPr marL="68580" indent="-68580">
+              <a:buFont typeface="Wingdings" panose="05000000000000000000" pitchFamily="2" charset="2"/>
+              <a:buChar char="§"/>
+              <a:defRPr/>
+            </a:lvl1pPr>
+          </a:lstStyle>
+          <a:p>
+            <a:pPr lvl="0"/>
+            <a:r>
+              <a:rPr lang="pt-BR" dirty="0"/>
+              <a:t>Editar estilos de texto Mestre</a:t>
+            </a:r>
+          </a:p>
+          <a:p>
+            <a:pPr lvl="1"/>
+            <a:r>
+              <a:rPr lang="pt-BR" dirty="0"/>
+              <a:t>Segundo nível</a:t>
+            </a:r>
+          </a:p>
+          <a:p>
+            <a:pPr lvl="2"/>
+            <a:r>
+              <a:rPr lang="pt-BR" dirty="0"/>
+              <a:t>Terceiro nível</a:t>
+            </a:r>
+          </a:p>
+          <a:p>
+            <a:pPr lvl="3"/>
+            <a:r>
+              <a:rPr lang="pt-BR" dirty="0"/>
+              <a:t>Quarto nível</a:t>
+            </a:r>
+          </a:p>
+          <a:p>
+            <a:pPr lvl="4"/>
+            <a:r>
+              <a:rPr lang="pt-BR" dirty="0"/>
+              <a:t>Quinto nível</a:t>
+            </a:r>
+            <a:endParaRPr lang="en-US" dirty="0"/>
+          </a:p>
+        </p:txBody>
+      </p:sp>
+      <p:sp>
+        <p:nvSpPr>
+          <p:cNvPr id="4" name="Date Placeholder 3"/>
+          <p:cNvSpPr>
+            <a:spLocks noGrp="1"/>
+          </p:cNvSpPr>
+          <p:nvPr>
+            <p:ph type="dt" sz="half" idx="10"/>
+          </p:nvPr>
+        </p:nvSpPr>
+        <p:spPr/>
+        <p:txBody>
+          <a:bodyPr/>
+          <a:lstStyle>
+            <a:lvl1pPr>
+              <a:defRPr>
+                <a:latin typeface="Arial" panose="020B0604020202020204" pitchFamily="34" charset="0"/>
+                <a:cs typeface="Arial" panose="020B0604020202020204" pitchFamily="34" charset="0"/>
+              </a:defRPr>
+            </a:lvl1pPr>
+          </a:lstStyle>
+          <a:p>
+            <a:r>
+              <a:rPr lang="pt-BR"/>
+              <a:t>2022.1</a:t>
+            </a:r>
+          </a:p>
+        </p:txBody>
+      </p:sp>
+      <p:sp>
+        <p:nvSpPr>
+          <p:cNvPr id="5" name="Footer Placeholder 4"/>
+          <p:cNvSpPr>
+            <a:spLocks noGrp="1"/>
+          </p:cNvSpPr>
+          <p:nvPr>
+            <p:ph type="ftr" sz="quarter" idx="11"/>
+          </p:nvPr>
+        </p:nvSpPr>
+        <p:spPr/>
+        <p:txBody>
+          <a:bodyPr/>
+          <a:lstStyle>
+            <a:lvl1pPr>
+              <a:defRPr>
+                <a:latin typeface="Arial" panose="020B0604020202020204" pitchFamily="34" charset="0"/>
+                <a:cs typeface="Arial" panose="020B0604020202020204" pitchFamily="34" charset="0"/>
+              </a:defRPr>
+            </a:lvl1pPr>
+          </a:lstStyle>
+          <a:p>
+            <a:r>
+              <a:rPr lang="pt-BR"/>
+              <a:t>ARA0044 - Apresentação Curso</a:t>
+            </a:r>
+          </a:p>
+        </p:txBody>
+      </p:sp>
+      <p:sp>
+        <p:nvSpPr>
+          <p:cNvPr id="6" name="Slide Number Placeholder 5"/>
+          <p:cNvSpPr>
+            <a:spLocks noGrp="1"/>
+          </p:cNvSpPr>
+          <p:nvPr>
+            <p:ph type="sldNum" sz="quarter" idx="12"/>
+          </p:nvPr>
+        </p:nvSpPr>
+        <p:spPr/>
+        <p:txBody>
+          <a:bodyPr/>
+          <a:lstStyle>
+            <a:lvl1pPr>
+              <a:defRPr>
+                <a:latin typeface="Arial" panose="020B0604020202020204" pitchFamily="34" charset="0"/>
+                <a:cs typeface="Arial" panose="020B0604020202020204" pitchFamily="34" charset="0"/>
+              </a:defRPr>
+            </a:lvl1pPr>
+          </a:lstStyle>
+          <a:p>
+            <a:fld id="{E50FAC2A-6E90-4BEA-B3BF-15B8E63C5B7E}" type="slidenum">
+              <a:rPr lang="pt-BR" smtClean="0"/>
+              <a:pPr/>
+              <a:t>‹nº›</a:t>
+            </a:fld>
+            <a:endParaRPr lang="pt-BR"/>
+          </a:p>
+        </p:txBody>
+      </p:sp>
+    </p:spTree>
+    <p:extLst>
+      <p:ext uri="{BB962C8B-B14F-4D97-AF65-F5344CB8AC3E}">
+        <p14:creationId xmlns:p14="http://schemas.microsoft.com/office/powerpoint/2010/main" val="1405450844"/>
+      </p:ext>
+    </p:extLst>
+  </p:cSld>
+  <p:clrMapOvr>
+    <a:masterClrMapping/>
+  </p:clrMapOvr>
+</p:sldLayout>
+</file>
+
 <file path=ppt/slideLayouts/slideLayout2.xml><?xml version="1.0" encoding="utf-8"?>
 <p:sldLayout xmlns:a="http://schemas.openxmlformats.org/drawingml/2006/main" xmlns:r="http://schemas.openxmlformats.org/officeDocument/2006/relationships" xmlns:p="http://schemas.openxmlformats.org/presentationml/2006/main" type="tx">
   <p:cSld name="Section Header">
@@ -3726,7 +3927,7 @@
           <p:nvPr userDrawn="1"/>
         </p:nvPicPr>
         <p:blipFill>
-          <a:blip r:embed="rId11"/>
+          <a:blip r:embed="rId12"/>
           <a:stretch>
             <a:fillRect/>
           </a:stretch>
@@ -3755,7 +3956,7 @@
           <p:nvPr userDrawn="1"/>
         </p:nvPicPr>
         <p:blipFill>
-          <a:blip r:embed="rId12"/>
+          <a:blip r:embed="rId13"/>
           <a:stretch>
             <a:fillRect/>
           </a:stretch>
@@ -3784,7 +3985,7 @@
           <p:nvPr userDrawn="1"/>
         </p:nvPicPr>
         <p:blipFill>
-          <a:blip r:embed="rId13"/>
+          <a:blip r:embed="rId14"/>
           <a:stretch>
             <a:fillRect/>
           </a:stretch>
@@ -3817,6 +4018,7 @@
     <p:sldLayoutId id="2147483655" r:id="rId7"/>
     <p:sldLayoutId id="2147483656" r:id="rId8"/>
     <p:sldLayoutId id="2147483657" r:id="rId9"/>
+    <p:sldLayoutId id="2147483658" r:id="rId10"/>
   </p:sldLayoutIdLst>
   <p:transition spd="med"/>
   <p:txStyles>
@@ -9783,152 +9985,19 @@
           </a:bodyPr>
           <a:lstStyle/>
           <a:p>
-            <a:pPr marL="342900" indent="-342900" eaLnBrk="0" hangingPunct="0">
+            <a:pPr eaLnBrk="0" hangingPunct="0">
               <a:buFont typeface="Wingdings" panose="05000000000000000000" pitchFamily="2" charset="2"/>
               <a:buChar char="§"/>
               <a:defRPr/>
             </a:pPr>
             <a:r>
-              <a:rPr lang="pt-BR" sz="2400" dirty="0"/>
-              <a:t>Exercícios/Atividades</a:t>
-            </a:r>
-          </a:p>
-          <a:p>
-            <a:pPr marL="342900" indent="-342900" eaLnBrk="0" hangingPunct="0">
-              <a:buFont typeface="Wingdings" panose="05000000000000000000" pitchFamily="2" charset="2"/>
-              <a:buChar char="§"/>
-              <a:defRPr/>
-            </a:pPr>
-            <a:r>
-              <a:rPr lang="pt-BR" sz="2400" dirty="0"/>
-              <a:t>Revisão para Avaliações</a:t>
-            </a:r>
-          </a:p>
-          <a:p>
-            <a:pPr marL="342900" indent="-342900" eaLnBrk="0" hangingPunct="0">
-              <a:buFont typeface="Wingdings" panose="05000000000000000000" pitchFamily="2" charset="2"/>
-              <a:buChar char="§"/>
-              <a:defRPr/>
-            </a:pPr>
-            <a:r>
-              <a:rPr lang="pt-BR" sz="2400" b="1" dirty="0">
-                <a:solidFill>
-                  <a:srgbClr val="0070C0"/>
-                </a:solidFill>
-              </a:rPr>
-              <a:t>AV1</a:t>
-            </a:r>
-            <a:r>
-              <a:rPr lang="pt-BR" sz="2400" dirty="0"/>
-              <a:t> (Gerada pelo Docente)</a:t>
-            </a:r>
-          </a:p>
-          <a:p>
-            <a:pPr marL="342900" indent="-342900" eaLnBrk="0" hangingPunct="0">
-              <a:buFont typeface="Wingdings" panose="05000000000000000000" pitchFamily="2" charset="2"/>
-              <a:buChar char="§"/>
-              <a:defRPr/>
-            </a:pPr>
-            <a:r>
-              <a:rPr lang="pt-BR" sz="2400" b="1" dirty="0">
-                <a:solidFill>
-                  <a:srgbClr val="FF0000"/>
-                </a:solidFill>
-              </a:rPr>
-              <a:t>AV2</a:t>
-            </a:r>
-            <a:r>
-              <a:rPr lang="pt-BR" sz="2400" dirty="0"/>
-              <a:t> (Gerado pelo BDQ - </a:t>
-            </a:r>
-            <a:r>
-              <a:rPr lang="pt-BR" sz="2400" b="1" dirty="0"/>
-              <a:t>PNI</a:t>
-            </a:r>
-            <a:r>
-              <a:rPr lang="pt-BR" sz="2400" dirty="0"/>
-              <a:t>)</a:t>
-            </a:r>
-          </a:p>
-          <a:p>
-            <a:pPr marL="342900" indent="-342900" eaLnBrk="0" hangingPunct="0">
-              <a:buFont typeface="Wingdings" panose="05000000000000000000" pitchFamily="2" charset="2"/>
-              <a:buChar char="§"/>
-              <a:defRPr/>
-            </a:pPr>
-            <a:r>
-              <a:rPr lang="pt-BR" sz="2400" b="1" dirty="0">
-                <a:solidFill>
-                  <a:srgbClr val="00B050"/>
-                </a:solidFill>
-              </a:rPr>
-              <a:t>AV3</a:t>
-            </a:r>
-            <a:r>
-              <a:rPr lang="pt-BR" sz="2400" dirty="0"/>
-              <a:t> (Gerado pelo BDQ/Docente - </a:t>
-            </a:r>
-            <a:r>
-              <a:rPr lang="pt-BR" sz="2400" b="1" dirty="0"/>
-              <a:t>PNI</a:t>
-            </a:r>
-            <a:r>
-              <a:rPr lang="pt-BR" sz="2400" dirty="0"/>
-              <a:t> </a:t>
-            </a:r>
-            <a:r>
-              <a:rPr lang="pt-BR" sz="2400" b="1" dirty="0">
-                <a:solidFill>
-                  <a:srgbClr val="FF0000"/>
-                </a:solidFill>
-              </a:rPr>
-              <a:t>Condicional</a:t>
-            </a:r>
-            <a:r>
-              <a:rPr lang="pt-BR" sz="2400" dirty="0"/>
-              <a:t>)</a:t>
-            </a:r>
-          </a:p>
-          <a:p>
-            <a:pPr marL="342900" indent="-342900" eaLnBrk="0" hangingPunct="0">
-              <a:buFont typeface="Wingdings" panose="05000000000000000000" pitchFamily="2" charset="2"/>
-              <a:buChar char="§"/>
-              <a:defRPr/>
-            </a:pPr>
-            <a:r>
-              <a:rPr lang="pt-BR" sz="2400" b="1" dirty="0">
-                <a:solidFill>
-                  <a:srgbClr val="FF0000"/>
-                </a:solidFill>
-              </a:rPr>
-              <a:t>AVD</a:t>
-            </a:r>
-            <a:r>
-              <a:rPr lang="pt-BR" sz="2400" dirty="0"/>
-              <a:t> (</a:t>
-            </a:r>
-            <a:r>
-              <a:rPr lang="pt-BR" sz="2400" b="1" dirty="0"/>
-              <a:t>Crédito Digital</a:t>
-            </a:r>
-            <a:r>
-              <a:rPr lang="pt-BR" sz="2400" dirty="0"/>
-              <a:t>) </a:t>
-            </a:r>
-            <a:r>
-              <a:rPr lang="pt-BR" sz="2400" b="1" dirty="0">
-                <a:solidFill>
-                  <a:srgbClr val="FF0000"/>
-                </a:solidFill>
-              </a:rPr>
-              <a:t>Não teremos, somente estudo</a:t>
-            </a:r>
-          </a:p>
-          <a:p>
-            <a:pPr marL="0" indent="0" algn="just" eaLnBrk="0" hangingPunct="0">
-              <a:buNone/>
-            </a:pPr>
-            <a:endParaRPr lang="pt-BR" sz="2400" dirty="0">
+              <a:rPr lang="pt-BR" sz="2000" dirty="0">
+                <a:latin typeface="Times New Roman" panose="02020603050405020304" pitchFamily="18" charset="0"/>
+                <a:cs typeface="Times New Roman" panose="02020603050405020304" pitchFamily="18" charset="0"/>
+              </a:rPr>
+              <a:t>Pesquisa Bibliográfica</a:t>
+            </a:r>
+            <a:endParaRPr lang="pt-BR" sz="2000" dirty="0">
               <a:solidFill>
                 <a:schemeClr val="tx1"/>
               </a:solidFill>
@@ -9937,11 +10006,147 @@
             </a:endParaRPr>
           </a:p>
           <a:p>
+            <a:pPr marL="342900" indent="-342900" eaLnBrk="0" hangingPunct="0">
+              <a:buFont typeface="Wingdings" panose="05000000000000000000" pitchFamily="2" charset="2"/>
+              <a:buChar char="§"/>
+              <a:defRPr/>
+            </a:pPr>
+            <a:r>
+              <a:rPr lang="pt-BR" sz="2000" dirty="0">
+                <a:latin typeface="Times New Roman" panose="02020603050405020304" pitchFamily="18" charset="0"/>
+                <a:cs typeface="Times New Roman" panose="02020603050405020304" pitchFamily="18" charset="0"/>
+              </a:rPr>
+              <a:t>Exercícios / Atividades Processuais</a:t>
+            </a:r>
+          </a:p>
+          <a:p>
+            <a:pPr marL="342900" indent="-342900" eaLnBrk="0" hangingPunct="0">
+              <a:buFont typeface="Wingdings" panose="05000000000000000000" pitchFamily="2" charset="2"/>
+              <a:buChar char="§"/>
+              <a:defRPr/>
+            </a:pPr>
+            <a:r>
+              <a:rPr lang="pt-BR" sz="2000" dirty="0">
+                <a:latin typeface="Times New Roman" panose="02020603050405020304" pitchFamily="18" charset="0"/>
+                <a:cs typeface="Times New Roman" panose="02020603050405020304" pitchFamily="18" charset="0"/>
+              </a:rPr>
+              <a:t>Revisão para Avaliações</a:t>
+            </a:r>
+          </a:p>
+          <a:p>
+            <a:pPr marL="342900" indent="-342900" eaLnBrk="0" hangingPunct="0">
+              <a:buFont typeface="Wingdings" panose="05000000000000000000" pitchFamily="2" charset="2"/>
+              <a:buChar char="§"/>
+              <a:defRPr/>
+            </a:pPr>
+            <a:r>
+              <a:rPr lang="pt-BR" sz="2000" b="1" dirty="0">
+                <a:solidFill>
+                  <a:srgbClr val="0070C0"/>
+                </a:solidFill>
+                <a:latin typeface="Times New Roman" panose="02020603050405020304" pitchFamily="18" charset="0"/>
+                <a:cs typeface="Times New Roman" panose="02020603050405020304" pitchFamily="18" charset="0"/>
+              </a:rPr>
+              <a:t>SIM1 – presencial e SIM2 – on-line (</a:t>
+            </a:r>
+            <a:r>
+              <a:rPr lang="pt-BR" sz="2000" b="1" dirty="0">
+                <a:solidFill>
+                  <a:srgbClr val="FF0000"/>
+                </a:solidFill>
+                <a:latin typeface="Times New Roman" panose="02020603050405020304" pitchFamily="18" charset="0"/>
+                <a:cs typeface="Times New Roman" panose="02020603050405020304" pitchFamily="18" charset="0"/>
+              </a:rPr>
+              <a:t>1 ponto cada</a:t>
+            </a:r>
+            <a:r>
+              <a:rPr lang="pt-BR" sz="2000" b="1" dirty="0">
+                <a:solidFill>
+                  <a:srgbClr val="0070C0"/>
+                </a:solidFill>
+                <a:latin typeface="Times New Roman" panose="02020603050405020304" pitchFamily="18" charset="0"/>
+                <a:cs typeface="Times New Roman" panose="02020603050405020304" pitchFamily="18" charset="0"/>
+              </a:rPr>
+              <a:t>)</a:t>
+            </a:r>
+          </a:p>
+          <a:p>
+            <a:pPr marL="342900" indent="-342900" eaLnBrk="0" hangingPunct="0">
+              <a:buFont typeface="Wingdings" panose="05000000000000000000" pitchFamily="2" charset="2"/>
+              <a:buChar char="§"/>
+              <a:defRPr/>
+            </a:pPr>
+            <a:r>
+              <a:rPr lang="pt-BR" sz="2000" b="1" dirty="0">
+                <a:solidFill>
+                  <a:srgbClr val="0070C0"/>
+                </a:solidFill>
+                <a:latin typeface="Times New Roman" panose="02020603050405020304" pitchFamily="18" charset="0"/>
+                <a:cs typeface="Times New Roman" panose="02020603050405020304" pitchFamily="18" charset="0"/>
+              </a:rPr>
+              <a:t>AV = Prova + Projeto</a:t>
+            </a:r>
+          </a:p>
+          <a:p>
+            <a:pPr marL="342900" indent="-342900" eaLnBrk="0" hangingPunct="0">
+              <a:buFont typeface="Wingdings" panose="05000000000000000000" pitchFamily="2" charset="2"/>
+              <a:buChar char="§"/>
+              <a:defRPr/>
+            </a:pPr>
+            <a:r>
+              <a:rPr lang="pt-BR" sz="2000" b="1" dirty="0">
+                <a:solidFill>
+                  <a:srgbClr val="FF0000"/>
+                </a:solidFill>
+                <a:latin typeface="Times New Roman" panose="02020603050405020304" pitchFamily="18" charset="0"/>
+                <a:cs typeface="Times New Roman" panose="02020603050405020304" pitchFamily="18" charset="0"/>
+              </a:rPr>
+              <a:t>Nova Chance = Somente Pontuação da Prova</a:t>
+            </a:r>
+            <a:endParaRPr lang="pt-BR" sz="2000" dirty="0">
+              <a:latin typeface="Times New Roman" panose="02020603050405020304" pitchFamily="18" charset="0"/>
+              <a:cs typeface="Times New Roman" panose="02020603050405020304" pitchFamily="18" charset="0"/>
+            </a:endParaRPr>
+          </a:p>
+          <a:p>
+            <a:pPr marL="342900" indent="-342900" eaLnBrk="0" hangingPunct="0">
+              <a:buFont typeface="Wingdings" panose="05000000000000000000" pitchFamily="2" charset="2"/>
+              <a:buChar char="§"/>
+              <a:defRPr/>
+            </a:pPr>
+            <a:r>
+              <a:rPr lang="pt-BR" sz="2000" b="1" dirty="0">
+                <a:solidFill>
+                  <a:srgbClr val="FF0000"/>
+                </a:solidFill>
+                <a:latin typeface="Times New Roman" panose="02020603050405020304" pitchFamily="18" charset="0"/>
+                <a:cs typeface="Times New Roman" panose="02020603050405020304" pitchFamily="18" charset="0"/>
+              </a:rPr>
+              <a:t>AVS = 10</a:t>
+            </a:r>
+            <a:endParaRPr lang="pt-BR" sz="2000" dirty="0">
+              <a:latin typeface="Times New Roman" panose="02020603050405020304" pitchFamily="18" charset="0"/>
+              <a:cs typeface="Times New Roman" panose="02020603050405020304" pitchFamily="18" charset="0"/>
+            </a:endParaRPr>
+          </a:p>
+          <a:p>
             <a:pPr marL="0" indent="0" algn="just" eaLnBrk="0" hangingPunct="0">
               <a:buNone/>
             </a:pPr>
-            <a:r>
-              <a:rPr lang="pt-BR" sz="2400" b="1" dirty="0">
+            <a:endParaRPr lang="pt-BR" sz="2000" b="1" dirty="0">
+              <a:solidFill>
+                <a:schemeClr val="tx1"/>
+              </a:solidFill>
+              <a:latin typeface="Times New Roman" panose="02020603050405020304" pitchFamily="18" charset="0"/>
+              <a:cs typeface="Times New Roman" panose="02020603050405020304" pitchFamily="18" charset="0"/>
+            </a:endParaRPr>
+          </a:p>
+          <a:p>
+            <a:pPr marL="0" indent="0" algn="just" eaLnBrk="0" hangingPunct="0">
+              <a:buNone/>
+            </a:pPr>
+            <a:r>
+              <a:rPr lang="pt-BR" sz="2000" b="1" dirty="0">
                 <a:solidFill>
                   <a:schemeClr val="tx1"/>
                 </a:solidFill>
@@ -9951,45 +10156,32 @@
               <a:t>Média</a:t>
             </a:r>
             <a:r>
-              <a:rPr lang="pt-BR" sz="2400" dirty="0">
-                <a:solidFill>
-                  <a:schemeClr val="tx1"/>
-                </a:solidFill>
-                <a:latin typeface="Times New Roman" panose="02020603050405020304" pitchFamily="18" charset="0"/>
-                <a:cs typeface="Times New Roman" panose="02020603050405020304" pitchFamily="18" charset="0"/>
-              </a:rPr>
-              <a:t> = (</a:t>
-            </a:r>
-            <a:r>
-              <a:rPr lang="pt-BR" sz="2400" b="1" dirty="0">
+              <a:rPr lang="pt-BR" sz="2000" dirty="0">
+                <a:solidFill>
+                  <a:schemeClr val="tx1"/>
+                </a:solidFill>
+                <a:latin typeface="Times New Roman" panose="02020603050405020304" pitchFamily="18" charset="0"/>
+                <a:cs typeface="Times New Roman" panose="02020603050405020304" pitchFamily="18" charset="0"/>
+              </a:rPr>
+              <a:t> &gt;= </a:t>
+            </a:r>
+            <a:r>
+              <a:rPr lang="pt-BR" sz="2000" b="1" dirty="0">
                 <a:solidFill>
                   <a:srgbClr val="0070C0"/>
                 </a:solidFill>
                 <a:latin typeface="Times New Roman" panose="02020603050405020304" pitchFamily="18" charset="0"/>
                 <a:cs typeface="Times New Roman" panose="02020603050405020304" pitchFamily="18" charset="0"/>
               </a:rPr>
-              <a:t>AV1</a:t>
-            </a:r>
-            <a:r>
-              <a:rPr lang="pt-BR" sz="2400" b="1" dirty="0">
-                <a:solidFill>
-                  <a:srgbClr val="FF0000"/>
-                </a:solidFill>
-                <a:latin typeface="Times New Roman" panose="02020603050405020304" pitchFamily="18" charset="0"/>
-                <a:cs typeface="Times New Roman" panose="02020603050405020304" pitchFamily="18" charset="0"/>
-              </a:rPr>
-              <a:t> + AV2</a:t>
-            </a:r>
-            <a:r>
-              <a:rPr lang="pt-BR" sz="2400" dirty="0">
-                <a:solidFill>
-                  <a:schemeClr val="tx1"/>
-                </a:solidFill>
-                <a:latin typeface="Times New Roman" panose="02020603050405020304" pitchFamily="18" charset="0"/>
-                <a:cs typeface="Times New Roman" panose="02020603050405020304" pitchFamily="18" charset="0"/>
-              </a:rPr>
-              <a:t>) / 2 </a:t>
-            </a:r>
+              <a:t>6 aprovação; presença 25%</a:t>
+            </a:r>
+            <a:endParaRPr lang="pt-BR" sz="2000" dirty="0">
+              <a:solidFill>
+                <a:schemeClr val="tx1"/>
+              </a:solidFill>
+              <a:latin typeface="Times New Roman" panose="02020603050405020304" pitchFamily="18" charset="0"/>
+              <a:cs typeface="Times New Roman" panose="02020603050405020304" pitchFamily="18" charset="0"/>
+            </a:endParaRPr>
           </a:p>
         </p:txBody>
       </p:sp>
@@ -10045,7 +10237,7 @@
     </p:spTree>
     <p:extLst>
       <p:ext uri="{BB962C8B-B14F-4D97-AF65-F5344CB8AC3E}">
-        <p14:creationId xmlns:p14="http://schemas.microsoft.com/office/powerpoint/2010/main" val="2727899855"/>
+        <p14:creationId xmlns:p14="http://schemas.microsoft.com/office/powerpoint/2010/main" val="2133097695"/>
       </p:ext>
     </p:extLst>
   </p:cSld>
@@ -10057,6 +10249,1191 @@
 </file>
 
 <file path=ppt/slides/slide24.xml><?xml version="1.0" encoding="utf-8"?>
+<p:sld xmlns:a="http://schemas.openxmlformats.org/drawingml/2006/main" xmlns:r="http://schemas.openxmlformats.org/officeDocument/2006/relationships" xmlns:p="http://schemas.openxmlformats.org/presentationml/2006/main">
+  <p:cSld>
+    <p:spTree>
+      <p:nvGrpSpPr>
+        <p:cNvPr id="1" name=""/>
+        <p:cNvGrpSpPr/>
+        <p:nvPr/>
+      </p:nvGrpSpPr>
+      <p:grpSpPr>
+        <a:xfrm>
+          <a:off x="0" y="0"/>
+          <a:ext cx="0" cy="0"/>
+          <a:chOff x="0" y="0"/>
+          <a:chExt cx="0" cy="0"/>
+        </a:xfrm>
+      </p:grpSpPr>
+      <p:sp>
+        <p:nvSpPr>
+          <p:cNvPr id="2" name="Título 1">
+            <a:extLst>
+              <a:ext uri="{FF2B5EF4-FFF2-40B4-BE49-F238E27FC236}">
+                <a16:creationId xmlns:a16="http://schemas.microsoft.com/office/drawing/2014/main" id="{BE70F8CA-DC02-4D15-8261-E003DFCF721F}"/>
+              </a:ext>
+            </a:extLst>
+          </p:cNvPr>
+          <p:cNvSpPr>
+            <a:spLocks noGrp="1"/>
+          </p:cNvSpPr>
+          <p:nvPr>
+            <p:ph type="title"/>
+          </p:nvPr>
+        </p:nvSpPr>
+        <p:spPr/>
+        <p:txBody>
+          <a:bodyPr>
+            <a:normAutofit/>
+          </a:bodyPr>
+          <a:lstStyle/>
+          <a:p>
+            <a:r>
+              <a:rPr lang="en-US" b="1" dirty="0" err="1">
+                <a:solidFill>
+                  <a:srgbClr val="0070C0"/>
+                </a:solidFill>
+              </a:rPr>
+              <a:t>Avaliação</a:t>
+            </a:r>
+            <a:endParaRPr lang="pt-BR" dirty="0"/>
+          </a:p>
+        </p:txBody>
+      </p:sp>
+      <p:sp>
+        <p:nvSpPr>
+          <p:cNvPr id="6" name="Espaço Reservado para Número de Slide 5">
+            <a:extLst>
+              <a:ext uri="{FF2B5EF4-FFF2-40B4-BE49-F238E27FC236}">
+                <a16:creationId xmlns:a16="http://schemas.microsoft.com/office/drawing/2014/main" id="{391249D3-C59D-41E6-AF88-D8DF193EA7EB}"/>
+              </a:ext>
+            </a:extLst>
+          </p:cNvPr>
+          <p:cNvSpPr>
+            <a:spLocks noGrp="1"/>
+          </p:cNvSpPr>
+          <p:nvPr>
+            <p:ph type="sldNum" sz="quarter" idx="12"/>
+          </p:nvPr>
+        </p:nvSpPr>
+        <p:spPr>
+          <a:xfrm>
+            <a:off x="8424556" y="4765688"/>
+            <a:ext cx="262247" cy="276995"/>
+          </a:xfrm>
+        </p:spPr>
+        <p:txBody>
+          <a:bodyPr/>
+          <a:lstStyle/>
+          <a:p>
+            <a:fld id="{E50FAC2A-6E90-4BEA-B3BF-15B8E63C5B7E}" type="slidenum">
+              <a:rPr lang="pt-BR" smtClean="0"/>
+              <a:pPr/>
+              <a:t>24</a:t>
+            </a:fld>
+            <a:endParaRPr lang="pt-BR"/>
+          </a:p>
+        </p:txBody>
+      </p:sp>
+      <p:grpSp>
+        <p:nvGrpSpPr>
+          <p:cNvPr id="10" name="Agrupar 9">
+            <a:extLst>
+              <a:ext uri="{FF2B5EF4-FFF2-40B4-BE49-F238E27FC236}">
+                <a16:creationId xmlns:a16="http://schemas.microsoft.com/office/drawing/2014/main" id="{BD159A49-FA93-2987-232E-07741F22729C}"/>
+              </a:ext>
+            </a:extLst>
+          </p:cNvPr>
+          <p:cNvGrpSpPr/>
+          <p:nvPr/>
+        </p:nvGrpSpPr>
+        <p:grpSpPr>
+          <a:xfrm>
+            <a:off x="156250" y="2655972"/>
+            <a:ext cx="8306406" cy="1195489"/>
+            <a:chOff x="255401" y="3651801"/>
+            <a:chExt cx="6052248" cy="902611"/>
+          </a:xfrm>
+        </p:grpSpPr>
+        <p:cxnSp>
+          <p:nvCxnSpPr>
+            <p:cNvPr id="11" name="Conector reto 10">
+              <a:extLst>
+                <a:ext uri="{FF2B5EF4-FFF2-40B4-BE49-F238E27FC236}">
+                  <a16:creationId xmlns:a16="http://schemas.microsoft.com/office/drawing/2014/main" id="{AFAB1BCE-19D1-EFB7-D380-E808CDA26F0F}"/>
+                </a:ext>
+              </a:extLst>
+            </p:cNvPr>
+            <p:cNvCxnSpPr>
+              <a:cxnSpLocks/>
+            </p:cNvCxnSpPr>
+            <p:nvPr/>
+          </p:nvCxnSpPr>
+          <p:spPr>
+            <a:xfrm>
+              <a:off x="2006492" y="3789532"/>
+              <a:ext cx="0" cy="670770"/>
+            </a:xfrm>
+            <a:prstGeom prst="line">
+              <a:avLst/>
+            </a:prstGeom>
+            <a:ln>
+              <a:solidFill>
+                <a:schemeClr val="bg1">
+                  <a:lumMod val="50000"/>
+                </a:schemeClr>
+              </a:solidFill>
+              <a:prstDash val="dash"/>
+            </a:ln>
+          </p:spPr>
+          <p:style>
+            <a:lnRef idx="1">
+              <a:schemeClr val="accent1"/>
+            </a:lnRef>
+            <a:fillRef idx="0">
+              <a:schemeClr val="accent1"/>
+            </a:fillRef>
+            <a:effectRef idx="0">
+              <a:schemeClr val="accent1"/>
+            </a:effectRef>
+            <a:fontRef idx="minor">
+              <a:schemeClr val="tx1"/>
+            </a:fontRef>
+          </p:style>
+        </p:cxnSp>
+        <p:sp>
+          <p:nvSpPr>
+            <p:cNvPr id="12" name="CaixaDeTexto 11">
+              <a:extLst>
+                <a:ext uri="{FF2B5EF4-FFF2-40B4-BE49-F238E27FC236}">
+                  <a16:creationId xmlns:a16="http://schemas.microsoft.com/office/drawing/2014/main" id="{494D26FC-A651-E0C1-8A34-9FC66AC7530F}"/>
+                </a:ext>
+              </a:extLst>
+            </p:cNvPr>
+            <p:cNvSpPr txBox="1"/>
+            <p:nvPr/>
+          </p:nvSpPr>
+          <p:spPr>
+            <a:xfrm>
+              <a:off x="2085662" y="3716874"/>
+              <a:ext cx="4221987" cy="836553"/>
+            </a:xfrm>
+            <a:prstGeom prst="rect">
+              <a:avLst/>
+            </a:prstGeom>
+            <a:noFill/>
+          </p:spPr>
+          <p:txBody>
+            <a:bodyPr wrap="square">
+              <a:spAutoFit/>
+            </a:bodyPr>
+            <a:lstStyle/>
+            <a:p>
+              <a:pPr algn="just">
+                <a:spcBef>
+                  <a:spcPts val="900"/>
+                </a:spcBef>
+              </a:pPr>
+              <a:r>
+                <a:rPr lang="pt-BR" sz="1650" dirty="0">
+                  <a:solidFill>
+                    <a:srgbClr val="002060"/>
+                  </a:solidFill>
+                  <a:cs typeface="Leelawadee" panose="020B0502040204020203" pitchFamily="34" charset="-34"/>
+                </a:rPr>
+                <a:t> Contemplará todos os temas abordados pela disciplina. Será composta por uma prova no formato PNI ­ Prova Nacional Integrada, com total de 10 pontos, e substituirá a nota da AV, caso seja maior.</a:t>
+              </a:r>
+            </a:p>
+          </p:txBody>
+        </p:sp>
+        <p:sp>
+          <p:nvSpPr>
+            <p:cNvPr id="13" name="Chave Esquerda 12">
+              <a:extLst>
+                <a:ext uri="{FF2B5EF4-FFF2-40B4-BE49-F238E27FC236}">
+                  <a16:creationId xmlns:a16="http://schemas.microsoft.com/office/drawing/2014/main" id="{EEC255BA-00F6-6D69-F1F2-554C689C5A57}"/>
+                </a:ext>
+              </a:extLst>
+            </p:cNvPr>
+            <p:cNvSpPr/>
+            <p:nvPr/>
+          </p:nvSpPr>
+          <p:spPr>
+            <a:xfrm>
+              <a:off x="998309" y="3651801"/>
+              <a:ext cx="325426" cy="902611"/>
+            </a:xfrm>
+            <a:prstGeom prst="leftBrace">
+              <a:avLst/>
+            </a:prstGeom>
+            <a:ln>
+              <a:solidFill>
+                <a:srgbClr val="AB8B9C"/>
+              </a:solidFill>
+            </a:ln>
+          </p:spPr>
+          <p:style>
+            <a:lnRef idx="1">
+              <a:schemeClr val="accent1"/>
+            </a:lnRef>
+            <a:fillRef idx="0">
+              <a:schemeClr val="accent1"/>
+            </a:fillRef>
+            <a:effectRef idx="0">
+              <a:schemeClr val="accent1"/>
+            </a:effectRef>
+            <a:fontRef idx="minor">
+              <a:schemeClr val="tx1"/>
+            </a:fontRef>
+          </p:style>
+          <p:txBody>
+            <a:bodyPr rtlCol="0" anchor="ctr"/>
+            <a:lstStyle/>
+            <a:p>
+              <a:pPr algn="ctr"/>
+              <a:endParaRPr lang="pt-BR" sz="1650" dirty="0">
+                <a:latin typeface="+mj-lt"/>
+              </a:endParaRPr>
+            </a:p>
+          </p:txBody>
+        </p:sp>
+        <p:sp>
+          <p:nvSpPr>
+            <p:cNvPr id="14" name="Retângulo: Cantos Arredondados 13">
+              <a:extLst>
+                <a:ext uri="{FF2B5EF4-FFF2-40B4-BE49-F238E27FC236}">
+                  <a16:creationId xmlns:a16="http://schemas.microsoft.com/office/drawing/2014/main" id="{FCC5453F-7439-3E2D-B908-28C069F63FFC}"/>
+                </a:ext>
+              </a:extLst>
+            </p:cNvPr>
+            <p:cNvSpPr/>
+            <p:nvPr/>
+          </p:nvSpPr>
+          <p:spPr>
+            <a:xfrm>
+              <a:off x="255401" y="3802567"/>
+              <a:ext cx="600089" cy="600090"/>
+            </a:xfrm>
+            <a:prstGeom prst="roundRect">
+              <a:avLst/>
+            </a:prstGeom>
+            <a:solidFill>
+              <a:srgbClr val="93C840"/>
+            </a:solidFill>
+            <a:ln>
+              <a:noFill/>
+            </a:ln>
+          </p:spPr>
+          <p:style>
+            <a:lnRef idx="2">
+              <a:schemeClr val="accent1">
+                <a:shade val="50000"/>
+              </a:schemeClr>
+            </a:lnRef>
+            <a:fillRef idx="1">
+              <a:schemeClr val="accent1"/>
+            </a:fillRef>
+            <a:effectRef idx="0">
+              <a:schemeClr val="accent1"/>
+            </a:effectRef>
+            <a:fontRef idx="minor">
+              <a:schemeClr val="lt1"/>
+            </a:fontRef>
+          </p:style>
+          <p:txBody>
+            <a:bodyPr rtlCol="0" anchor="ctr"/>
+            <a:lstStyle/>
+            <a:p>
+              <a:pPr algn="ctr"/>
+              <a:endParaRPr lang="pt-BR" sz="1650" dirty="0">
+                <a:solidFill>
+                  <a:schemeClr val="bg1"/>
+                </a:solidFill>
+                <a:latin typeface="+mj-lt"/>
+                <a:cs typeface="Leelawadee" panose="020B0502040204020203" pitchFamily="34" charset="-34"/>
+              </a:endParaRPr>
+            </a:p>
+          </p:txBody>
+        </p:sp>
+        <p:pic>
+          <p:nvPicPr>
+            <p:cNvPr id="15" name="Gráfico 14" descr="{0} estrutura de tópicos">
+              <a:extLst>
+                <a:ext uri="{FF2B5EF4-FFF2-40B4-BE49-F238E27FC236}">
+                  <a16:creationId xmlns:a16="http://schemas.microsoft.com/office/drawing/2014/main" id="{5C68862C-CA6E-E06E-C115-18A357F4C6B3}"/>
+                </a:ext>
+              </a:extLst>
+            </p:cNvPr>
+            <p:cNvPicPr>
+              <a:picLocks noChangeAspect="1"/>
+            </p:cNvPicPr>
+            <p:nvPr/>
+          </p:nvPicPr>
+          <p:blipFill>
+            <a:blip r:embed="rId2">
+              <a:extLst>
+                <a:ext uri="{96DAC541-7B7A-43D3-8B79-37D633B846F1}">
+                  <asvg:svgBlip xmlns:asvg="http://schemas.microsoft.com/office/drawing/2016/SVG/main" r:embed="rId3"/>
+                </a:ext>
+              </a:extLst>
+            </a:blip>
+            <a:stretch>
+              <a:fillRect/>
+            </a:stretch>
+          </p:blipFill>
+          <p:spPr>
+            <a:xfrm>
+              <a:off x="282131" y="3851253"/>
+              <a:ext cx="490393" cy="490393"/>
+            </a:xfrm>
+            <a:prstGeom prst="rect">
+              <a:avLst/>
+            </a:prstGeom>
+          </p:spPr>
+        </p:pic>
+        <p:sp>
+          <p:nvSpPr>
+            <p:cNvPr id="16" name="Elipse 15">
+              <a:extLst>
+                <a:ext uri="{FF2B5EF4-FFF2-40B4-BE49-F238E27FC236}">
+                  <a16:creationId xmlns:a16="http://schemas.microsoft.com/office/drawing/2014/main" id="{2FAB5166-DE79-9997-FAD9-D57CE0809919}"/>
+                </a:ext>
+              </a:extLst>
+            </p:cNvPr>
+            <p:cNvSpPr/>
+            <p:nvPr/>
+          </p:nvSpPr>
+          <p:spPr>
+            <a:xfrm>
+              <a:off x="1354880" y="3828482"/>
+              <a:ext cx="511200" cy="510325"/>
+            </a:xfrm>
+            <a:prstGeom prst="ellipse">
+              <a:avLst/>
+            </a:prstGeom>
+            <a:solidFill>
+              <a:srgbClr val="6C327F"/>
+            </a:solidFill>
+            <a:ln>
+              <a:noFill/>
+            </a:ln>
+          </p:spPr>
+          <p:style>
+            <a:lnRef idx="2">
+              <a:schemeClr val="accent1">
+                <a:shade val="50000"/>
+              </a:schemeClr>
+            </a:lnRef>
+            <a:fillRef idx="1">
+              <a:schemeClr val="accent1"/>
+            </a:fillRef>
+            <a:effectRef idx="0">
+              <a:schemeClr val="accent1"/>
+            </a:effectRef>
+            <a:fontRef idx="minor">
+              <a:schemeClr val="lt1"/>
+            </a:fontRef>
+          </p:style>
+          <p:txBody>
+            <a:bodyPr rtlCol="0" anchor="ctr"/>
+            <a:lstStyle/>
+            <a:p>
+              <a:pPr algn="ctr" defTabSz="685800" hangingPunct="1">
+                <a:defRPr/>
+              </a:pPr>
+              <a:endParaRPr lang="pt-BR" sz="1650" kern="1200" dirty="0">
+                <a:solidFill>
+                  <a:prstClr val="white"/>
+                </a:solidFill>
+                <a:latin typeface="+mj-lt"/>
+                <a:cs typeface="Leelawadee" panose="020B0502040204020203" pitchFamily="34" charset="-34"/>
+              </a:endParaRPr>
+            </a:p>
+          </p:txBody>
+        </p:sp>
+        <p:sp>
+          <p:nvSpPr>
+            <p:cNvPr id="17" name="Google Shape;225;p31">
+              <a:extLst>
+                <a:ext uri="{FF2B5EF4-FFF2-40B4-BE49-F238E27FC236}">
+                  <a16:creationId xmlns:a16="http://schemas.microsoft.com/office/drawing/2014/main" id="{423F9255-B5FD-CD0B-A797-0686F67674AB}"/>
+                </a:ext>
+              </a:extLst>
+            </p:cNvPr>
+            <p:cNvSpPr txBox="1">
+              <a:spLocks/>
+            </p:cNvSpPr>
+            <p:nvPr/>
+          </p:nvSpPr>
+          <p:spPr>
+            <a:xfrm>
+              <a:off x="1218976" y="3906328"/>
+              <a:ext cx="776377" cy="380242"/>
+            </a:xfrm>
+            <a:prstGeom prst="rect">
+              <a:avLst/>
+            </a:prstGeom>
+          </p:spPr>
+          <p:txBody>
+            <a:bodyPr spcFirstLastPara="1" wrap="square" lIns="68569" tIns="68569" rIns="68569" bIns="68569" anchor="ctr" anchorCtr="0">
+              <a:noAutofit/>
+            </a:bodyPr>
+            <a:lstStyle>
+              <a:lvl1pPr algn="l" defTabSz="914400" rtl="0" eaLnBrk="1" latinLnBrk="0" hangingPunct="1">
+                <a:lnSpc>
+                  <a:spcPct val="90000"/>
+                </a:lnSpc>
+                <a:spcBef>
+                  <a:spcPct val="0"/>
+                </a:spcBef>
+                <a:buNone/>
+                <a:defRPr sz="4400" kern="1200">
+                  <a:solidFill>
+                    <a:schemeClr val="tx1"/>
+                  </a:solidFill>
+                  <a:latin typeface="+mj-lt"/>
+                  <a:ea typeface="+mj-ea"/>
+                  <a:cs typeface="+mj-cs"/>
+                </a:defRPr>
+              </a:lvl1pPr>
+            </a:lstStyle>
+            <a:p>
+              <a:pPr algn="ctr" defTabSz="685800">
+                <a:spcBef>
+                  <a:spcPts val="0"/>
+                </a:spcBef>
+                <a:defRPr/>
+              </a:pPr>
+              <a:r>
+                <a:rPr lang="en" sz="1650" b="1" dirty="0">
+                  <a:solidFill>
+                    <a:srgbClr val="8BBF37"/>
+                  </a:solidFill>
+                  <a:cs typeface="Leelawadee" panose="020B0502040204020203" pitchFamily="34" charset="-34"/>
+                </a:rPr>
+                <a:t>AVS</a:t>
+              </a:r>
+            </a:p>
+          </p:txBody>
+        </p:sp>
+      </p:grpSp>
+      <p:grpSp>
+        <p:nvGrpSpPr>
+          <p:cNvPr id="18" name="Agrupar 17">
+            <a:extLst>
+              <a:ext uri="{FF2B5EF4-FFF2-40B4-BE49-F238E27FC236}">
+                <a16:creationId xmlns:a16="http://schemas.microsoft.com/office/drawing/2014/main" id="{6E7BBFAD-8323-DE59-124A-237A398E1587}"/>
+              </a:ext>
+            </a:extLst>
+          </p:cNvPr>
+          <p:cNvGrpSpPr/>
+          <p:nvPr/>
+        </p:nvGrpSpPr>
+        <p:grpSpPr>
+          <a:xfrm>
+            <a:off x="206461" y="1088628"/>
+            <a:ext cx="8070083" cy="1592744"/>
+            <a:chOff x="255401" y="1951610"/>
+            <a:chExt cx="6110059" cy="1145390"/>
+          </a:xfrm>
+        </p:grpSpPr>
+        <p:cxnSp>
+          <p:nvCxnSpPr>
+            <p:cNvPr id="19" name="Conector reto 18">
+              <a:extLst>
+                <a:ext uri="{FF2B5EF4-FFF2-40B4-BE49-F238E27FC236}">
+                  <a16:creationId xmlns:a16="http://schemas.microsoft.com/office/drawing/2014/main" id="{D56E94B3-B561-8C4A-7B38-EF4C47464B6A}"/>
+                </a:ext>
+              </a:extLst>
+            </p:cNvPr>
+            <p:cNvCxnSpPr>
+              <a:cxnSpLocks/>
+            </p:cNvCxnSpPr>
+            <p:nvPr/>
+          </p:nvCxnSpPr>
+          <p:spPr>
+            <a:xfrm flipH="1">
+              <a:off x="2023335" y="1960004"/>
+              <a:ext cx="10611" cy="1136996"/>
+            </a:xfrm>
+            <a:prstGeom prst="line">
+              <a:avLst/>
+            </a:prstGeom>
+            <a:ln>
+              <a:solidFill>
+                <a:schemeClr val="bg1">
+                  <a:lumMod val="50000"/>
+                </a:schemeClr>
+              </a:solidFill>
+              <a:prstDash val="dash"/>
+            </a:ln>
+          </p:spPr>
+          <p:style>
+            <a:lnRef idx="1">
+              <a:schemeClr val="accent1"/>
+            </a:lnRef>
+            <a:fillRef idx="0">
+              <a:schemeClr val="accent1"/>
+            </a:fillRef>
+            <a:effectRef idx="0">
+              <a:schemeClr val="accent1"/>
+            </a:effectRef>
+            <a:fontRef idx="minor">
+              <a:schemeClr val="tx1"/>
+            </a:fontRef>
+          </p:style>
+        </p:cxnSp>
+        <p:sp>
+          <p:nvSpPr>
+            <p:cNvPr id="20" name="CaixaDeTexto 19">
+              <a:extLst>
+                <a:ext uri="{FF2B5EF4-FFF2-40B4-BE49-F238E27FC236}">
+                  <a16:creationId xmlns:a16="http://schemas.microsoft.com/office/drawing/2014/main" id="{384E976B-DE90-39A0-2829-1439FF548010}"/>
+                </a:ext>
+              </a:extLst>
+            </p:cNvPr>
+            <p:cNvSpPr txBox="1"/>
+            <p:nvPr/>
+          </p:nvSpPr>
+          <p:spPr>
+            <a:xfrm>
+              <a:off x="2097730" y="1951610"/>
+              <a:ext cx="4267730" cy="979391"/>
+            </a:xfrm>
+            <a:prstGeom prst="rect">
+              <a:avLst/>
+            </a:prstGeom>
+            <a:noFill/>
+          </p:spPr>
+          <p:txBody>
+            <a:bodyPr wrap="square">
+              <a:spAutoFit/>
+            </a:bodyPr>
+            <a:lstStyle/>
+            <a:p>
+              <a:pPr algn="just"/>
+              <a:r>
+                <a:rPr lang="pt-BR" sz="1650" dirty="0">
+                  <a:solidFill>
+                    <a:srgbClr val="002060"/>
+                  </a:solidFill>
+                  <a:cs typeface="Leelawadee" panose="020B0502040204020203" pitchFamily="34" charset="-34"/>
+                </a:rPr>
+                <a:t>Contemplará todos os temas abordados pela disciplina e será assim composta: </a:t>
+              </a:r>
+            </a:p>
+            <a:p>
+              <a:pPr algn="just"/>
+              <a:r>
+                <a:rPr lang="pt-BR" sz="1650" dirty="0">
+                  <a:solidFill>
+                    <a:srgbClr val="9E4EA3"/>
+                  </a:solidFill>
+                  <a:cs typeface="Leelawadee" panose="020B0502040204020203" pitchFamily="34" charset="-34"/>
+                </a:rPr>
+                <a:t>I. Prova individual – peso a definir</a:t>
+              </a:r>
+            </a:p>
+            <a:p>
+              <a:pPr algn="just"/>
+              <a:r>
+                <a:rPr lang="pt-BR" sz="1650" dirty="0">
+                  <a:solidFill>
+                    <a:srgbClr val="9E4EA3"/>
+                  </a:solidFill>
+                  <a:cs typeface="Leelawadee" panose="020B0502040204020203" pitchFamily="34" charset="-34"/>
+                </a:rPr>
+                <a:t>II. Realização de atividades processuais acompanhados pelo professor da disciplina.</a:t>
+              </a:r>
+            </a:p>
+          </p:txBody>
+        </p:sp>
+        <p:sp>
+          <p:nvSpPr>
+            <p:cNvPr id="21" name="Elipse 20">
+              <a:extLst>
+                <a:ext uri="{FF2B5EF4-FFF2-40B4-BE49-F238E27FC236}">
+                  <a16:creationId xmlns:a16="http://schemas.microsoft.com/office/drawing/2014/main" id="{0099B0E2-7A15-F0E6-0A39-E88FBCEC6F03}"/>
+                </a:ext>
+              </a:extLst>
+            </p:cNvPr>
+            <p:cNvSpPr/>
+            <p:nvPr/>
+          </p:nvSpPr>
+          <p:spPr>
+            <a:xfrm>
+              <a:off x="1352735" y="2246695"/>
+              <a:ext cx="511200" cy="510325"/>
+            </a:xfrm>
+            <a:prstGeom prst="ellipse">
+              <a:avLst/>
+            </a:prstGeom>
+            <a:solidFill>
+              <a:srgbClr val="6C327F"/>
+            </a:solidFill>
+            <a:ln>
+              <a:noFill/>
+            </a:ln>
+          </p:spPr>
+          <p:style>
+            <a:lnRef idx="2">
+              <a:schemeClr val="accent1">
+                <a:shade val="50000"/>
+              </a:schemeClr>
+            </a:lnRef>
+            <a:fillRef idx="1">
+              <a:schemeClr val="accent1"/>
+            </a:fillRef>
+            <a:effectRef idx="0">
+              <a:schemeClr val="accent1"/>
+            </a:effectRef>
+            <a:fontRef idx="minor">
+              <a:schemeClr val="lt1"/>
+            </a:fontRef>
+          </p:style>
+          <p:txBody>
+            <a:bodyPr rtlCol="0" anchor="ctr"/>
+            <a:lstStyle/>
+            <a:p>
+              <a:pPr algn="ctr" defTabSz="685800" hangingPunct="1">
+                <a:defRPr/>
+              </a:pPr>
+              <a:endParaRPr lang="pt-BR" sz="1650" kern="1200" dirty="0">
+                <a:solidFill>
+                  <a:prstClr val="white"/>
+                </a:solidFill>
+                <a:latin typeface="+mj-lt"/>
+                <a:cs typeface="Leelawadee" panose="020B0502040204020203" pitchFamily="34" charset="-34"/>
+              </a:endParaRPr>
+            </a:p>
+          </p:txBody>
+        </p:sp>
+        <p:sp>
+          <p:nvSpPr>
+            <p:cNvPr id="22" name="Google Shape;225;p31">
+              <a:extLst>
+                <a:ext uri="{FF2B5EF4-FFF2-40B4-BE49-F238E27FC236}">
+                  <a16:creationId xmlns:a16="http://schemas.microsoft.com/office/drawing/2014/main" id="{81AC84B9-3EC7-DDF1-8299-72D78BF6D3A0}"/>
+                </a:ext>
+              </a:extLst>
+            </p:cNvPr>
+            <p:cNvSpPr txBox="1">
+              <a:spLocks/>
+            </p:cNvSpPr>
+            <p:nvPr/>
+          </p:nvSpPr>
+          <p:spPr>
+            <a:xfrm>
+              <a:off x="1233676" y="2287548"/>
+              <a:ext cx="715264" cy="380242"/>
+            </a:xfrm>
+            <a:prstGeom prst="rect">
+              <a:avLst/>
+            </a:prstGeom>
+          </p:spPr>
+          <p:txBody>
+            <a:bodyPr spcFirstLastPara="1" wrap="square" lIns="68569" tIns="68569" rIns="68569" bIns="68569" anchor="ctr" anchorCtr="0">
+              <a:noAutofit/>
+            </a:bodyPr>
+            <a:lstStyle>
+              <a:lvl1pPr algn="l" defTabSz="914400" rtl="0" eaLnBrk="1" latinLnBrk="0" hangingPunct="1">
+                <a:lnSpc>
+                  <a:spcPct val="90000"/>
+                </a:lnSpc>
+                <a:spcBef>
+                  <a:spcPct val="0"/>
+                </a:spcBef>
+                <a:buNone/>
+                <a:defRPr sz="4400" kern="1200">
+                  <a:solidFill>
+                    <a:schemeClr val="tx1"/>
+                  </a:solidFill>
+                  <a:latin typeface="+mj-lt"/>
+                  <a:ea typeface="+mj-ea"/>
+                  <a:cs typeface="+mj-cs"/>
+                </a:defRPr>
+              </a:lvl1pPr>
+            </a:lstStyle>
+            <a:p>
+              <a:pPr algn="ctr" defTabSz="685800">
+                <a:spcBef>
+                  <a:spcPts val="0"/>
+                </a:spcBef>
+                <a:defRPr/>
+              </a:pPr>
+              <a:r>
+                <a:rPr lang="en" sz="1650" b="1" dirty="0">
+                  <a:solidFill>
+                    <a:srgbClr val="8BBF37"/>
+                  </a:solidFill>
+                  <a:cs typeface="Leelawadee" panose="020B0502040204020203" pitchFamily="34" charset="-34"/>
+                </a:rPr>
+                <a:t>AV</a:t>
+              </a:r>
+            </a:p>
+          </p:txBody>
+        </p:sp>
+        <p:sp>
+          <p:nvSpPr>
+            <p:cNvPr id="23" name="Chave Esquerda 22">
+              <a:extLst>
+                <a:ext uri="{FF2B5EF4-FFF2-40B4-BE49-F238E27FC236}">
+                  <a16:creationId xmlns:a16="http://schemas.microsoft.com/office/drawing/2014/main" id="{013B4158-3F4A-AB16-0593-27C2B96AAFFB}"/>
+                </a:ext>
+              </a:extLst>
+            </p:cNvPr>
+            <p:cNvSpPr/>
+            <p:nvPr/>
+          </p:nvSpPr>
+          <p:spPr>
+            <a:xfrm>
+              <a:off x="989977" y="2064985"/>
+              <a:ext cx="211807" cy="902305"/>
+            </a:xfrm>
+            <a:prstGeom prst="leftBrace">
+              <a:avLst/>
+            </a:prstGeom>
+            <a:ln>
+              <a:solidFill>
+                <a:srgbClr val="AB8B9C"/>
+              </a:solidFill>
+            </a:ln>
+          </p:spPr>
+          <p:style>
+            <a:lnRef idx="1">
+              <a:schemeClr val="accent1"/>
+            </a:lnRef>
+            <a:fillRef idx="0">
+              <a:schemeClr val="accent1"/>
+            </a:fillRef>
+            <a:effectRef idx="0">
+              <a:schemeClr val="accent1"/>
+            </a:effectRef>
+            <a:fontRef idx="minor">
+              <a:schemeClr val="tx1"/>
+            </a:fontRef>
+          </p:style>
+          <p:txBody>
+            <a:bodyPr rtlCol="0" anchor="ctr"/>
+            <a:lstStyle/>
+            <a:p>
+              <a:pPr algn="ctr"/>
+              <a:endParaRPr lang="pt-BR" sz="1650" dirty="0">
+                <a:latin typeface="+mj-lt"/>
+              </a:endParaRPr>
+            </a:p>
+          </p:txBody>
+        </p:sp>
+        <p:sp>
+          <p:nvSpPr>
+            <p:cNvPr id="24" name="Retângulo: Cantos Arredondados 23">
+              <a:extLst>
+                <a:ext uri="{FF2B5EF4-FFF2-40B4-BE49-F238E27FC236}">
+                  <a16:creationId xmlns:a16="http://schemas.microsoft.com/office/drawing/2014/main" id="{4F948AE0-249A-66D6-A1C4-F310911C193B}"/>
+                </a:ext>
+              </a:extLst>
+            </p:cNvPr>
+            <p:cNvSpPr/>
+            <p:nvPr/>
+          </p:nvSpPr>
+          <p:spPr>
+            <a:xfrm>
+              <a:off x="255401" y="2286859"/>
+              <a:ext cx="600089" cy="600090"/>
+            </a:xfrm>
+            <a:prstGeom prst="roundRect">
+              <a:avLst/>
+            </a:prstGeom>
+            <a:solidFill>
+              <a:srgbClr val="93C840"/>
+            </a:solidFill>
+            <a:ln>
+              <a:noFill/>
+            </a:ln>
+          </p:spPr>
+          <p:style>
+            <a:lnRef idx="2">
+              <a:schemeClr val="accent1">
+                <a:shade val="50000"/>
+              </a:schemeClr>
+            </a:lnRef>
+            <a:fillRef idx="1">
+              <a:schemeClr val="accent1"/>
+            </a:fillRef>
+            <a:effectRef idx="0">
+              <a:schemeClr val="accent1"/>
+            </a:effectRef>
+            <a:fontRef idx="minor">
+              <a:schemeClr val="lt1"/>
+            </a:fontRef>
+          </p:style>
+          <p:txBody>
+            <a:bodyPr rtlCol="0" anchor="ctr"/>
+            <a:lstStyle/>
+            <a:p>
+              <a:pPr algn="ctr"/>
+              <a:endParaRPr lang="pt-BR" sz="1650" dirty="0">
+                <a:solidFill>
+                  <a:schemeClr val="bg1"/>
+                </a:solidFill>
+                <a:latin typeface="+mj-lt"/>
+                <a:cs typeface="Leelawadee" panose="020B0502040204020203" pitchFamily="34" charset="-34"/>
+              </a:endParaRPr>
+            </a:p>
+          </p:txBody>
+        </p:sp>
+        <p:pic>
+          <p:nvPicPr>
+            <p:cNvPr id="25" name="Gráfico 24" descr="{0} estrutura de tópicos">
+              <a:extLst>
+                <a:ext uri="{FF2B5EF4-FFF2-40B4-BE49-F238E27FC236}">
+                  <a16:creationId xmlns:a16="http://schemas.microsoft.com/office/drawing/2014/main" id="{0A007B8F-C2DA-FF91-AA8D-C060B4534EDC}"/>
+                </a:ext>
+              </a:extLst>
+            </p:cNvPr>
+            <p:cNvPicPr>
+              <a:picLocks noChangeAspect="1"/>
+            </p:cNvPicPr>
+            <p:nvPr/>
+          </p:nvPicPr>
+          <p:blipFill>
+            <a:blip r:embed="rId2">
+              <a:extLst>
+                <a:ext uri="{96DAC541-7B7A-43D3-8B79-37D633B846F1}">
+                  <asvg:svgBlip xmlns:asvg="http://schemas.microsoft.com/office/drawing/2016/SVG/main" r:embed="rId3"/>
+                </a:ext>
+              </a:extLst>
+            </a:blip>
+            <a:stretch>
+              <a:fillRect/>
+            </a:stretch>
+          </p:blipFill>
+          <p:spPr>
+            <a:xfrm>
+              <a:off x="309213" y="2341707"/>
+              <a:ext cx="490393" cy="490393"/>
+            </a:xfrm>
+            <a:prstGeom prst="rect">
+              <a:avLst/>
+            </a:prstGeom>
+          </p:spPr>
+        </p:pic>
+      </p:grpSp>
+      <p:sp>
+        <p:nvSpPr>
+          <p:cNvPr id="4" name="CaixaDeTexto 3">
+            <a:extLst>
+              <a:ext uri="{FF2B5EF4-FFF2-40B4-BE49-F238E27FC236}">
+                <a16:creationId xmlns:a16="http://schemas.microsoft.com/office/drawing/2014/main" id="{25EBBC54-2A90-1E65-77B4-A31559B0C0E0}"/>
+              </a:ext>
+            </a:extLst>
+          </p:cNvPr>
+          <p:cNvSpPr txBox="1"/>
+          <p:nvPr/>
+        </p:nvSpPr>
+        <p:spPr>
+          <a:xfrm>
+            <a:off x="106463" y="4003541"/>
+            <a:ext cx="7716735" cy="646331"/>
+          </a:xfrm>
+          <a:prstGeom prst="rect">
+            <a:avLst/>
+          </a:prstGeom>
+          <a:noFill/>
+          <a:ln w="12700" cap="flat">
+            <a:noFill/>
+            <a:miter lim="400000"/>
+          </a:ln>
+          <a:effectLst/>
+        </p:spPr>
+        <p:style>
+          <a:lnRef idx="0">
+            <a:scrgbClr r="0" g="0" b="0"/>
+          </a:lnRef>
+          <a:fillRef idx="0">
+            <a:scrgbClr r="0" g="0" b="0"/>
+          </a:fillRef>
+          <a:effectRef idx="0">
+            <a:scrgbClr r="0" g="0" b="0"/>
+          </a:effectRef>
+          <a:fontRef idx="none"/>
+        </p:style>
+        <p:txBody>
+          <a:bodyPr wrap="square">
+            <a:spAutoFit/>
+          </a:bodyPr>
+          <a:lstStyle/>
+          <a:p>
+            <a:pPr marL="0" indent="0" algn="just" eaLnBrk="0" hangingPunct="0">
+              <a:buNone/>
+            </a:pPr>
+            <a:r>
+              <a:rPr lang="pt-BR" sz="1800" b="1" dirty="0">
+                <a:solidFill>
+                  <a:schemeClr val="tx1"/>
+                </a:solidFill>
+                <a:latin typeface="Times New Roman" panose="02020603050405020304" pitchFamily="18" charset="0"/>
+                <a:cs typeface="Times New Roman" panose="02020603050405020304" pitchFamily="18" charset="0"/>
+              </a:rPr>
+              <a:t>SIM1</a:t>
+            </a:r>
+            <a:r>
+              <a:rPr lang="pt-BR" sz="1800" dirty="0">
+                <a:solidFill>
+                  <a:schemeClr val="tx1"/>
+                </a:solidFill>
+                <a:latin typeface="Times New Roman" panose="02020603050405020304" pitchFamily="18" charset="0"/>
+                <a:cs typeface="Times New Roman" panose="02020603050405020304" pitchFamily="18" charset="0"/>
+              </a:rPr>
+              <a:t> – presencial vale 1 </a:t>
+            </a:r>
+            <a:r>
+              <a:rPr lang="pt-BR" sz="1800" dirty="0" err="1">
+                <a:solidFill>
+                  <a:schemeClr val="tx1"/>
+                </a:solidFill>
+                <a:latin typeface="Times New Roman" panose="02020603050405020304" pitchFamily="18" charset="0"/>
+                <a:cs typeface="Times New Roman" panose="02020603050405020304" pitchFamily="18" charset="0"/>
+              </a:rPr>
+              <a:t>pto</a:t>
+            </a:r>
+            <a:r>
+              <a:rPr lang="pt-BR" sz="1800" dirty="0">
+                <a:solidFill>
+                  <a:schemeClr val="tx1"/>
+                </a:solidFill>
+                <a:latin typeface="Times New Roman" panose="02020603050405020304" pitchFamily="18" charset="0"/>
+                <a:cs typeface="Times New Roman" panose="02020603050405020304" pitchFamily="18" charset="0"/>
+              </a:rPr>
+              <a:t>; </a:t>
+            </a:r>
+            <a:r>
+              <a:rPr lang="pt-BR" sz="1800" b="1" dirty="0">
+                <a:solidFill>
+                  <a:schemeClr val="tx1"/>
+                </a:solidFill>
+                <a:latin typeface="Times New Roman" panose="02020603050405020304" pitchFamily="18" charset="0"/>
+                <a:cs typeface="Times New Roman" panose="02020603050405020304" pitchFamily="18" charset="0"/>
+              </a:rPr>
+              <a:t>SIM2</a:t>
+            </a:r>
+            <a:r>
+              <a:rPr lang="pt-BR" sz="1800" dirty="0">
+                <a:solidFill>
+                  <a:schemeClr val="tx1"/>
+                </a:solidFill>
+                <a:latin typeface="Times New Roman" panose="02020603050405020304" pitchFamily="18" charset="0"/>
+                <a:cs typeface="Times New Roman" panose="02020603050405020304" pitchFamily="18" charset="0"/>
+              </a:rPr>
+              <a:t> – on-line vale 1 </a:t>
+            </a:r>
+            <a:r>
+              <a:rPr lang="pt-BR" sz="1800" dirty="0" err="1">
+                <a:solidFill>
+                  <a:schemeClr val="tx1"/>
+                </a:solidFill>
+                <a:latin typeface="Times New Roman" panose="02020603050405020304" pitchFamily="18" charset="0"/>
+                <a:cs typeface="Times New Roman" panose="02020603050405020304" pitchFamily="18" charset="0"/>
+              </a:rPr>
+              <a:t>pto</a:t>
+            </a:r>
+            <a:r>
+              <a:rPr lang="pt-BR" sz="1800" dirty="0">
+                <a:solidFill>
+                  <a:schemeClr val="tx1"/>
+                </a:solidFill>
+                <a:latin typeface="Times New Roman" panose="02020603050405020304" pitchFamily="18" charset="0"/>
+                <a:cs typeface="Times New Roman" panose="02020603050405020304" pitchFamily="18" charset="0"/>
+              </a:rPr>
+              <a:t>; AV = Prova + Projeto;</a:t>
+            </a:r>
+          </a:p>
+          <a:p>
+            <a:pPr marL="0" indent="0" algn="just" eaLnBrk="0" hangingPunct="0">
+              <a:buNone/>
+            </a:pPr>
+            <a:r>
+              <a:rPr lang="pt-BR" b="1" dirty="0">
+                <a:solidFill>
+                  <a:schemeClr val="tx1"/>
+                </a:solidFill>
+                <a:latin typeface="Times New Roman" panose="02020603050405020304" pitchFamily="18" charset="0"/>
+                <a:cs typeface="Times New Roman" panose="02020603050405020304" pitchFamily="18" charset="0"/>
+              </a:rPr>
+              <a:t>NC</a:t>
+            </a:r>
+            <a:r>
+              <a:rPr lang="pt-BR" dirty="0">
+                <a:solidFill>
+                  <a:schemeClr val="tx1"/>
+                </a:solidFill>
+                <a:latin typeface="Times New Roman" panose="02020603050405020304" pitchFamily="18" charset="0"/>
+                <a:cs typeface="Times New Roman" panose="02020603050405020304" pitchFamily="18" charset="0"/>
+              </a:rPr>
+              <a:t> = Nova chance; </a:t>
+            </a:r>
+            <a:r>
+              <a:rPr lang="pt-BR" b="1" dirty="0">
+                <a:solidFill>
+                  <a:srgbClr val="FF0000"/>
+                </a:solidFill>
+                <a:latin typeface="Times New Roman" panose="02020603050405020304" pitchFamily="18" charset="0"/>
+                <a:cs typeface="Times New Roman" panose="02020603050405020304" pitchFamily="18" charset="0"/>
+              </a:rPr>
+              <a:t>NÃO EXISTE SEGUNDA CHAMADA;</a:t>
+            </a:r>
+            <a:r>
+              <a:rPr lang="pt-BR" b="1" dirty="0">
+                <a:solidFill>
+                  <a:srgbClr val="002060"/>
+                </a:solidFill>
+                <a:latin typeface="Times New Roman" panose="02020603050405020304" pitchFamily="18" charset="0"/>
+                <a:cs typeface="Times New Roman" panose="02020603050405020304" pitchFamily="18" charset="0"/>
+              </a:rPr>
+              <a:t> AVS = Final</a:t>
+            </a:r>
+            <a:endParaRPr lang="pt-BR" b="1" dirty="0">
+              <a:solidFill>
+                <a:srgbClr val="002060"/>
+              </a:solidFill>
+            </a:endParaRPr>
+          </a:p>
+        </p:txBody>
+      </p:sp>
+    </p:spTree>
+    <p:extLst>
+      <p:ext uri="{BB962C8B-B14F-4D97-AF65-F5344CB8AC3E}">
+        <p14:creationId xmlns:p14="http://schemas.microsoft.com/office/powerpoint/2010/main" val="1226873747"/>
+      </p:ext>
+    </p:extLst>
+  </p:cSld>
+  <p:clrMapOvr>
+    <a:masterClrMapping/>
+  </p:clrMapOvr>
+  <p:timing>
+    <p:tnLst>
+      <p:par>
+        <p:cTn id="1" dur="indefinite" restart="never" nodeType="tmRoot">
+          <p:childTnLst>
+            <p:seq concurrent="1" nextAc="seek">
+              <p:cTn id="2" dur="indefinite" nodeType="mainSeq">
+                <p:childTnLst>
+                  <p:par>
+                    <p:cTn id="3" fill="hold">
+                      <p:stCondLst>
+                        <p:cond delay="indefinite"/>
+                      </p:stCondLst>
+                      <p:childTnLst>
+                        <p:par>
+                          <p:cTn id="4" fill="hold">
+                            <p:stCondLst>
+                              <p:cond delay="0"/>
+                            </p:stCondLst>
+                            <p:childTnLst>
+                              <p:par>
+                                <p:cTn id="5" presetID="1" presetClass="entr" presetSubtype="0" fill="hold" nodeType="clickEffect">
+                                  <p:stCondLst>
+                                    <p:cond delay="0"/>
+                                  </p:stCondLst>
+                                  <p:childTnLst>
+                                    <p:set>
+                                      <p:cBhvr>
+                                        <p:cTn id="6" dur="1" fill="hold">
+                                          <p:stCondLst>
+                                            <p:cond delay="0"/>
+                                          </p:stCondLst>
+                                        </p:cTn>
+                                        <p:tgtEl>
+                                          <p:spTgt spid="18"/>
+                                        </p:tgtEl>
+                                        <p:attrNameLst>
+                                          <p:attrName>style.visibility</p:attrName>
+                                        </p:attrNameLst>
+                                      </p:cBhvr>
+                                      <p:to>
+                                        <p:strVal val="visible"/>
+                                      </p:to>
+                                    </p:set>
+                                  </p:childTnLst>
+                                </p:cTn>
+                              </p:par>
+                            </p:childTnLst>
+                          </p:cTn>
+                        </p:par>
+                      </p:childTnLst>
+                    </p:cTn>
+                  </p:par>
+                  <p:par>
+                    <p:cTn id="7" fill="hold">
+                      <p:stCondLst>
+                        <p:cond delay="indefinite"/>
+                      </p:stCondLst>
+                      <p:childTnLst>
+                        <p:par>
+                          <p:cTn id="8" fill="hold">
+                            <p:stCondLst>
+                              <p:cond delay="0"/>
+                            </p:stCondLst>
+                            <p:childTnLst>
+                              <p:par>
+                                <p:cTn id="9" presetID="1" presetClass="entr" presetSubtype="0" fill="hold" nodeType="clickEffect">
+                                  <p:stCondLst>
+                                    <p:cond delay="0"/>
+                                  </p:stCondLst>
+                                  <p:childTnLst>
+                                    <p:set>
+                                      <p:cBhvr>
+                                        <p:cTn id="10" dur="1" fill="hold">
+                                          <p:stCondLst>
+                                            <p:cond delay="0"/>
+                                          </p:stCondLst>
+                                        </p:cTn>
+                                        <p:tgtEl>
+                                          <p:spTgt spid="10"/>
+                                        </p:tgtEl>
+                                        <p:attrNameLst>
+                                          <p:attrName>style.visibility</p:attrName>
+                                        </p:attrNameLst>
+                                      </p:cBhvr>
+                                      <p:to>
+                                        <p:strVal val="visible"/>
+                                      </p:to>
+                                    </p:set>
+                                  </p:childTnLst>
+                                </p:cTn>
+                              </p:par>
+                            </p:childTnLst>
+                          </p:cTn>
+                        </p:par>
+                      </p:childTnLst>
+                    </p:cTn>
+                  </p:par>
+                </p:childTnLst>
+              </p:cTn>
+              <p:prevCondLst>
+                <p:cond evt="onPrev" delay="0">
+                  <p:tgtEl>
+                    <p:sldTgt/>
+                  </p:tgtEl>
+                </p:cond>
+              </p:prevCondLst>
+              <p:nextCondLst>
+                <p:cond evt="onNext" delay="0">
+                  <p:tgtEl>
+                    <p:sldTgt/>
+                  </p:tgtEl>
+                </p:cond>
+              </p:nextCondLst>
+            </p:seq>
+          </p:childTnLst>
+        </p:cTn>
+      </p:par>
+    </p:tnLst>
+  </p:timing>
+</p:sld>
+</file>
+
+<file path=ppt/slides/slide25.xml><?xml version="1.0" encoding="utf-8"?>
 <p:sld xmlns:a="http://schemas.openxmlformats.org/drawingml/2006/main" xmlns:r="http://schemas.openxmlformats.org/officeDocument/2006/relationships" xmlns:p="http://schemas.openxmlformats.org/presentationml/2006/main">
   <p:cSld>
     <p:spTree>
@@ -10500,7 +11877,7 @@
 </p:sld>
 </file>
 
-<file path=ppt/slides/slide25.xml><?xml version="1.0" encoding="utf-8"?>
+<file path=ppt/slides/slide26.xml><?xml version="1.0" encoding="utf-8"?>
 <p:sld xmlns:a="http://schemas.openxmlformats.org/drawingml/2006/main" xmlns:r="http://schemas.openxmlformats.org/officeDocument/2006/relationships" xmlns:p="http://schemas.openxmlformats.org/presentationml/2006/main">
   <p:cSld>
     <p:spTree>
@@ -10964,7 +12341,7 @@
 </p:sld>
 </file>
 
-<file path=ppt/slides/slide26.xml><?xml version="1.0" encoding="utf-8"?>
+<file path=ppt/slides/slide27.xml><?xml version="1.0" encoding="utf-8"?>
 <p:sld xmlns:a="http://schemas.openxmlformats.org/drawingml/2006/main" xmlns:r="http://schemas.openxmlformats.org/officeDocument/2006/relationships" xmlns:p="http://schemas.openxmlformats.org/presentationml/2006/main">
   <p:cSld>
     <p:spTree>
@@ -11316,7 +12693,7 @@
 </p:sld>
 </file>
 
-<file path=ppt/slides/slide27.xml><?xml version="1.0" encoding="utf-8"?>
+<file path=ppt/slides/slide28.xml><?xml version="1.0" encoding="utf-8"?>
 <p:sld xmlns:a="http://schemas.openxmlformats.org/drawingml/2006/main" xmlns:r="http://schemas.openxmlformats.org/officeDocument/2006/relationships" xmlns:p="http://schemas.openxmlformats.org/presentationml/2006/main">
   <p:cSld>
     <p:spTree>
@@ -12262,7 +13639,37 @@
                 <a:latin typeface="Times New Roman" panose="02020603050405020304" pitchFamily="18" charset="0"/>
                 <a:cs typeface="Times New Roman" panose="02020603050405020304" pitchFamily="18" charset="0"/>
               </a:rPr>
-              <a:t>Engenheiro Eletricista 7º Semestre - Área1 (Cursando)</a:t>
+              <a:t>Engenheiro Eletricista 10º Semestre - </a:t>
+            </a:r>
+            <a:r>
+              <a:rPr lang="pt-BR" altLang="pt-BR" sz="2400" b="1" dirty="0" err="1">
+                <a:solidFill>
+                  <a:schemeClr val="accent3">
+                    <a:lumMod val="50000"/>
+                  </a:schemeClr>
+                </a:solidFill>
+                <a:highlight>
+                  <a:srgbClr val="FFFF00"/>
+                </a:highlight>
+                <a:latin typeface="Times New Roman" panose="02020603050405020304" pitchFamily="18" charset="0"/>
+                <a:cs typeface="Times New Roman" panose="02020603050405020304" pitchFamily="18" charset="0"/>
+              </a:rPr>
+              <a:t>UniRuy</a:t>
+            </a:r>
+            <a:r>
+              <a:rPr lang="pt-BR" altLang="pt-BR" sz="2400" b="1" dirty="0">
+                <a:solidFill>
+                  <a:schemeClr val="accent3">
+                    <a:lumMod val="50000"/>
+                  </a:schemeClr>
+                </a:solidFill>
+                <a:highlight>
+                  <a:srgbClr val="FFFF00"/>
+                </a:highlight>
+                <a:latin typeface="Times New Roman" panose="02020603050405020304" pitchFamily="18" charset="0"/>
+                <a:cs typeface="Times New Roman" panose="02020603050405020304" pitchFamily="18" charset="0"/>
+              </a:rPr>
+              <a:t> (Formando)</a:t>
             </a:r>
           </a:p>
           <a:p>

--- a/Apresentação - Programação Microcontroladores.pptx
+++ b/Apresentação - Programação Microcontroladores.pptx
@@ -5,7 +5,7 @@
     <p:sldMasterId id="2147483648" r:id="rId1"/>
   </p:sldMasterIdLst>
   <p:notesMasterIdLst>
-    <p:notesMasterId r:id="rId30"/>
+    <p:notesMasterId r:id="rId29"/>
   </p:notesMasterIdLst>
   <p:sldIdLst>
     <p:sldId id="256" r:id="rId2"/>
@@ -31,11 +31,10 @@
     <p:sldId id="347" r:id="rId22"/>
     <p:sldId id="335" r:id="rId23"/>
     <p:sldId id="363" r:id="rId24"/>
-    <p:sldId id="284" r:id="rId25"/>
-    <p:sldId id="336" r:id="rId26"/>
-    <p:sldId id="341" r:id="rId27"/>
-    <p:sldId id="361" r:id="rId28"/>
-    <p:sldId id="309" r:id="rId29"/>
+    <p:sldId id="336" r:id="rId25"/>
+    <p:sldId id="341" r:id="rId26"/>
+    <p:sldId id="361" r:id="rId27"/>
+    <p:sldId id="309" r:id="rId28"/>
   </p:sldIdLst>
   <p:sldSz cx="9144000" cy="5143500" type="screen16x9"/>
   <p:notesSz cx="6858000" cy="9144000"/>
@@ -2291,206 +2290,6 @@
 </p:sldLayout>
 </file>
 
-<file path=ppt/slideLayouts/slideLayout10.xml><?xml version="1.0" encoding="utf-8"?>
-<p:sldLayout xmlns:a="http://schemas.openxmlformats.org/drawingml/2006/main" xmlns:r="http://schemas.openxmlformats.org/officeDocument/2006/relationships" xmlns:p="http://schemas.openxmlformats.org/presentationml/2006/main" type="obj">
-  <p:cSld name="Título e Conteúdo">
-    <p:spTree>
-      <p:nvGrpSpPr>
-        <p:cNvPr id="1" name=""/>
-        <p:cNvGrpSpPr/>
-        <p:nvPr/>
-      </p:nvGrpSpPr>
-      <p:grpSpPr>
-        <a:xfrm>
-          <a:off x="0" y="0"/>
-          <a:ext cx="0" cy="0"/>
-          <a:chOff x="0" y="0"/>
-          <a:chExt cx="0" cy="0"/>
-        </a:xfrm>
-      </p:grpSpPr>
-      <p:sp>
-        <p:nvSpPr>
-          <p:cNvPr id="2" name="Title 1"/>
-          <p:cNvSpPr>
-            <a:spLocks noGrp="1"/>
-          </p:cNvSpPr>
-          <p:nvPr>
-            <p:ph type="title"/>
-          </p:nvPr>
-        </p:nvSpPr>
-        <p:spPr/>
-        <p:txBody>
-          <a:bodyPr/>
-          <a:lstStyle/>
-          <a:p>
-            <a:r>
-              <a:rPr lang="pt-BR"/>
-              <a:t>Clique para editar o título Mestre</a:t>
-            </a:r>
-            <a:endParaRPr lang="en-US" dirty="0"/>
-          </a:p>
-        </p:txBody>
-      </p:sp>
-      <p:sp>
-        <p:nvSpPr>
-          <p:cNvPr id="3" name="Content Placeholder 2"/>
-          <p:cNvSpPr>
-            <a:spLocks noGrp="1"/>
-          </p:cNvSpPr>
-          <p:nvPr>
-            <p:ph idx="1"/>
-          </p:nvPr>
-        </p:nvSpPr>
-        <p:spPr/>
-        <p:txBody>
-          <a:bodyPr/>
-          <a:lstStyle>
-            <a:lvl1pPr marL="68580" indent="-68580">
-              <a:buFont typeface="Wingdings" panose="05000000000000000000" pitchFamily="2" charset="2"/>
-              <a:buChar char="§"/>
-              <a:defRPr/>
-            </a:lvl1pPr>
-          </a:lstStyle>
-          <a:p>
-            <a:pPr lvl="0"/>
-            <a:r>
-              <a:rPr lang="pt-BR" dirty="0"/>
-              <a:t>Editar estilos de texto Mestre</a:t>
-            </a:r>
-          </a:p>
-          <a:p>
-            <a:pPr lvl="1"/>
-            <a:r>
-              <a:rPr lang="pt-BR" dirty="0"/>
-              <a:t>Segundo nível</a:t>
-            </a:r>
-          </a:p>
-          <a:p>
-            <a:pPr lvl="2"/>
-            <a:r>
-              <a:rPr lang="pt-BR" dirty="0"/>
-              <a:t>Terceiro nível</a:t>
-            </a:r>
-          </a:p>
-          <a:p>
-            <a:pPr lvl="3"/>
-            <a:r>
-              <a:rPr lang="pt-BR" dirty="0"/>
-              <a:t>Quarto nível</a:t>
-            </a:r>
-          </a:p>
-          <a:p>
-            <a:pPr lvl="4"/>
-            <a:r>
-              <a:rPr lang="pt-BR" dirty="0"/>
-              <a:t>Quinto nível</a:t>
-            </a:r>
-            <a:endParaRPr lang="en-US" dirty="0"/>
-          </a:p>
-        </p:txBody>
-      </p:sp>
-      <p:sp>
-        <p:nvSpPr>
-          <p:cNvPr id="4" name="Date Placeholder 3"/>
-          <p:cNvSpPr>
-            <a:spLocks noGrp="1"/>
-          </p:cNvSpPr>
-          <p:nvPr>
-            <p:ph type="dt" sz="half" idx="10"/>
-          </p:nvPr>
-        </p:nvSpPr>
-        <p:spPr/>
-        <p:txBody>
-          <a:bodyPr/>
-          <a:lstStyle>
-            <a:lvl1pPr>
-              <a:defRPr>
-                <a:latin typeface="Arial" panose="020B0604020202020204" pitchFamily="34" charset="0"/>
-                <a:cs typeface="Arial" panose="020B0604020202020204" pitchFamily="34" charset="0"/>
-              </a:defRPr>
-            </a:lvl1pPr>
-          </a:lstStyle>
-          <a:p>
-            <a:r>
-              <a:rPr lang="pt-BR"/>
-              <a:t>2022.1</a:t>
-            </a:r>
-          </a:p>
-        </p:txBody>
-      </p:sp>
-      <p:sp>
-        <p:nvSpPr>
-          <p:cNvPr id="5" name="Footer Placeholder 4"/>
-          <p:cNvSpPr>
-            <a:spLocks noGrp="1"/>
-          </p:cNvSpPr>
-          <p:nvPr>
-            <p:ph type="ftr" sz="quarter" idx="11"/>
-          </p:nvPr>
-        </p:nvSpPr>
-        <p:spPr/>
-        <p:txBody>
-          <a:bodyPr/>
-          <a:lstStyle>
-            <a:lvl1pPr>
-              <a:defRPr>
-                <a:latin typeface="Arial" panose="020B0604020202020204" pitchFamily="34" charset="0"/>
-                <a:cs typeface="Arial" panose="020B0604020202020204" pitchFamily="34" charset="0"/>
-              </a:defRPr>
-            </a:lvl1pPr>
-          </a:lstStyle>
-          <a:p>
-            <a:r>
-              <a:rPr lang="pt-BR"/>
-              <a:t>ARA0044 - Apresentação Curso</a:t>
-            </a:r>
-          </a:p>
-        </p:txBody>
-      </p:sp>
-      <p:sp>
-        <p:nvSpPr>
-          <p:cNvPr id="6" name="Slide Number Placeholder 5"/>
-          <p:cNvSpPr>
-            <a:spLocks noGrp="1"/>
-          </p:cNvSpPr>
-          <p:nvPr>
-            <p:ph type="sldNum" sz="quarter" idx="12"/>
-          </p:nvPr>
-        </p:nvSpPr>
-        <p:spPr/>
-        <p:txBody>
-          <a:bodyPr/>
-          <a:lstStyle>
-            <a:lvl1pPr>
-              <a:defRPr>
-                <a:latin typeface="Arial" panose="020B0604020202020204" pitchFamily="34" charset="0"/>
-                <a:cs typeface="Arial" panose="020B0604020202020204" pitchFamily="34" charset="0"/>
-              </a:defRPr>
-            </a:lvl1pPr>
-          </a:lstStyle>
-          <a:p>
-            <a:fld id="{E50FAC2A-6E90-4BEA-B3BF-15B8E63C5B7E}" type="slidenum">
-              <a:rPr lang="pt-BR" smtClean="0"/>
-              <a:pPr/>
-              <a:t>‹nº›</a:t>
-            </a:fld>
-            <a:endParaRPr lang="pt-BR"/>
-          </a:p>
-        </p:txBody>
-      </p:sp>
-    </p:spTree>
-    <p:extLst>
-      <p:ext uri="{BB962C8B-B14F-4D97-AF65-F5344CB8AC3E}">
-        <p14:creationId xmlns:p14="http://schemas.microsoft.com/office/powerpoint/2010/main" val="1405450844"/>
-      </p:ext>
-    </p:extLst>
-  </p:cSld>
-  <p:clrMapOvr>
-    <a:masterClrMapping/>
-  </p:clrMapOvr>
-</p:sldLayout>
-</file>
-
 <file path=ppt/slideLayouts/slideLayout2.xml><?xml version="1.0" encoding="utf-8"?>
 <p:sldLayout xmlns:a="http://schemas.openxmlformats.org/drawingml/2006/main" xmlns:r="http://schemas.openxmlformats.org/officeDocument/2006/relationships" xmlns:p="http://schemas.openxmlformats.org/presentationml/2006/main" type="tx">
   <p:cSld name="Section Header">
@@ -3927,7 +3726,7 @@
           <p:nvPr userDrawn="1"/>
         </p:nvPicPr>
         <p:blipFill>
-          <a:blip r:embed="rId12"/>
+          <a:blip r:embed="rId11"/>
           <a:stretch>
             <a:fillRect/>
           </a:stretch>
@@ -3956,7 +3755,7 @@
           <p:nvPr userDrawn="1"/>
         </p:nvPicPr>
         <p:blipFill>
-          <a:blip r:embed="rId13"/>
+          <a:blip r:embed="rId12"/>
           <a:stretch>
             <a:fillRect/>
           </a:stretch>
@@ -3985,7 +3784,7 @@
           <p:nvPr userDrawn="1"/>
         </p:nvPicPr>
         <p:blipFill>
-          <a:blip r:embed="rId14"/>
+          <a:blip r:embed="rId13"/>
           <a:stretch>
             <a:fillRect/>
           </a:stretch>
@@ -4018,7 +3817,6 @@
     <p:sldLayoutId id="2147483655" r:id="rId7"/>
     <p:sldLayoutId id="2147483656" r:id="rId8"/>
     <p:sldLayoutId id="2147483657" r:id="rId9"/>
-    <p:sldLayoutId id="2147483658" r:id="rId10"/>
   </p:sldLayoutIdLst>
   <p:transition spd="med"/>
   <p:txStyles>
@@ -6032,7 +5830,7 @@
             <a:r>
               <a:rPr lang="pt-BR" altLang="pt-BR" sz="2400" b="1" dirty="0">
                 <a:solidFill>
-                  <a:srgbClr val="0070C0"/>
+                  <a:srgbClr val="FF0000"/>
                 </a:solidFill>
                 <a:latin typeface="Times New Roman" panose="02020603050405020304" pitchFamily="18" charset="0"/>
                 <a:cs typeface="Times New Roman" panose="02020603050405020304" pitchFamily="18" charset="0"/>
@@ -6041,11 +5839,58 @@
             </a:r>
             <a:endParaRPr lang="pt-BR" altLang="pt-BR" sz="2400" dirty="0">
               <a:solidFill>
-                <a:schemeClr val="tx1"/>
+                <a:srgbClr val="FF0000"/>
               </a:solidFill>
               <a:latin typeface="Times New Roman" panose="02020603050405020304" pitchFamily="18" charset="0"/>
               <a:cs typeface="Times New Roman" panose="02020603050405020304" pitchFamily="18" charset="0"/>
             </a:endParaRPr>
+          </a:p>
+          <a:p>
+            <a:pPr algn="just" eaLnBrk="0" hangingPunct="0">
+              <a:buFont typeface="Wingdings" panose="05000000000000000000" pitchFamily="2" charset="2"/>
+              <a:buChar char="ü"/>
+            </a:pPr>
+            <a:r>
+              <a:rPr lang="pt-BR" altLang="pt-BR" sz="2400" dirty="0" err="1">
+                <a:solidFill>
+                  <a:schemeClr val="tx1"/>
+                </a:solidFill>
+                <a:latin typeface="Times New Roman" panose="02020603050405020304" pitchFamily="18" charset="0"/>
+                <a:cs typeface="Times New Roman" panose="02020603050405020304" pitchFamily="18" charset="0"/>
+              </a:rPr>
+              <a:t>Tinkercad</a:t>
+            </a:r>
+            <a:r>
+              <a:rPr lang="pt-BR" altLang="pt-BR" sz="2400" dirty="0">
+                <a:solidFill>
+                  <a:schemeClr val="tx1"/>
+                </a:solidFill>
+                <a:latin typeface="Times New Roman" panose="02020603050405020304" pitchFamily="18" charset="0"/>
+                <a:cs typeface="Times New Roman" panose="02020603050405020304" pitchFamily="18" charset="0"/>
+              </a:rPr>
+              <a:t> (</a:t>
+            </a:r>
+            <a:r>
+              <a:rPr lang="pt-BR" altLang="pt-BR" sz="2400" dirty="0">
+                <a:solidFill>
+                  <a:schemeClr val="tx1"/>
+                </a:solidFill>
+                <a:latin typeface="Times New Roman" panose="02020603050405020304" pitchFamily="18" charset="0"/>
+                <a:cs typeface="Times New Roman" panose="02020603050405020304" pitchFamily="18" charset="0"/>
+                <a:hlinkClick r:id="rId3"/>
+              </a:rPr>
+              <a:t>https://www.tinkercad.com/</a:t>
+            </a:r>
+            <a:r>
+              <a:rPr lang="pt-BR" altLang="pt-BR" sz="2400" dirty="0">
+                <a:solidFill>
+                  <a:schemeClr val="tx1"/>
+                </a:solidFill>
+                <a:latin typeface="Times New Roman" panose="02020603050405020304" pitchFamily="18" charset="0"/>
+                <a:cs typeface="Times New Roman" panose="02020603050405020304" pitchFamily="18" charset="0"/>
+              </a:rPr>
+              <a:t> )</a:t>
+            </a:r>
           </a:p>
           <a:p>
             <a:pPr algn="just" eaLnBrk="0" hangingPunct="0">
@@ -6092,7 +5937,7 @@
                 </a:solidFill>
                 <a:latin typeface="Times New Roman" panose="02020603050405020304" pitchFamily="18" charset="0"/>
                 <a:cs typeface="Times New Roman" panose="02020603050405020304" pitchFamily="18" charset="0"/>
-                <a:hlinkClick r:id="rId3"/>
+                <a:hlinkClick r:id="rId4"/>
               </a:rPr>
               <a:t>https://sourceforge.net/</a:t>
             </a:r>
@@ -6103,7 +5948,7 @@
                 </a:solidFill>
                 <a:latin typeface="Times New Roman" panose="02020603050405020304" pitchFamily="18" charset="0"/>
                 <a:cs typeface="Times New Roman" panose="02020603050405020304" pitchFamily="18" charset="0"/>
-                <a:hlinkClick r:id="rId3"/>
+                <a:hlinkClick r:id="rId4"/>
               </a:rPr>
               <a:t>projects</a:t>
             </a:r>
@@ -6114,7 +5959,7 @@
                 </a:solidFill>
                 <a:latin typeface="Times New Roman" panose="02020603050405020304" pitchFamily="18" charset="0"/>
                 <a:cs typeface="Times New Roman" panose="02020603050405020304" pitchFamily="18" charset="0"/>
-                <a:hlinkClick r:id="rId3"/>
+                <a:hlinkClick r:id="rId4"/>
               </a:rPr>
               <a:t>/</a:t>
             </a:r>
@@ -6125,7 +5970,7 @@
                 </a:solidFill>
                 <a:latin typeface="Times New Roman" panose="02020603050405020304" pitchFamily="18" charset="0"/>
                 <a:cs typeface="Times New Roman" panose="02020603050405020304" pitchFamily="18" charset="0"/>
-                <a:hlinkClick r:id="rId3"/>
+                <a:hlinkClick r:id="rId4"/>
               </a:rPr>
               <a:t>picsim</a:t>
             </a:r>
@@ -6136,7 +5981,7 @@
                 </a:solidFill>
                 <a:latin typeface="Times New Roman" panose="02020603050405020304" pitchFamily="18" charset="0"/>
                 <a:cs typeface="Times New Roman" panose="02020603050405020304" pitchFamily="18" charset="0"/>
-                <a:hlinkClick r:id="rId3"/>
+                <a:hlinkClick r:id="rId4"/>
               </a:rPr>
               <a:t>/</a:t>
             </a:r>
@@ -6156,37 +6001,13 @@
               <a:buFont typeface="Wingdings" panose="05000000000000000000" pitchFamily="2" charset="2"/>
               <a:buChar char="ü"/>
             </a:pPr>
-            <a:r>
-              <a:rPr lang="pt-BR" altLang="pt-BR" sz="2400" dirty="0">
-                <a:solidFill>
-                  <a:schemeClr val="tx1"/>
-                </a:solidFill>
-                <a:latin typeface="Times New Roman" panose="02020603050405020304" pitchFamily="18" charset="0"/>
-                <a:cs typeface="Times New Roman" panose="02020603050405020304" pitchFamily="18" charset="0"/>
-              </a:rPr>
-              <a:t>CCS (</a:t>
-            </a:r>
-            <a:r>
-              <a:rPr lang="pt-BR" altLang="pt-BR" sz="2400" dirty="0">
-                <a:solidFill>
-                  <a:schemeClr val="tx1"/>
-                </a:solidFill>
-                <a:latin typeface="Times New Roman" panose="02020603050405020304" pitchFamily="18" charset="0"/>
-                <a:cs typeface="Times New Roman" panose="02020603050405020304" pitchFamily="18" charset="0"/>
-                <a:hlinkClick r:id="rId4"/>
-              </a:rPr>
-              <a:t>https://ccsinfo.com/</a:t>
-            </a:r>
-            <a:r>
-              <a:rPr lang="pt-BR" altLang="pt-BR" sz="2400" dirty="0">
-                <a:solidFill>
-                  <a:schemeClr val="tx1"/>
-                </a:solidFill>
-                <a:latin typeface="Times New Roman" panose="02020603050405020304" pitchFamily="18" charset="0"/>
-                <a:cs typeface="Times New Roman" panose="02020603050405020304" pitchFamily="18" charset="0"/>
-              </a:rPr>
-              <a:t>)</a:t>
-            </a:r>
+            <a:endParaRPr lang="pt-BR" altLang="pt-BR" sz="2400" dirty="0">
+              <a:solidFill>
+                <a:schemeClr val="tx1"/>
+              </a:solidFill>
+              <a:latin typeface="Times New Roman" panose="02020603050405020304" pitchFamily="18" charset="0"/>
+              <a:cs typeface="Times New Roman" panose="02020603050405020304" pitchFamily="18" charset="0"/>
+            </a:endParaRPr>
           </a:p>
           <a:p>
             <a:pPr algn="just" eaLnBrk="0" hangingPunct="0">
@@ -6194,6 +6015,56 @@
               <a:buChar char="ü"/>
             </a:pPr>
             <a:r>
+              <a:rPr lang="pt-BR" altLang="pt-BR" sz="2400" dirty="0">
+                <a:solidFill>
+                  <a:schemeClr val="tx1"/>
+                </a:solidFill>
+                <a:latin typeface="Times New Roman" panose="02020603050405020304" pitchFamily="18" charset="0"/>
+                <a:cs typeface="Times New Roman" panose="02020603050405020304" pitchFamily="18" charset="0"/>
+              </a:rPr>
+              <a:t>CCS (</a:t>
+            </a:r>
+            <a:r>
+              <a:rPr lang="pt-BR" altLang="pt-BR" sz="2400" dirty="0">
+                <a:solidFill>
+                  <a:schemeClr val="tx1"/>
+                </a:solidFill>
+                <a:latin typeface="Times New Roman" panose="02020603050405020304" pitchFamily="18" charset="0"/>
+                <a:cs typeface="Times New Roman" panose="02020603050405020304" pitchFamily="18" charset="0"/>
+                <a:hlinkClick r:id="rId5"/>
+              </a:rPr>
+              <a:t>https://ccsinfo.com/</a:t>
+            </a:r>
+            <a:r>
+              <a:rPr lang="pt-BR" altLang="pt-BR" sz="2400" dirty="0">
+                <a:solidFill>
+                  <a:schemeClr val="tx1"/>
+                </a:solidFill>
+                <a:latin typeface="Times New Roman" panose="02020603050405020304" pitchFamily="18" charset="0"/>
+                <a:cs typeface="Times New Roman" panose="02020603050405020304" pitchFamily="18" charset="0"/>
+              </a:rPr>
+              <a:t>)</a:t>
+            </a:r>
+          </a:p>
+          <a:p>
+            <a:pPr algn="just" eaLnBrk="0" hangingPunct="0">
+              <a:buFont typeface="Wingdings" panose="05000000000000000000" pitchFamily="2" charset="2"/>
+              <a:buChar char="ü"/>
+            </a:pPr>
+            <a:endParaRPr lang="pt-BR" altLang="pt-BR" sz="2400" dirty="0">
+              <a:solidFill>
+                <a:schemeClr val="tx1"/>
+              </a:solidFill>
+              <a:latin typeface="Times New Roman" panose="02020603050405020304" pitchFamily="18" charset="0"/>
+              <a:cs typeface="Times New Roman" panose="02020603050405020304" pitchFamily="18" charset="0"/>
+            </a:endParaRPr>
+          </a:p>
+          <a:p>
+            <a:pPr algn="just" eaLnBrk="0" hangingPunct="0">
+              <a:buFont typeface="Wingdings" panose="05000000000000000000" pitchFamily="2" charset="2"/>
+              <a:buChar char="ü"/>
+            </a:pPr>
+            <a:r>
               <a:rPr lang="pt-BR" altLang="pt-BR" sz="2400" dirty="0" err="1">
                 <a:solidFill>
                   <a:schemeClr val="tx1"/>
@@ -6220,7 +6091,7 @@
                 </a:solidFill>
                 <a:latin typeface="Times New Roman" panose="02020603050405020304" pitchFamily="18" charset="0"/>
                 <a:cs typeface="Times New Roman" panose="02020603050405020304" pitchFamily="18" charset="0"/>
-                <a:hlinkClick r:id="rId5"/>
+                <a:hlinkClick r:id="rId6"/>
               </a:rPr>
               <a:t>https://www.labcenter.com/downloads/</a:t>
             </a:r>
@@ -6477,7 +6348,7 @@
             <a:pPr marL="0" indent="0" algn="just" eaLnBrk="0" hangingPunct="0">
               <a:buNone/>
             </a:pPr>
-            <a:endParaRPr lang="pt-BR" altLang="pt-BR" sz="2400">
+            <a:endParaRPr lang="pt-BR" altLang="pt-BR" sz="2400" dirty="0">
               <a:solidFill>
                 <a:schemeClr val="tx1"/>
               </a:solidFill>
@@ -6491,7 +6362,7 @@
               <a:buNone/>
             </a:pPr>
             <a:r>
-              <a:rPr lang="pt-BR" altLang="pt-BR" sz="2400">
+              <a:rPr lang="pt-BR" altLang="pt-BR" sz="2400" dirty="0">
                 <a:solidFill>
                   <a:schemeClr val="tx1"/>
                 </a:solidFill>
@@ -6499,18 +6370,7 @@
                 <a:cs typeface="Times New Roman" panose="02020603050405020304" pitchFamily="18" charset="0"/>
                 <a:hlinkClick r:id="rId3"/>
               </a:rPr>
-              <a:t>https</a:t>
-            </a:r>
-            <a:r>
-              <a:rPr lang="pt-BR" altLang="pt-BR" sz="2400" dirty="0">
-                <a:solidFill>
-                  <a:schemeClr val="tx1"/>
-                </a:solidFill>
-                <a:latin typeface="Times New Roman" panose="02020603050405020304" pitchFamily="18" charset="0"/>
-                <a:cs typeface="Times New Roman" panose="02020603050405020304" pitchFamily="18" charset="0"/>
-                <a:hlinkClick r:id="rId3"/>
-              </a:rPr>
-              <a:t>://youtu.be/cNN_tTXABUA</a:t>
+              <a:t>https://youtu.be/cNN_tTXABUA</a:t>
             </a:r>
             <a:endParaRPr lang="pt-BR" altLang="pt-BR" sz="2400" dirty="0">
               <a:solidFill>
@@ -9995,7 +9855,7 @@
                 <a:latin typeface="Times New Roman" panose="02020603050405020304" pitchFamily="18" charset="0"/>
                 <a:cs typeface="Times New Roman" panose="02020603050405020304" pitchFamily="18" charset="0"/>
               </a:rPr>
-              <a:t>Pesquisa Bibliográfica</a:t>
+              <a:t>Pesquisas</a:t>
             </a:r>
             <a:endParaRPr lang="pt-BR" sz="2000" dirty="0">
               <a:solidFill>
@@ -10016,7 +9876,7 @@
                 <a:latin typeface="Times New Roman" panose="02020603050405020304" pitchFamily="18" charset="0"/>
                 <a:cs typeface="Times New Roman" panose="02020603050405020304" pitchFamily="18" charset="0"/>
               </a:rPr>
-              <a:t>Exercícios / Atividades Processuais</a:t>
+              <a:t>Exercícios</a:t>
             </a:r>
           </a:p>
           <a:p>
@@ -10026,11 +9886,34 @@
               <a:defRPr/>
             </a:pPr>
             <a:r>
-              <a:rPr lang="pt-BR" sz="2000" dirty="0">
-                <a:latin typeface="Times New Roman" panose="02020603050405020304" pitchFamily="18" charset="0"/>
-                <a:cs typeface="Times New Roman" panose="02020603050405020304" pitchFamily="18" charset="0"/>
-              </a:rPr>
-              <a:t>Revisão para Avaliações</a:t>
+              <a:rPr lang="pt-BR" sz="2000" b="1" dirty="0">
+                <a:solidFill>
+                  <a:srgbClr val="0070C0"/>
+                </a:solidFill>
+                <a:latin typeface="Times New Roman" panose="02020603050405020304" pitchFamily="18" charset="0"/>
+                <a:cs typeface="Times New Roman" panose="02020603050405020304" pitchFamily="18" charset="0"/>
+              </a:rPr>
+              <a:t>SIM1 e SIM2 (</a:t>
+            </a:r>
+            <a:r>
+              <a:rPr lang="pt-BR" sz="2000" b="1" dirty="0">
+                <a:solidFill>
+                  <a:srgbClr val="FF0000"/>
+                </a:solidFill>
+                <a:latin typeface="Times New Roman" panose="02020603050405020304" pitchFamily="18" charset="0"/>
+                <a:cs typeface="Times New Roman" panose="02020603050405020304" pitchFamily="18" charset="0"/>
+              </a:rPr>
+              <a:t>1 ponto cada</a:t>
+            </a:r>
+            <a:r>
+              <a:rPr lang="pt-BR" sz="2000" b="1" dirty="0">
+                <a:solidFill>
+                  <a:srgbClr val="0070C0"/>
+                </a:solidFill>
+                <a:latin typeface="Times New Roman" panose="02020603050405020304" pitchFamily="18" charset="0"/>
+                <a:cs typeface="Times New Roman" panose="02020603050405020304" pitchFamily="18" charset="0"/>
+              </a:rPr>
+              <a:t>)</a:t>
             </a:r>
           </a:p>
           <a:p>
@@ -10047,87 +9930,8 @@
                 <a:latin typeface="Times New Roman" panose="02020603050405020304" pitchFamily="18" charset="0"/>
                 <a:cs typeface="Times New Roman" panose="02020603050405020304" pitchFamily="18" charset="0"/>
               </a:rPr>
-              <a:t>SIM1 – presencial e SIM2 – on-line (</a:t>
-            </a:r>
-            <a:r>
-              <a:rPr lang="pt-BR" sz="2000" b="1" dirty="0">
-                <a:solidFill>
-                  <a:srgbClr val="FF0000"/>
-                </a:solidFill>
-                <a:latin typeface="Times New Roman" panose="02020603050405020304" pitchFamily="18" charset="0"/>
-                <a:cs typeface="Times New Roman" panose="02020603050405020304" pitchFamily="18" charset="0"/>
-              </a:rPr>
-              <a:t>1 ponto cada</a:t>
-            </a:r>
-            <a:r>
-              <a:rPr lang="pt-BR" sz="2000" b="1" dirty="0">
-                <a:solidFill>
-                  <a:srgbClr val="0070C0"/>
-                </a:solidFill>
-                <a:latin typeface="Times New Roman" panose="02020603050405020304" pitchFamily="18" charset="0"/>
-                <a:cs typeface="Times New Roman" panose="02020603050405020304" pitchFamily="18" charset="0"/>
-              </a:rPr>
-              <a:t>)</a:t>
-            </a:r>
-          </a:p>
-          <a:p>
-            <a:pPr marL="342900" indent="-342900" eaLnBrk="0" hangingPunct="0">
-              <a:buFont typeface="Wingdings" panose="05000000000000000000" pitchFamily="2" charset="2"/>
-              <a:buChar char="§"/>
-              <a:defRPr/>
-            </a:pPr>
-            <a:r>
-              <a:rPr lang="pt-BR" sz="2000" b="1" dirty="0">
-                <a:solidFill>
-                  <a:srgbClr val="0070C0"/>
-                </a:solidFill>
-                <a:latin typeface="Times New Roman" panose="02020603050405020304" pitchFamily="18" charset="0"/>
-                <a:cs typeface="Times New Roman" panose="02020603050405020304" pitchFamily="18" charset="0"/>
-              </a:rPr>
-              <a:t>AV = Prova + Projeto</a:t>
-            </a:r>
-          </a:p>
-          <a:p>
-            <a:pPr marL="342900" indent="-342900" eaLnBrk="0" hangingPunct="0">
-              <a:buFont typeface="Wingdings" panose="05000000000000000000" pitchFamily="2" charset="2"/>
-              <a:buChar char="§"/>
-              <a:defRPr/>
-            </a:pPr>
-            <a:r>
-              <a:rPr lang="pt-BR" sz="2000" b="1" dirty="0">
-                <a:solidFill>
-                  <a:srgbClr val="FF0000"/>
-                </a:solidFill>
-                <a:latin typeface="Times New Roman" panose="02020603050405020304" pitchFamily="18" charset="0"/>
-                <a:cs typeface="Times New Roman" panose="02020603050405020304" pitchFamily="18" charset="0"/>
-              </a:rPr>
-              <a:t>Nova Chance = Somente Pontuação da Prova</a:t>
-            </a:r>
-            <a:endParaRPr lang="pt-BR" sz="2000" dirty="0">
-              <a:latin typeface="Times New Roman" panose="02020603050405020304" pitchFamily="18" charset="0"/>
-              <a:cs typeface="Times New Roman" panose="02020603050405020304" pitchFamily="18" charset="0"/>
-            </a:endParaRPr>
-          </a:p>
-          <a:p>
-            <a:pPr marL="342900" indent="-342900" eaLnBrk="0" hangingPunct="0">
-              <a:buFont typeface="Wingdings" panose="05000000000000000000" pitchFamily="2" charset="2"/>
-              <a:buChar char="§"/>
-              <a:defRPr/>
-            </a:pPr>
-            <a:r>
-              <a:rPr lang="pt-BR" sz="2000" b="1" dirty="0">
-                <a:solidFill>
-                  <a:srgbClr val="FF0000"/>
-                </a:solidFill>
-                <a:latin typeface="Times New Roman" panose="02020603050405020304" pitchFamily="18" charset="0"/>
-                <a:cs typeface="Times New Roman" panose="02020603050405020304" pitchFamily="18" charset="0"/>
-              </a:rPr>
-              <a:t>AVS = 10</a:t>
-            </a:r>
-            <a:endParaRPr lang="pt-BR" sz="2000" dirty="0">
-              <a:latin typeface="Times New Roman" panose="02020603050405020304" pitchFamily="18" charset="0"/>
-              <a:cs typeface="Times New Roman" panose="02020603050405020304" pitchFamily="18" charset="0"/>
-            </a:endParaRPr>
+              <a:t>NF = Projeto</a:t>
+            </a:r>
           </a:p>
           <a:p>
             <a:pPr marL="0" indent="0" algn="just" eaLnBrk="0" hangingPunct="0">
@@ -10267,1191 +10071,6 @@
       </p:grpSpPr>
       <p:sp>
         <p:nvSpPr>
-          <p:cNvPr id="2" name="Título 1">
-            <a:extLst>
-              <a:ext uri="{FF2B5EF4-FFF2-40B4-BE49-F238E27FC236}">
-                <a16:creationId xmlns:a16="http://schemas.microsoft.com/office/drawing/2014/main" id="{BE70F8CA-DC02-4D15-8261-E003DFCF721F}"/>
-              </a:ext>
-            </a:extLst>
-          </p:cNvPr>
-          <p:cNvSpPr>
-            <a:spLocks noGrp="1"/>
-          </p:cNvSpPr>
-          <p:nvPr>
-            <p:ph type="title"/>
-          </p:nvPr>
-        </p:nvSpPr>
-        <p:spPr/>
-        <p:txBody>
-          <a:bodyPr>
-            <a:normAutofit/>
-          </a:bodyPr>
-          <a:lstStyle/>
-          <a:p>
-            <a:r>
-              <a:rPr lang="en-US" b="1" dirty="0" err="1">
-                <a:solidFill>
-                  <a:srgbClr val="0070C0"/>
-                </a:solidFill>
-              </a:rPr>
-              <a:t>Avaliação</a:t>
-            </a:r>
-            <a:endParaRPr lang="pt-BR" dirty="0"/>
-          </a:p>
-        </p:txBody>
-      </p:sp>
-      <p:sp>
-        <p:nvSpPr>
-          <p:cNvPr id="6" name="Espaço Reservado para Número de Slide 5">
-            <a:extLst>
-              <a:ext uri="{FF2B5EF4-FFF2-40B4-BE49-F238E27FC236}">
-                <a16:creationId xmlns:a16="http://schemas.microsoft.com/office/drawing/2014/main" id="{391249D3-C59D-41E6-AF88-D8DF193EA7EB}"/>
-              </a:ext>
-            </a:extLst>
-          </p:cNvPr>
-          <p:cNvSpPr>
-            <a:spLocks noGrp="1"/>
-          </p:cNvSpPr>
-          <p:nvPr>
-            <p:ph type="sldNum" sz="quarter" idx="12"/>
-          </p:nvPr>
-        </p:nvSpPr>
-        <p:spPr>
-          <a:xfrm>
-            <a:off x="8424556" y="4765688"/>
-            <a:ext cx="262247" cy="276995"/>
-          </a:xfrm>
-        </p:spPr>
-        <p:txBody>
-          <a:bodyPr/>
-          <a:lstStyle/>
-          <a:p>
-            <a:fld id="{E50FAC2A-6E90-4BEA-B3BF-15B8E63C5B7E}" type="slidenum">
-              <a:rPr lang="pt-BR" smtClean="0"/>
-              <a:pPr/>
-              <a:t>24</a:t>
-            </a:fld>
-            <a:endParaRPr lang="pt-BR"/>
-          </a:p>
-        </p:txBody>
-      </p:sp>
-      <p:grpSp>
-        <p:nvGrpSpPr>
-          <p:cNvPr id="10" name="Agrupar 9">
-            <a:extLst>
-              <a:ext uri="{FF2B5EF4-FFF2-40B4-BE49-F238E27FC236}">
-                <a16:creationId xmlns:a16="http://schemas.microsoft.com/office/drawing/2014/main" id="{BD159A49-FA93-2987-232E-07741F22729C}"/>
-              </a:ext>
-            </a:extLst>
-          </p:cNvPr>
-          <p:cNvGrpSpPr/>
-          <p:nvPr/>
-        </p:nvGrpSpPr>
-        <p:grpSpPr>
-          <a:xfrm>
-            <a:off x="156250" y="2655972"/>
-            <a:ext cx="8306406" cy="1195489"/>
-            <a:chOff x="255401" y="3651801"/>
-            <a:chExt cx="6052248" cy="902611"/>
-          </a:xfrm>
-        </p:grpSpPr>
-        <p:cxnSp>
-          <p:nvCxnSpPr>
-            <p:cNvPr id="11" name="Conector reto 10">
-              <a:extLst>
-                <a:ext uri="{FF2B5EF4-FFF2-40B4-BE49-F238E27FC236}">
-                  <a16:creationId xmlns:a16="http://schemas.microsoft.com/office/drawing/2014/main" id="{AFAB1BCE-19D1-EFB7-D380-E808CDA26F0F}"/>
-                </a:ext>
-              </a:extLst>
-            </p:cNvPr>
-            <p:cNvCxnSpPr>
-              <a:cxnSpLocks/>
-            </p:cNvCxnSpPr>
-            <p:nvPr/>
-          </p:nvCxnSpPr>
-          <p:spPr>
-            <a:xfrm>
-              <a:off x="2006492" y="3789532"/>
-              <a:ext cx="0" cy="670770"/>
-            </a:xfrm>
-            <a:prstGeom prst="line">
-              <a:avLst/>
-            </a:prstGeom>
-            <a:ln>
-              <a:solidFill>
-                <a:schemeClr val="bg1">
-                  <a:lumMod val="50000"/>
-                </a:schemeClr>
-              </a:solidFill>
-              <a:prstDash val="dash"/>
-            </a:ln>
-          </p:spPr>
-          <p:style>
-            <a:lnRef idx="1">
-              <a:schemeClr val="accent1"/>
-            </a:lnRef>
-            <a:fillRef idx="0">
-              <a:schemeClr val="accent1"/>
-            </a:fillRef>
-            <a:effectRef idx="0">
-              <a:schemeClr val="accent1"/>
-            </a:effectRef>
-            <a:fontRef idx="minor">
-              <a:schemeClr val="tx1"/>
-            </a:fontRef>
-          </p:style>
-        </p:cxnSp>
-        <p:sp>
-          <p:nvSpPr>
-            <p:cNvPr id="12" name="CaixaDeTexto 11">
-              <a:extLst>
-                <a:ext uri="{FF2B5EF4-FFF2-40B4-BE49-F238E27FC236}">
-                  <a16:creationId xmlns:a16="http://schemas.microsoft.com/office/drawing/2014/main" id="{494D26FC-A651-E0C1-8A34-9FC66AC7530F}"/>
-                </a:ext>
-              </a:extLst>
-            </p:cNvPr>
-            <p:cNvSpPr txBox="1"/>
-            <p:nvPr/>
-          </p:nvSpPr>
-          <p:spPr>
-            <a:xfrm>
-              <a:off x="2085662" y="3716874"/>
-              <a:ext cx="4221987" cy="836553"/>
-            </a:xfrm>
-            <a:prstGeom prst="rect">
-              <a:avLst/>
-            </a:prstGeom>
-            <a:noFill/>
-          </p:spPr>
-          <p:txBody>
-            <a:bodyPr wrap="square">
-              <a:spAutoFit/>
-            </a:bodyPr>
-            <a:lstStyle/>
-            <a:p>
-              <a:pPr algn="just">
-                <a:spcBef>
-                  <a:spcPts val="900"/>
-                </a:spcBef>
-              </a:pPr>
-              <a:r>
-                <a:rPr lang="pt-BR" sz="1650" dirty="0">
-                  <a:solidFill>
-                    <a:srgbClr val="002060"/>
-                  </a:solidFill>
-                  <a:cs typeface="Leelawadee" panose="020B0502040204020203" pitchFamily="34" charset="-34"/>
-                </a:rPr>
-                <a:t> Contemplará todos os temas abordados pela disciplina. Será composta por uma prova no formato PNI ­ Prova Nacional Integrada, com total de 10 pontos, e substituirá a nota da AV, caso seja maior.</a:t>
-              </a:r>
-            </a:p>
-          </p:txBody>
-        </p:sp>
-        <p:sp>
-          <p:nvSpPr>
-            <p:cNvPr id="13" name="Chave Esquerda 12">
-              <a:extLst>
-                <a:ext uri="{FF2B5EF4-FFF2-40B4-BE49-F238E27FC236}">
-                  <a16:creationId xmlns:a16="http://schemas.microsoft.com/office/drawing/2014/main" id="{EEC255BA-00F6-6D69-F1F2-554C689C5A57}"/>
-                </a:ext>
-              </a:extLst>
-            </p:cNvPr>
-            <p:cNvSpPr/>
-            <p:nvPr/>
-          </p:nvSpPr>
-          <p:spPr>
-            <a:xfrm>
-              <a:off x="998309" y="3651801"/>
-              <a:ext cx="325426" cy="902611"/>
-            </a:xfrm>
-            <a:prstGeom prst="leftBrace">
-              <a:avLst/>
-            </a:prstGeom>
-            <a:ln>
-              <a:solidFill>
-                <a:srgbClr val="AB8B9C"/>
-              </a:solidFill>
-            </a:ln>
-          </p:spPr>
-          <p:style>
-            <a:lnRef idx="1">
-              <a:schemeClr val="accent1"/>
-            </a:lnRef>
-            <a:fillRef idx="0">
-              <a:schemeClr val="accent1"/>
-            </a:fillRef>
-            <a:effectRef idx="0">
-              <a:schemeClr val="accent1"/>
-            </a:effectRef>
-            <a:fontRef idx="minor">
-              <a:schemeClr val="tx1"/>
-            </a:fontRef>
-          </p:style>
-          <p:txBody>
-            <a:bodyPr rtlCol="0" anchor="ctr"/>
-            <a:lstStyle/>
-            <a:p>
-              <a:pPr algn="ctr"/>
-              <a:endParaRPr lang="pt-BR" sz="1650" dirty="0">
-                <a:latin typeface="+mj-lt"/>
-              </a:endParaRPr>
-            </a:p>
-          </p:txBody>
-        </p:sp>
-        <p:sp>
-          <p:nvSpPr>
-            <p:cNvPr id="14" name="Retângulo: Cantos Arredondados 13">
-              <a:extLst>
-                <a:ext uri="{FF2B5EF4-FFF2-40B4-BE49-F238E27FC236}">
-                  <a16:creationId xmlns:a16="http://schemas.microsoft.com/office/drawing/2014/main" id="{FCC5453F-7439-3E2D-B908-28C069F63FFC}"/>
-                </a:ext>
-              </a:extLst>
-            </p:cNvPr>
-            <p:cNvSpPr/>
-            <p:nvPr/>
-          </p:nvSpPr>
-          <p:spPr>
-            <a:xfrm>
-              <a:off x="255401" y="3802567"/>
-              <a:ext cx="600089" cy="600090"/>
-            </a:xfrm>
-            <a:prstGeom prst="roundRect">
-              <a:avLst/>
-            </a:prstGeom>
-            <a:solidFill>
-              <a:srgbClr val="93C840"/>
-            </a:solidFill>
-            <a:ln>
-              <a:noFill/>
-            </a:ln>
-          </p:spPr>
-          <p:style>
-            <a:lnRef idx="2">
-              <a:schemeClr val="accent1">
-                <a:shade val="50000"/>
-              </a:schemeClr>
-            </a:lnRef>
-            <a:fillRef idx="1">
-              <a:schemeClr val="accent1"/>
-            </a:fillRef>
-            <a:effectRef idx="0">
-              <a:schemeClr val="accent1"/>
-            </a:effectRef>
-            <a:fontRef idx="minor">
-              <a:schemeClr val="lt1"/>
-            </a:fontRef>
-          </p:style>
-          <p:txBody>
-            <a:bodyPr rtlCol="0" anchor="ctr"/>
-            <a:lstStyle/>
-            <a:p>
-              <a:pPr algn="ctr"/>
-              <a:endParaRPr lang="pt-BR" sz="1650" dirty="0">
-                <a:solidFill>
-                  <a:schemeClr val="bg1"/>
-                </a:solidFill>
-                <a:latin typeface="+mj-lt"/>
-                <a:cs typeface="Leelawadee" panose="020B0502040204020203" pitchFamily="34" charset="-34"/>
-              </a:endParaRPr>
-            </a:p>
-          </p:txBody>
-        </p:sp>
-        <p:pic>
-          <p:nvPicPr>
-            <p:cNvPr id="15" name="Gráfico 14" descr="{0} estrutura de tópicos">
-              <a:extLst>
-                <a:ext uri="{FF2B5EF4-FFF2-40B4-BE49-F238E27FC236}">
-                  <a16:creationId xmlns:a16="http://schemas.microsoft.com/office/drawing/2014/main" id="{5C68862C-CA6E-E06E-C115-18A357F4C6B3}"/>
-                </a:ext>
-              </a:extLst>
-            </p:cNvPr>
-            <p:cNvPicPr>
-              <a:picLocks noChangeAspect="1"/>
-            </p:cNvPicPr>
-            <p:nvPr/>
-          </p:nvPicPr>
-          <p:blipFill>
-            <a:blip r:embed="rId2">
-              <a:extLst>
-                <a:ext uri="{96DAC541-7B7A-43D3-8B79-37D633B846F1}">
-                  <asvg:svgBlip xmlns:asvg="http://schemas.microsoft.com/office/drawing/2016/SVG/main" r:embed="rId3"/>
-                </a:ext>
-              </a:extLst>
-            </a:blip>
-            <a:stretch>
-              <a:fillRect/>
-            </a:stretch>
-          </p:blipFill>
-          <p:spPr>
-            <a:xfrm>
-              <a:off x="282131" y="3851253"/>
-              <a:ext cx="490393" cy="490393"/>
-            </a:xfrm>
-            <a:prstGeom prst="rect">
-              <a:avLst/>
-            </a:prstGeom>
-          </p:spPr>
-        </p:pic>
-        <p:sp>
-          <p:nvSpPr>
-            <p:cNvPr id="16" name="Elipse 15">
-              <a:extLst>
-                <a:ext uri="{FF2B5EF4-FFF2-40B4-BE49-F238E27FC236}">
-                  <a16:creationId xmlns:a16="http://schemas.microsoft.com/office/drawing/2014/main" id="{2FAB5166-DE79-9997-FAD9-D57CE0809919}"/>
-                </a:ext>
-              </a:extLst>
-            </p:cNvPr>
-            <p:cNvSpPr/>
-            <p:nvPr/>
-          </p:nvSpPr>
-          <p:spPr>
-            <a:xfrm>
-              <a:off x="1354880" y="3828482"/>
-              <a:ext cx="511200" cy="510325"/>
-            </a:xfrm>
-            <a:prstGeom prst="ellipse">
-              <a:avLst/>
-            </a:prstGeom>
-            <a:solidFill>
-              <a:srgbClr val="6C327F"/>
-            </a:solidFill>
-            <a:ln>
-              <a:noFill/>
-            </a:ln>
-          </p:spPr>
-          <p:style>
-            <a:lnRef idx="2">
-              <a:schemeClr val="accent1">
-                <a:shade val="50000"/>
-              </a:schemeClr>
-            </a:lnRef>
-            <a:fillRef idx="1">
-              <a:schemeClr val="accent1"/>
-            </a:fillRef>
-            <a:effectRef idx="0">
-              <a:schemeClr val="accent1"/>
-            </a:effectRef>
-            <a:fontRef idx="minor">
-              <a:schemeClr val="lt1"/>
-            </a:fontRef>
-          </p:style>
-          <p:txBody>
-            <a:bodyPr rtlCol="0" anchor="ctr"/>
-            <a:lstStyle/>
-            <a:p>
-              <a:pPr algn="ctr" defTabSz="685800" hangingPunct="1">
-                <a:defRPr/>
-              </a:pPr>
-              <a:endParaRPr lang="pt-BR" sz="1650" kern="1200" dirty="0">
-                <a:solidFill>
-                  <a:prstClr val="white"/>
-                </a:solidFill>
-                <a:latin typeface="+mj-lt"/>
-                <a:cs typeface="Leelawadee" panose="020B0502040204020203" pitchFamily="34" charset="-34"/>
-              </a:endParaRPr>
-            </a:p>
-          </p:txBody>
-        </p:sp>
-        <p:sp>
-          <p:nvSpPr>
-            <p:cNvPr id="17" name="Google Shape;225;p31">
-              <a:extLst>
-                <a:ext uri="{FF2B5EF4-FFF2-40B4-BE49-F238E27FC236}">
-                  <a16:creationId xmlns:a16="http://schemas.microsoft.com/office/drawing/2014/main" id="{423F9255-B5FD-CD0B-A797-0686F67674AB}"/>
-                </a:ext>
-              </a:extLst>
-            </p:cNvPr>
-            <p:cNvSpPr txBox="1">
-              <a:spLocks/>
-            </p:cNvSpPr>
-            <p:nvPr/>
-          </p:nvSpPr>
-          <p:spPr>
-            <a:xfrm>
-              <a:off x="1218976" y="3906328"/>
-              <a:ext cx="776377" cy="380242"/>
-            </a:xfrm>
-            <a:prstGeom prst="rect">
-              <a:avLst/>
-            </a:prstGeom>
-          </p:spPr>
-          <p:txBody>
-            <a:bodyPr spcFirstLastPara="1" wrap="square" lIns="68569" tIns="68569" rIns="68569" bIns="68569" anchor="ctr" anchorCtr="0">
-              <a:noAutofit/>
-            </a:bodyPr>
-            <a:lstStyle>
-              <a:lvl1pPr algn="l" defTabSz="914400" rtl="0" eaLnBrk="1" latinLnBrk="0" hangingPunct="1">
-                <a:lnSpc>
-                  <a:spcPct val="90000"/>
-                </a:lnSpc>
-                <a:spcBef>
-                  <a:spcPct val="0"/>
-                </a:spcBef>
-                <a:buNone/>
-                <a:defRPr sz="4400" kern="1200">
-                  <a:solidFill>
-                    <a:schemeClr val="tx1"/>
-                  </a:solidFill>
-                  <a:latin typeface="+mj-lt"/>
-                  <a:ea typeface="+mj-ea"/>
-                  <a:cs typeface="+mj-cs"/>
-                </a:defRPr>
-              </a:lvl1pPr>
-            </a:lstStyle>
-            <a:p>
-              <a:pPr algn="ctr" defTabSz="685800">
-                <a:spcBef>
-                  <a:spcPts val="0"/>
-                </a:spcBef>
-                <a:defRPr/>
-              </a:pPr>
-              <a:r>
-                <a:rPr lang="en" sz="1650" b="1" dirty="0">
-                  <a:solidFill>
-                    <a:srgbClr val="8BBF37"/>
-                  </a:solidFill>
-                  <a:cs typeface="Leelawadee" panose="020B0502040204020203" pitchFamily="34" charset="-34"/>
-                </a:rPr>
-                <a:t>AVS</a:t>
-              </a:r>
-            </a:p>
-          </p:txBody>
-        </p:sp>
-      </p:grpSp>
-      <p:grpSp>
-        <p:nvGrpSpPr>
-          <p:cNvPr id="18" name="Agrupar 17">
-            <a:extLst>
-              <a:ext uri="{FF2B5EF4-FFF2-40B4-BE49-F238E27FC236}">
-                <a16:creationId xmlns:a16="http://schemas.microsoft.com/office/drawing/2014/main" id="{6E7BBFAD-8323-DE59-124A-237A398E1587}"/>
-              </a:ext>
-            </a:extLst>
-          </p:cNvPr>
-          <p:cNvGrpSpPr/>
-          <p:nvPr/>
-        </p:nvGrpSpPr>
-        <p:grpSpPr>
-          <a:xfrm>
-            <a:off x="206461" y="1088628"/>
-            <a:ext cx="8070083" cy="1592744"/>
-            <a:chOff x="255401" y="1951610"/>
-            <a:chExt cx="6110059" cy="1145390"/>
-          </a:xfrm>
-        </p:grpSpPr>
-        <p:cxnSp>
-          <p:nvCxnSpPr>
-            <p:cNvPr id="19" name="Conector reto 18">
-              <a:extLst>
-                <a:ext uri="{FF2B5EF4-FFF2-40B4-BE49-F238E27FC236}">
-                  <a16:creationId xmlns:a16="http://schemas.microsoft.com/office/drawing/2014/main" id="{D56E94B3-B561-8C4A-7B38-EF4C47464B6A}"/>
-                </a:ext>
-              </a:extLst>
-            </p:cNvPr>
-            <p:cNvCxnSpPr>
-              <a:cxnSpLocks/>
-            </p:cNvCxnSpPr>
-            <p:nvPr/>
-          </p:nvCxnSpPr>
-          <p:spPr>
-            <a:xfrm flipH="1">
-              <a:off x="2023335" y="1960004"/>
-              <a:ext cx="10611" cy="1136996"/>
-            </a:xfrm>
-            <a:prstGeom prst="line">
-              <a:avLst/>
-            </a:prstGeom>
-            <a:ln>
-              <a:solidFill>
-                <a:schemeClr val="bg1">
-                  <a:lumMod val="50000"/>
-                </a:schemeClr>
-              </a:solidFill>
-              <a:prstDash val="dash"/>
-            </a:ln>
-          </p:spPr>
-          <p:style>
-            <a:lnRef idx="1">
-              <a:schemeClr val="accent1"/>
-            </a:lnRef>
-            <a:fillRef idx="0">
-              <a:schemeClr val="accent1"/>
-            </a:fillRef>
-            <a:effectRef idx="0">
-              <a:schemeClr val="accent1"/>
-            </a:effectRef>
-            <a:fontRef idx="minor">
-              <a:schemeClr val="tx1"/>
-            </a:fontRef>
-          </p:style>
-        </p:cxnSp>
-        <p:sp>
-          <p:nvSpPr>
-            <p:cNvPr id="20" name="CaixaDeTexto 19">
-              <a:extLst>
-                <a:ext uri="{FF2B5EF4-FFF2-40B4-BE49-F238E27FC236}">
-                  <a16:creationId xmlns:a16="http://schemas.microsoft.com/office/drawing/2014/main" id="{384E976B-DE90-39A0-2829-1439FF548010}"/>
-                </a:ext>
-              </a:extLst>
-            </p:cNvPr>
-            <p:cNvSpPr txBox="1"/>
-            <p:nvPr/>
-          </p:nvSpPr>
-          <p:spPr>
-            <a:xfrm>
-              <a:off x="2097730" y="1951610"/>
-              <a:ext cx="4267730" cy="979391"/>
-            </a:xfrm>
-            <a:prstGeom prst="rect">
-              <a:avLst/>
-            </a:prstGeom>
-            <a:noFill/>
-          </p:spPr>
-          <p:txBody>
-            <a:bodyPr wrap="square">
-              <a:spAutoFit/>
-            </a:bodyPr>
-            <a:lstStyle/>
-            <a:p>
-              <a:pPr algn="just"/>
-              <a:r>
-                <a:rPr lang="pt-BR" sz="1650" dirty="0">
-                  <a:solidFill>
-                    <a:srgbClr val="002060"/>
-                  </a:solidFill>
-                  <a:cs typeface="Leelawadee" panose="020B0502040204020203" pitchFamily="34" charset="-34"/>
-                </a:rPr>
-                <a:t>Contemplará todos os temas abordados pela disciplina e será assim composta: </a:t>
-              </a:r>
-            </a:p>
-            <a:p>
-              <a:pPr algn="just"/>
-              <a:r>
-                <a:rPr lang="pt-BR" sz="1650" dirty="0">
-                  <a:solidFill>
-                    <a:srgbClr val="9E4EA3"/>
-                  </a:solidFill>
-                  <a:cs typeface="Leelawadee" panose="020B0502040204020203" pitchFamily="34" charset="-34"/>
-                </a:rPr>
-                <a:t>I. Prova individual – peso a definir</a:t>
-              </a:r>
-            </a:p>
-            <a:p>
-              <a:pPr algn="just"/>
-              <a:r>
-                <a:rPr lang="pt-BR" sz="1650" dirty="0">
-                  <a:solidFill>
-                    <a:srgbClr val="9E4EA3"/>
-                  </a:solidFill>
-                  <a:cs typeface="Leelawadee" panose="020B0502040204020203" pitchFamily="34" charset="-34"/>
-                </a:rPr>
-                <a:t>II. Realização de atividades processuais acompanhados pelo professor da disciplina.</a:t>
-              </a:r>
-            </a:p>
-          </p:txBody>
-        </p:sp>
-        <p:sp>
-          <p:nvSpPr>
-            <p:cNvPr id="21" name="Elipse 20">
-              <a:extLst>
-                <a:ext uri="{FF2B5EF4-FFF2-40B4-BE49-F238E27FC236}">
-                  <a16:creationId xmlns:a16="http://schemas.microsoft.com/office/drawing/2014/main" id="{0099B0E2-7A15-F0E6-0A39-E88FBCEC6F03}"/>
-                </a:ext>
-              </a:extLst>
-            </p:cNvPr>
-            <p:cNvSpPr/>
-            <p:nvPr/>
-          </p:nvSpPr>
-          <p:spPr>
-            <a:xfrm>
-              <a:off x="1352735" y="2246695"/>
-              <a:ext cx="511200" cy="510325"/>
-            </a:xfrm>
-            <a:prstGeom prst="ellipse">
-              <a:avLst/>
-            </a:prstGeom>
-            <a:solidFill>
-              <a:srgbClr val="6C327F"/>
-            </a:solidFill>
-            <a:ln>
-              <a:noFill/>
-            </a:ln>
-          </p:spPr>
-          <p:style>
-            <a:lnRef idx="2">
-              <a:schemeClr val="accent1">
-                <a:shade val="50000"/>
-              </a:schemeClr>
-            </a:lnRef>
-            <a:fillRef idx="1">
-              <a:schemeClr val="accent1"/>
-            </a:fillRef>
-            <a:effectRef idx="0">
-              <a:schemeClr val="accent1"/>
-            </a:effectRef>
-            <a:fontRef idx="minor">
-              <a:schemeClr val="lt1"/>
-            </a:fontRef>
-          </p:style>
-          <p:txBody>
-            <a:bodyPr rtlCol="0" anchor="ctr"/>
-            <a:lstStyle/>
-            <a:p>
-              <a:pPr algn="ctr" defTabSz="685800" hangingPunct="1">
-                <a:defRPr/>
-              </a:pPr>
-              <a:endParaRPr lang="pt-BR" sz="1650" kern="1200" dirty="0">
-                <a:solidFill>
-                  <a:prstClr val="white"/>
-                </a:solidFill>
-                <a:latin typeface="+mj-lt"/>
-                <a:cs typeface="Leelawadee" panose="020B0502040204020203" pitchFamily="34" charset="-34"/>
-              </a:endParaRPr>
-            </a:p>
-          </p:txBody>
-        </p:sp>
-        <p:sp>
-          <p:nvSpPr>
-            <p:cNvPr id="22" name="Google Shape;225;p31">
-              <a:extLst>
-                <a:ext uri="{FF2B5EF4-FFF2-40B4-BE49-F238E27FC236}">
-                  <a16:creationId xmlns:a16="http://schemas.microsoft.com/office/drawing/2014/main" id="{81AC84B9-3EC7-DDF1-8299-72D78BF6D3A0}"/>
-                </a:ext>
-              </a:extLst>
-            </p:cNvPr>
-            <p:cNvSpPr txBox="1">
-              <a:spLocks/>
-            </p:cNvSpPr>
-            <p:nvPr/>
-          </p:nvSpPr>
-          <p:spPr>
-            <a:xfrm>
-              <a:off x="1233676" y="2287548"/>
-              <a:ext cx="715264" cy="380242"/>
-            </a:xfrm>
-            <a:prstGeom prst="rect">
-              <a:avLst/>
-            </a:prstGeom>
-          </p:spPr>
-          <p:txBody>
-            <a:bodyPr spcFirstLastPara="1" wrap="square" lIns="68569" tIns="68569" rIns="68569" bIns="68569" anchor="ctr" anchorCtr="0">
-              <a:noAutofit/>
-            </a:bodyPr>
-            <a:lstStyle>
-              <a:lvl1pPr algn="l" defTabSz="914400" rtl="0" eaLnBrk="1" latinLnBrk="0" hangingPunct="1">
-                <a:lnSpc>
-                  <a:spcPct val="90000"/>
-                </a:lnSpc>
-                <a:spcBef>
-                  <a:spcPct val="0"/>
-                </a:spcBef>
-                <a:buNone/>
-                <a:defRPr sz="4400" kern="1200">
-                  <a:solidFill>
-                    <a:schemeClr val="tx1"/>
-                  </a:solidFill>
-                  <a:latin typeface="+mj-lt"/>
-                  <a:ea typeface="+mj-ea"/>
-                  <a:cs typeface="+mj-cs"/>
-                </a:defRPr>
-              </a:lvl1pPr>
-            </a:lstStyle>
-            <a:p>
-              <a:pPr algn="ctr" defTabSz="685800">
-                <a:spcBef>
-                  <a:spcPts val="0"/>
-                </a:spcBef>
-                <a:defRPr/>
-              </a:pPr>
-              <a:r>
-                <a:rPr lang="en" sz="1650" b="1" dirty="0">
-                  <a:solidFill>
-                    <a:srgbClr val="8BBF37"/>
-                  </a:solidFill>
-                  <a:cs typeface="Leelawadee" panose="020B0502040204020203" pitchFamily="34" charset="-34"/>
-                </a:rPr>
-                <a:t>AV</a:t>
-              </a:r>
-            </a:p>
-          </p:txBody>
-        </p:sp>
-        <p:sp>
-          <p:nvSpPr>
-            <p:cNvPr id="23" name="Chave Esquerda 22">
-              <a:extLst>
-                <a:ext uri="{FF2B5EF4-FFF2-40B4-BE49-F238E27FC236}">
-                  <a16:creationId xmlns:a16="http://schemas.microsoft.com/office/drawing/2014/main" id="{013B4158-3F4A-AB16-0593-27C2B96AAFFB}"/>
-                </a:ext>
-              </a:extLst>
-            </p:cNvPr>
-            <p:cNvSpPr/>
-            <p:nvPr/>
-          </p:nvSpPr>
-          <p:spPr>
-            <a:xfrm>
-              <a:off x="989977" y="2064985"/>
-              <a:ext cx="211807" cy="902305"/>
-            </a:xfrm>
-            <a:prstGeom prst="leftBrace">
-              <a:avLst/>
-            </a:prstGeom>
-            <a:ln>
-              <a:solidFill>
-                <a:srgbClr val="AB8B9C"/>
-              </a:solidFill>
-            </a:ln>
-          </p:spPr>
-          <p:style>
-            <a:lnRef idx="1">
-              <a:schemeClr val="accent1"/>
-            </a:lnRef>
-            <a:fillRef idx="0">
-              <a:schemeClr val="accent1"/>
-            </a:fillRef>
-            <a:effectRef idx="0">
-              <a:schemeClr val="accent1"/>
-            </a:effectRef>
-            <a:fontRef idx="minor">
-              <a:schemeClr val="tx1"/>
-            </a:fontRef>
-          </p:style>
-          <p:txBody>
-            <a:bodyPr rtlCol="0" anchor="ctr"/>
-            <a:lstStyle/>
-            <a:p>
-              <a:pPr algn="ctr"/>
-              <a:endParaRPr lang="pt-BR" sz="1650" dirty="0">
-                <a:latin typeface="+mj-lt"/>
-              </a:endParaRPr>
-            </a:p>
-          </p:txBody>
-        </p:sp>
-        <p:sp>
-          <p:nvSpPr>
-            <p:cNvPr id="24" name="Retângulo: Cantos Arredondados 23">
-              <a:extLst>
-                <a:ext uri="{FF2B5EF4-FFF2-40B4-BE49-F238E27FC236}">
-                  <a16:creationId xmlns:a16="http://schemas.microsoft.com/office/drawing/2014/main" id="{4F948AE0-249A-66D6-A1C4-F310911C193B}"/>
-                </a:ext>
-              </a:extLst>
-            </p:cNvPr>
-            <p:cNvSpPr/>
-            <p:nvPr/>
-          </p:nvSpPr>
-          <p:spPr>
-            <a:xfrm>
-              <a:off x="255401" y="2286859"/>
-              <a:ext cx="600089" cy="600090"/>
-            </a:xfrm>
-            <a:prstGeom prst="roundRect">
-              <a:avLst/>
-            </a:prstGeom>
-            <a:solidFill>
-              <a:srgbClr val="93C840"/>
-            </a:solidFill>
-            <a:ln>
-              <a:noFill/>
-            </a:ln>
-          </p:spPr>
-          <p:style>
-            <a:lnRef idx="2">
-              <a:schemeClr val="accent1">
-                <a:shade val="50000"/>
-              </a:schemeClr>
-            </a:lnRef>
-            <a:fillRef idx="1">
-              <a:schemeClr val="accent1"/>
-            </a:fillRef>
-            <a:effectRef idx="0">
-              <a:schemeClr val="accent1"/>
-            </a:effectRef>
-            <a:fontRef idx="minor">
-              <a:schemeClr val="lt1"/>
-            </a:fontRef>
-          </p:style>
-          <p:txBody>
-            <a:bodyPr rtlCol="0" anchor="ctr"/>
-            <a:lstStyle/>
-            <a:p>
-              <a:pPr algn="ctr"/>
-              <a:endParaRPr lang="pt-BR" sz="1650" dirty="0">
-                <a:solidFill>
-                  <a:schemeClr val="bg1"/>
-                </a:solidFill>
-                <a:latin typeface="+mj-lt"/>
-                <a:cs typeface="Leelawadee" panose="020B0502040204020203" pitchFamily="34" charset="-34"/>
-              </a:endParaRPr>
-            </a:p>
-          </p:txBody>
-        </p:sp>
-        <p:pic>
-          <p:nvPicPr>
-            <p:cNvPr id="25" name="Gráfico 24" descr="{0} estrutura de tópicos">
-              <a:extLst>
-                <a:ext uri="{FF2B5EF4-FFF2-40B4-BE49-F238E27FC236}">
-                  <a16:creationId xmlns:a16="http://schemas.microsoft.com/office/drawing/2014/main" id="{0A007B8F-C2DA-FF91-AA8D-C060B4534EDC}"/>
-                </a:ext>
-              </a:extLst>
-            </p:cNvPr>
-            <p:cNvPicPr>
-              <a:picLocks noChangeAspect="1"/>
-            </p:cNvPicPr>
-            <p:nvPr/>
-          </p:nvPicPr>
-          <p:blipFill>
-            <a:blip r:embed="rId2">
-              <a:extLst>
-                <a:ext uri="{96DAC541-7B7A-43D3-8B79-37D633B846F1}">
-                  <asvg:svgBlip xmlns:asvg="http://schemas.microsoft.com/office/drawing/2016/SVG/main" r:embed="rId3"/>
-                </a:ext>
-              </a:extLst>
-            </a:blip>
-            <a:stretch>
-              <a:fillRect/>
-            </a:stretch>
-          </p:blipFill>
-          <p:spPr>
-            <a:xfrm>
-              <a:off x="309213" y="2341707"/>
-              <a:ext cx="490393" cy="490393"/>
-            </a:xfrm>
-            <a:prstGeom prst="rect">
-              <a:avLst/>
-            </a:prstGeom>
-          </p:spPr>
-        </p:pic>
-      </p:grpSp>
-      <p:sp>
-        <p:nvSpPr>
-          <p:cNvPr id="4" name="CaixaDeTexto 3">
-            <a:extLst>
-              <a:ext uri="{FF2B5EF4-FFF2-40B4-BE49-F238E27FC236}">
-                <a16:creationId xmlns:a16="http://schemas.microsoft.com/office/drawing/2014/main" id="{25EBBC54-2A90-1E65-77B4-A31559B0C0E0}"/>
-              </a:ext>
-            </a:extLst>
-          </p:cNvPr>
-          <p:cNvSpPr txBox="1"/>
-          <p:nvPr/>
-        </p:nvSpPr>
-        <p:spPr>
-          <a:xfrm>
-            <a:off x="106463" y="4003541"/>
-            <a:ext cx="7716735" cy="646331"/>
-          </a:xfrm>
-          <a:prstGeom prst="rect">
-            <a:avLst/>
-          </a:prstGeom>
-          <a:noFill/>
-          <a:ln w="12700" cap="flat">
-            <a:noFill/>
-            <a:miter lim="400000"/>
-          </a:ln>
-          <a:effectLst/>
-        </p:spPr>
-        <p:style>
-          <a:lnRef idx="0">
-            <a:scrgbClr r="0" g="0" b="0"/>
-          </a:lnRef>
-          <a:fillRef idx="0">
-            <a:scrgbClr r="0" g="0" b="0"/>
-          </a:fillRef>
-          <a:effectRef idx="0">
-            <a:scrgbClr r="0" g="0" b="0"/>
-          </a:effectRef>
-          <a:fontRef idx="none"/>
-        </p:style>
-        <p:txBody>
-          <a:bodyPr wrap="square">
-            <a:spAutoFit/>
-          </a:bodyPr>
-          <a:lstStyle/>
-          <a:p>
-            <a:pPr marL="0" indent="0" algn="just" eaLnBrk="0" hangingPunct="0">
-              <a:buNone/>
-            </a:pPr>
-            <a:r>
-              <a:rPr lang="pt-BR" sz="1800" b="1" dirty="0">
-                <a:solidFill>
-                  <a:schemeClr val="tx1"/>
-                </a:solidFill>
-                <a:latin typeface="Times New Roman" panose="02020603050405020304" pitchFamily="18" charset="0"/>
-                <a:cs typeface="Times New Roman" panose="02020603050405020304" pitchFamily="18" charset="0"/>
-              </a:rPr>
-              <a:t>SIM1</a:t>
-            </a:r>
-            <a:r>
-              <a:rPr lang="pt-BR" sz="1800" dirty="0">
-                <a:solidFill>
-                  <a:schemeClr val="tx1"/>
-                </a:solidFill>
-                <a:latin typeface="Times New Roman" panose="02020603050405020304" pitchFamily="18" charset="0"/>
-                <a:cs typeface="Times New Roman" panose="02020603050405020304" pitchFamily="18" charset="0"/>
-              </a:rPr>
-              <a:t> – presencial vale 1 </a:t>
-            </a:r>
-            <a:r>
-              <a:rPr lang="pt-BR" sz="1800" dirty="0" err="1">
-                <a:solidFill>
-                  <a:schemeClr val="tx1"/>
-                </a:solidFill>
-                <a:latin typeface="Times New Roman" panose="02020603050405020304" pitchFamily="18" charset="0"/>
-                <a:cs typeface="Times New Roman" panose="02020603050405020304" pitchFamily="18" charset="0"/>
-              </a:rPr>
-              <a:t>pto</a:t>
-            </a:r>
-            <a:r>
-              <a:rPr lang="pt-BR" sz="1800" dirty="0">
-                <a:solidFill>
-                  <a:schemeClr val="tx1"/>
-                </a:solidFill>
-                <a:latin typeface="Times New Roman" panose="02020603050405020304" pitchFamily="18" charset="0"/>
-                <a:cs typeface="Times New Roman" panose="02020603050405020304" pitchFamily="18" charset="0"/>
-              </a:rPr>
-              <a:t>; </a:t>
-            </a:r>
-            <a:r>
-              <a:rPr lang="pt-BR" sz="1800" b="1" dirty="0">
-                <a:solidFill>
-                  <a:schemeClr val="tx1"/>
-                </a:solidFill>
-                <a:latin typeface="Times New Roman" panose="02020603050405020304" pitchFamily="18" charset="0"/>
-                <a:cs typeface="Times New Roman" panose="02020603050405020304" pitchFamily="18" charset="0"/>
-              </a:rPr>
-              <a:t>SIM2</a:t>
-            </a:r>
-            <a:r>
-              <a:rPr lang="pt-BR" sz="1800" dirty="0">
-                <a:solidFill>
-                  <a:schemeClr val="tx1"/>
-                </a:solidFill>
-                <a:latin typeface="Times New Roman" panose="02020603050405020304" pitchFamily="18" charset="0"/>
-                <a:cs typeface="Times New Roman" panose="02020603050405020304" pitchFamily="18" charset="0"/>
-              </a:rPr>
-              <a:t> – on-line vale 1 </a:t>
-            </a:r>
-            <a:r>
-              <a:rPr lang="pt-BR" sz="1800" dirty="0" err="1">
-                <a:solidFill>
-                  <a:schemeClr val="tx1"/>
-                </a:solidFill>
-                <a:latin typeface="Times New Roman" panose="02020603050405020304" pitchFamily="18" charset="0"/>
-                <a:cs typeface="Times New Roman" panose="02020603050405020304" pitchFamily="18" charset="0"/>
-              </a:rPr>
-              <a:t>pto</a:t>
-            </a:r>
-            <a:r>
-              <a:rPr lang="pt-BR" sz="1800" dirty="0">
-                <a:solidFill>
-                  <a:schemeClr val="tx1"/>
-                </a:solidFill>
-                <a:latin typeface="Times New Roman" panose="02020603050405020304" pitchFamily="18" charset="0"/>
-                <a:cs typeface="Times New Roman" panose="02020603050405020304" pitchFamily="18" charset="0"/>
-              </a:rPr>
-              <a:t>; AV = Prova + Projeto;</a:t>
-            </a:r>
-          </a:p>
-          <a:p>
-            <a:pPr marL="0" indent="0" algn="just" eaLnBrk="0" hangingPunct="0">
-              <a:buNone/>
-            </a:pPr>
-            <a:r>
-              <a:rPr lang="pt-BR" b="1" dirty="0">
-                <a:solidFill>
-                  <a:schemeClr val="tx1"/>
-                </a:solidFill>
-                <a:latin typeface="Times New Roman" panose="02020603050405020304" pitchFamily="18" charset="0"/>
-                <a:cs typeface="Times New Roman" panose="02020603050405020304" pitchFamily="18" charset="0"/>
-              </a:rPr>
-              <a:t>NC</a:t>
-            </a:r>
-            <a:r>
-              <a:rPr lang="pt-BR" dirty="0">
-                <a:solidFill>
-                  <a:schemeClr val="tx1"/>
-                </a:solidFill>
-                <a:latin typeface="Times New Roman" panose="02020603050405020304" pitchFamily="18" charset="0"/>
-                <a:cs typeface="Times New Roman" panose="02020603050405020304" pitchFamily="18" charset="0"/>
-              </a:rPr>
-              <a:t> = Nova chance; </a:t>
-            </a:r>
-            <a:r>
-              <a:rPr lang="pt-BR" b="1" dirty="0">
-                <a:solidFill>
-                  <a:srgbClr val="FF0000"/>
-                </a:solidFill>
-                <a:latin typeface="Times New Roman" panose="02020603050405020304" pitchFamily="18" charset="0"/>
-                <a:cs typeface="Times New Roman" panose="02020603050405020304" pitchFamily="18" charset="0"/>
-              </a:rPr>
-              <a:t>NÃO EXISTE SEGUNDA CHAMADA;</a:t>
-            </a:r>
-            <a:r>
-              <a:rPr lang="pt-BR" b="1" dirty="0">
-                <a:solidFill>
-                  <a:srgbClr val="002060"/>
-                </a:solidFill>
-                <a:latin typeface="Times New Roman" panose="02020603050405020304" pitchFamily="18" charset="0"/>
-                <a:cs typeface="Times New Roman" panose="02020603050405020304" pitchFamily="18" charset="0"/>
-              </a:rPr>
-              <a:t> AVS = Final</a:t>
-            </a:r>
-            <a:endParaRPr lang="pt-BR" b="1" dirty="0">
-              <a:solidFill>
-                <a:srgbClr val="002060"/>
-              </a:solidFill>
-            </a:endParaRPr>
-          </a:p>
-        </p:txBody>
-      </p:sp>
-    </p:spTree>
-    <p:extLst>
-      <p:ext uri="{BB962C8B-B14F-4D97-AF65-F5344CB8AC3E}">
-        <p14:creationId xmlns:p14="http://schemas.microsoft.com/office/powerpoint/2010/main" val="1226873747"/>
-      </p:ext>
-    </p:extLst>
-  </p:cSld>
-  <p:clrMapOvr>
-    <a:masterClrMapping/>
-  </p:clrMapOvr>
-  <p:timing>
-    <p:tnLst>
-      <p:par>
-        <p:cTn id="1" dur="indefinite" restart="never" nodeType="tmRoot">
-          <p:childTnLst>
-            <p:seq concurrent="1" nextAc="seek">
-              <p:cTn id="2" dur="indefinite" nodeType="mainSeq">
-                <p:childTnLst>
-                  <p:par>
-                    <p:cTn id="3" fill="hold">
-                      <p:stCondLst>
-                        <p:cond delay="indefinite"/>
-                      </p:stCondLst>
-                      <p:childTnLst>
-                        <p:par>
-                          <p:cTn id="4" fill="hold">
-                            <p:stCondLst>
-                              <p:cond delay="0"/>
-                            </p:stCondLst>
-                            <p:childTnLst>
-                              <p:par>
-                                <p:cTn id="5" presetID="1" presetClass="entr" presetSubtype="0" fill="hold" nodeType="clickEffect">
-                                  <p:stCondLst>
-                                    <p:cond delay="0"/>
-                                  </p:stCondLst>
-                                  <p:childTnLst>
-                                    <p:set>
-                                      <p:cBhvr>
-                                        <p:cTn id="6" dur="1" fill="hold">
-                                          <p:stCondLst>
-                                            <p:cond delay="0"/>
-                                          </p:stCondLst>
-                                        </p:cTn>
-                                        <p:tgtEl>
-                                          <p:spTgt spid="18"/>
-                                        </p:tgtEl>
-                                        <p:attrNameLst>
-                                          <p:attrName>style.visibility</p:attrName>
-                                        </p:attrNameLst>
-                                      </p:cBhvr>
-                                      <p:to>
-                                        <p:strVal val="visible"/>
-                                      </p:to>
-                                    </p:set>
-                                  </p:childTnLst>
-                                </p:cTn>
-                              </p:par>
-                            </p:childTnLst>
-                          </p:cTn>
-                        </p:par>
-                      </p:childTnLst>
-                    </p:cTn>
-                  </p:par>
-                  <p:par>
-                    <p:cTn id="7" fill="hold">
-                      <p:stCondLst>
-                        <p:cond delay="indefinite"/>
-                      </p:stCondLst>
-                      <p:childTnLst>
-                        <p:par>
-                          <p:cTn id="8" fill="hold">
-                            <p:stCondLst>
-                              <p:cond delay="0"/>
-                            </p:stCondLst>
-                            <p:childTnLst>
-                              <p:par>
-                                <p:cTn id="9" presetID="1" presetClass="entr" presetSubtype="0" fill="hold" nodeType="clickEffect">
-                                  <p:stCondLst>
-                                    <p:cond delay="0"/>
-                                  </p:stCondLst>
-                                  <p:childTnLst>
-                                    <p:set>
-                                      <p:cBhvr>
-                                        <p:cTn id="10" dur="1" fill="hold">
-                                          <p:stCondLst>
-                                            <p:cond delay="0"/>
-                                          </p:stCondLst>
-                                        </p:cTn>
-                                        <p:tgtEl>
-                                          <p:spTgt spid="10"/>
-                                        </p:tgtEl>
-                                        <p:attrNameLst>
-                                          <p:attrName>style.visibility</p:attrName>
-                                        </p:attrNameLst>
-                                      </p:cBhvr>
-                                      <p:to>
-                                        <p:strVal val="visible"/>
-                                      </p:to>
-                                    </p:set>
-                                  </p:childTnLst>
-                                </p:cTn>
-                              </p:par>
-                            </p:childTnLst>
-                          </p:cTn>
-                        </p:par>
-                      </p:childTnLst>
-                    </p:cTn>
-                  </p:par>
-                </p:childTnLst>
-              </p:cTn>
-              <p:prevCondLst>
-                <p:cond evt="onPrev" delay="0">
-                  <p:tgtEl>
-                    <p:sldTgt/>
-                  </p:tgtEl>
-                </p:cond>
-              </p:prevCondLst>
-              <p:nextCondLst>
-                <p:cond evt="onNext" delay="0">
-                  <p:tgtEl>
-                    <p:sldTgt/>
-                  </p:tgtEl>
-                </p:cond>
-              </p:nextCondLst>
-            </p:seq>
-          </p:childTnLst>
-        </p:cTn>
-      </p:par>
-    </p:tnLst>
-  </p:timing>
-</p:sld>
-</file>
-
-<file path=ppt/slides/slide25.xml><?xml version="1.0" encoding="utf-8"?>
-<p:sld xmlns:a="http://schemas.openxmlformats.org/drawingml/2006/main" xmlns:r="http://schemas.openxmlformats.org/officeDocument/2006/relationships" xmlns:p="http://schemas.openxmlformats.org/presentationml/2006/main">
-  <p:cSld>
-    <p:spTree>
-      <p:nvGrpSpPr>
-        <p:cNvPr id="1" name=""/>
-        <p:cNvGrpSpPr/>
-        <p:nvPr/>
-      </p:nvGrpSpPr>
-      <p:grpSpPr>
-        <a:xfrm>
-          <a:off x="0" y="0"/>
-          <a:ext cx="0" cy="0"/>
-          <a:chOff x="0" y="0"/>
-          <a:chExt cx="0" cy="0"/>
-        </a:xfrm>
-      </p:grpSpPr>
-      <p:sp>
-        <p:nvSpPr>
           <p:cNvPr id="6" name="Title 1"/>
           <p:cNvSpPr>
             <a:spLocks noGrp="1"/>
@@ -11877,7 +10496,7 @@
 </p:sld>
 </file>
 
-<file path=ppt/slides/slide26.xml><?xml version="1.0" encoding="utf-8"?>
+<file path=ppt/slides/slide25.xml><?xml version="1.0" encoding="utf-8"?>
 <p:sld xmlns:a="http://schemas.openxmlformats.org/drawingml/2006/main" xmlns:r="http://schemas.openxmlformats.org/officeDocument/2006/relationships" xmlns:p="http://schemas.openxmlformats.org/presentationml/2006/main">
   <p:cSld>
     <p:spTree>
@@ -12341,7 +10960,7 @@
 </p:sld>
 </file>
 
-<file path=ppt/slides/slide27.xml><?xml version="1.0" encoding="utf-8"?>
+<file path=ppt/slides/slide26.xml><?xml version="1.0" encoding="utf-8"?>
 <p:sld xmlns:a="http://schemas.openxmlformats.org/drawingml/2006/main" xmlns:r="http://schemas.openxmlformats.org/officeDocument/2006/relationships" xmlns:p="http://schemas.openxmlformats.org/presentationml/2006/main">
   <p:cSld>
     <p:spTree>
@@ -12693,7 +11312,7 @@
 </p:sld>
 </file>
 
-<file path=ppt/slides/slide28.xml><?xml version="1.0" encoding="utf-8"?>
+<file path=ppt/slides/slide27.xml><?xml version="1.0" encoding="utf-8"?>
 <p:sld xmlns:a="http://schemas.openxmlformats.org/drawingml/2006/main" xmlns:r="http://schemas.openxmlformats.org/officeDocument/2006/relationships" xmlns:p="http://schemas.openxmlformats.org/presentationml/2006/main">
   <p:cSld>
     <p:spTree>
@@ -13629,47 +12248,32 @@
             <a:r>
               <a:rPr lang="pt-BR" altLang="pt-BR" sz="2400" b="1" dirty="0">
                 <a:solidFill>
-                  <a:schemeClr val="accent3">
-                    <a:lumMod val="50000"/>
-                  </a:schemeClr>
-                </a:solidFill>
-                <a:highlight>
-                  <a:srgbClr val="FFFF00"/>
-                </a:highlight>
-                <a:latin typeface="Times New Roman" panose="02020603050405020304" pitchFamily="18" charset="0"/>
-                <a:cs typeface="Times New Roman" panose="02020603050405020304" pitchFamily="18" charset="0"/>
-              </a:rPr>
-              <a:t>Engenheiro Eletricista 10º Semestre - </a:t>
+                  <a:srgbClr val="0070C0"/>
+                </a:solidFill>
+                <a:latin typeface="Times New Roman" panose="02020603050405020304" pitchFamily="18" charset="0"/>
+                <a:cs typeface="Times New Roman" panose="02020603050405020304" pitchFamily="18" charset="0"/>
+              </a:rPr>
+              <a:t>Engenheiro Eletricista – </a:t>
             </a:r>
             <a:r>
               <a:rPr lang="pt-BR" altLang="pt-BR" sz="2400" b="1" dirty="0" err="1">
                 <a:solidFill>
-                  <a:schemeClr val="accent3">
-                    <a:lumMod val="50000"/>
-                  </a:schemeClr>
-                </a:solidFill>
-                <a:highlight>
-                  <a:srgbClr val="FFFF00"/>
-                </a:highlight>
-                <a:latin typeface="Times New Roman" panose="02020603050405020304" pitchFamily="18" charset="0"/>
-                <a:cs typeface="Times New Roman" panose="02020603050405020304" pitchFamily="18" charset="0"/>
-              </a:rPr>
-              <a:t>UniRuy</a:t>
+                  <a:srgbClr val="0070C0"/>
+                </a:solidFill>
+                <a:latin typeface="Times New Roman" panose="02020603050405020304" pitchFamily="18" charset="0"/>
+                <a:cs typeface="Times New Roman" panose="02020603050405020304" pitchFamily="18" charset="0"/>
+              </a:rPr>
+              <a:t>Wyden</a:t>
             </a:r>
             <a:r>
               <a:rPr lang="pt-BR" altLang="pt-BR" sz="2400" b="1" dirty="0">
                 <a:solidFill>
-                  <a:schemeClr val="accent3">
-                    <a:lumMod val="50000"/>
-                  </a:schemeClr>
-                </a:solidFill>
-                <a:highlight>
-                  <a:srgbClr val="FFFF00"/>
-                </a:highlight>
-                <a:latin typeface="Times New Roman" panose="02020603050405020304" pitchFamily="18" charset="0"/>
-                <a:cs typeface="Times New Roman" panose="02020603050405020304" pitchFamily="18" charset="0"/>
-              </a:rPr>
-              <a:t> (Formando)</a:t>
+                  <a:srgbClr val="0070C0"/>
+                </a:solidFill>
+                <a:latin typeface="Times New Roman" panose="02020603050405020304" pitchFamily="18" charset="0"/>
+                <a:cs typeface="Times New Roman" panose="02020603050405020304" pitchFamily="18" charset="0"/>
+              </a:rPr>
+              <a:t> UNIRUY</a:t>
             </a:r>
           </a:p>
           <a:p>
@@ -13680,12 +12284,14 @@
             <a:r>
               <a:rPr lang="pt-BR" altLang="pt-BR" sz="2400" b="1" dirty="0">
                 <a:solidFill>
-                  <a:srgbClr val="0070C0"/>
-                </a:solidFill>
-                <a:latin typeface="Times New Roman" panose="02020603050405020304" pitchFamily="18" charset="0"/>
-                <a:cs typeface="Times New Roman" panose="02020603050405020304" pitchFamily="18" charset="0"/>
-              </a:rPr>
-              <a:t>Licenciatura R2 Matemática</a:t>
+                  <a:schemeClr val="accent2">
+                    <a:lumMod val="75000"/>
+                  </a:schemeClr>
+                </a:solidFill>
+                <a:latin typeface="Times New Roman" panose="02020603050405020304" pitchFamily="18" charset="0"/>
+                <a:cs typeface="Times New Roman" panose="02020603050405020304" pitchFamily="18" charset="0"/>
+              </a:rPr>
+              <a:t>Licenciatura R2 Matemática - UNICS</a:t>
             </a:r>
           </a:p>
           <a:p>
@@ -13719,6 +12325,19 @@
               </a:rPr>
               <a:t>Processamento Dados Profissionalizante - EEEMBA</a:t>
             </a:r>
+            <a:endParaRPr lang="pt-BR" sz="2400" b="1" dirty="0">
+              <a:solidFill>
+                <a:srgbClr val="00B050"/>
+              </a:solidFill>
+              <a:latin typeface="Times New Roman" panose="02020603050405020304" pitchFamily="18" charset="0"/>
+              <a:cs typeface="Times New Roman" panose="02020603050405020304" pitchFamily="18" charset="0"/>
+            </a:endParaRPr>
+          </a:p>
+          <a:p>
+            <a:pPr algn="just" eaLnBrk="0" hangingPunct="0">
+              <a:buFont typeface="Wingdings" panose="05000000000000000000" pitchFamily="2" charset="2"/>
+              <a:buChar char="ü"/>
+            </a:pPr>
             <a:endParaRPr lang="pt-BR" sz="2400" b="1" dirty="0">
               <a:solidFill>
                 <a:srgbClr val="00B050"/>

--- a/Apresentação - Programação Microcontroladores.pptx
+++ b/Apresentação - Programação Microcontroladores.pptx
@@ -12291,8 +12291,29 @@
                 <a:latin typeface="Times New Roman" panose="02020603050405020304" pitchFamily="18" charset="0"/>
                 <a:cs typeface="Times New Roman" panose="02020603050405020304" pitchFamily="18" charset="0"/>
               </a:rPr>
-              <a:t>Licenciatura R2 Matemática - UNICS</a:t>
-            </a:r>
+              <a:t>Licenciatura R2 </a:t>
+            </a:r>
+            <a:r>
+              <a:rPr lang="pt-BR" altLang="pt-BR" sz="2400" b="1">
+                <a:solidFill>
+                  <a:schemeClr val="accent2">
+                    <a:lumMod val="75000"/>
+                  </a:schemeClr>
+                </a:solidFill>
+                <a:latin typeface="Times New Roman" panose="02020603050405020304" pitchFamily="18" charset="0"/>
+                <a:cs typeface="Times New Roman" panose="02020603050405020304" pitchFamily="18" charset="0"/>
+              </a:rPr>
+              <a:t>Matemática – UNICS </a:t>
+            </a:r>
+            <a:endParaRPr lang="pt-BR" altLang="pt-BR" sz="2400" b="1" dirty="0">
+              <a:solidFill>
+                <a:schemeClr val="accent2">
+                  <a:lumMod val="75000"/>
+                </a:schemeClr>
+              </a:solidFill>
+              <a:latin typeface="Times New Roman" panose="02020603050405020304" pitchFamily="18" charset="0"/>
+              <a:cs typeface="Times New Roman" panose="02020603050405020304" pitchFamily="18" charset="0"/>
+            </a:endParaRPr>
           </a:p>
           <a:p>
             <a:pPr algn="just" eaLnBrk="0" hangingPunct="0">
